--- a/Work/Work.pptx
+++ b/Work/Work.pptx
@@ -13,6 +13,7 @@
     <p:sldId id="261" r:id="rId7"/>
     <p:sldId id="262" r:id="rId8"/>
     <p:sldId id="263" r:id="rId9"/>
+    <p:sldId id="264" r:id="rId10"/>
   </p:sldIdLst>
   <p:sldSz cx="12192000" cy="6858000"/>
   <p:notesSz cx="6858000" cy="9144000"/>
@@ -3368,8 +3369,8 @@
           </a:p>
         </p:txBody>
       </p:sp>
-      <mc:AlternateContent xmlns:mc="http://schemas.openxmlformats.org/markup-compatibility/2006">
-        <mc:Choice xmlns:a14="http://schemas.microsoft.com/office/drawing/2010/main" Requires="a14">
+      <mc:AlternateContent xmlns:mc="http://schemas.openxmlformats.org/markup-compatibility/2006" xmlns:a14="http://schemas.microsoft.com/office/drawing/2010/main">
+        <mc:Choice Requires="a14">
           <p:sp>
             <p:nvSpPr>
               <p:cNvPr id="10" name="Прямоугольник 9"/>
@@ -3411,6 +3412,7 @@
                 </a:endParaRPr>
               </a:p>
               <a:p>
+                <a:pPr/>
                 <a14:m>
                   <m:oMathPara xmlns:m="http://schemas.openxmlformats.org/officeDocument/2006/math">
                     <m:oMathParaPr>
@@ -3754,73 +3756,97 @@
                     </m:oMathParaPr>
                     <m:oMath xmlns:m="http://schemas.openxmlformats.org/officeDocument/2006/math">
                       <m:r>
-                        <a:rPr lang="en-US" sz="2400" i="1"/>
+                        <a:rPr lang="en-US" sz="2400" i="1">
+                          <a:latin typeface="Cambria Math" panose="02040503050406030204" pitchFamily="18" charset="0"/>
+                        </a:rPr>
                         <m:t>4</m:t>
                       </m:r>
                       <m:d>
                         <m:dPr>
                           <m:ctrlPr>
-                            <a:rPr lang="ru-RU" sz="2400" i="1"/>
+                            <a:rPr lang="ru-RU" sz="2400" i="1">
+                              <a:latin typeface="Cambria Math" panose="02040503050406030204" pitchFamily="18" charset="0"/>
+                            </a:rPr>
                           </m:ctrlPr>
                         </m:dPr>
                         <m:e>
                           <m:d>
                             <m:dPr>
                               <m:ctrlPr>
-                                <a:rPr lang="ru-RU" sz="2400" i="1"/>
+                                <a:rPr lang="ru-RU" sz="2400" i="1">
+                                  <a:latin typeface="Cambria Math" panose="02040503050406030204" pitchFamily="18" charset="0"/>
+                                </a:rPr>
                               </m:ctrlPr>
                             </m:dPr>
                             <m:e>
                               <m:sSubSup>
                                 <m:sSubSupPr>
                                   <m:ctrlPr>
-                                    <a:rPr lang="ru-RU" sz="2400" i="1"/>
+                                    <a:rPr lang="ru-RU" sz="2400" i="1">
+                                      <a:latin typeface="Cambria Math" panose="02040503050406030204" pitchFamily="18" charset="0"/>
+                                    </a:rPr>
                                   </m:ctrlPr>
                                 </m:sSubSupPr>
                                 <m:e>
                                   <m:r>
-                                    <a:rPr lang="ru-RU" sz="2400" i="1"/>
+                                    <a:rPr lang="ru-RU" sz="2400" i="1">
+                                      <a:latin typeface="Cambria Math" panose="02040503050406030204" pitchFamily="18" charset="0"/>
+                                    </a:rPr>
                                     <m:t>𝑎</m:t>
                                   </m:r>
                                 </m:e>
                                 <m:sub>
                                   <m:r>
-                                    <a:rPr lang="ru-RU" sz="2400" i="1"/>
+                                    <a:rPr lang="ru-RU" sz="2400" i="1">
+                                      <a:latin typeface="Cambria Math" panose="02040503050406030204" pitchFamily="18" charset="0"/>
+                                    </a:rPr>
                                     <m:t>2</m:t>
                                   </m:r>
                                 </m:sub>
                                 <m:sup>
                                   <m:r>
-                                    <a:rPr lang="ru-RU" sz="2400" i="1"/>
+                                    <a:rPr lang="ru-RU" sz="2400" i="1">
+                                      <a:latin typeface="Cambria Math" panose="02040503050406030204" pitchFamily="18" charset="0"/>
+                                    </a:rPr>
                                     <m:t>2</m:t>
                                   </m:r>
                                 </m:sup>
                               </m:sSubSup>
                               <m:r>
-                                <a:rPr lang="ru-RU" sz="2400" i="1"/>
+                                <a:rPr lang="ru-RU" sz="2400" i="1">
+                                  <a:latin typeface="Cambria Math" panose="02040503050406030204" pitchFamily="18" charset="0"/>
+                                </a:rPr>
                                 <m:t>+</m:t>
                               </m:r>
                               <m:sSubSup>
                                 <m:sSubSupPr>
                                   <m:ctrlPr>
-                                    <a:rPr lang="ru-RU" sz="2400" i="1"/>
+                                    <a:rPr lang="ru-RU" sz="2400" i="1">
+                                      <a:latin typeface="Cambria Math" panose="02040503050406030204" pitchFamily="18" charset="0"/>
+                                    </a:rPr>
                                   </m:ctrlPr>
                                 </m:sSubSupPr>
                                 <m:e>
                                   <m:r>
-                                    <a:rPr lang="ru-RU" sz="2400" i="1"/>
+                                    <a:rPr lang="ru-RU" sz="2400" i="1">
+                                      <a:latin typeface="Cambria Math" panose="02040503050406030204" pitchFamily="18" charset="0"/>
+                                    </a:rPr>
                                     <m:t>𝑏</m:t>
                                   </m:r>
                                 </m:e>
                                 <m:sub>
                                   <m:r>
-                                    <a:rPr lang="ru-RU" sz="2400" i="1"/>
+                                    <a:rPr lang="ru-RU" sz="2400" i="1">
+                                      <a:latin typeface="Cambria Math" panose="02040503050406030204" pitchFamily="18" charset="0"/>
+                                    </a:rPr>
                                     <m:t>2</m:t>
                                   </m:r>
                                 </m:sub>
                                 <m:sup>
                                   <m:r>
-                                    <a:rPr lang="ru-RU" sz="2400" i="1"/>
+                                    <a:rPr lang="ru-RU" sz="2400" i="1">
+                                      <a:latin typeface="Cambria Math" panose="02040503050406030204" pitchFamily="18" charset="0"/>
+                                    </a:rPr>
                                     <m:t>2</m:t>
                                   </m:r>
                                 </m:sup>
@@ -3830,87 +3856,117 @@
                           <m:sSup>
                             <m:sSupPr>
                               <m:ctrlPr>
-                                <a:rPr lang="ru-RU" sz="2400" i="1"/>
+                                <a:rPr lang="ru-RU" sz="2400" i="1">
+                                  <a:latin typeface="Cambria Math" panose="02040503050406030204" pitchFamily="18" charset="0"/>
+                                </a:rPr>
                               </m:ctrlPr>
                             </m:sSupPr>
                             <m:e>
                               <m:r>
-                                <a:rPr lang="ru-RU" sz="2400" i="1"/>
+                                <a:rPr lang="ru-RU" sz="2400" i="1">
+                                  <a:latin typeface="Cambria Math" panose="02040503050406030204" pitchFamily="18" charset="0"/>
+                                </a:rPr>
                                 <m:t>𝑘</m:t>
                               </m:r>
                             </m:e>
                             <m:sup>
                               <m:r>
-                                <a:rPr lang="ru-RU" sz="2400" i="1"/>
+                                <a:rPr lang="ru-RU" sz="2400" i="1">
+                                  <a:latin typeface="Cambria Math" panose="02040503050406030204" pitchFamily="18" charset="0"/>
+                                </a:rPr>
                                 <m:t>′</m:t>
                               </m:r>
                             </m:sup>
                           </m:sSup>
                           <m:r>
-                            <a:rPr lang="ru-RU" sz="2400" i="1"/>
+                            <a:rPr lang="ru-RU" sz="2400" i="1">
+                              <a:latin typeface="Cambria Math" panose="02040503050406030204" pitchFamily="18" charset="0"/>
+                            </a:rPr>
                             <m:t>𝑘</m:t>
                           </m:r>
                           <m:r>
-                            <a:rPr lang="ru-RU" sz="2400" i="1"/>
+                            <a:rPr lang="ru-RU" sz="2400" i="1">
+                              <a:latin typeface="Cambria Math" panose="02040503050406030204" pitchFamily="18" charset="0"/>
+                            </a:rPr>
                             <m:t>+</m:t>
                           </m:r>
                           <m:d>
                             <m:dPr>
                               <m:ctrlPr>
-                                <a:rPr lang="ru-RU" sz="2400" i="1"/>
+                                <a:rPr lang="ru-RU" sz="2400" i="1">
+                                  <a:latin typeface="Cambria Math" panose="02040503050406030204" pitchFamily="18" charset="0"/>
+                                </a:rPr>
                               </m:ctrlPr>
                             </m:dPr>
                             <m:e>
                               <m:sSubSup>
                                 <m:sSubSupPr>
                                   <m:ctrlPr>
-                                    <a:rPr lang="ru-RU" sz="2400" i="1"/>
+                                    <a:rPr lang="ru-RU" sz="2400" i="1">
+                                      <a:latin typeface="Cambria Math" panose="02040503050406030204" pitchFamily="18" charset="0"/>
+                                    </a:rPr>
                                   </m:ctrlPr>
                                 </m:sSubSupPr>
                                 <m:e>
                                   <m:r>
-                                    <a:rPr lang="ru-RU" sz="2400" i="1"/>
+                                    <a:rPr lang="ru-RU" sz="2400" i="1">
+                                      <a:latin typeface="Cambria Math" panose="02040503050406030204" pitchFamily="18" charset="0"/>
+                                    </a:rPr>
                                     <m:t>𝑎</m:t>
                                   </m:r>
                                 </m:e>
                                 <m:sub>
                                   <m:r>
-                                    <a:rPr lang="ru-RU" sz="2400" i="1"/>
+                                    <a:rPr lang="ru-RU" sz="2400" i="1">
+                                      <a:latin typeface="Cambria Math" panose="02040503050406030204" pitchFamily="18" charset="0"/>
+                                    </a:rPr>
                                     <m:t>2</m:t>
                                   </m:r>
                                 </m:sub>
                                 <m:sup>
                                   <m:r>
-                                    <a:rPr lang="ru-RU" sz="2400" i="1"/>
+                                    <a:rPr lang="ru-RU" sz="2400" i="1">
+                                      <a:latin typeface="Cambria Math" panose="02040503050406030204" pitchFamily="18" charset="0"/>
+                                    </a:rPr>
                                     <m:t>2</m:t>
                                   </m:r>
                                 </m:sup>
                               </m:sSubSup>
                               <m:r>
-                                <a:rPr lang="ru-RU" sz="2400" i="1"/>
+                                <a:rPr lang="ru-RU" sz="2400" i="1">
+                                  <a:latin typeface="Cambria Math" panose="02040503050406030204" pitchFamily="18" charset="0"/>
+                                </a:rPr>
                                 <m:t>−</m:t>
                               </m:r>
                               <m:sSubSup>
                                 <m:sSubSupPr>
                                   <m:ctrlPr>
-                                    <a:rPr lang="ru-RU" sz="2400" i="1"/>
+                                    <a:rPr lang="ru-RU" sz="2400" i="1">
+                                      <a:latin typeface="Cambria Math" panose="02040503050406030204" pitchFamily="18" charset="0"/>
+                                    </a:rPr>
                                   </m:ctrlPr>
                                 </m:sSubSupPr>
                                 <m:e>
                                   <m:r>
-                                    <a:rPr lang="ru-RU" sz="2400" i="1"/>
+                                    <a:rPr lang="ru-RU" sz="2400" i="1">
+                                      <a:latin typeface="Cambria Math" panose="02040503050406030204" pitchFamily="18" charset="0"/>
+                                    </a:rPr>
                                     <m:t>𝑏</m:t>
                                   </m:r>
                                 </m:e>
                                 <m:sub>
                                   <m:r>
-                                    <a:rPr lang="ru-RU" sz="2400" i="1"/>
+                                    <a:rPr lang="ru-RU" sz="2400" i="1">
+                                      <a:latin typeface="Cambria Math" panose="02040503050406030204" pitchFamily="18" charset="0"/>
+                                    </a:rPr>
                                     <m:t>2</m:t>
                                   </m:r>
                                 </m:sub>
                                 <m:sup>
                                   <m:r>
-                                    <a:rPr lang="ru-RU" sz="2400" i="1"/>
+                                    <a:rPr lang="ru-RU" sz="2400" i="1">
+                                      <a:latin typeface="Cambria Math" panose="02040503050406030204" pitchFamily="18" charset="0"/>
+                                    </a:rPr>
                                     <m:t>2</m:t>
                                   </m:r>
                                 </m:sup>
@@ -3920,24 +3976,32 @@
                           <m:sSubSup>
                             <m:sSubSupPr>
                               <m:ctrlPr>
-                                <a:rPr lang="ru-RU" sz="2400" i="1"/>
+                                <a:rPr lang="ru-RU" sz="2400" i="1">
+                                  <a:latin typeface="Cambria Math" panose="02040503050406030204" pitchFamily="18" charset="0"/>
+                                </a:rPr>
                               </m:ctrlPr>
                             </m:sSubSupPr>
                             <m:e>
                               <m:r>
-                                <a:rPr lang="ru-RU" sz="2400" i="1"/>
+                                <a:rPr lang="ru-RU" sz="2400" i="1">
+                                  <a:latin typeface="Cambria Math" panose="02040503050406030204" pitchFamily="18" charset="0"/>
+                                </a:rPr>
                                 <m:t>𝑚</m:t>
                               </m:r>
                             </m:e>
                             <m:sub>
                               <m:r>
-                                <a:rPr lang="ru-RU" sz="2400" i="1"/>
+                                <a:rPr lang="ru-RU" sz="2400" i="1">
+                                  <a:latin typeface="Cambria Math" panose="02040503050406030204" pitchFamily="18" charset="0"/>
+                                </a:rPr>
                                 <m:t>𝜒</m:t>
                               </m:r>
                             </m:sub>
                             <m:sup>
                               <m:r>
-                                <a:rPr lang="ru-RU" sz="2400" i="1"/>
+                                <a:rPr lang="ru-RU" sz="2400" i="1">
+                                  <a:latin typeface="Cambria Math" panose="02040503050406030204" pitchFamily="18" charset="0"/>
+                                </a:rPr>
                                 <m:t>2</m:t>
                               </m:r>
                             </m:sup>
@@ -3947,67 +4011,89 @@
                       <m:d>
                         <m:dPr>
                           <m:ctrlPr>
-                            <a:rPr lang="ru-RU" sz="2400" i="1"/>
+                            <a:rPr lang="ru-RU" sz="2400" i="1">
+                              <a:latin typeface="Cambria Math" panose="02040503050406030204" pitchFamily="18" charset="0"/>
+                            </a:rPr>
                           </m:ctrlPr>
                         </m:dPr>
                         <m:e>
                           <m:d>
                             <m:dPr>
                               <m:ctrlPr>
-                                <a:rPr lang="ru-RU" sz="2400" i="1"/>
+                                <a:rPr lang="ru-RU" sz="2400" i="1">
+                                  <a:latin typeface="Cambria Math" panose="02040503050406030204" pitchFamily="18" charset="0"/>
+                                </a:rPr>
                               </m:ctrlPr>
                             </m:dPr>
                             <m:e>
                               <m:sSubSup>
                                 <m:sSubSupPr>
                                   <m:ctrlPr>
-                                    <a:rPr lang="ru-RU" sz="2400" i="1"/>
+                                    <a:rPr lang="ru-RU" sz="2400" i="1">
+                                      <a:latin typeface="Cambria Math" panose="02040503050406030204" pitchFamily="18" charset="0"/>
+                                    </a:rPr>
                                   </m:ctrlPr>
                                 </m:sSubSupPr>
                                 <m:e>
                                   <m:r>
-                                    <a:rPr lang="ru-RU" sz="2400" i="1"/>
+                                    <a:rPr lang="ru-RU" sz="2400" i="1">
+                                      <a:latin typeface="Cambria Math" panose="02040503050406030204" pitchFamily="18" charset="0"/>
+                                    </a:rPr>
                                     <m:t>𝑎</m:t>
                                   </m:r>
                                 </m:e>
                                 <m:sub>
                                   <m:r>
-                                    <a:rPr lang="ru-RU" sz="2400" i="1"/>
+                                    <a:rPr lang="ru-RU" sz="2400" i="1">
+                                      <a:latin typeface="Cambria Math" panose="02040503050406030204" pitchFamily="18" charset="0"/>
+                                    </a:rPr>
                                     <m:t>1</m:t>
                                   </m:r>
                                 </m:sub>
                                 <m:sup>
                                   <m:r>
-                                    <a:rPr lang="ru-RU" sz="2400" i="1"/>
+                                    <a:rPr lang="ru-RU" sz="2400" i="1">
+                                      <a:latin typeface="Cambria Math" panose="02040503050406030204" pitchFamily="18" charset="0"/>
+                                    </a:rPr>
                                     <m:t>2</m:t>
                                   </m:r>
                                 </m:sup>
                               </m:sSubSup>
                               <m:r>
-                                <a:rPr lang="ru-RU" sz="2400" i="1"/>
+                                <a:rPr lang="ru-RU" sz="2400" i="1">
+                                  <a:latin typeface="Cambria Math" panose="02040503050406030204" pitchFamily="18" charset="0"/>
+                                </a:rPr>
                                 <m:t>+</m:t>
                               </m:r>
                               <m:sSubSup>
                                 <m:sSubSupPr>
                                   <m:ctrlPr>
-                                    <a:rPr lang="ru-RU" sz="2400" i="1"/>
+                                    <a:rPr lang="ru-RU" sz="2400" i="1">
+                                      <a:latin typeface="Cambria Math" panose="02040503050406030204" pitchFamily="18" charset="0"/>
+                                    </a:rPr>
                                   </m:ctrlPr>
                                 </m:sSubSupPr>
                                 <m:e>
                                   <m:r>
-                                    <a:rPr lang="ru-RU" sz="2400" i="1"/>
+                                    <a:rPr lang="ru-RU" sz="2400" i="1">
+                                      <a:latin typeface="Cambria Math" panose="02040503050406030204" pitchFamily="18" charset="0"/>
+                                    </a:rPr>
                                     <m:t>𝑏</m:t>
                                   </m:r>
                                 </m:e>
                                 <m:sub>
                                   <m:r>
-                                    <a:rPr lang="ru-RU" sz="2400" i="1"/>
+                                    <a:rPr lang="ru-RU" sz="2400" i="1">
+                                      <a:latin typeface="Cambria Math" panose="02040503050406030204" pitchFamily="18" charset="0"/>
+                                    </a:rPr>
                                     <m:t>1</m:t>
                                   </m:r>
                                 </m:sub>
                                 <m:sup>
                                   <m:r>
-                                    <a:rPr lang="ru-RU" sz="2400" i="1"/>
+                                    <a:rPr lang="ru-RU" sz="2400" i="1">
+                                      <a:latin typeface="Cambria Math" panose="02040503050406030204" pitchFamily="18" charset="0"/>
+                                    </a:rPr>
                                     <m:t>2</m:t>
                                   </m:r>
                                 </m:sup>
@@ -4017,87 +4103,117 @@
                           <m:sSup>
                             <m:sSupPr>
                               <m:ctrlPr>
-                                <a:rPr lang="ru-RU" sz="2400" i="1"/>
+                                <a:rPr lang="ru-RU" sz="2400" i="1">
+                                  <a:latin typeface="Cambria Math" panose="02040503050406030204" pitchFamily="18" charset="0"/>
+                                </a:rPr>
                               </m:ctrlPr>
                             </m:sSupPr>
                             <m:e>
                               <m:r>
-                                <a:rPr lang="ru-RU" sz="2400" i="1"/>
+                                <a:rPr lang="ru-RU" sz="2400" i="1">
+                                  <a:latin typeface="Cambria Math" panose="02040503050406030204" pitchFamily="18" charset="0"/>
+                                </a:rPr>
                                 <m:t>𝑝</m:t>
                               </m:r>
                             </m:e>
                             <m:sup>
                               <m:r>
-                                <a:rPr lang="ru-RU" sz="2400" i="1"/>
+                                <a:rPr lang="ru-RU" sz="2400" i="1">
+                                  <a:latin typeface="Cambria Math" panose="02040503050406030204" pitchFamily="18" charset="0"/>
+                                </a:rPr>
                                 <m:t>′</m:t>
                               </m:r>
                             </m:sup>
                           </m:sSup>
                           <m:r>
-                            <a:rPr lang="ru-RU" sz="2400" i="1"/>
+                            <a:rPr lang="ru-RU" sz="2400" i="1">
+                              <a:latin typeface="Cambria Math" panose="02040503050406030204" pitchFamily="18" charset="0"/>
+                            </a:rPr>
                             <m:t>𝑝</m:t>
                           </m:r>
                           <m:r>
-                            <a:rPr lang="ru-RU" sz="2400" i="1"/>
+                            <a:rPr lang="ru-RU" sz="2400" i="1">
+                              <a:latin typeface="Cambria Math" panose="02040503050406030204" pitchFamily="18" charset="0"/>
+                            </a:rPr>
                             <m:t>+</m:t>
                           </m:r>
                           <m:d>
                             <m:dPr>
                               <m:ctrlPr>
-                                <a:rPr lang="ru-RU" sz="2400" i="1"/>
+                                <a:rPr lang="ru-RU" sz="2400" i="1">
+                                  <a:latin typeface="Cambria Math" panose="02040503050406030204" pitchFamily="18" charset="0"/>
+                                </a:rPr>
                               </m:ctrlPr>
                             </m:dPr>
                             <m:e>
                               <m:sSubSup>
                                 <m:sSubSupPr>
                                   <m:ctrlPr>
-                                    <a:rPr lang="ru-RU" sz="2400" i="1"/>
+                                    <a:rPr lang="ru-RU" sz="2400" i="1">
+                                      <a:latin typeface="Cambria Math" panose="02040503050406030204" pitchFamily="18" charset="0"/>
+                                    </a:rPr>
                                   </m:ctrlPr>
                                 </m:sSubSupPr>
                                 <m:e>
                                   <m:r>
-                                    <a:rPr lang="ru-RU" sz="2400" i="1"/>
+                                    <a:rPr lang="ru-RU" sz="2400" i="1">
+                                      <a:latin typeface="Cambria Math" panose="02040503050406030204" pitchFamily="18" charset="0"/>
+                                    </a:rPr>
                                     <m:t>𝑎</m:t>
                                   </m:r>
                                 </m:e>
                                 <m:sub>
                                   <m:r>
-                                    <a:rPr lang="ru-RU" sz="2400" i="1"/>
+                                    <a:rPr lang="ru-RU" sz="2400" i="1">
+                                      <a:latin typeface="Cambria Math" panose="02040503050406030204" pitchFamily="18" charset="0"/>
+                                    </a:rPr>
                                     <m:t>1</m:t>
                                   </m:r>
                                 </m:sub>
                                 <m:sup>
                                   <m:r>
-                                    <a:rPr lang="ru-RU" sz="2400" i="1"/>
+                                    <a:rPr lang="ru-RU" sz="2400" i="1">
+                                      <a:latin typeface="Cambria Math" panose="02040503050406030204" pitchFamily="18" charset="0"/>
+                                    </a:rPr>
                                     <m:t>2</m:t>
                                   </m:r>
                                 </m:sup>
                               </m:sSubSup>
                               <m:r>
-                                <a:rPr lang="ru-RU" sz="2400" i="1"/>
+                                <a:rPr lang="ru-RU" sz="2400" i="1">
+                                  <a:latin typeface="Cambria Math" panose="02040503050406030204" pitchFamily="18" charset="0"/>
+                                </a:rPr>
                                 <m:t>−</m:t>
                               </m:r>
                               <m:sSubSup>
                                 <m:sSubSupPr>
                                   <m:ctrlPr>
-                                    <a:rPr lang="ru-RU" sz="2400" i="1"/>
+                                    <a:rPr lang="ru-RU" sz="2400" i="1">
+                                      <a:latin typeface="Cambria Math" panose="02040503050406030204" pitchFamily="18" charset="0"/>
+                                    </a:rPr>
                                   </m:ctrlPr>
                                 </m:sSubSupPr>
                                 <m:e>
                                   <m:r>
-                                    <a:rPr lang="ru-RU" sz="2400" i="1"/>
+                                    <a:rPr lang="ru-RU" sz="2400" i="1">
+                                      <a:latin typeface="Cambria Math" panose="02040503050406030204" pitchFamily="18" charset="0"/>
+                                    </a:rPr>
                                     <m:t>𝑏</m:t>
                                   </m:r>
                                 </m:e>
                                 <m:sub>
                                   <m:r>
-                                    <a:rPr lang="ru-RU" sz="2400" i="1"/>
+                                    <a:rPr lang="ru-RU" sz="2400" i="1">
+                                      <a:latin typeface="Cambria Math" panose="02040503050406030204" pitchFamily="18" charset="0"/>
+                                    </a:rPr>
                                     <m:t>1</m:t>
                                   </m:r>
                                 </m:sub>
                                 <m:sup>
                                   <m:r>
-                                    <a:rPr lang="ru-RU" sz="2400" i="1"/>
+                                    <a:rPr lang="ru-RU" sz="2400" i="1">
+                                      <a:latin typeface="Cambria Math" panose="02040503050406030204" pitchFamily="18" charset="0"/>
+                                    </a:rPr>
                                     <m:t>2</m:t>
                                   </m:r>
                                 </m:sup>
@@ -4107,24 +4223,32 @@
                           <m:sSubSup>
                             <m:sSubSupPr>
                               <m:ctrlPr>
-                                <a:rPr lang="ru-RU" sz="2400" i="1"/>
+                                <a:rPr lang="ru-RU" sz="2400" i="1">
+                                  <a:latin typeface="Cambria Math" panose="02040503050406030204" pitchFamily="18" charset="0"/>
+                                </a:rPr>
                               </m:ctrlPr>
                             </m:sSubSupPr>
                             <m:e>
                               <m:r>
-                                <a:rPr lang="ru-RU" sz="2400" i="1"/>
+                                <a:rPr lang="ru-RU" sz="2400" i="1">
+                                  <a:latin typeface="Cambria Math" panose="02040503050406030204" pitchFamily="18" charset="0"/>
+                                </a:rPr>
                                 <m:t>𝑚</m:t>
                               </m:r>
                             </m:e>
                             <m:sub>
                               <m:r>
-                                <a:rPr lang="ru-RU" sz="2400" i="1"/>
+                                <a:rPr lang="ru-RU" sz="2400" i="1">
+                                  <a:latin typeface="Cambria Math" panose="02040503050406030204" pitchFamily="18" charset="0"/>
+                                </a:rPr>
                                 <m:t>𝑁</m:t>
                               </m:r>
                             </m:sub>
                             <m:sup>
                               <m:r>
-                                <a:rPr lang="ru-RU" sz="2400" i="1"/>
+                                <a:rPr lang="ru-RU" sz="2400" i="1">
+                                  <a:latin typeface="Cambria Math" panose="02040503050406030204" pitchFamily="18" charset="0"/>
+                                </a:rPr>
                                 <m:t>2</m:t>
                               </m:r>
                             </m:sup>
@@ -4167,30 +4291,40 @@
                     <m:sSubSup>
                       <m:sSubSupPr>
                         <m:ctrlPr>
-                          <a:rPr lang="ru-RU" sz="2400" i="1"/>
+                          <a:rPr lang="ru-RU" sz="2400" i="1">
+                            <a:latin typeface="Cambria Math" panose="02040503050406030204" pitchFamily="18" charset="0"/>
+                          </a:rPr>
                         </m:ctrlPr>
                       </m:sSubSupPr>
                       <m:e>
                         <m:r>
-                          <a:rPr lang="ru-RU" sz="2400" i="1"/>
+                          <a:rPr lang="ru-RU" sz="2400" i="1">
+                            <a:latin typeface="Cambria Math" panose="02040503050406030204" pitchFamily="18" charset="0"/>
+                          </a:rPr>
                           <m:t>𝑎</m:t>
                         </m:r>
                       </m:e>
                       <m:sub>
                         <m:r>
-                          <a:rPr lang="ru-RU" sz="2400" i="1"/>
+                          <a:rPr lang="ru-RU" sz="2400" i="1">
+                            <a:latin typeface="Cambria Math" panose="02040503050406030204" pitchFamily="18" charset="0"/>
+                          </a:rPr>
                           <m:t>1</m:t>
                         </m:r>
                       </m:sub>
                       <m:sup>
                         <m:r>
-                          <a:rPr lang="ru-RU" sz="2400" i="1"/>
+                          <a:rPr lang="ru-RU" sz="2400" i="1">
+                            <a:latin typeface="Cambria Math" panose="02040503050406030204" pitchFamily="18" charset="0"/>
+                          </a:rPr>
                           <m:t>2</m:t>
                         </m:r>
                       </m:sup>
                     </m:sSubSup>
                     <m:r>
-                      <a:rPr lang="ru-RU" sz="2400" i="1"/>
+                      <a:rPr lang="ru-RU" sz="2400" i="1">
+                        <a:latin typeface="Cambria Math" panose="02040503050406030204" pitchFamily="18" charset="0"/>
+                      </a:rPr>
                       <m:t>≠0</m:t>
                     </m:r>
                   </m:oMath>
@@ -4204,30 +4338,40 @@
                     <m:sSubSup>
                       <m:sSubSupPr>
                         <m:ctrlPr>
-                          <a:rPr lang="ru-RU" sz="2400" i="1"/>
+                          <a:rPr lang="ru-RU" sz="2400" i="1">
+                            <a:latin typeface="Cambria Math" panose="02040503050406030204" pitchFamily="18" charset="0"/>
+                          </a:rPr>
                         </m:ctrlPr>
                       </m:sSubSupPr>
                       <m:e>
                         <m:r>
-                          <a:rPr lang="ru-RU" sz="2400" i="1"/>
+                          <a:rPr lang="ru-RU" sz="2400" i="1">
+                            <a:latin typeface="Cambria Math" panose="02040503050406030204" pitchFamily="18" charset="0"/>
+                          </a:rPr>
                           <m:t>𝑎</m:t>
                         </m:r>
                       </m:e>
                       <m:sub>
                         <m:r>
-                          <a:rPr lang="ru-RU" sz="2400" i="1"/>
+                          <a:rPr lang="ru-RU" sz="2400" i="1">
+                            <a:latin typeface="Cambria Math" panose="02040503050406030204" pitchFamily="18" charset="0"/>
+                          </a:rPr>
                           <m:t>2</m:t>
                         </m:r>
                       </m:sub>
                       <m:sup>
                         <m:r>
-                          <a:rPr lang="ru-RU" sz="2400" i="1"/>
+                          <a:rPr lang="ru-RU" sz="2400" i="1">
+                            <a:latin typeface="Cambria Math" panose="02040503050406030204" pitchFamily="18" charset="0"/>
+                          </a:rPr>
                           <m:t>2</m:t>
                         </m:r>
                       </m:sup>
                     </m:sSubSup>
                     <m:r>
-                      <a:rPr lang="ru-RU" sz="2400" i="1"/>
+                      <a:rPr lang="ru-RU" sz="2400" i="1">
+                        <a:latin typeface="Cambria Math" panose="02040503050406030204" pitchFamily="18" charset="0"/>
+                      </a:rPr>
                       <m:t>≠0</m:t>
                     </m:r>
                   </m:oMath>
@@ -4245,7 +4389,9 @@
                       <m:sSup>
                         <m:sSupPr>
                           <m:ctrlPr>
-                            <a:rPr lang="ru-RU" sz="2400" i="1"/>
+                            <a:rPr lang="ru-RU" sz="2400" i="1">
+                              <a:latin typeface="Cambria Math" panose="02040503050406030204" pitchFamily="18" charset="0"/>
+                            </a:rPr>
                           </m:ctrlPr>
                         </m:sSupPr>
                         <m:e>
@@ -4254,31 +4400,41 @@
                               <m:begChr m:val="|"/>
                               <m:endChr m:val="|"/>
                               <m:ctrlPr>
-                                <a:rPr lang="ru-RU" sz="2400" i="1"/>
+                                <a:rPr lang="ru-RU" sz="2400" i="1">
+                                  <a:latin typeface="Cambria Math" panose="02040503050406030204" pitchFamily="18" charset="0"/>
+                                </a:rPr>
                               </m:ctrlPr>
                             </m:dPr>
                             <m:e>
                               <m:sSubSup>
                                 <m:sSubSupPr>
                                   <m:ctrlPr>
-                                    <a:rPr lang="ru-RU" sz="2400" i="1"/>
+                                    <a:rPr lang="ru-RU" sz="2400" i="1">
+                                      <a:latin typeface="Cambria Math" panose="02040503050406030204" pitchFamily="18" charset="0"/>
+                                    </a:rPr>
                                   </m:ctrlPr>
                                 </m:sSubSupPr>
                                 <m:e>
                                   <m:r>
-                                    <a:rPr lang="en-US" sz="2400" i="1"/>
+                                    <a:rPr lang="en-US" sz="2400" i="1">
+                                      <a:latin typeface="Cambria Math" panose="02040503050406030204" pitchFamily="18" charset="0"/>
+                                    </a:rPr>
                                     <m:t>ℳ</m:t>
                                   </m:r>
                                 </m:e>
                                 <m:sub>
                                   <m:r>
-                                    <a:rPr lang="en-US" sz="2400" i="1"/>
+                                    <a:rPr lang="en-US" sz="2400" i="1">
+                                      <a:latin typeface="Cambria Math" panose="02040503050406030204" pitchFamily="18" charset="0"/>
+                                    </a:rPr>
                                     <m:t>0</m:t>
                                   </m:r>
                                 </m:sub>
                                 <m:sup>
                                   <m:r>
-                                    <a:rPr lang="en-US" sz="2400" i="1"/>
+                                    <a:rPr lang="en-US" sz="2400" i="1">
+                                      <a:latin typeface="Cambria Math" panose="02040503050406030204" pitchFamily="18" charset="0"/>
+                                    </a:rPr>
                                     <m:t>𝑠𝑐𝑎𝑙</m:t>
                                   </m:r>
                                 </m:sup>
@@ -4288,43 +4444,57 @@
                         </m:e>
                         <m:sup>
                           <m:r>
-                            <a:rPr lang="en-US" sz="2400" i="1"/>
+                            <a:rPr lang="en-US" sz="2400" i="1">
+                              <a:latin typeface="Cambria Math" panose="02040503050406030204" pitchFamily="18" charset="0"/>
+                            </a:rPr>
                             <m:t>2</m:t>
                           </m:r>
                         </m:sup>
                       </m:sSup>
                       <m:r>
-                        <a:rPr lang="en-US" sz="2400" i="1"/>
+                        <a:rPr lang="en-US" sz="2400" i="1">
+                          <a:latin typeface="Cambria Math" panose="02040503050406030204" pitchFamily="18" charset="0"/>
+                        </a:rPr>
                         <m:t>=16</m:t>
                       </m:r>
                       <m:d>
                         <m:dPr>
                           <m:ctrlPr>
-                            <a:rPr lang="ru-RU" sz="2400" i="1"/>
+                            <a:rPr lang="ru-RU" sz="2400" i="1">
+                              <a:latin typeface="Cambria Math" panose="02040503050406030204" pitchFamily="18" charset="0"/>
+                            </a:rPr>
                           </m:ctrlPr>
                         </m:dPr>
                         <m:e>
                           <m:sSubSup>
                             <m:sSubSupPr>
                               <m:ctrlPr>
-                                <a:rPr lang="ru-RU" sz="2400" i="1"/>
+                                <a:rPr lang="ru-RU" sz="2400" i="1">
+                                  <a:latin typeface="Cambria Math" panose="02040503050406030204" pitchFamily="18" charset="0"/>
+                                </a:rPr>
                               </m:ctrlPr>
                             </m:sSubSupPr>
                             <m:e>
                               <m:r>
-                                <a:rPr lang="ru-RU" sz="2400" i="1"/>
+                                <a:rPr lang="ru-RU" sz="2400" i="1">
+                                  <a:latin typeface="Cambria Math" panose="02040503050406030204" pitchFamily="18" charset="0"/>
+                                </a:rPr>
                                 <m:t>𝑎</m:t>
                               </m:r>
                             </m:e>
                             <m:sub>
                               <m:r>
-                                <a:rPr lang="ru-RU" sz="2400" i="1"/>
+                                <a:rPr lang="ru-RU" sz="2400" i="1">
+                                  <a:latin typeface="Cambria Math" panose="02040503050406030204" pitchFamily="18" charset="0"/>
+                                </a:rPr>
                                 <m:t>1</m:t>
                               </m:r>
                             </m:sub>
                             <m:sup>
                               <m:r>
-                                <a:rPr lang="ru-RU" sz="2400" i="1"/>
+                                <a:rPr lang="ru-RU" sz="2400" i="1">
+                                  <a:latin typeface="Cambria Math" panose="02040503050406030204" pitchFamily="18" charset="0"/>
+                                </a:rPr>
                                 <m:t>2</m:t>
                               </m:r>
                             </m:sup>
@@ -4332,24 +4502,32 @@
                           <m:sSubSup>
                             <m:sSubSupPr>
                               <m:ctrlPr>
-                                <a:rPr lang="ru-RU" sz="2400" i="1"/>
+                                <a:rPr lang="ru-RU" sz="2400" i="1">
+                                  <a:latin typeface="Cambria Math" panose="02040503050406030204" pitchFamily="18" charset="0"/>
+                                </a:rPr>
                               </m:ctrlPr>
                             </m:sSubSupPr>
                             <m:e>
                               <m:r>
-                                <a:rPr lang="ru-RU" sz="2400" i="1"/>
+                                <a:rPr lang="ru-RU" sz="2400" i="1">
+                                  <a:latin typeface="Cambria Math" panose="02040503050406030204" pitchFamily="18" charset="0"/>
+                                </a:rPr>
                                 <m:t>𝑎</m:t>
                               </m:r>
                             </m:e>
                             <m:sub>
                               <m:r>
-                                <a:rPr lang="ru-RU" sz="2400" i="1"/>
+                                <a:rPr lang="ru-RU" sz="2400" i="1">
+                                  <a:latin typeface="Cambria Math" panose="02040503050406030204" pitchFamily="18" charset="0"/>
+                                </a:rPr>
                                 <m:t>2</m:t>
                               </m:r>
                             </m:sub>
                             <m:sup>
                               <m:r>
-                                <a:rPr lang="ru-RU" sz="2400" i="1"/>
+                                <a:rPr lang="ru-RU" sz="2400" i="1">
+                                  <a:latin typeface="Cambria Math" panose="02040503050406030204" pitchFamily="18" charset="0"/>
+                                </a:rPr>
                                 <m:t>2</m:t>
                               </m:r>
                             </m:sup>
@@ -4359,24 +4537,32 @@
                       <m:sSubSup>
                         <m:sSubSupPr>
                           <m:ctrlPr>
-                            <a:rPr lang="ru-RU" sz="2400" i="1"/>
+                            <a:rPr lang="ru-RU" sz="2400" i="1">
+                              <a:latin typeface="Cambria Math" panose="02040503050406030204" pitchFamily="18" charset="0"/>
+                            </a:rPr>
                           </m:ctrlPr>
                         </m:sSubSupPr>
                         <m:e>
                           <m:r>
-                            <a:rPr lang="en-US" sz="2400" i="1"/>
+                            <a:rPr lang="en-US" sz="2400" i="1">
+                              <a:latin typeface="Cambria Math" panose="02040503050406030204" pitchFamily="18" charset="0"/>
+                            </a:rPr>
                             <m:t>𝑚</m:t>
                           </m:r>
                         </m:e>
                         <m:sub>
                           <m:r>
-                            <a:rPr lang="en-US" sz="2400" i="1"/>
+                            <a:rPr lang="en-US" sz="2400" i="1">
+                              <a:latin typeface="Cambria Math" panose="02040503050406030204" pitchFamily="18" charset="0"/>
+                            </a:rPr>
                             <m:t>𝑁</m:t>
                           </m:r>
                         </m:sub>
                         <m:sup>
                           <m:r>
-                            <a:rPr lang="en-US" sz="2400" i="1"/>
+                            <a:rPr lang="en-US" sz="2400" i="1">
+                              <a:latin typeface="Cambria Math" panose="02040503050406030204" pitchFamily="18" charset="0"/>
+                            </a:rPr>
                             <m:t>2</m:t>
                           </m:r>
                         </m:sup>
@@ -4384,24 +4570,32 @@
                       <m:sSubSup>
                         <m:sSubSupPr>
                           <m:ctrlPr>
-                            <a:rPr lang="ru-RU" sz="2400" i="1"/>
+                            <a:rPr lang="ru-RU" sz="2400" i="1">
+                              <a:latin typeface="Cambria Math" panose="02040503050406030204" pitchFamily="18" charset="0"/>
+                            </a:rPr>
                           </m:ctrlPr>
                         </m:sSubSupPr>
                         <m:e>
                           <m:r>
-                            <a:rPr lang="en-US" sz="2400" i="1"/>
+                            <a:rPr lang="en-US" sz="2400" i="1">
+                              <a:latin typeface="Cambria Math" panose="02040503050406030204" pitchFamily="18" charset="0"/>
+                            </a:rPr>
                             <m:t>𝑚</m:t>
                           </m:r>
                         </m:e>
                         <m:sub>
                           <m:r>
-                            <a:rPr lang="en-US" sz="2400" i="1"/>
+                            <a:rPr lang="en-US" sz="2400" i="1">
+                              <a:latin typeface="Cambria Math" panose="02040503050406030204" pitchFamily="18" charset="0"/>
+                            </a:rPr>
                             <m:t>𝑘</m:t>
                           </m:r>
                         </m:sub>
                         <m:sup>
                           <m:r>
-                            <a:rPr lang="en-US" sz="2400" i="1"/>
+                            <a:rPr lang="en-US" sz="2400" i="1">
+                              <a:latin typeface="Cambria Math" panose="02040503050406030204" pitchFamily="18" charset="0"/>
+                            </a:rPr>
                             <m:t>2</m:t>
                           </m:r>
                         </m:sup>
@@ -4415,63 +4609,85 @@
                       <m:f>
                         <m:fPr>
                           <m:ctrlPr>
-                            <a:rPr lang="ru-RU" sz="2400" i="1"/>
+                            <a:rPr lang="ru-RU" sz="2400" i="1">
+                              <a:latin typeface="Cambria Math" panose="02040503050406030204" pitchFamily="18" charset="0"/>
+                            </a:rPr>
                           </m:ctrlPr>
                         </m:fPr>
                         <m:num>
                           <m:r>
-                            <a:rPr lang="en-US" sz="2400" i="1"/>
+                            <a:rPr lang="en-US" sz="2400" i="1">
+                              <a:latin typeface="Cambria Math" panose="02040503050406030204" pitchFamily="18" charset="0"/>
+                            </a:rPr>
                             <m:t>𝑑</m:t>
                           </m:r>
                           <m:r>
-                            <a:rPr lang="en-US" sz="2400" i="1"/>
+                            <a:rPr lang="en-US" sz="2400" i="1">
+                              <a:latin typeface="Cambria Math" panose="02040503050406030204" pitchFamily="18" charset="0"/>
+                            </a:rPr>
                             <m:t>𝜎</m:t>
                           </m:r>
                         </m:num>
                         <m:den>
                           <m:r>
-                            <a:rPr lang="en-US" sz="2400" i="1"/>
+                            <a:rPr lang="en-US" sz="2400" i="1">
+                              <a:latin typeface="Cambria Math" panose="02040503050406030204" pitchFamily="18" charset="0"/>
+                            </a:rPr>
                             <m:t>𝑑</m:t>
                           </m:r>
                           <m:r>
                             <m:rPr>
                               <m:sty m:val="p"/>
                             </m:rPr>
-                            <a:rPr lang="en-US" sz="2400"/>
+                            <a:rPr lang="en-US" sz="2400">
+                              <a:latin typeface="Cambria Math" panose="02040503050406030204" pitchFamily="18" charset="0"/>
+                            </a:rPr>
                             <m:t>Ω</m:t>
                           </m:r>
                         </m:den>
                       </m:f>
                       <m:r>
-                        <a:rPr lang="en-US" sz="2400" i="1"/>
+                        <a:rPr lang="en-US" sz="2400" i="1">
+                          <a:latin typeface="Cambria Math" panose="02040503050406030204" pitchFamily="18" charset="0"/>
+                        </a:rPr>
                         <m:t>=</m:t>
                       </m:r>
                       <m:f>
                         <m:fPr>
                           <m:ctrlPr>
-                            <a:rPr lang="ru-RU" sz="2400" i="1"/>
+                            <a:rPr lang="ru-RU" sz="2400" i="1">
+                              <a:latin typeface="Cambria Math" panose="02040503050406030204" pitchFamily="18" charset="0"/>
+                            </a:rPr>
                           </m:ctrlPr>
                         </m:fPr>
                         <m:num>
                           <m:sSub>
                             <m:sSubPr>
                               <m:ctrlPr>
-                                <a:rPr lang="ru-RU" sz="2400" i="1"/>
+                                <a:rPr lang="ru-RU" sz="2400" i="1">
+                                  <a:latin typeface="Cambria Math" panose="02040503050406030204" pitchFamily="18" charset="0"/>
+                                </a:rPr>
                               </m:ctrlPr>
                             </m:sSubPr>
                             <m:e>
                               <m:r>
-                                <a:rPr lang="en-US" sz="2400" i="1"/>
+                                <a:rPr lang="en-US" sz="2400" i="1">
+                                  <a:latin typeface="Cambria Math" panose="02040503050406030204" pitchFamily="18" charset="0"/>
+                                </a:rPr>
                                 <m:t>𝜎</m:t>
                               </m:r>
                             </m:e>
                             <m:sub>
                               <m:r>
-                                <a:rPr lang="ru-RU" sz="2400" i="1"/>
+                                <a:rPr lang="ru-RU" sz="2400" i="1">
+                                  <a:latin typeface="Cambria Math" panose="02040503050406030204" pitchFamily="18" charset="0"/>
+                                </a:rPr>
                                 <m:t>0</m:t>
                               </m:r>
                               <m:r>
-                                <a:rPr lang="en-US" sz="2400" i="1"/>
+                                <a:rPr lang="en-US" sz="2400" i="1">
+                                  <a:latin typeface="Cambria Math" panose="02040503050406030204" pitchFamily="18" charset="0"/>
+                                </a:rPr>
                                 <m:t>𝑁</m:t>
                               </m:r>
                             </m:sub>
@@ -4479,11 +4695,15 @@
                         </m:num>
                         <m:den>
                           <m:r>
-                            <a:rPr lang="ru-RU" sz="2400" i="1"/>
+                            <a:rPr lang="ru-RU" sz="2400" i="1">
+                              <a:latin typeface="Cambria Math" panose="02040503050406030204" pitchFamily="18" charset="0"/>
+                            </a:rPr>
                             <m:t>4</m:t>
                           </m:r>
                           <m:r>
-                            <a:rPr lang="ru-RU" sz="2400" i="1"/>
+                            <a:rPr lang="ru-RU" sz="2400" i="1">
+                              <a:latin typeface="Cambria Math" panose="02040503050406030204" pitchFamily="18" charset="0"/>
+                            </a:rPr>
                             <m:t>𝜋</m:t>
                           </m:r>
                         </m:den>
@@ -4503,30 +4723,40 @@
                     <m:sSubSup>
                       <m:sSubSupPr>
                         <m:ctrlPr>
-                          <a:rPr lang="ru-RU" sz="2400" i="1"/>
+                          <a:rPr lang="ru-RU" sz="2400" i="1">
+                            <a:latin typeface="Cambria Math" panose="02040503050406030204" pitchFamily="18" charset="0"/>
+                          </a:rPr>
                         </m:ctrlPr>
                       </m:sSubSupPr>
                       <m:e>
                         <m:r>
-                          <a:rPr lang="ru-RU" sz="2400" i="1"/>
+                          <a:rPr lang="ru-RU" sz="2400" i="1">
+                            <a:latin typeface="Cambria Math" panose="02040503050406030204" pitchFamily="18" charset="0"/>
+                          </a:rPr>
                           <m:t>𝑎</m:t>
                         </m:r>
                       </m:e>
                       <m:sub>
                         <m:r>
-                          <a:rPr lang="ru-RU" sz="2400" i="1"/>
+                          <a:rPr lang="ru-RU" sz="2400" i="1">
+                            <a:latin typeface="Cambria Math" panose="02040503050406030204" pitchFamily="18" charset="0"/>
+                          </a:rPr>
                           <m:t>1</m:t>
                         </m:r>
                       </m:sub>
                       <m:sup>
                         <m:r>
-                          <a:rPr lang="ru-RU" sz="2400" i="1"/>
+                          <a:rPr lang="ru-RU" sz="2400" i="1">
+                            <a:latin typeface="Cambria Math" panose="02040503050406030204" pitchFamily="18" charset="0"/>
+                          </a:rPr>
                           <m:t>2</m:t>
                         </m:r>
                       </m:sup>
                     </m:sSubSup>
                     <m:r>
-                      <a:rPr lang="ru-RU" sz="2400" i="1"/>
+                      <a:rPr lang="ru-RU" sz="2400" i="1">
+                        <a:latin typeface="Cambria Math" panose="02040503050406030204" pitchFamily="18" charset="0"/>
+                      </a:rPr>
                       <m:t>=0</m:t>
                     </m:r>
                   </m:oMath>
@@ -4540,30 +4770,40 @@
                     <m:sSubSup>
                       <m:sSubSupPr>
                         <m:ctrlPr>
-                          <a:rPr lang="ru-RU" sz="2400" i="1"/>
+                          <a:rPr lang="ru-RU" sz="2400" i="1">
+                            <a:latin typeface="Cambria Math" panose="02040503050406030204" pitchFamily="18" charset="0"/>
+                          </a:rPr>
                         </m:ctrlPr>
                       </m:sSubSupPr>
                       <m:e>
                         <m:r>
-                          <a:rPr lang="ru-RU" sz="2400" i="1"/>
+                          <a:rPr lang="ru-RU" sz="2400" i="1">
+                            <a:latin typeface="Cambria Math" panose="02040503050406030204" pitchFamily="18" charset="0"/>
+                          </a:rPr>
                           <m:t>𝑎</m:t>
                         </m:r>
                       </m:e>
                       <m:sub>
                         <m:r>
-                          <a:rPr lang="ru-RU" sz="2400" i="1"/>
+                          <a:rPr lang="ru-RU" sz="2400" i="1">
+                            <a:latin typeface="Cambria Math" panose="02040503050406030204" pitchFamily="18" charset="0"/>
+                          </a:rPr>
                           <m:t>2</m:t>
                         </m:r>
                       </m:sub>
                       <m:sup>
                         <m:r>
-                          <a:rPr lang="ru-RU" sz="2400" i="1"/>
+                          <a:rPr lang="ru-RU" sz="2400" i="1">
+                            <a:latin typeface="Cambria Math" panose="02040503050406030204" pitchFamily="18" charset="0"/>
+                          </a:rPr>
                           <m:t>2</m:t>
                         </m:r>
                       </m:sup>
                     </m:sSubSup>
                     <m:r>
-                      <a:rPr lang="ru-RU" sz="2400" i="1"/>
+                      <a:rPr lang="ru-RU" sz="2400" i="1">
+                        <a:latin typeface="Cambria Math" panose="02040503050406030204" pitchFamily="18" charset="0"/>
+                      </a:rPr>
                       <m:t>≠0</m:t>
                     </m:r>
                   </m:oMath>
@@ -4581,7 +4821,9 @@
                       <m:sSup>
                         <m:sSupPr>
                           <m:ctrlPr>
-                            <a:rPr lang="ru-RU" sz="2400" i="1"/>
+                            <a:rPr lang="ru-RU" sz="2400" i="1">
+                              <a:latin typeface="Cambria Math" panose="02040503050406030204" pitchFamily="18" charset="0"/>
+                            </a:rPr>
                           </m:ctrlPr>
                         </m:sSupPr>
                         <m:e>
@@ -4590,31 +4832,41 @@
                               <m:begChr m:val="|"/>
                               <m:endChr m:val="|"/>
                               <m:ctrlPr>
-                                <a:rPr lang="ru-RU" sz="2400" i="1"/>
+                                <a:rPr lang="ru-RU" sz="2400" i="1">
+                                  <a:latin typeface="Cambria Math" panose="02040503050406030204" pitchFamily="18" charset="0"/>
+                                </a:rPr>
                               </m:ctrlPr>
                             </m:dPr>
                             <m:e>
                               <m:sSubSup>
                                 <m:sSubSupPr>
                                   <m:ctrlPr>
-                                    <a:rPr lang="ru-RU" sz="2400" i="1"/>
+                                    <a:rPr lang="ru-RU" sz="2400" i="1">
+                                      <a:latin typeface="Cambria Math" panose="02040503050406030204" pitchFamily="18" charset="0"/>
+                                    </a:rPr>
                                   </m:ctrlPr>
                                 </m:sSubSupPr>
                                 <m:e>
                                   <m:r>
-                                    <a:rPr lang="en-US" sz="2400" i="1"/>
+                                    <a:rPr lang="en-US" sz="2400" i="1">
+                                      <a:latin typeface="Cambria Math" panose="02040503050406030204" pitchFamily="18" charset="0"/>
+                                    </a:rPr>
                                     <m:t>ℳ</m:t>
                                   </m:r>
                                 </m:e>
                                 <m:sub>
                                   <m:r>
-                                    <a:rPr lang="en-US" sz="2400" i="1"/>
+                                    <a:rPr lang="en-US" sz="2400" i="1">
+                                      <a:latin typeface="Cambria Math" panose="02040503050406030204" pitchFamily="18" charset="0"/>
+                                    </a:rPr>
                                     <m:t>0</m:t>
                                   </m:r>
                                 </m:sub>
                                 <m:sup>
                                   <m:r>
-                                    <a:rPr lang="en-US" sz="2400" i="1"/>
+                                    <a:rPr lang="en-US" sz="2400" i="1">
+                                      <a:latin typeface="Cambria Math" panose="02040503050406030204" pitchFamily="18" charset="0"/>
+                                    </a:rPr>
                                     <m:t>𝑠𝑐𝑎𝑙</m:t>
                                   </m:r>
                                 </m:sup>
@@ -4624,36 +4876,48 @@
                         </m:e>
                         <m:sup>
                           <m:r>
-                            <a:rPr lang="en-US" sz="2400" i="1"/>
+                            <a:rPr lang="en-US" sz="2400" i="1">
+                              <a:latin typeface="Cambria Math" panose="02040503050406030204" pitchFamily="18" charset="0"/>
+                            </a:rPr>
                             <m:t>2</m:t>
                           </m:r>
                         </m:sup>
                       </m:sSup>
                       <m:r>
-                        <a:rPr lang="en-US" sz="2400" i="1"/>
+                        <a:rPr lang="en-US" sz="2400" i="1">
+                          <a:latin typeface="Cambria Math" panose="02040503050406030204" pitchFamily="18" charset="0"/>
+                        </a:rPr>
                         <m:t>=8</m:t>
                       </m:r>
                       <m:sSubSup>
                         <m:sSubSupPr>
                           <m:ctrlPr>
-                            <a:rPr lang="ru-RU" sz="2400" i="1"/>
+                            <a:rPr lang="ru-RU" sz="2400" i="1">
+                              <a:latin typeface="Cambria Math" panose="02040503050406030204" pitchFamily="18" charset="0"/>
+                            </a:rPr>
                           </m:ctrlPr>
                         </m:sSubSupPr>
                         <m:e>
                           <m:r>
-                            <a:rPr lang="ru-RU" sz="2400" i="1"/>
+                            <a:rPr lang="ru-RU" sz="2400" i="1">
+                              <a:latin typeface="Cambria Math" panose="02040503050406030204" pitchFamily="18" charset="0"/>
+                            </a:rPr>
                             <m:t>𝑏</m:t>
                           </m:r>
                         </m:e>
                         <m:sub>
                           <m:r>
-                            <a:rPr lang="ru-RU" sz="2400" i="1"/>
+                            <a:rPr lang="ru-RU" sz="2400" i="1">
+                              <a:latin typeface="Cambria Math" panose="02040503050406030204" pitchFamily="18" charset="0"/>
+                            </a:rPr>
                             <m:t>1</m:t>
                           </m:r>
                         </m:sub>
                         <m:sup>
                           <m:r>
-                            <a:rPr lang="ru-RU" sz="2400" i="1"/>
+                            <a:rPr lang="ru-RU" sz="2400" i="1">
+                              <a:latin typeface="Cambria Math" panose="02040503050406030204" pitchFamily="18" charset="0"/>
+                            </a:rPr>
                             <m:t>2</m:t>
                           </m:r>
                         </m:sup>
@@ -4661,24 +4925,32 @@
                       <m:sSubSup>
                         <m:sSubSupPr>
                           <m:ctrlPr>
-                            <a:rPr lang="ru-RU" sz="2400" i="1"/>
+                            <a:rPr lang="ru-RU" sz="2400" i="1">
+                              <a:latin typeface="Cambria Math" panose="02040503050406030204" pitchFamily="18" charset="0"/>
+                            </a:rPr>
                           </m:ctrlPr>
                         </m:sSubSupPr>
                         <m:e>
                           <m:r>
-                            <a:rPr lang="ru-RU" sz="2400" i="1"/>
+                            <a:rPr lang="ru-RU" sz="2400" i="1">
+                              <a:latin typeface="Cambria Math" panose="02040503050406030204" pitchFamily="18" charset="0"/>
+                            </a:rPr>
                             <m:t>𝑎</m:t>
                           </m:r>
                         </m:e>
                         <m:sub>
                           <m:r>
-                            <a:rPr lang="ru-RU" sz="2400" i="1"/>
+                            <a:rPr lang="ru-RU" sz="2400" i="1">
+                              <a:latin typeface="Cambria Math" panose="02040503050406030204" pitchFamily="18" charset="0"/>
+                            </a:rPr>
                             <m:t>2</m:t>
                           </m:r>
                         </m:sub>
                         <m:sup>
                           <m:r>
-                            <a:rPr lang="ru-RU" sz="2400" i="1"/>
+                            <a:rPr lang="ru-RU" sz="2400" i="1">
+                              <a:latin typeface="Cambria Math" panose="02040503050406030204" pitchFamily="18" charset="0"/>
+                            </a:rPr>
                             <m:t>2</m:t>
                           </m:r>
                         </m:sup>
@@ -4686,24 +4958,32 @@
                       <m:sSubSup>
                         <m:sSubSupPr>
                           <m:ctrlPr>
-                            <a:rPr lang="ru-RU" sz="2400" i="1"/>
+                            <a:rPr lang="ru-RU" sz="2400" i="1">
+                              <a:latin typeface="Cambria Math" panose="02040503050406030204" pitchFamily="18" charset="0"/>
+                            </a:rPr>
                           </m:ctrlPr>
                         </m:sSubSupPr>
                         <m:e>
                           <m:r>
-                            <a:rPr lang="en-US" sz="2400" i="1"/>
+                            <a:rPr lang="en-US" sz="2400" i="1">
+                              <a:latin typeface="Cambria Math" panose="02040503050406030204" pitchFamily="18" charset="0"/>
+                            </a:rPr>
                             <m:t>𝑚</m:t>
                           </m:r>
                         </m:e>
                         <m:sub>
                           <m:r>
-                            <a:rPr lang="en-US" sz="2400" i="1"/>
+                            <a:rPr lang="en-US" sz="2400" i="1">
+                              <a:latin typeface="Cambria Math" panose="02040503050406030204" pitchFamily="18" charset="0"/>
+                            </a:rPr>
                             <m:t>𝑁</m:t>
                           </m:r>
                         </m:sub>
                         <m:sup>
                           <m:r>
-                            <a:rPr lang="en-US" sz="2400" i="1"/>
+                            <a:rPr lang="en-US" sz="2400" i="1">
+                              <a:latin typeface="Cambria Math" panose="02040503050406030204" pitchFamily="18" charset="0"/>
+                            </a:rPr>
                             <m:t>2</m:t>
                           </m:r>
                         </m:sup>
@@ -4711,53 +4991,71 @@
                       <m:d>
                         <m:dPr>
                           <m:ctrlPr>
-                            <a:rPr lang="ru-RU" sz="2400" i="1"/>
+                            <a:rPr lang="ru-RU" sz="2400" i="1">
+                              <a:latin typeface="Cambria Math" panose="02040503050406030204" pitchFamily="18" charset="0"/>
+                            </a:rPr>
                           </m:ctrlPr>
                         </m:dPr>
                         <m:e>
                           <m:r>
-                            <a:rPr lang="en-US" sz="2400" i="1"/>
+                            <a:rPr lang="en-US" sz="2400" i="1">
+                              <a:latin typeface="Cambria Math" panose="02040503050406030204" pitchFamily="18" charset="0"/>
+                            </a:rPr>
                             <m:t>−</m:t>
                           </m:r>
                           <m:sSup>
                             <m:sSupPr>
                               <m:ctrlPr>
-                                <a:rPr lang="ru-RU" sz="2400" i="1"/>
+                                <a:rPr lang="ru-RU" sz="2400" i="1">
+                                  <a:latin typeface="Cambria Math" panose="02040503050406030204" pitchFamily="18" charset="0"/>
+                                </a:rPr>
                               </m:ctrlPr>
                             </m:sSupPr>
                             <m:e>
                               <m:d>
                                 <m:dPr>
                                   <m:ctrlPr>
-                                    <a:rPr lang="ru-RU" sz="2400" i="1"/>
+                                    <a:rPr lang="ru-RU" sz="2400" i="1">
+                                      <a:latin typeface="Cambria Math" panose="02040503050406030204" pitchFamily="18" charset="0"/>
+                                    </a:rPr>
                                   </m:ctrlPr>
                                 </m:dPr>
                                 <m:e>
                                   <m:sSup>
                                     <m:sSupPr>
                                       <m:ctrlPr>
-                                        <a:rPr lang="ru-RU" sz="2400" i="1"/>
+                                        <a:rPr lang="ru-RU" sz="2400" i="1">
+                                          <a:latin typeface="Cambria Math" panose="02040503050406030204" pitchFamily="18" charset="0"/>
+                                        </a:rPr>
                                       </m:ctrlPr>
                                     </m:sSupPr>
                                     <m:e>
                                       <m:r>
-                                        <a:rPr lang="en-US" sz="2400" i="1"/>
+                                        <a:rPr lang="en-US" sz="2400" i="1">
+                                          <a:latin typeface="Cambria Math" panose="02040503050406030204" pitchFamily="18" charset="0"/>
+                                        </a:rPr>
                                         <m:t>𝑘</m:t>
                                       </m:r>
                                     </m:e>
                                     <m:sup>
                                       <m:r>
-                                        <a:rPr lang="en-US" sz="2400" i="1"/>
+                                        <a:rPr lang="en-US" sz="2400" i="1">
+                                          <a:latin typeface="Cambria Math" panose="02040503050406030204" pitchFamily="18" charset="0"/>
+                                        </a:rPr>
                                         <m:t>′</m:t>
                                       </m:r>
                                     </m:sup>
                                   </m:sSup>
                                   <m:r>
-                                    <a:rPr lang="en-US" sz="2400" i="1"/>
+                                    <a:rPr lang="en-US" sz="2400" i="1">
+                                      <a:latin typeface="Cambria Math" panose="02040503050406030204" pitchFamily="18" charset="0"/>
+                                    </a:rPr>
                                     <m:t>−</m:t>
                                   </m:r>
                                   <m:r>
-                                    <a:rPr lang="en-US" sz="2400" i="1"/>
+                                    <a:rPr lang="en-US" sz="2400" i="1">
+                                      <a:latin typeface="Cambria Math" panose="02040503050406030204" pitchFamily="18" charset="0"/>
+                                    </a:rPr>
                                     <m:t>𝑘</m:t>
                                   </m:r>
                                 </m:e>
@@ -4765,7 +5063,9 @@
                             </m:e>
                             <m:sup>
                               <m:r>
-                                <a:rPr lang="en-US" sz="2400" i="1"/>
+                                <a:rPr lang="en-US" sz="2400" i="1">
+                                  <a:latin typeface="Cambria Math" panose="02040503050406030204" pitchFamily="18" charset="0"/>
+                                </a:rPr>
                                 <m:t>2</m:t>
                               </m:r>
                             </m:sup>
@@ -4781,63 +5081,85 @@
                       <m:f>
                         <m:fPr>
                           <m:ctrlPr>
-                            <a:rPr lang="ru-RU" sz="2400" i="1"/>
+                            <a:rPr lang="ru-RU" sz="2400" i="1">
+                              <a:latin typeface="Cambria Math" panose="02040503050406030204" pitchFamily="18" charset="0"/>
+                            </a:rPr>
                           </m:ctrlPr>
                         </m:fPr>
                         <m:num>
                           <m:r>
-                            <a:rPr lang="en-US" sz="2400" i="1"/>
+                            <a:rPr lang="en-US" sz="2400" i="1">
+                              <a:latin typeface="Cambria Math" panose="02040503050406030204" pitchFamily="18" charset="0"/>
+                            </a:rPr>
                             <m:t>𝑑</m:t>
                           </m:r>
                           <m:r>
-                            <a:rPr lang="en-US" sz="2400" i="1"/>
+                            <a:rPr lang="en-US" sz="2400" i="1">
+                              <a:latin typeface="Cambria Math" panose="02040503050406030204" pitchFamily="18" charset="0"/>
+                            </a:rPr>
                             <m:t>𝜎</m:t>
                           </m:r>
                         </m:num>
                         <m:den>
                           <m:r>
-                            <a:rPr lang="en-US" sz="2400" i="1"/>
+                            <a:rPr lang="en-US" sz="2400" i="1">
+                              <a:latin typeface="Cambria Math" panose="02040503050406030204" pitchFamily="18" charset="0"/>
+                            </a:rPr>
                             <m:t>𝑑</m:t>
                           </m:r>
                           <m:r>
                             <m:rPr>
                               <m:sty m:val="p"/>
                             </m:rPr>
-                            <a:rPr lang="en-US" sz="2400"/>
+                            <a:rPr lang="en-US" sz="2400">
+                              <a:latin typeface="Cambria Math" panose="02040503050406030204" pitchFamily="18" charset="0"/>
+                            </a:rPr>
                             <m:t>Ω</m:t>
                           </m:r>
                         </m:den>
                       </m:f>
                       <m:r>
-                        <a:rPr lang="en-US" sz="2400" i="1"/>
+                        <a:rPr lang="en-US" sz="2400" i="1">
+                          <a:latin typeface="Cambria Math" panose="02040503050406030204" pitchFamily="18" charset="0"/>
+                        </a:rPr>
                         <m:t>=</m:t>
                       </m:r>
                       <m:f>
                         <m:fPr>
                           <m:ctrlPr>
-                            <a:rPr lang="ru-RU" sz="2400" i="1"/>
+                            <a:rPr lang="ru-RU" sz="2400" i="1">
+                              <a:latin typeface="Cambria Math" panose="02040503050406030204" pitchFamily="18" charset="0"/>
+                            </a:rPr>
                           </m:ctrlPr>
                         </m:fPr>
                         <m:num>
                           <m:sSub>
                             <m:sSubPr>
                               <m:ctrlPr>
-                                <a:rPr lang="ru-RU" sz="2400" i="1"/>
+                                <a:rPr lang="ru-RU" sz="2400" i="1">
+                                  <a:latin typeface="Cambria Math" panose="02040503050406030204" pitchFamily="18" charset="0"/>
+                                </a:rPr>
                               </m:ctrlPr>
                             </m:sSubPr>
                             <m:e>
                               <m:r>
-                                <a:rPr lang="en-US" sz="2400" i="1"/>
+                                <a:rPr lang="en-US" sz="2400" i="1">
+                                  <a:latin typeface="Cambria Math" panose="02040503050406030204" pitchFamily="18" charset="0"/>
+                                </a:rPr>
                                 <m:t>𝜎</m:t>
                               </m:r>
                             </m:e>
                             <m:sub>
                               <m:r>
-                                <a:rPr lang="ru-RU" sz="2400" i="1"/>
+                                <a:rPr lang="ru-RU" sz="2400" i="1">
+                                  <a:latin typeface="Cambria Math" panose="02040503050406030204" pitchFamily="18" charset="0"/>
+                                </a:rPr>
                                 <m:t>0</m:t>
                               </m:r>
                               <m:r>
-                                <a:rPr lang="en-US" sz="2400" i="1"/>
+                                <a:rPr lang="en-US" sz="2400" i="1">
+                                  <a:latin typeface="Cambria Math" panose="02040503050406030204" pitchFamily="18" charset="0"/>
+                                </a:rPr>
                                 <m:t>𝑁</m:t>
                               </m:r>
                             </m:sub>
@@ -4845,44 +5167,58 @@
                         </m:num>
                         <m:den>
                           <m:r>
-                            <a:rPr lang="ru-RU" sz="2400" i="1"/>
+                            <a:rPr lang="ru-RU" sz="2400" i="1">
+                              <a:latin typeface="Cambria Math" panose="02040503050406030204" pitchFamily="18" charset="0"/>
+                            </a:rPr>
                             <m:t>4</m:t>
                           </m:r>
                           <m:r>
-                            <a:rPr lang="ru-RU" sz="2400" i="1"/>
+                            <a:rPr lang="ru-RU" sz="2400" i="1">
+                              <a:latin typeface="Cambria Math" panose="02040503050406030204" pitchFamily="18" charset="0"/>
+                            </a:rPr>
                             <m:t>𝜋</m:t>
                           </m:r>
                         </m:den>
                       </m:f>
                       <m:r>
-                        <a:rPr lang="en-US" sz="2400" i="1"/>
+                        <a:rPr lang="en-US" sz="2400" i="1">
+                          <a:latin typeface="Cambria Math" panose="02040503050406030204" pitchFamily="18" charset="0"/>
+                        </a:rPr>
                         <m:t>⋅</m:t>
                       </m:r>
                       <m:f>
                         <m:fPr>
                           <m:ctrlPr>
-                            <a:rPr lang="ru-RU" sz="2400" i="1"/>
+                            <a:rPr lang="ru-RU" sz="2400" i="1">
+                              <a:latin typeface="Cambria Math" panose="02040503050406030204" pitchFamily="18" charset="0"/>
+                            </a:rPr>
                           </m:ctrlPr>
                         </m:fPr>
                         <m:num>
                           <m:sSup>
                             <m:sSupPr>
                               <m:ctrlPr>
-                                <a:rPr lang="ru-RU" sz="2400" i="1"/>
+                                <a:rPr lang="ru-RU" sz="2400" i="1">
+                                  <a:latin typeface="Cambria Math" panose="02040503050406030204" pitchFamily="18" charset="0"/>
+                                </a:rPr>
                               </m:ctrlPr>
                             </m:sSupPr>
                             <m:e>
                               <m:d>
                                 <m:dPr>
                                   <m:ctrlPr>
-                                    <a:rPr lang="ru-RU" sz="2400" i="1"/>
+                                    <a:rPr lang="ru-RU" sz="2400" i="1">
+                                      <a:latin typeface="Cambria Math" panose="02040503050406030204" pitchFamily="18" charset="0"/>
+                                    </a:rPr>
                                   </m:ctrlPr>
                                 </m:dPr>
                                 <m:e>
                                   <m:sSup>
                                     <m:sSupPr>
                                       <m:ctrlPr>
-                                        <a:rPr lang="ru-RU" sz="2400" i="1"/>
+                                        <a:rPr lang="ru-RU" sz="2400" i="1">
+                                          <a:latin typeface="Cambria Math" panose="02040503050406030204" pitchFamily="18" charset="0"/>
+                                        </a:rPr>
                                       </m:ctrlPr>
                                     </m:sSupPr>
                                     <m:e>
@@ -4890,7 +5226,9 @@
                                         <m:accPr>
                                           <m:chr m:val="⃗"/>
                                           <m:ctrlPr>
-                                            <a:rPr lang="ru-RU" sz="2400" i="1"/>
+                                            <a:rPr lang="ru-RU" sz="2400" i="1">
+                                              <a:latin typeface="Cambria Math" panose="02040503050406030204" pitchFamily="18" charset="0"/>
+                                            </a:rPr>
                                           </m:ctrlPr>
                                         </m:accPr>
                                         <m:e>
@@ -4898,7 +5236,9 @@
                                             <m:rPr>
                                               <m:sty m:val="p"/>
                                             </m:rPr>
-                                            <a:rPr lang="ru-RU" sz="2400"/>
+                                            <a:rPr lang="ru-RU" sz="2400">
+                                              <a:latin typeface="Cambria Math" panose="02040503050406030204" pitchFamily="18" charset="0"/>
+                                            </a:rPr>
                                             <m:t>k</m:t>
                                           </m:r>
                                         </m:e>
@@ -4906,20 +5246,26 @@
                                     </m:e>
                                     <m:sup>
                                       <m:r>
-                                        <a:rPr lang="en-US" sz="2400" i="1"/>
+                                        <a:rPr lang="en-US" sz="2400" i="1">
+                                          <a:latin typeface="Cambria Math" panose="02040503050406030204" pitchFamily="18" charset="0"/>
+                                        </a:rPr>
                                         <m:t>′</m:t>
                                       </m:r>
                                     </m:sup>
                                   </m:sSup>
                                   <m:r>
-                                    <a:rPr lang="en-US" sz="2400" i="1"/>
+                                    <a:rPr lang="en-US" sz="2400" i="1">
+                                      <a:latin typeface="Cambria Math" panose="02040503050406030204" pitchFamily="18" charset="0"/>
+                                    </a:rPr>
                                     <m:t>−</m:t>
                                   </m:r>
                                   <m:acc>
                                     <m:accPr>
                                       <m:chr m:val="⃗"/>
                                       <m:ctrlPr>
-                                        <a:rPr lang="ru-RU" sz="2400" i="1"/>
+                                        <a:rPr lang="ru-RU" sz="2400" i="1">
+                                          <a:latin typeface="Cambria Math" panose="02040503050406030204" pitchFamily="18" charset="0"/>
+                                        </a:rPr>
                                       </m:ctrlPr>
                                     </m:accPr>
                                     <m:e>
@@ -4927,7 +5273,9 @@
                                         <m:rPr>
                                           <m:sty m:val="p"/>
                                         </m:rPr>
-                                        <a:rPr lang="ru-RU" sz="2400"/>
+                                        <a:rPr lang="ru-RU" sz="2400">
+                                          <a:latin typeface="Cambria Math" panose="02040503050406030204" pitchFamily="18" charset="0"/>
+                                        </a:rPr>
                                         <m:t>k</m:t>
                                       </m:r>
                                     </m:e>
@@ -4937,7 +5285,9 @@
                             </m:e>
                             <m:sup>
                               <m:r>
-                                <a:rPr lang="en-US" sz="2400" i="1"/>
+                                <a:rPr lang="en-US" sz="2400" i="1">
+                                  <a:latin typeface="Cambria Math" panose="02040503050406030204" pitchFamily="18" charset="0"/>
+                                </a:rPr>
                                 <m:t>2</m:t>
                               </m:r>
                             </m:sup>
@@ -4945,13 +5295,17 @@
                         </m:num>
                         <m:den>
                           <m:r>
-                            <a:rPr lang="en-US" sz="2400" i="1"/>
+                            <a:rPr lang="en-US" sz="2400" i="1">
+                              <a:latin typeface="Cambria Math" panose="02040503050406030204" pitchFamily="18" charset="0"/>
+                            </a:rPr>
                             <m:t>2</m:t>
                           </m:r>
                           <m:sSubSup>
                             <m:sSubSupPr>
                               <m:ctrlPr>
-                                <a:rPr lang="ru-RU" sz="2400" i="1"/>
+                                <a:rPr lang="ru-RU" sz="2400" i="1">
+                                  <a:latin typeface="Cambria Math" panose="02040503050406030204" pitchFamily="18" charset="0"/>
+                                </a:rPr>
                               </m:ctrlPr>
                             </m:sSubSupPr>
                             <m:e>
@@ -4959,7 +5313,9 @@
                                 <m:accPr>
                                   <m:chr m:val="⃗"/>
                                   <m:ctrlPr>
-                                    <a:rPr lang="ru-RU" sz="2400" i="1"/>
+                                    <a:rPr lang="ru-RU" sz="2400" i="1">
+                                      <a:latin typeface="Cambria Math" panose="02040503050406030204" pitchFamily="18" charset="0"/>
+                                    </a:rPr>
                                   </m:ctrlPr>
                                 </m:accPr>
                                 <m:e>
@@ -4967,7 +5323,9 @@
                                     <m:rPr>
                                       <m:sty m:val="p"/>
                                     </m:rPr>
-                                    <a:rPr lang="ru-RU" sz="2400"/>
+                                    <a:rPr lang="ru-RU" sz="2400">
+                                      <a:latin typeface="Cambria Math" panose="02040503050406030204" pitchFamily="18" charset="0"/>
+                                    </a:rPr>
                                     <m:t>k</m:t>
                                   </m:r>
                                 </m:e>
@@ -4975,13 +5333,17 @@
                             </m:e>
                             <m:sub>
                               <m:r>
-                                <a:rPr lang="ru-RU" sz="2400" i="1"/>
+                                <a:rPr lang="ru-RU" sz="2400" i="1">
+                                  <a:latin typeface="Cambria Math" panose="02040503050406030204" pitchFamily="18" charset="0"/>
+                                </a:rPr>
                                 <m:t>0</m:t>
                               </m:r>
                             </m:sub>
                             <m:sup>
                               <m:r>
-                                <a:rPr lang="ru-RU" sz="2400" i="1"/>
+                                <a:rPr lang="ru-RU" sz="2400" i="1">
+                                  <a:latin typeface="Cambria Math" panose="02040503050406030204" pitchFamily="18" charset="0"/>
+                                </a:rPr>
                                 <m:t>2</m:t>
                               </m:r>
                             </m:sup>
@@ -5003,30 +5365,40 @@
                     <m:sSubSup>
                       <m:sSubSupPr>
                         <m:ctrlPr>
-                          <a:rPr lang="ru-RU" sz="2400" i="1"/>
+                          <a:rPr lang="ru-RU" sz="2400" i="1">
+                            <a:latin typeface="Cambria Math" panose="02040503050406030204" pitchFamily="18" charset="0"/>
+                          </a:rPr>
                         </m:ctrlPr>
                       </m:sSubSupPr>
                       <m:e>
                         <m:r>
-                          <a:rPr lang="ru-RU" sz="2400" i="1"/>
+                          <a:rPr lang="ru-RU" sz="2400" i="1">
+                            <a:latin typeface="Cambria Math" panose="02040503050406030204" pitchFamily="18" charset="0"/>
+                          </a:rPr>
                           <m:t>𝑎</m:t>
                         </m:r>
                       </m:e>
                       <m:sub>
                         <m:r>
-                          <a:rPr lang="ru-RU" sz="2400" i="1"/>
+                          <a:rPr lang="ru-RU" sz="2400" i="1">
+                            <a:latin typeface="Cambria Math" panose="02040503050406030204" pitchFamily="18" charset="0"/>
+                          </a:rPr>
                           <m:t>1</m:t>
                         </m:r>
                       </m:sub>
                       <m:sup>
                         <m:r>
-                          <a:rPr lang="ru-RU" sz="2400" i="1"/>
+                          <a:rPr lang="ru-RU" sz="2400" i="1">
+                            <a:latin typeface="Cambria Math" panose="02040503050406030204" pitchFamily="18" charset="0"/>
+                          </a:rPr>
                           <m:t>2</m:t>
                         </m:r>
                       </m:sup>
                     </m:sSubSup>
                     <m:r>
-                      <a:rPr lang="ru-RU" sz="2400" i="1"/>
+                      <a:rPr lang="ru-RU" sz="2400" i="1">
+                        <a:latin typeface="Cambria Math" panose="02040503050406030204" pitchFamily="18" charset="0"/>
+                      </a:rPr>
                       <m:t>=0</m:t>
                     </m:r>
                   </m:oMath>
@@ -5040,30 +5412,40 @@
                     <m:sSubSup>
                       <m:sSubSupPr>
                         <m:ctrlPr>
-                          <a:rPr lang="ru-RU" sz="2400" i="1"/>
+                          <a:rPr lang="ru-RU" sz="2400" i="1">
+                            <a:latin typeface="Cambria Math" panose="02040503050406030204" pitchFamily="18" charset="0"/>
+                          </a:rPr>
                         </m:ctrlPr>
                       </m:sSubSupPr>
                       <m:e>
                         <m:r>
-                          <a:rPr lang="ru-RU" sz="2400" i="1"/>
+                          <a:rPr lang="ru-RU" sz="2400" i="1">
+                            <a:latin typeface="Cambria Math" panose="02040503050406030204" pitchFamily="18" charset="0"/>
+                          </a:rPr>
                           <m:t>𝑎</m:t>
                         </m:r>
                       </m:e>
                       <m:sub>
                         <m:r>
-                          <a:rPr lang="ru-RU" sz="2400" i="1"/>
+                          <a:rPr lang="ru-RU" sz="2400" i="1">
+                            <a:latin typeface="Cambria Math" panose="02040503050406030204" pitchFamily="18" charset="0"/>
+                          </a:rPr>
                           <m:t>2</m:t>
                         </m:r>
                       </m:sub>
                       <m:sup>
                         <m:r>
-                          <a:rPr lang="ru-RU" sz="2400" i="1"/>
+                          <a:rPr lang="ru-RU" sz="2400" i="1">
+                            <a:latin typeface="Cambria Math" panose="02040503050406030204" pitchFamily="18" charset="0"/>
+                          </a:rPr>
                           <m:t>2</m:t>
                         </m:r>
                       </m:sup>
                     </m:sSubSup>
                     <m:r>
-                      <a:rPr lang="ru-RU" sz="2400" i="1"/>
+                      <a:rPr lang="ru-RU" sz="2400" i="1">
+                        <a:latin typeface="Cambria Math" panose="02040503050406030204" pitchFamily="18" charset="0"/>
+                      </a:rPr>
                       <m:t>=0</m:t>
                     </m:r>
                   </m:oMath>
@@ -5085,7 +5467,9 @@
                       <m:sSup>
                         <m:sSupPr>
                           <m:ctrlPr>
-                            <a:rPr lang="ru-RU" sz="2400" i="1"/>
+                            <a:rPr lang="ru-RU" sz="2400" i="1">
+                              <a:latin typeface="Cambria Math" panose="02040503050406030204" pitchFamily="18" charset="0"/>
+                            </a:rPr>
                           </m:ctrlPr>
                         </m:sSupPr>
                         <m:e>
@@ -5094,31 +5478,41 @@
                               <m:begChr m:val="|"/>
                               <m:endChr m:val="|"/>
                               <m:ctrlPr>
-                                <a:rPr lang="ru-RU" sz="2400" i="1"/>
+                                <a:rPr lang="ru-RU" sz="2400" i="1">
+                                  <a:latin typeface="Cambria Math" panose="02040503050406030204" pitchFamily="18" charset="0"/>
+                                </a:rPr>
                               </m:ctrlPr>
                             </m:dPr>
                             <m:e>
                               <m:sSubSup>
                                 <m:sSubSupPr>
                                   <m:ctrlPr>
-                                    <a:rPr lang="ru-RU" sz="2400" i="1"/>
+                                    <a:rPr lang="ru-RU" sz="2400" i="1">
+                                      <a:latin typeface="Cambria Math" panose="02040503050406030204" pitchFamily="18" charset="0"/>
+                                    </a:rPr>
                                   </m:ctrlPr>
                                 </m:sSubSupPr>
                                 <m:e>
                                   <m:r>
-                                    <a:rPr lang="en-US" sz="2400" i="1"/>
+                                    <a:rPr lang="en-US" sz="2400" i="1">
+                                      <a:latin typeface="Cambria Math" panose="02040503050406030204" pitchFamily="18" charset="0"/>
+                                    </a:rPr>
                                     <m:t>ℳ</m:t>
                                   </m:r>
                                 </m:e>
                                 <m:sub>
                                   <m:r>
-                                    <a:rPr lang="en-US" sz="2400" i="1"/>
+                                    <a:rPr lang="en-US" sz="2400" i="1">
+                                      <a:latin typeface="Cambria Math" panose="02040503050406030204" pitchFamily="18" charset="0"/>
+                                    </a:rPr>
                                     <m:t>0</m:t>
                                   </m:r>
                                 </m:sub>
                                 <m:sup>
                                   <m:r>
-                                    <a:rPr lang="en-US" sz="2400" i="1"/>
+                                    <a:rPr lang="en-US" sz="2400" i="1">
+                                      <a:latin typeface="Cambria Math" panose="02040503050406030204" pitchFamily="18" charset="0"/>
+                                    </a:rPr>
                                     <m:t>𝑠𝑐𝑎𝑙</m:t>
                                   </m:r>
                                 </m:sup>
@@ -5128,36 +5522,48 @@
                         </m:e>
                         <m:sup>
                           <m:r>
-                            <a:rPr lang="en-US" sz="2400" i="1"/>
+                            <a:rPr lang="en-US" sz="2400" i="1">
+                              <a:latin typeface="Cambria Math" panose="02040503050406030204" pitchFamily="18" charset="0"/>
+                            </a:rPr>
                             <m:t>2</m:t>
                           </m:r>
                         </m:sup>
                       </m:sSup>
                       <m:r>
-                        <a:rPr lang="en-US" sz="2400" i="1"/>
+                        <a:rPr lang="en-US" sz="2400" i="1">
+                          <a:latin typeface="Cambria Math" panose="02040503050406030204" pitchFamily="18" charset="0"/>
+                        </a:rPr>
                         <m:t>=4</m:t>
                       </m:r>
                       <m:sSubSup>
                         <m:sSubSupPr>
                           <m:ctrlPr>
-                            <a:rPr lang="ru-RU" sz="2400" i="1"/>
+                            <a:rPr lang="ru-RU" sz="2400" i="1">
+                              <a:latin typeface="Cambria Math" panose="02040503050406030204" pitchFamily="18" charset="0"/>
+                            </a:rPr>
                           </m:ctrlPr>
                         </m:sSubSupPr>
                         <m:e>
                           <m:r>
-                            <a:rPr lang="ru-RU" sz="2400" i="1"/>
+                            <a:rPr lang="ru-RU" sz="2400" i="1">
+                              <a:latin typeface="Cambria Math" panose="02040503050406030204" pitchFamily="18" charset="0"/>
+                            </a:rPr>
                             <m:t>𝑏</m:t>
                           </m:r>
                         </m:e>
                         <m:sub>
                           <m:r>
-                            <a:rPr lang="ru-RU" sz="2400" i="1"/>
+                            <a:rPr lang="ru-RU" sz="2400" i="1">
+                              <a:latin typeface="Cambria Math" panose="02040503050406030204" pitchFamily="18" charset="0"/>
+                            </a:rPr>
                             <m:t>1</m:t>
                           </m:r>
                         </m:sub>
                         <m:sup>
                           <m:r>
-                            <a:rPr lang="ru-RU" sz="2400" i="1"/>
+                            <a:rPr lang="ru-RU" sz="2400" i="1">
+                              <a:latin typeface="Cambria Math" panose="02040503050406030204" pitchFamily="18" charset="0"/>
+                            </a:rPr>
                             <m:t>2</m:t>
                           </m:r>
                         </m:sup>
@@ -5165,24 +5571,32 @@
                       <m:sSubSup>
                         <m:sSubSupPr>
                           <m:ctrlPr>
-                            <a:rPr lang="ru-RU" sz="2400" i="1"/>
+                            <a:rPr lang="ru-RU" sz="2400" i="1">
+                              <a:latin typeface="Cambria Math" panose="02040503050406030204" pitchFamily="18" charset="0"/>
+                            </a:rPr>
                           </m:ctrlPr>
                         </m:sSubSupPr>
                         <m:e>
                           <m:r>
-                            <a:rPr lang="ru-RU" sz="2400" i="1"/>
+                            <a:rPr lang="ru-RU" sz="2400" i="1">
+                              <a:latin typeface="Cambria Math" panose="02040503050406030204" pitchFamily="18" charset="0"/>
+                            </a:rPr>
                             <m:t>𝑏</m:t>
                           </m:r>
                         </m:e>
                         <m:sub>
                           <m:r>
-                            <a:rPr lang="ru-RU" sz="2400" i="1"/>
+                            <a:rPr lang="ru-RU" sz="2400" i="1">
+                              <a:latin typeface="Cambria Math" panose="02040503050406030204" pitchFamily="18" charset="0"/>
+                            </a:rPr>
                             <m:t>2</m:t>
                           </m:r>
                         </m:sub>
                         <m:sup>
                           <m:r>
-                            <a:rPr lang="ru-RU" sz="2400" i="1"/>
+                            <a:rPr lang="ru-RU" sz="2400" i="1">
+                              <a:latin typeface="Cambria Math" panose="02040503050406030204" pitchFamily="18" charset="0"/>
+                            </a:rPr>
                             <m:t>2</m:t>
                           </m:r>
                         </m:sup>
@@ -5190,42 +5604,56 @@
                       <m:sSup>
                         <m:sSupPr>
                           <m:ctrlPr>
-                            <a:rPr lang="ru-RU" sz="2400" i="1"/>
+                            <a:rPr lang="ru-RU" sz="2400" i="1">
+                              <a:latin typeface="Cambria Math" panose="02040503050406030204" pitchFamily="18" charset="0"/>
+                            </a:rPr>
                           </m:ctrlPr>
                         </m:sSupPr>
                         <m:e>
                           <m:d>
                             <m:dPr>
                               <m:ctrlPr>
-                                <a:rPr lang="ru-RU" sz="2400" i="1"/>
+                                <a:rPr lang="ru-RU" sz="2400" i="1">
+                                  <a:latin typeface="Cambria Math" panose="02040503050406030204" pitchFamily="18" charset="0"/>
+                                </a:rPr>
                               </m:ctrlPr>
                             </m:dPr>
                             <m:e>
                               <m:sSup>
                                 <m:sSupPr>
                                   <m:ctrlPr>
-                                    <a:rPr lang="ru-RU" sz="2400" i="1"/>
+                                    <a:rPr lang="ru-RU" sz="2400" i="1">
+                                      <a:latin typeface="Cambria Math" panose="02040503050406030204" pitchFamily="18" charset="0"/>
+                                    </a:rPr>
                                   </m:ctrlPr>
                                 </m:sSupPr>
                                 <m:e>
                                   <m:r>
-                                    <a:rPr lang="en-US" sz="2400" i="1"/>
+                                    <a:rPr lang="en-US" sz="2400" i="1">
+                                      <a:latin typeface="Cambria Math" panose="02040503050406030204" pitchFamily="18" charset="0"/>
+                                    </a:rPr>
                                     <m:t>𝑝</m:t>
                                   </m:r>
                                 </m:e>
                                 <m:sup>
                                   <m:r>
-                                    <a:rPr lang="en-US" sz="2400" i="1"/>
+                                    <a:rPr lang="en-US" sz="2400" i="1">
+                                      <a:latin typeface="Cambria Math" panose="02040503050406030204" pitchFamily="18" charset="0"/>
+                                    </a:rPr>
                                     <m:t>′</m:t>
                                   </m:r>
                                 </m:sup>
                               </m:sSup>
                               <m:r>
-                                <a:rPr lang="en-US" sz="2400" i="1"/>
+                                <a:rPr lang="en-US" sz="2400" i="1">
+                                  <a:latin typeface="Cambria Math" panose="02040503050406030204" pitchFamily="18" charset="0"/>
+                                </a:rPr>
                                 <m:t>−</m:t>
                               </m:r>
                               <m:r>
-                                <a:rPr lang="en-US" sz="2400" i="1"/>
+                                <a:rPr lang="en-US" sz="2400" i="1">
+                                  <a:latin typeface="Cambria Math" panose="02040503050406030204" pitchFamily="18" charset="0"/>
+                                </a:rPr>
                                 <m:t>𝑝</m:t>
                               </m:r>
                             </m:e>
@@ -5233,7 +5661,9 @@
                         </m:e>
                         <m:sup>
                           <m:r>
-                            <a:rPr lang="en-US" sz="2400" i="1"/>
+                            <a:rPr lang="en-US" sz="2400" i="1">
+                              <a:latin typeface="Cambria Math" panose="02040503050406030204" pitchFamily="18" charset="0"/>
+                            </a:rPr>
                             <m:t>2</m:t>
                           </m:r>
                         </m:sup>
@@ -5241,42 +5671,56 @@
                       <m:sSup>
                         <m:sSupPr>
                           <m:ctrlPr>
-                            <a:rPr lang="ru-RU" sz="2400" i="1"/>
+                            <a:rPr lang="ru-RU" sz="2400" i="1">
+                              <a:latin typeface="Cambria Math" panose="02040503050406030204" pitchFamily="18" charset="0"/>
+                            </a:rPr>
                           </m:ctrlPr>
                         </m:sSupPr>
                         <m:e>
                           <m:d>
                             <m:dPr>
                               <m:ctrlPr>
-                                <a:rPr lang="ru-RU" sz="2400" i="1"/>
+                                <a:rPr lang="ru-RU" sz="2400" i="1">
+                                  <a:latin typeface="Cambria Math" panose="02040503050406030204" pitchFamily="18" charset="0"/>
+                                </a:rPr>
                               </m:ctrlPr>
                             </m:dPr>
                             <m:e>
                               <m:sSup>
                                 <m:sSupPr>
                                   <m:ctrlPr>
-                                    <a:rPr lang="ru-RU" sz="2400" i="1"/>
+                                    <a:rPr lang="ru-RU" sz="2400" i="1">
+                                      <a:latin typeface="Cambria Math" panose="02040503050406030204" pitchFamily="18" charset="0"/>
+                                    </a:rPr>
                                   </m:ctrlPr>
                                 </m:sSupPr>
                                 <m:e>
                                   <m:r>
-                                    <a:rPr lang="en-US" sz="2400" i="1"/>
+                                    <a:rPr lang="en-US" sz="2400" i="1">
+                                      <a:latin typeface="Cambria Math" panose="02040503050406030204" pitchFamily="18" charset="0"/>
+                                    </a:rPr>
                                     <m:t>𝑘</m:t>
                                   </m:r>
                                 </m:e>
                                 <m:sup>
                                   <m:r>
-                                    <a:rPr lang="en-US" sz="2400" i="1"/>
+                                    <a:rPr lang="en-US" sz="2400" i="1">
+                                      <a:latin typeface="Cambria Math" panose="02040503050406030204" pitchFamily="18" charset="0"/>
+                                    </a:rPr>
                                     <m:t>′</m:t>
                                   </m:r>
                                 </m:sup>
                               </m:sSup>
                               <m:r>
-                                <a:rPr lang="en-US" sz="2400" i="1"/>
+                                <a:rPr lang="en-US" sz="2400" i="1">
+                                  <a:latin typeface="Cambria Math" panose="02040503050406030204" pitchFamily="18" charset="0"/>
+                                </a:rPr>
                                 <m:t>−</m:t>
                               </m:r>
                               <m:r>
-                                <a:rPr lang="en-US" sz="2400" i="1"/>
+                                <a:rPr lang="en-US" sz="2400" i="1">
+                                  <a:latin typeface="Cambria Math" panose="02040503050406030204" pitchFamily="18" charset="0"/>
+                                </a:rPr>
                                 <m:t>𝑘</m:t>
                               </m:r>
                             </m:e>
@@ -5284,7 +5728,9 @@
                         </m:e>
                         <m:sup>
                           <m:r>
-                            <a:rPr lang="en-US" sz="2400" i="1"/>
+                            <a:rPr lang="en-US" sz="2400" i="1">
+                              <a:latin typeface="Cambria Math" panose="02040503050406030204" pitchFamily="18" charset="0"/>
+                            </a:rPr>
                             <m:t>2</m:t>
                           </m:r>
                         </m:sup>
@@ -5298,63 +5744,85 @@
                       <m:f>
                         <m:fPr>
                           <m:ctrlPr>
-                            <a:rPr lang="ru-RU" sz="2400" i="1"/>
+                            <a:rPr lang="ru-RU" sz="2400" i="1">
+                              <a:latin typeface="Cambria Math" panose="02040503050406030204" pitchFamily="18" charset="0"/>
+                            </a:rPr>
                           </m:ctrlPr>
                         </m:fPr>
                         <m:num>
                           <m:r>
-                            <a:rPr lang="en-US" sz="2400" i="1"/>
+                            <a:rPr lang="en-US" sz="2400" i="1">
+                              <a:latin typeface="Cambria Math" panose="02040503050406030204" pitchFamily="18" charset="0"/>
+                            </a:rPr>
                             <m:t>𝑑</m:t>
                           </m:r>
                           <m:r>
-                            <a:rPr lang="en-US" sz="2400" i="1"/>
+                            <a:rPr lang="en-US" sz="2400" i="1">
+                              <a:latin typeface="Cambria Math" panose="02040503050406030204" pitchFamily="18" charset="0"/>
+                            </a:rPr>
                             <m:t>𝜎</m:t>
                           </m:r>
                         </m:num>
                         <m:den>
                           <m:r>
-                            <a:rPr lang="en-US" sz="2400" i="1"/>
+                            <a:rPr lang="en-US" sz="2400" i="1">
+                              <a:latin typeface="Cambria Math" panose="02040503050406030204" pitchFamily="18" charset="0"/>
+                            </a:rPr>
                             <m:t>𝑑</m:t>
                           </m:r>
                           <m:r>
                             <m:rPr>
                               <m:sty m:val="p"/>
                             </m:rPr>
-                            <a:rPr lang="en-US" sz="2400"/>
+                            <a:rPr lang="en-US" sz="2400">
+                              <a:latin typeface="Cambria Math" panose="02040503050406030204" pitchFamily="18" charset="0"/>
+                            </a:rPr>
                             <m:t>Ω</m:t>
                           </m:r>
                         </m:den>
                       </m:f>
                       <m:r>
-                        <a:rPr lang="en-US" sz="2400" i="1"/>
+                        <a:rPr lang="en-US" sz="2400" i="1">
+                          <a:latin typeface="Cambria Math" panose="02040503050406030204" pitchFamily="18" charset="0"/>
+                        </a:rPr>
                         <m:t>=</m:t>
                       </m:r>
                       <m:f>
                         <m:fPr>
                           <m:ctrlPr>
-                            <a:rPr lang="ru-RU" sz="2400" i="1"/>
+                            <a:rPr lang="ru-RU" sz="2400" i="1">
+                              <a:latin typeface="Cambria Math" panose="02040503050406030204" pitchFamily="18" charset="0"/>
+                            </a:rPr>
                           </m:ctrlPr>
                         </m:fPr>
                         <m:num>
                           <m:sSub>
                             <m:sSubPr>
                               <m:ctrlPr>
-                                <a:rPr lang="ru-RU" sz="2400" i="1"/>
+                                <a:rPr lang="ru-RU" sz="2400" i="1">
+                                  <a:latin typeface="Cambria Math" panose="02040503050406030204" pitchFamily="18" charset="0"/>
+                                </a:rPr>
                               </m:ctrlPr>
                             </m:sSubPr>
                             <m:e>
                               <m:r>
-                                <a:rPr lang="en-US" sz="2400" i="1"/>
+                                <a:rPr lang="en-US" sz="2400" i="1">
+                                  <a:latin typeface="Cambria Math" panose="02040503050406030204" pitchFamily="18" charset="0"/>
+                                </a:rPr>
                                 <m:t>𝜎</m:t>
                               </m:r>
                             </m:e>
                             <m:sub>
                               <m:r>
-                                <a:rPr lang="ru-RU" sz="2400" i="1"/>
+                                <a:rPr lang="ru-RU" sz="2400" i="1">
+                                  <a:latin typeface="Cambria Math" panose="02040503050406030204" pitchFamily="18" charset="0"/>
+                                </a:rPr>
                                 <m:t>0</m:t>
                               </m:r>
                               <m:r>
-                                <a:rPr lang="en-US" sz="2400" i="1"/>
+                                <a:rPr lang="en-US" sz="2400" i="1">
+                                  <a:latin typeface="Cambria Math" panose="02040503050406030204" pitchFamily="18" charset="0"/>
+                                </a:rPr>
                                 <m:t>𝑁</m:t>
                               </m:r>
                             </m:sub>
@@ -5362,48 +5830,64 @@
                         </m:num>
                         <m:den>
                           <m:r>
-                            <a:rPr lang="ru-RU" sz="2400" i="1"/>
+                            <a:rPr lang="ru-RU" sz="2400" i="1">
+                              <a:latin typeface="Cambria Math" panose="02040503050406030204" pitchFamily="18" charset="0"/>
+                            </a:rPr>
                             <m:t>4</m:t>
                           </m:r>
                           <m:r>
-                            <a:rPr lang="ru-RU" sz="2400" i="1"/>
+                            <a:rPr lang="ru-RU" sz="2400" i="1">
+                              <a:latin typeface="Cambria Math" panose="02040503050406030204" pitchFamily="18" charset="0"/>
+                            </a:rPr>
                             <m:t>𝜋</m:t>
                           </m:r>
                         </m:den>
                       </m:f>
                       <m:r>
-                        <a:rPr lang="en-US" sz="2400" i="1"/>
+                        <a:rPr lang="en-US" sz="2400" i="1">
+                          <a:latin typeface="Cambria Math" panose="02040503050406030204" pitchFamily="18" charset="0"/>
+                        </a:rPr>
                         <m:t>⋅</m:t>
                       </m:r>
                       <m:f>
                         <m:fPr>
                           <m:ctrlPr>
-                            <a:rPr lang="ru-RU" sz="2400" i="1"/>
+                            <a:rPr lang="ru-RU" sz="2400" i="1">
+                              <a:latin typeface="Cambria Math" panose="02040503050406030204" pitchFamily="18" charset="0"/>
+                            </a:rPr>
                           </m:ctrlPr>
                         </m:fPr>
                         <m:num>
                           <m:r>
-                            <a:rPr lang="en-US" sz="2400" i="1"/>
+                            <a:rPr lang="en-US" sz="2400" i="1">
+                              <a:latin typeface="Cambria Math" panose="02040503050406030204" pitchFamily="18" charset="0"/>
+                            </a:rPr>
                             <m:t>3</m:t>
                           </m:r>
                           <m:sSup>
                             <m:sSupPr>
                               <m:ctrlPr>
-                                <a:rPr lang="ru-RU" sz="2400" i="1"/>
+                                <a:rPr lang="ru-RU" sz="2400" i="1">
+                                  <a:latin typeface="Cambria Math" panose="02040503050406030204" pitchFamily="18" charset="0"/>
+                                </a:rPr>
                               </m:ctrlPr>
                             </m:sSupPr>
                             <m:e>
                               <m:d>
                                 <m:dPr>
                                   <m:ctrlPr>
-                                    <a:rPr lang="ru-RU" sz="2400" i="1"/>
+                                    <a:rPr lang="ru-RU" sz="2400" i="1">
+                                      <a:latin typeface="Cambria Math" panose="02040503050406030204" pitchFamily="18" charset="0"/>
+                                    </a:rPr>
                                   </m:ctrlPr>
                                 </m:dPr>
                                 <m:e>
                                   <m:sSup>
                                     <m:sSupPr>
                                       <m:ctrlPr>
-                                        <a:rPr lang="ru-RU" sz="2400" i="1"/>
+                                        <a:rPr lang="ru-RU" sz="2400" i="1">
+                                          <a:latin typeface="Cambria Math" panose="02040503050406030204" pitchFamily="18" charset="0"/>
+                                        </a:rPr>
                                       </m:ctrlPr>
                                     </m:sSupPr>
                                     <m:e>
@@ -5411,7 +5895,9 @@
                                         <m:accPr>
                                           <m:chr m:val="⃗"/>
                                           <m:ctrlPr>
-                                            <a:rPr lang="ru-RU" sz="2400" i="1"/>
+                                            <a:rPr lang="ru-RU" sz="2400" i="1">
+                                              <a:latin typeface="Cambria Math" panose="02040503050406030204" pitchFamily="18" charset="0"/>
+                                            </a:rPr>
                                           </m:ctrlPr>
                                         </m:accPr>
                                         <m:e>
@@ -5419,7 +5905,9 @@
                                             <m:rPr>
                                               <m:sty m:val="p"/>
                                             </m:rPr>
-                                            <a:rPr lang="ru-RU" sz="2400"/>
+                                            <a:rPr lang="ru-RU" sz="2400">
+                                              <a:latin typeface="Cambria Math" panose="02040503050406030204" pitchFamily="18" charset="0"/>
+                                            </a:rPr>
                                             <m:t>k</m:t>
                                           </m:r>
                                         </m:e>
@@ -5427,20 +5915,26 @@
                                     </m:e>
                                     <m:sup>
                                       <m:r>
-                                        <a:rPr lang="en-US" sz="2400" i="1"/>
+                                        <a:rPr lang="en-US" sz="2400" i="1">
+                                          <a:latin typeface="Cambria Math" panose="02040503050406030204" pitchFamily="18" charset="0"/>
+                                        </a:rPr>
                                         <m:t>′</m:t>
                                       </m:r>
                                     </m:sup>
                                   </m:sSup>
                                   <m:r>
-                                    <a:rPr lang="en-US" sz="2400" i="1"/>
+                                    <a:rPr lang="en-US" sz="2400" i="1">
+                                      <a:latin typeface="Cambria Math" panose="02040503050406030204" pitchFamily="18" charset="0"/>
+                                    </a:rPr>
                                     <m:t>−</m:t>
                                   </m:r>
                                   <m:acc>
                                     <m:accPr>
                                       <m:chr m:val="⃗"/>
                                       <m:ctrlPr>
-                                        <a:rPr lang="ru-RU" sz="2400" i="1"/>
+                                        <a:rPr lang="ru-RU" sz="2400" i="1">
+                                          <a:latin typeface="Cambria Math" panose="02040503050406030204" pitchFamily="18" charset="0"/>
+                                        </a:rPr>
                                       </m:ctrlPr>
                                     </m:accPr>
                                     <m:e>
@@ -5448,7 +5942,9 @@
                                         <m:rPr>
                                           <m:sty m:val="p"/>
                                         </m:rPr>
-                                        <a:rPr lang="ru-RU" sz="2400"/>
+                                        <a:rPr lang="ru-RU" sz="2400">
+                                          <a:latin typeface="Cambria Math" panose="02040503050406030204" pitchFamily="18" charset="0"/>
+                                        </a:rPr>
                                         <m:t>k</m:t>
                                       </m:r>
                                     </m:e>
@@ -5458,7 +5954,9 @@
                             </m:e>
                             <m:sup>
                               <m:r>
-                                <a:rPr lang="en-US" sz="2400" i="1"/>
+                                <a:rPr lang="en-US" sz="2400" i="1">
+                                  <a:latin typeface="Cambria Math" panose="02040503050406030204" pitchFamily="18" charset="0"/>
+                                </a:rPr>
                                 <m:t>4</m:t>
                               </m:r>
                             </m:sup>
@@ -5466,13 +5964,17 @@
                         </m:num>
                         <m:den>
                           <m:r>
-                            <a:rPr lang="en-US" sz="2400" i="1"/>
+                            <a:rPr lang="en-US" sz="2400" i="1">
+                              <a:latin typeface="Cambria Math" panose="02040503050406030204" pitchFamily="18" charset="0"/>
+                            </a:rPr>
                             <m:t>16</m:t>
                           </m:r>
                           <m:sSubSup>
                             <m:sSubSupPr>
                               <m:ctrlPr>
-                                <a:rPr lang="ru-RU" sz="2400" i="1"/>
+                                <a:rPr lang="ru-RU" sz="2400" i="1">
+                                  <a:latin typeface="Cambria Math" panose="02040503050406030204" pitchFamily="18" charset="0"/>
+                                </a:rPr>
                               </m:ctrlPr>
                             </m:sSubSupPr>
                             <m:e>
@@ -5480,7 +5982,9 @@
                                 <m:accPr>
                                   <m:chr m:val="⃗"/>
                                   <m:ctrlPr>
-                                    <a:rPr lang="ru-RU" sz="2400" i="1"/>
+                                    <a:rPr lang="ru-RU" sz="2400" i="1">
+                                      <a:latin typeface="Cambria Math" panose="02040503050406030204" pitchFamily="18" charset="0"/>
+                                    </a:rPr>
                                   </m:ctrlPr>
                                 </m:accPr>
                                 <m:e>
@@ -5488,7 +5992,9 @@
                                     <m:rPr>
                                       <m:sty m:val="p"/>
                                     </m:rPr>
-                                    <a:rPr lang="ru-RU" sz="2400"/>
+                                    <a:rPr lang="ru-RU" sz="2400">
+                                      <a:latin typeface="Cambria Math" panose="02040503050406030204" pitchFamily="18" charset="0"/>
+                                    </a:rPr>
                                     <m:t>k</m:t>
                                   </m:r>
                                 </m:e>
@@ -5496,13 +6002,17 @@
                             </m:e>
                             <m:sub>
                               <m:r>
-                                <a:rPr lang="ru-RU" sz="2400" i="1"/>
+                                <a:rPr lang="ru-RU" sz="2400" i="1">
+                                  <a:latin typeface="Cambria Math" panose="02040503050406030204" pitchFamily="18" charset="0"/>
+                                </a:rPr>
                                 <m:t>0</m:t>
                               </m:r>
                             </m:sub>
                             <m:sup>
                               <m:r>
-                                <a:rPr lang="ru-RU" sz="2400" i="1"/>
+                                <a:rPr lang="ru-RU" sz="2400" i="1">
+                                  <a:latin typeface="Cambria Math" panose="02040503050406030204" pitchFamily="18" charset="0"/>
+                                </a:rPr>
                                 <m:t>4</m:t>
                               </m:r>
                             </m:sup>
@@ -5521,7 +6031,7 @@
             </p:txBody>
           </p:sp>
         </mc:Choice>
-        <mc:Fallback>
+        <mc:Fallback xmlns="">
           <p:sp>
             <p:nvSpPr>
               <p:cNvPr id="10" name="Прямоугольник 9"/>
@@ -5652,8 +6162,8 @@
           </a:p>
         </p:txBody>
       </p:sp>
-      <mc:AlternateContent xmlns:mc="http://schemas.openxmlformats.org/markup-compatibility/2006">
-        <mc:Choice xmlns:a14="http://schemas.microsoft.com/office/drawing/2010/main" Requires="a14">
+      <mc:AlternateContent xmlns:mc="http://schemas.openxmlformats.org/markup-compatibility/2006" xmlns:a14="http://schemas.microsoft.com/office/drawing/2010/main">
+        <mc:Choice Requires="a14">
           <p:graphicFrame>
             <p:nvGraphicFramePr>
               <p:cNvPr id="5" name="Таблица 4"/>
@@ -5794,7 +6304,7 @@
                                     <a:schemeClr val="tx1"/>
                                   </a:solidFill>
                                   <a:effectLst/>
-                                  <a:latin typeface="+mn-lt"/>
+                                  <a:latin typeface="Cambria Math" panose="02040503050406030204" pitchFamily="18" charset="0"/>
                                   <a:ea typeface="+mn-ea"/>
                                   <a:cs typeface="+mn-cs"/>
                                 </a:rPr>
@@ -5806,7 +6316,7 @@
                                     <a:schemeClr val="tx1"/>
                                   </a:solidFill>
                                   <a:effectLst/>
-                                  <a:latin typeface="+mn-lt"/>
+                                  <a:latin typeface="Cambria Math" panose="02040503050406030204" pitchFamily="18" charset="0"/>
                                   <a:ea typeface="+mn-ea"/>
                                   <a:cs typeface="+mn-cs"/>
                                 </a:rPr>
@@ -5821,7 +6331,7 @@
                                         <a:schemeClr val="tx1"/>
                                       </a:solidFill>
                                       <a:effectLst/>
-                                      <a:latin typeface="+mn-lt"/>
+                                      <a:latin typeface="Cambria Math" panose="02040503050406030204" pitchFamily="18" charset="0"/>
                                       <a:ea typeface="+mn-ea"/>
                                       <a:cs typeface="+mn-cs"/>
                                     </a:rPr>
@@ -5834,7 +6344,7 @@
                                         <a:schemeClr val="tx1"/>
                                       </a:solidFill>
                                       <a:effectLst/>
-                                      <a:latin typeface="+mn-lt"/>
+                                      <a:latin typeface="Cambria Math" panose="02040503050406030204" pitchFamily="18" charset="0"/>
                                       <a:ea typeface="+mn-ea"/>
                                       <a:cs typeface="+mn-cs"/>
                                     </a:rPr>
@@ -5848,7 +6358,7 @@
                                     <a:schemeClr val="tx1"/>
                                   </a:solidFill>
                                   <a:effectLst/>
-                                  <a:latin typeface="+mn-lt"/>
+                                  <a:latin typeface="Cambria Math" panose="02040503050406030204" pitchFamily="18" charset="0"/>
                                   <a:ea typeface="+mn-ea"/>
                                   <a:cs typeface="+mn-cs"/>
                                 </a:rPr>
@@ -5863,7 +6373,7 @@
                                         <a:schemeClr val="tx1"/>
                                       </a:solidFill>
                                       <a:effectLst/>
-                                      <a:latin typeface="+mn-lt"/>
+                                      <a:latin typeface="Cambria Math" panose="02040503050406030204" pitchFamily="18" charset="0"/>
                                       <a:ea typeface="+mn-ea"/>
                                       <a:cs typeface="+mn-cs"/>
                                     </a:rPr>
@@ -5876,7 +6386,7 @@
                                         <a:schemeClr val="tx1"/>
                                       </a:solidFill>
                                       <a:effectLst/>
-                                      <a:latin typeface="+mn-lt"/>
+                                      <a:latin typeface="Cambria Math" panose="02040503050406030204" pitchFamily="18" charset="0"/>
                                       <a:ea typeface="+mn-ea"/>
                                       <a:cs typeface="+mn-cs"/>
                                     </a:rPr>
@@ -5890,7 +6400,7 @@
                                     <a:schemeClr val="tx1"/>
                                   </a:solidFill>
                                   <a:effectLst/>
-                                  <a:latin typeface="+mn-lt"/>
+                                  <a:latin typeface="Cambria Math" panose="02040503050406030204" pitchFamily="18" charset="0"/>
                                   <a:ea typeface="+mn-ea"/>
                                   <a:cs typeface="+mn-cs"/>
                                 </a:rPr>
@@ -5904,7 +6414,7 @@
                                         <a:schemeClr val="tx1"/>
                                       </a:solidFill>
                                       <a:effectLst/>
-                                      <a:latin typeface="+mn-lt"/>
+                                      <a:latin typeface="Cambria Math" panose="02040503050406030204" pitchFamily="18" charset="0"/>
                                       <a:ea typeface="+mn-ea"/>
                                       <a:cs typeface="+mn-cs"/>
                                     </a:rPr>
@@ -5920,7 +6430,7 @@
                                             <a:schemeClr val="tx1"/>
                                           </a:solidFill>
                                           <a:effectLst/>
-                                          <a:latin typeface="+mn-lt"/>
+                                          <a:latin typeface="Cambria Math" panose="02040503050406030204" pitchFamily="18" charset="0"/>
                                           <a:ea typeface="+mn-ea"/>
                                           <a:cs typeface="+mn-cs"/>
                                         </a:rPr>
@@ -5933,7 +6443,7 @@
                                             <a:schemeClr val="tx1"/>
                                           </a:solidFill>
                                           <a:effectLst/>
-                                          <a:latin typeface="+mn-lt"/>
+                                          <a:latin typeface="Cambria Math" panose="02040503050406030204" pitchFamily="18" charset="0"/>
                                           <a:ea typeface="+mn-ea"/>
                                           <a:cs typeface="+mn-cs"/>
                                         </a:rPr>
@@ -5949,7 +6459,7 @@
                                         <a:schemeClr val="tx1"/>
                                       </a:solidFill>
                                       <a:effectLst/>
-                                      <a:latin typeface="+mn-lt"/>
+                                      <a:latin typeface="Cambria Math" panose="02040503050406030204" pitchFamily="18" charset="0"/>
                                       <a:ea typeface="+mn-ea"/>
                                       <a:cs typeface="+mn-cs"/>
                                     </a:rPr>
@@ -5963,7 +6473,7 @@
                                     <a:schemeClr val="tx1"/>
                                   </a:solidFill>
                                   <a:effectLst/>
-                                  <a:latin typeface="+mn-lt"/>
+                                  <a:latin typeface="Cambria Math" panose="02040503050406030204" pitchFamily="18" charset="0"/>
                                   <a:ea typeface="+mn-ea"/>
                                   <a:cs typeface="+mn-cs"/>
                                 </a:rPr>
@@ -6052,8 +6562,9 @@
                                 <m:sSub>
                                   <m:sSubPr>
                                     <m:ctrlPr>
-                                      <a:rPr lang="ru-RU" sz="2400" kern="1400">
+                                      <a:rPr lang="ru-RU" sz="2400" i="1" kern="1400">
                                         <a:effectLst/>
+                                        <a:latin typeface="Cambria Math" panose="02040503050406030204" pitchFamily="18" charset="0"/>
                                       </a:rPr>
                                     </m:ctrlPr>
                                   </m:sSubPr>
@@ -6061,6 +6572,7 @@
                                     <m:r>
                                       <a:rPr lang="en-US" sz="2400" kern="0">
                                         <a:effectLst/>
+                                        <a:latin typeface="Cambria Math" panose="02040503050406030204" pitchFamily="18" charset="0"/>
                                       </a:rPr>
                                       <m:t>𝐺</m:t>
                                     </m:r>
@@ -6069,6 +6581,7 @@
                                     <m:r>
                                       <a:rPr lang="en-US" sz="2400" kern="0">
                                         <a:effectLst/>
+                                        <a:latin typeface="Cambria Math" panose="02040503050406030204" pitchFamily="18" charset="0"/>
                                       </a:rPr>
                                       <m:t>00</m:t>
                                     </m:r>
@@ -6078,8 +6591,9 @@
                                   <m:accPr>
                                     <m:chr m:val="̅"/>
                                     <m:ctrlPr>
-                                      <a:rPr lang="ru-RU" sz="2400" kern="1400">
+                                      <a:rPr lang="ru-RU" sz="2400" i="1" kern="1400">
                                         <a:effectLst/>
+                                        <a:latin typeface="Cambria Math" panose="02040503050406030204" pitchFamily="18" charset="0"/>
                                       </a:rPr>
                                     </m:ctrlPr>
                                   </m:accPr>
@@ -6087,6 +6601,7 @@
                                     <m:r>
                                       <a:rPr lang="ru-RU" sz="2400" kern="0">
                                         <a:effectLst/>
+                                        <a:latin typeface="Cambria Math" panose="02040503050406030204" pitchFamily="18" charset="0"/>
                                       </a:rPr>
                                       <m:t>𝜓</m:t>
                                     </m:r>
@@ -6095,14 +6610,16 @@
                                 <m:r>
                                   <a:rPr lang="ru-RU" sz="2400" kern="0">
                                     <a:effectLst/>
+                                    <a:latin typeface="Cambria Math" panose="02040503050406030204" pitchFamily="18" charset="0"/>
                                   </a:rPr>
                                   <m:t>(</m:t>
                                 </m:r>
                                 <m:sSup>
                                   <m:sSupPr>
                                     <m:ctrlPr>
-                                      <a:rPr lang="ru-RU" sz="2400" kern="1400">
+                                      <a:rPr lang="ru-RU" sz="2400" i="1" kern="1400">
                                         <a:effectLst/>
+                                        <a:latin typeface="Cambria Math" panose="02040503050406030204" pitchFamily="18" charset="0"/>
                                       </a:rPr>
                                     </m:ctrlPr>
                                   </m:sSupPr>
@@ -6110,6 +6627,7 @@
                                     <m:r>
                                       <a:rPr lang="en-US" sz="2400" kern="0">
                                         <a:effectLst/>
+                                        <a:latin typeface="Cambria Math" panose="02040503050406030204" pitchFamily="18" charset="0"/>
                                       </a:rPr>
                                       <m:t>𝑝</m:t>
                                     </m:r>
@@ -6118,6 +6636,7 @@
                                     <m:r>
                                       <a:rPr lang="en-US" sz="2400" kern="0">
                                         <a:effectLst/>
+                                        <a:latin typeface="Cambria Math" panose="02040503050406030204" pitchFamily="18" charset="0"/>
                                       </a:rPr>
                                       <m:t>′</m:t>
                                     </m:r>
@@ -6126,30 +6645,35 @@
                                 <m:r>
                                   <a:rPr lang="en-US" sz="2400" kern="0">
                                     <a:effectLst/>
+                                    <a:latin typeface="Cambria Math" panose="02040503050406030204" pitchFamily="18" charset="0"/>
                                   </a:rPr>
                                   <m:t>)</m:t>
                                 </m:r>
                                 <m:r>
                                   <a:rPr lang="ru-RU" sz="2400" kern="0">
                                     <a:effectLst/>
+                                    <a:latin typeface="Cambria Math" panose="02040503050406030204" pitchFamily="18" charset="0"/>
                                   </a:rPr>
                                   <m:t>𝜓</m:t>
                                 </m:r>
                                 <m:r>
                                   <a:rPr lang="ru-RU" sz="2400" kern="0">
                                     <a:effectLst/>
+                                    <a:latin typeface="Cambria Math" panose="02040503050406030204" pitchFamily="18" charset="0"/>
                                   </a:rPr>
                                   <m:t>(</m:t>
                                 </m:r>
                                 <m:r>
                                   <a:rPr lang="ru-RU" sz="2400" kern="0">
                                     <a:effectLst/>
+                                    <a:latin typeface="Cambria Math" panose="02040503050406030204" pitchFamily="18" charset="0"/>
                                   </a:rPr>
                                   <m:t>𝑝</m:t>
                                 </m:r>
                                 <m:r>
                                   <a:rPr lang="ru-RU" sz="2400" kern="0">
                                     <a:effectLst/>
+                                    <a:latin typeface="Cambria Math" panose="02040503050406030204" pitchFamily="18" charset="0"/>
                                   </a:rPr>
                                   <m:t>)</m:t>
                                 </m:r>
@@ -6157,8 +6681,9 @@
                                   <m:accPr>
                                     <m:chr m:val="̅"/>
                                     <m:ctrlPr>
-                                      <a:rPr lang="ru-RU" sz="2400" kern="1400">
+                                      <a:rPr lang="ru-RU" sz="2400" i="1" kern="1400">
                                         <a:effectLst/>
+                                        <a:latin typeface="Cambria Math" panose="02040503050406030204" pitchFamily="18" charset="0"/>
                                       </a:rPr>
                                     </m:ctrlPr>
                                   </m:accPr>
@@ -6166,6 +6691,7 @@
                                     <m:r>
                                       <a:rPr lang="ru-RU" sz="2400" kern="0">
                                         <a:effectLst/>
+                                        <a:latin typeface="Cambria Math" panose="02040503050406030204" pitchFamily="18" charset="0"/>
                                       </a:rPr>
                                       <m:t>𝜒</m:t>
                                     </m:r>
@@ -6174,14 +6700,16 @@
                                 <m:r>
                                   <a:rPr lang="ru-RU" sz="2400" kern="0">
                                     <a:effectLst/>
+                                    <a:latin typeface="Cambria Math" panose="02040503050406030204" pitchFamily="18" charset="0"/>
                                   </a:rPr>
                                   <m:t>(</m:t>
                                 </m:r>
                                 <m:sSup>
                                   <m:sSupPr>
                                     <m:ctrlPr>
-                                      <a:rPr lang="ru-RU" sz="2400" kern="1400">
+                                      <a:rPr lang="ru-RU" sz="2400" i="1" kern="1400">
                                         <a:effectLst/>
+                                        <a:latin typeface="Cambria Math" panose="02040503050406030204" pitchFamily="18" charset="0"/>
                                       </a:rPr>
                                     </m:ctrlPr>
                                   </m:sSupPr>
@@ -6189,6 +6717,7 @@
                                     <m:r>
                                       <a:rPr lang="ru-RU" sz="2400" kern="0">
                                         <a:effectLst/>
+                                        <a:latin typeface="Cambria Math" panose="02040503050406030204" pitchFamily="18" charset="0"/>
                                       </a:rPr>
                                       <m:t>𝑘</m:t>
                                     </m:r>
@@ -6197,6 +6726,7 @@
                                     <m:r>
                                       <a:rPr lang="ru-RU" sz="2400" kern="0">
                                         <a:effectLst/>
+                                        <a:latin typeface="Cambria Math" panose="02040503050406030204" pitchFamily="18" charset="0"/>
                                       </a:rPr>
                                       <m:t>′</m:t>
                                     </m:r>
@@ -6205,30 +6735,35 @@
                                 <m:r>
                                   <a:rPr lang="ru-RU" sz="2400" kern="0">
                                     <a:effectLst/>
+                                    <a:latin typeface="Cambria Math" panose="02040503050406030204" pitchFamily="18" charset="0"/>
                                   </a:rPr>
                                   <m:t>)</m:t>
                                 </m:r>
                                 <m:r>
                                   <a:rPr lang="ru-RU" sz="2400" kern="0">
                                     <a:effectLst/>
+                                    <a:latin typeface="Cambria Math" panose="02040503050406030204" pitchFamily="18" charset="0"/>
                                   </a:rPr>
                                   <m:t>𝜒</m:t>
                                 </m:r>
                                 <m:r>
                                   <a:rPr lang="ru-RU" sz="2400" kern="0">
                                     <a:effectLst/>
+                                    <a:latin typeface="Cambria Math" panose="02040503050406030204" pitchFamily="18" charset="0"/>
                                   </a:rPr>
                                   <m:t>(</m:t>
                                 </m:r>
                                 <m:r>
                                   <a:rPr lang="ru-RU" sz="2400" kern="0">
                                     <a:effectLst/>
+                                    <a:latin typeface="Cambria Math" panose="02040503050406030204" pitchFamily="18" charset="0"/>
                                   </a:rPr>
                                   <m:t>𝑘</m:t>
                                 </m:r>
                                 <m:r>
                                   <a:rPr lang="ru-RU" sz="2400" kern="0">
                                     <a:effectLst/>
+                                    <a:latin typeface="Cambria Math" panose="02040503050406030204" pitchFamily="18" charset="0"/>
                                   </a:rPr>
                                   <m:t>)</m:t>
                                 </m:r>
@@ -6309,8 +6844,9 @@
                                 <m:sSub>
                                   <m:sSubPr>
                                     <m:ctrlPr>
-                                      <a:rPr lang="ru-RU" sz="2400" kern="1400">
+                                      <a:rPr lang="ru-RU" sz="2400" i="1" kern="1400">
                                         <a:effectLst/>
+                                        <a:latin typeface="Cambria Math" panose="02040503050406030204" pitchFamily="18" charset="0"/>
                                       </a:rPr>
                                     </m:ctrlPr>
                                   </m:sSubPr>
@@ -6318,6 +6854,7 @@
                                     <m:r>
                                       <a:rPr lang="en-US" sz="2400" kern="0">
                                         <a:effectLst/>
+                                        <a:latin typeface="Cambria Math" panose="02040503050406030204" pitchFamily="18" charset="0"/>
                                       </a:rPr>
                                       <m:t>𝐺</m:t>
                                     </m:r>
@@ -6326,6 +6863,7 @@
                                     <m:r>
                                       <a:rPr lang="en-US" sz="2400" kern="0">
                                         <a:effectLst/>
+                                        <a:latin typeface="Cambria Math" panose="02040503050406030204" pitchFamily="18" charset="0"/>
                                       </a:rPr>
                                       <m:t>00</m:t>
                                     </m:r>
@@ -6415,14 +6953,16 @@
                                 <m:r>
                                   <a:rPr lang="en-US" sz="2400" kern="0">
                                     <a:effectLst/>
+                                    <a:latin typeface="Cambria Math" panose="02040503050406030204" pitchFamily="18" charset="0"/>
                                   </a:rPr>
                                   <m:t>𝑖</m:t>
                                 </m:r>
                                 <m:sSub>
                                   <m:sSubPr>
                                     <m:ctrlPr>
-                                      <a:rPr lang="ru-RU" sz="2400" kern="1400">
+                                      <a:rPr lang="ru-RU" sz="2400" i="1" kern="1400">
                                         <a:effectLst/>
+                                        <a:latin typeface="Cambria Math" panose="02040503050406030204" pitchFamily="18" charset="0"/>
                                       </a:rPr>
                                     </m:ctrlPr>
                                   </m:sSubPr>
@@ -6430,6 +6970,7 @@
                                     <m:r>
                                       <a:rPr lang="en-US" sz="2400" kern="0">
                                         <a:effectLst/>
+                                        <a:latin typeface="Cambria Math" panose="02040503050406030204" pitchFamily="18" charset="0"/>
                                       </a:rPr>
                                       <m:t>𝐺</m:t>
                                     </m:r>
@@ -6438,6 +6979,7 @@
                                     <m:r>
                                       <a:rPr lang="en-US" sz="2400" kern="0">
                                         <a:effectLst/>
+                                        <a:latin typeface="Cambria Math" panose="02040503050406030204" pitchFamily="18" charset="0"/>
                                       </a:rPr>
                                       <m:t>01</m:t>
                                     </m:r>
@@ -6447,8 +6989,9 @@
                                   <m:accPr>
                                     <m:chr m:val="̅"/>
                                     <m:ctrlPr>
-                                      <a:rPr lang="ru-RU" sz="2400" kern="1400">
+                                      <a:rPr lang="ru-RU" sz="2400" i="1" kern="1400">
                                         <a:effectLst/>
+                                        <a:latin typeface="Cambria Math" panose="02040503050406030204" pitchFamily="18" charset="0"/>
                                       </a:rPr>
                                     </m:ctrlPr>
                                   </m:accPr>
@@ -6456,6 +6999,7 @@
                                     <m:r>
                                       <a:rPr lang="ru-RU" sz="2400" kern="0">
                                         <a:effectLst/>
+                                        <a:latin typeface="Cambria Math" panose="02040503050406030204" pitchFamily="18" charset="0"/>
                                       </a:rPr>
                                       <m:t>𝜓</m:t>
                                     </m:r>
@@ -6464,14 +7008,16 @@
                                 <m:r>
                                   <a:rPr lang="ru-RU" sz="2400" kern="0">
                                     <a:effectLst/>
+                                    <a:latin typeface="Cambria Math" panose="02040503050406030204" pitchFamily="18" charset="0"/>
                                   </a:rPr>
                                   <m:t>(</m:t>
                                 </m:r>
                                 <m:sSup>
                                   <m:sSupPr>
                                     <m:ctrlPr>
-                                      <a:rPr lang="ru-RU" sz="2400" kern="1400">
+                                      <a:rPr lang="ru-RU" sz="2400" i="1" kern="1400">
                                         <a:effectLst/>
+                                        <a:latin typeface="Cambria Math" panose="02040503050406030204" pitchFamily="18" charset="0"/>
                                       </a:rPr>
                                     </m:ctrlPr>
                                   </m:sSupPr>
@@ -6479,6 +7025,7 @@
                                     <m:r>
                                       <a:rPr lang="en-US" sz="2400" kern="0">
                                         <a:effectLst/>
+                                        <a:latin typeface="Cambria Math" panose="02040503050406030204" pitchFamily="18" charset="0"/>
                                       </a:rPr>
                                       <m:t>𝑝</m:t>
                                     </m:r>
@@ -6487,6 +7034,7 @@
                                     <m:r>
                                       <a:rPr lang="en-US" sz="2400" kern="0">
                                         <a:effectLst/>
+                                        <a:latin typeface="Cambria Math" panose="02040503050406030204" pitchFamily="18" charset="0"/>
                                       </a:rPr>
                                       <m:t>′</m:t>
                                     </m:r>
@@ -6495,30 +7043,35 @@
                                 <m:r>
                                   <a:rPr lang="en-US" sz="2400" kern="0">
                                     <a:effectLst/>
+                                    <a:latin typeface="Cambria Math" panose="02040503050406030204" pitchFamily="18" charset="0"/>
                                   </a:rPr>
                                   <m:t>)</m:t>
                                 </m:r>
                                 <m:r>
                                   <a:rPr lang="ru-RU" sz="2400" kern="0">
                                     <a:effectLst/>
+                                    <a:latin typeface="Cambria Math" panose="02040503050406030204" pitchFamily="18" charset="0"/>
                                   </a:rPr>
                                   <m:t>𝜓</m:t>
                                 </m:r>
                                 <m:r>
                                   <a:rPr lang="ru-RU" sz="2400" kern="0">
                                     <a:effectLst/>
+                                    <a:latin typeface="Cambria Math" panose="02040503050406030204" pitchFamily="18" charset="0"/>
                                   </a:rPr>
                                   <m:t>(</m:t>
                                 </m:r>
                                 <m:r>
                                   <a:rPr lang="ru-RU" sz="2400" kern="0">
                                     <a:effectLst/>
+                                    <a:latin typeface="Cambria Math" panose="02040503050406030204" pitchFamily="18" charset="0"/>
                                   </a:rPr>
                                   <m:t>𝑝</m:t>
                                 </m:r>
                                 <m:r>
                                   <a:rPr lang="ru-RU" sz="2400" kern="0">
                                     <a:effectLst/>
+                                    <a:latin typeface="Cambria Math" panose="02040503050406030204" pitchFamily="18" charset="0"/>
                                   </a:rPr>
                                   <m:t>)</m:t>
                                 </m:r>
@@ -6526,8 +7079,9 @@
                                   <m:accPr>
                                     <m:chr m:val="̅"/>
                                     <m:ctrlPr>
-                                      <a:rPr lang="ru-RU" sz="2400" kern="1400">
+                                      <a:rPr lang="ru-RU" sz="2400" i="1" kern="1400">
                                         <a:effectLst/>
+                                        <a:latin typeface="Cambria Math" panose="02040503050406030204" pitchFamily="18" charset="0"/>
                                       </a:rPr>
                                     </m:ctrlPr>
                                   </m:accPr>
@@ -6535,6 +7089,7 @@
                                     <m:r>
                                       <a:rPr lang="ru-RU" sz="2400" kern="0">
                                         <a:effectLst/>
+                                        <a:latin typeface="Cambria Math" panose="02040503050406030204" pitchFamily="18" charset="0"/>
                                       </a:rPr>
                                       <m:t>𝜒</m:t>
                                     </m:r>
@@ -6543,14 +7098,16 @@
                                 <m:r>
                                   <a:rPr lang="ru-RU" sz="2400" kern="0">
                                     <a:effectLst/>
+                                    <a:latin typeface="Cambria Math" panose="02040503050406030204" pitchFamily="18" charset="0"/>
                                   </a:rPr>
                                   <m:t>(</m:t>
                                 </m:r>
                                 <m:sSup>
                                   <m:sSupPr>
                                     <m:ctrlPr>
-                                      <a:rPr lang="ru-RU" sz="2400" kern="1400">
+                                      <a:rPr lang="ru-RU" sz="2400" i="1" kern="1400">
                                         <a:effectLst/>
+                                        <a:latin typeface="Cambria Math" panose="02040503050406030204" pitchFamily="18" charset="0"/>
                                       </a:rPr>
                                     </m:ctrlPr>
                                   </m:sSupPr>
@@ -6558,6 +7115,7 @@
                                     <m:r>
                                       <a:rPr lang="ru-RU" sz="2400" kern="0">
                                         <a:effectLst/>
+                                        <a:latin typeface="Cambria Math" panose="02040503050406030204" pitchFamily="18" charset="0"/>
                                       </a:rPr>
                                       <m:t>𝑘</m:t>
                                     </m:r>
@@ -6566,6 +7124,7 @@
                                     <m:r>
                                       <a:rPr lang="ru-RU" sz="2400" kern="0">
                                         <a:effectLst/>
+                                        <a:latin typeface="Cambria Math" panose="02040503050406030204" pitchFamily="18" charset="0"/>
                                       </a:rPr>
                                       <m:t>′</m:t>
                                     </m:r>
@@ -6574,14 +7133,16 @@
                                 <m:r>
                                   <a:rPr lang="ru-RU" sz="2400" kern="0">
                                     <a:effectLst/>
+                                    <a:latin typeface="Cambria Math" panose="02040503050406030204" pitchFamily="18" charset="0"/>
                                   </a:rPr>
                                   <m:t>)</m:t>
                                 </m:r>
                                 <m:sSup>
                                   <m:sSupPr>
                                     <m:ctrlPr>
-                                      <a:rPr lang="ru-RU" sz="2400" kern="1400">
+                                      <a:rPr lang="ru-RU" sz="2400" i="1" kern="1400">
                                         <a:effectLst/>
+                                        <a:latin typeface="Cambria Math" panose="02040503050406030204" pitchFamily="18" charset="0"/>
                                       </a:rPr>
                                     </m:ctrlPr>
                                   </m:sSupPr>
@@ -6589,6 +7150,7 @@
                                     <m:r>
                                       <a:rPr lang="ru-RU" sz="2400" kern="0">
                                         <a:effectLst/>
+                                        <a:latin typeface="Cambria Math" panose="02040503050406030204" pitchFamily="18" charset="0"/>
                                       </a:rPr>
                                       <m:t>𝛾</m:t>
                                     </m:r>
@@ -6597,6 +7159,7 @@
                                     <m:r>
                                       <a:rPr lang="ru-RU" sz="2400" kern="0">
                                         <a:effectLst/>
+                                        <a:latin typeface="Cambria Math" panose="02040503050406030204" pitchFamily="18" charset="0"/>
                                       </a:rPr>
                                       <m:t>5</m:t>
                                     </m:r>
@@ -6605,24 +7168,28 @@
                                 <m:r>
                                   <a:rPr lang="ru-RU" sz="2400" kern="0">
                                     <a:effectLst/>
+                                    <a:latin typeface="Cambria Math" panose="02040503050406030204" pitchFamily="18" charset="0"/>
                                   </a:rPr>
                                   <m:t>𝜒</m:t>
                                 </m:r>
                                 <m:r>
                                   <a:rPr lang="ru-RU" sz="2400" kern="0">
                                     <a:effectLst/>
+                                    <a:latin typeface="Cambria Math" panose="02040503050406030204" pitchFamily="18" charset="0"/>
                                   </a:rPr>
                                   <m:t>(</m:t>
                                 </m:r>
                                 <m:r>
                                   <a:rPr lang="ru-RU" sz="2400" kern="0">
                                     <a:effectLst/>
+                                    <a:latin typeface="Cambria Math" panose="02040503050406030204" pitchFamily="18" charset="0"/>
                                   </a:rPr>
                                   <m:t>𝑘</m:t>
                                 </m:r>
                                 <m:r>
                                   <a:rPr lang="ru-RU" sz="2400" kern="0">
                                     <a:effectLst/>
+                                    <a:latin typeface="Cambria Math" panose="02040503050406030204" pitchFamily="18" charset="0"/>
                                   </a:rPr>
                                   <m:t>)</m:t>
                                 </m:r>
@@ -6703,8 +7270,9 @@
                                 <m:sSub>
                                   <m:sSubPr>
                                     <m:ctrlPr>
-                                      <a:rPr lang="ru-RU" sz="2400" kern="1400" smtClean="0">
+                                      <a:rPr lang="ru-RU" sz="2400" i="1" kern="1400" smtClean="0">
                                         <a:effectLst/>
+                                        <a:latin typeface="Cambria Math" panose="02040503050406030204" pitchFamily="18" charset="0"/>
                                       </a:rPr>
                                     </m:ctrlPr>
                                   </m:sSubPr>
@@ -6712,6 +7280,7 @@
                                     <m:r>
                                       <a:rPr lang="en-US" sz="2400" kern="0">
                                         <a:effectLst/>
+                                        <a:latin typeface="Cambria Math" panose="02040503050406030204" pitchFamily="18" charset="0"/>
                                       </a:rPr>
                                       <m:t>𝐺</m:t>
                                     </m:r>
@@ -6720,6 +7289,7 @@
                                     <m:r>
                                       <a:rPr lang="ru-RU" sz="2400" kern="0">
                                         <a:effectLst/>
+                                        <a:latin typeface="Cambria Math" panose="02040503050406030204" pitchFamily="18" charset="0"/>
                                       </a:rPr>
                                       <m:t>01</m:t>
                                     </m:r>
@@ -6728,8 +7298,9 @@
                                 <m:sSub>
                                   <m:sSubPr>
                                     <m:ctrlPr>
-                                      <a:rPr lang="ru-RU" sz="2400" kern="1400">
+                                      <a:rPr lang="ru-RU" sz="2400" i="1" kern="1400">
                                         <a:effectLst/>
+                                        <a:latin typeface="Cambria Math" panose="02040503050406030204" pitchFamily="18" charset="0"/>
                                       </a:rPr>
                                     </m:ctrlPr>
                                   </m:sSubPr>
@@ -6738,8 +7309,9 @@
                                       <m:accPr>
                                         <m:chr m:val="̂"/>
                                         <m:ctrlPr>
-                                          <a:rPr lang="ru-RU" sz="2400" kern="1400">
+                                          <a:rPr lang="ru-RU" sz="2400" i="1" kern="1400">
                                             <a:effectLst/>
+                                            <a:latin typeface="Cambria Math" panose="02040503050406030204" pitchFamily="18" charset="0"/>
                                           </a:rPr>
                                         </m:ctrlPr>
                                       </m:accPr>
@@ -6748,8 +7320,9 @@
                                           <m:accPr>
                                             <m:chr m:val="⃗"/>
                                             <m:ctrlPr>
-                                              <a:rPr lang="ru-RU" sz="2400" kern="1400">
+                                              <a:rPr lang="ru-RU" sz="2400" i="1" kern="1400">
                                                 <a:effectLst/>
+                                                <a:latin typeface="Cambria Math" panose="02040503050406030204" pitchFamily="18" charset="0"/>
                                               </a:rPr>
                                             </m:ctrlPr>
                                           </m:accPr>
@@ -6757,6 +7330,7 @@
                                             <m:r>
                                               <a:rPr lang="en-US" sz="2400" kern="0">
                                                 <a:effectLst/>
+                                                <a:latin typeface="Cambria Math" panose="02040503050406030204" pitchFamily="18" charset="0"/>
                                               </a:rPr>
                                               <m:t>𝑆</m:t>
                                             </m:r>
@@ -6769,6 +7343,7 @@
                                     <m:r>
                                       <a:rPr lang="en-US" sz="2400" kern="0">
                                         <a:effectLst/>
+                                        <a:latin typeface="Cambria Math" panose="02040503050406030204" pitchFamily="18" charset="0"/>
                                       </a:rPr>
                                       <m:t>𝑘</m:t>
                                     </m:r>
@@ -6777,8 +7352,9 @@
                                 <m:f>
                                   <m:fPr>
                                     <m:ctrlPr>
-                                      <a:rPr lang="ru-RU" sz="2400" kern="1400">
+                                      <a:rPr lang="ru-RU" sz="2400" i="1" kern="1400">
                                         <a:effectLst/>
+                                        <a:latin typeface="Cambria Math" panose="02040503050406030204" pitchFamily="18" charset="0"/>
                                       </a:rPr>
                                     </m:ctrlPr>
                                   </m:fPr>
@@ -6793,6 +7369,7 @@
                                     <m:r>
                                       <a:rPr lang="en-US" sz="2400" kern="0">
                                         <a:effectLst/>
+                                        <a:latin typeface="Cambria Math" panose="02040503050406030204" pitchFamily="18" charset="0"/>
                                       </a:rPr>
                                       <m:t>𝑖</m:t>
                                     </m:r>
@@ -6800,8 +7377,9 @@
                                       <m:accPr>
                                         <m:chr m:val="⃗"/>
                                         <m:ctrlPr>
-                                          <a:rPr lang="ru-RU" sz="2400" kern="1400">
+                                          <a:rPr lang="ru-RU" sz="2400" i="1" kern="1400">
                                             <a:effectLst/>
+                                            <a:latin typeface="Cambria Math" panose="02040503050406030204" pitchFamily="18" charset="0"/>
                                           </a:rPr>
                                         </m:ctrlPr>
                                       </m:accPr>
@@ -6809,6 +7387,7 @@
                                         <m:r>
                                           <a:rPr lang="en-US" sz="2400" kern="0">
                                             <a:effectLst/>
+                                            <a:latin typeface="Cambria Math" panose="02040503050406030204" pitchFamily="18" charset="0"/>
                                           </a:rPr>
                                           <m:t>𝑞</m:t>
                                         </m:r>
@@ -6819,8 +7398,9 @@
                                     <m:sSub>
                                       <m:sSubPr>
                                         <m:ctrlPr>
-                                          <a:rPr lang="ru-RU" sz="2400" kern="1400">
+                                          <a:rPr lang="ru-RU" sz="2400" i="1" kern="1400">
                                             <a:effectLst/>
+                                            <a:latin typeface="Cambria Math" panose="02040503050406030204" pitchFamily="18" charset="0"/>
                                           </a:rPr>
                                         </m:ctrlPr>
                                       </m:sSubPr>
@@ -6828,6 +7408,7 @@
                                         <m:r>
                                           <a:rPr lang="en-US" sz="2400" kern="0">
                                             <a:effectLst/>
+                                            <a:latin typeface="Cambria Math" panose="02040503050406030204" pitchFamily="18" charset="0"/>
                                           </a:rPr>
                                           <m:t>𝑚</m:t>
                                         </m:r>
@@ -6836,6 +7417,7 @@
                                         <m:r>
                                           <a:rPr lang="ru-RU" sz="2400" kern="0">
                                             <a:effectLst/>
+                                            <a:latin typeface="Cambria Math" panose="02040503050406030204" pitchFamily="18" charset="0"/>
                                           </a:rPr>
                                           <m:t>𝑘</m:t>
                                         </m:r>
@@ -6927,14 +7509,16 @@
                                 <m:r>
                                   <a:rPr lang="en-US" sz="2400" kern="0">
                                     <a:effectLst/>
+                                    <a:latin typeface="Cambria Math" panose="02040503050406030204" pitchFamily="18" charset="0"/>
                                   </a:rPr>
                                   <m:t>𝑖</m:t>
                                 </m:r>
                                 <m:sSub>
                                   <m:sSubPr>
                                     <m:ctrlPr>
-                                      <a:rPr lang="ru-RU" sz="2400" kern="1400">
+                                      <a:rPr lang="ru-RU" sz="2400" i="1" kern="1400">
                                         <a:effectLst/>
+                                        <a:latin typeface="Cambria Math" panose="02040503050406030204" pitchFamily="18" charset="0"/>
                                       </a:rPr>
                                     </m:ctrlPr>
                                   </m:sSubPr>
@@ -6942,6 +7526,7 @@
                                     <m:r>
                                       <a:rPr lang="en-US" sz="2400" kern="0">
                                         <a:effectLst/>
+                                        <a:latin typeface="Cambria Math" panose="02040503050406030204" pitchFamily="18" charset="0"/>
                                       </a:rPr>
                                       <m:t>𝐺</m:t>
                                     </m:r>
@@ -6950,6 +7535,7 @@
                                     <m:r>
                                       <a:rPr lang="en-US" sz="2400" kern="0">
                                         <a:effectLst/>
+                                        <a:latin typeface="Cambria Math" panose="02040503050406030204" pitchFamily="18" charset="0"/>
                                       </a:rPr>
                                       <m:t>01</m:t>
                                     </m:r>
@@ -6959,8 +7545,9 @@
                                   <m:accPr>
                                     <m:chr m:val="̅"/>
                                     <m:ctrlPr>
-                                      <a:rPr lang="ru-RU" sz="2400" kern="1400">
+                                      <a:rPr lang="ru-RU" sz="2400" i="1" kern="1400">
                                         <a:effectLst/>
+                                        <a:latin typeface="Cambria Math" panose="02040503050406030204" pitchFamily="18" charset="0"/>
                                       </a:rPr>
                                     </m:ctrlPr>
                                   </m:accPr>
@@ -6968,6 +7555,7 @@
                                     <m:r>
                                       <a:rPr lang="ru-RU" sz="2400" kern="0">
                                         <a:effectLst/>
+                                        <a:latin typeface="Cambria Math" panose="02040503050406030204" pitchFamily="18" charset="0"/>
                                       </a:rPr>
                                       <m:t>𝜓</m:t>
                                     </m:r>
@@ -6976,14 +7564,16 @@
                                 <m:r>
                                   <a:rPr lang="ru-RU" sz="2400" kern="0">
                                     <a:effectLst/>
+                                    <a:latin typeface="Cambria Math" panose="02040503050406030204" pitchFamily="18" charset="0"/>
                                   </a:rPr>
                                   <m:t>(</m:t>
                                 </m:r>
                                 <m:sSup>
                                   <m:sSupPr>
                                     <m:ctrlPr>
-                                      <a:rPr lang="ru-RU" sz="2400" kern="1400">
+                                      <a:rPr lang="ru-RU" sz="2400" i="1" kern="1400">
                                         <a:effectLst/>
+                                        <a:latin typeface="Cambria Math" panose="02040503050406030204" pitchFamily="18" charset="0"/>
                                       </a:rPr>
                                     </m:ctrlPr>
                                   </m:sSupPr>
@@ -6991,6 +7581,7 @@
                                     <m:r>
                                       <a:rPr lang="en-US" sz="2400" kern="0">
                                         <a:effectLst/>
+                                        <a:latin typeface="Cambria Math" panose="02040503050406030204" pitchFamily="18" charset="0"/>
                                       </a:rPr>
                                       <m:t>𝑝</m:t>
                                     </m:r>
@@ -6999,6 +7590,7 @@
                                     <m:r>
                                       <a:rPr lang="en-US" sz="2400" kern="0">
                                         <a:effectLst/>
+                                        <a:latin typeface="Cambria Math" panose="02040503050406030204" pitchFamily="18" charset="0"/>
                                       </a:rPr>
                                       <m:t>′</m:t>
                                     </m:r>
@@ -7007,14 +7599,16 @@
                                 <m:r>
                                   <a:rPr lang="en-US" sz="2400" kern="0">
                                     <a:effectLst/>
+                                    <a:latin typeface="Cambria Math" panose="02040503050406030204" pitchFamily="18" charset="0"/>
                                   </a:rPr>
                                   <m:t>)</m:t>
                                 </m:r>
                                 <m:sSup>
                                   <m:sSupPr>
                                     <m:ctrlPr>
-                                      <a:rPr lang="ru-RU" sz="2400" kern="1400">
+                                      <a:rPr lang="ru-RU" sz="2400" i="1" kern="1400">
                                         <a:effectLst/>
+                                        <a:latin typeface="Cambria Math" panose="02040503050406030204" pitchFamily="18" charset="0"/>
                                       </a:rPr>
                                     </m:ctrlPr>
                                   </m:sSupPr>
@@ -7022,6 +7616,7 @@
                                     <m:r>
                                       <a:rPr lang="ru-RU" sz="2400" kern="0">
                                         <a:effectLst/>
+                                        <a:latin typeface="Cambria Math" panose="02040503050406030204" pitchFamily="18" charset="0"/>
                                       </a:rPr>
                                       <m:t>𝛾</m:t>
                                     </m:r>
@@ -7030,6 +7625,7 @@
                                     <m:r>
                                       <a:rPr lang="ru-RU" sz="2400" kern="0">
                                         <a:effectLst/>
+                                        <a:latin typeface="Cambria Math" panose="02040503050406030204" pitchFamily="18" charset="0"/>
                                       </a:rPr>
                                       <m:t>5</m:t>
                                     </m:r>
@@ -7038,24 +7634,28 @@
                                 <m:r>
                                   <a:rPr lang="ru-RU" sz="2400" kern="0">
                                     <a:effectLst/>
+                                    <a:latin typeface="Cambria Math" panose="02040503050406030204" pitchFamily="18" charset="0"/>
                                   </a:rPr>
                                   <m:t>𝜓</m:t>
                                 </m:r>
                                 <m:r>
                                   <a:rPr lang="ru-RU" sz="2400" kern="0">
                                     <a:effectLst/>
+                                    <a:latin typeface="Cambria Math" panose="02040503050406030204" pitchFamily="18" charset="0"/>
                                   </a:rPr>
                                   <m:t>(</m:t>
                                 </m:r>
                                 <m:r>
                                   <a:rPr lang="ru-RU" sz="2400" kern="0">
                                     <a:effectLst/>
+                                    <a:latin typeface="Cambria Math" panose="02040503050406030204" pitchFamily="18" charset="0"/>
                                   </a:rPr>
                                   <m:t>𝑝</m:t>
                                 </m:r>
                                 <m:r>
                                   <a:rPr lang="ru-RU" sz="2400" kern="0">
                                     <a:effectLst/>
+                                    <a:latin typeface="Cambria Math" panose="02040503050406030204" pitchFamily="18" charset="0"/>
                                   </a:rPr>
                                   <m:t>)</m:t>
                                 </m:r>
@@ -7063,8 +7663,9 @@
                                   <m:accPr>
                                     <m:chr m:val="̅"/>
                                     <m:ctrlPr>
-                                      <a:rPr lang="ru-RU" sz="2400" kern="1400">
+                                      <a:rPr lang="ru-RU" sz="2400" i="1" kern="1400">
                                         <a:effectLst/>
+                                        <a:latin typeface="Cambria Math" panose="02040503050406030204" pitchFamily="18" charset="0"/>
                                       </a:rPr>
                                     </m:ctrlPr>
                                   </m:accPr>
@@ -7072,6 +7673,7 @@
                                     <m:r>
                                       <a:rPr lang="ru-RU" sz="2400" kern="0">
                                         <a:effectLst/>
+                                        <a:latin typeface="Cambria Math" panose="02040503050406030204" pitchFamily="18" charset="0"/>
                                       </a:rPr>
                                       <m:t>𝜒</m:t>
                                     </m:r>
@@ -7080,14 +7682,16 @@
                                 <m:r>
                                   <a:rPr lang="ru-RU" sz="2400" kern="0">
                                     <a:effectLst/>
+                                    <a:latin typeface="Cambria Math" panose="02040503050406030204" pitchFamily="18" charset="0"/>
                                   </a:rPr>
                                   <m:t>(</m:t>
                                 </m:r>
                                 <m:sSup>
                                   <m:sSupPr>
                                     <m:ctrlPr>
-                                      <a:rPr lang="ru-RU" sz="2400" kern="1400">
+                                      <a:rPr lang="ru-RU" sz="2400" i="1" kern="1400">
                                         <a:effectLst/>
+                                        <a:latin typeface="Cambria Math" panose="02040503050406030204" pitchFamily="18" charset="0"/>
                                       </a:rPr>
                                     </m:ctrlPr>
                                   </m:sSupPr>
@@ -7095,6 +7699,7 @@
                                     <m:r>
                                       <a:rPr lang="ru-RU" sz="2400" kern="0">
                                         <a:effectLst/>
+                                        <a:latin typeface="Cambria Math" panose="02040503050406030204" pitchFamily="18" charset="0"/>
                                       </a:rPr>
                                       <m:t>𝑘</m:t>
                                     </m:r>
@@ -7103,6 +7708,7 @@
                                     <m:r>
                                       <a:rPr lang="ru-RU" sz="2400" kern="0">
                                         <a:effectLst/>
+                                        <a:latin typeface="Cambria Math" panose="02040503050406030204" pitchFamily="18" charset="0"/>
                                       </a:rPr>
                                       <m:t>′</m:t>
                                     </m:r>
@@ -7111,30 +7717,35 @@
                                 <m:r>
                                   <a:rPr lang="ru-RU" sz="2400" kern="0">
                                     <a:effectLst/>
+                                    <a:latin typeface="Cambria Math" panose="02040503050406030204" pitchFamily="18" charset="0"/>
                                   </a:rPr>
                                   <m:t>)</m:t>
                                 </m:r>
                                 <m:r>
                                   <a:rPr lang="ru-RU" sz="2400" kern="0">
                                     <a:effectLst/>
+                                    <a:latin typeface="Cambria Math" panose="02040503050406030204" pitchFamily="18" charset="0"/>
                                   </a:rPr>
                                   <m:t>𝜒</m:t>
                                 </m:r>
                                 <m:r>
                                   <a:rPr lang="ru-RU" sz="2400" kern="0">
                                     <a:effectLst/>
+                                    <a:latin typeface="Cambria Math" panose="02040503050406030204" pitchFamily="18" charset="0"/>
                                   </a:rPr>
                                   <m:t>(</m:t>
                                 </m:r>
                                 <m:r>
                                   <a:rPr lang="ru-RU" sz="2400" kern="0">
                                     <a:effectLst/>
+                                    <a:latin typeface="Cambria Math" panose="02040503050406030204" pitchFamily="18" charset="0"/>
                                   </a:rPr>
                                   <m:t>𝑘</m:t>
                                 </m:r>
                                 <m:r>
                                   <a:rPr lang="ru-RU" sz="2400" kern="0">
                                     <a:effectLst/>
+                                    <a:latin typeface="Cambria Math" panose="02040503050406030204" pitchFamily="18" charset="0"/>
                                   </a:rPr>
                                   <m:t>)</m:t>
                                 </m:r>
@@ -7215,8 +7826,9 @@
                                 <m:sSub>
                                   <m:sSubPr>
                                     <m:ctrlPr>
-                                      <a:rPr lang="ru-RU" sz="2400" kern="1400" smtClean="0">
+                                      <a:rPr lang="ru-RU" sz="2400" i="1" kern="1400" smtClean="0">
                                         <a:effectLst/>
+                                        <a:latin typeface="Cambria Math" panose="02040503050406030204" pitchFamily="18" charset="0"/>
                                       </a:rPr>
                                     </m:ctrlPr>
                                   </m:sSubPr>
@@ -7224,6 +7836,7 @@
                                     <m:r>
                                       <a:rPr lang="en-US" sz="2400" kern="0">
                                         <a:effectLst/>
+                                        <a:latin typeface="Cambria Math" panose="02040503050406030204" pitchFamily="18" charset="0"/>
                                       </a:rPr>
                                       <m:t>𝐺</m:t>
                                     </m:r>
@@ -7232,6 +7845,7 @@
                                     <m:r>
                                       <a:rPr lang="ru-RU" sz="2400" kern="0">
                                         <a:effectLst/>
+                                        <a:latin typeface="Cambria Math" panose="02040503050406030204" pitchFamily="18" charset="0"/>
                                       </a:rPr>
                                       <m:t>01</m:t>
                                     </m:r>
@@ -7240,8 +7854,9 @@
                                 <m:sSub>
                                   <m:sSubPr>
                                     <m:ctrlPr>
-                                      <a:rPr lang="ru-RU" sz="2400" kern="1400">
+                                      <a:rPr lang="ru-RU" sz="2400" i="1" kern="1400">
                                         <a:effectLst/>
+                                        <a:latin typeface="Cambria Math" panose="02040503050406030204" pitchFamily="18" charset="0"/>
                                       </a:rPr>
                                     </m:ctrlPr>
                                   </m:sSubPr>
@@ -7250,8 +7865,9 @@
                                       <m:accPr>
                                         <m:chr m:val="̂"/>
                                         <m:ctrlPr>
-                                          <a:rPr lang="ru-RU" sz="2400" kern="1400">
+                                          <a:rPr lang="ru-RU" sz="2400" i="1" kern="1400">
                                             <a:effectLst/>
+                                            <a:latin typeface="Cambria Math" panose="02040503050406030204" pitchFamily="18" charset="0"/>
                                           </a:rPr>
                                         </m:ctrlPr>
                                       </m:accPr>
@@ -7260,8 +7876,9 @@
                                           <m:accPr>
                                             <m:chr m:val="⃗"/>
                                             <m:ctrlPr>
-                                              <a:rPr lang="ru-RU" sz="2400" kern="1400">
+                                              <a:rPr lang="ru-RU" sz="2400" i="1" kern="1400">
                                                 <a:effectLst/>
+                                                <a:latin typeface="Cambria Math" panose="02040503050406030204" pitchFamily="18" charset="0"/>
                                               </a:rPr>
                                             </m:ctrlPr>
                                           </m:accPr>
@@ -7269,6 +7886,7 @@
                                             <m:r>
                                               <a:rPr lang="en-US" sz="2400" kern="0">
                                                 <a:effectLst/>
+                                                <a:latin typeface="Cambria Math" panose="02040503050406030204" pitchFamily="18" charset="0"/>
                                               </a:rPr>
                                               <m:t>𝑆</m:t>
                                             </m:r>
@@ -7281,6 +7899,7 @@
                                     <m:r>
                                       <a:rPr lang="en-US" sz="2400" kern="0">
                                         <a:effectLst/>
+                                        <a:latin typeface="Cambria Math" panose="02040503050406030204" pitchFamily="18" charset="0"/>
                                       </a:rPr>
                                       <m:t>𝑝</m:t>
                                     </m:r>
@@ -7289,8 +7908,9 @@
                                 <m:f>
                                   <m:fPr>
                                     <m:ctrlPr>
-                                      <a:rPr lang="ru-RU" sz="2400" kern="1400">
+                                      <a:rPr lang="ru-RU" sz="2400" i="1" kern="1400">
                                         <a:effectLst/>
+                                        <a:latin typeface="Cambria Math" panose="02040503050406030204" pitchFamily="18" charset="0"/>
                                       </a:rPr>
                                     </m:ctrlPr>
                                   </m:fPr>
@@ -7298,6 +7918,7 @@
                                     <m:r>
                                       <a:rPr lang="en-US" sz="2400" kern="0">
                                         <a:effectLst/>
+                                        <a:latin typeface="Cambria Math" panose="02040503050406030204" pitchFamily="18" charset="0"/>
                                       </a:rPr>
                                       <m:t>𝑖</m:t>
                                     </m:r>
@@ -7305,8 +7926,9 @@
                                       <m:accPr>
                                         <m:chr m:val="⃗"/>
                                         <m:ctrlPr>
-                                          <a:rPr lang="ru-RU" sz="2400" kern="1400">
+                                          <a:rPr lang="ru-RU" sz="2400" i="1" kern="1400">
                                             <a:effectLst/>
+                                            <a:latin typeface="Cambria Math" panose="02040503050406030204" pitchFamily="18" charset="0"/>
                                           </a:rPr>
                                         </m:ctrlPr>
                                       </m:accPr>
@@ -7314,6 +7936,7 @@
                                         <m:r>
                                           <a:rPr lang="en-US" sz="2400" kern="0">
                                             <a:effectLst/>
+                                            <a:latin typeface="Cambria Math" panose="02040503050406030204" pitchFamily="18" charset="0"/>
                                           </a:rPr>
                                           <m:t>𝑞</m:t>
                                         </m:r>
@@ -7324,8 +7947,9 @@
                                     <m:sSub>
                                       <m:sSubPr>
                                         <m:ctrlPr>
-                                          <a:rPr lang="ru-RU" sz="2400" kern="1400">
+                                          <a:rPr lang="ru-RU" sz="2400" i="1" kern="1400">
                                             <a:effectLst/>
+                                            <a:latin typeface="Cambria Math" panose="02040503050406030204" pitchFamily="18" charset="0"/>
                                           </a:rPr>
                                         </m:ctrlPr>
                                       </m:sSubPr>
@@ -7333,6 +7957,7 @@
                                         <m:r>
                                           <a:rPr lang="en-US" sz="2400" kern="0">
                                             <a:effectLst/>
+                                            <a:latin typeface="Cambria Math" panose="02040503050406030204" pitchFamily="18" charset="0"/>
                                           </a:rPr>
                                           <m:t>𝑚</m:t>
                                         </m:r>
@@ -7436,8 +8061,9 @@
                                 <m:sSub>
                                   <m:sSubPr>
                                     <m:ctrlPr>
-                                      <a:rPr lang="ru-RU" sz="2400" kern="1400">
+                                      <a:rPr lang="ru-RU" sz="2400" i="1" kern="1400">
                                         <a:effectLst/>
+                                        <a:latin typeface="Cambria Math" panose="02040503050406030204" pitchFamily="18" charset="0"/>
                                       </a:rPr>
                                     </m:ctrlPr>
                                   </m:sSubPr>
@@ -7445,6 +8071,7 @@
                                     <m:r>
                                       <a:rPr lang="en-US" sz="2400" kern="0">
                                         <a:effectLst/>
+                                        <a:latin typeface="Cambria Math" panose="02040503050406030204" pitchFamily="18" charset="0"/>
                                       </a:rPr>
                                       <m:t>𝐺</m:t>
                                     </m:r>
@@ -7453,6 +8080,7 @@
                                     <m:r>
                                       <a:rPr lang="en-US" sz="2400" kern="0">
                                         <a:effectLst/>
+                                        <a:latin typeface="Cambria Math" panose="02040503050406030204" pitchFamily="18" charset="0"/>
                                       </a:rPr>
                                       <m:t>11</m:t>
                                     </m:r>
@@ -7462,8 +8090,9 @@
                                   <m:accPr>
                                     <m:chr m:val="̅"/>
                                     <m:ctrlPr>
-                                      <a:rPr lang="ru-RU" sz="2400" kern="1400">
+                                      <a:rPr lang="ru-RU" sz="2400" i="1" kern="1400">
                                         <a:effectLst/>
+                                        <a:latin typeface="Cambria Math" panose="02040503050406030204" pitchFamily="18" charset="0"/>
                                       </a:rPr>
                                     </m:ctrlPr>
                                   </m:accPr>
@@ -7471,6 +8100,7 @@
                                     <m:r>
                                       <a:rPr lang="ru-RU" sz="2400" kern="0">
                                         <a:effectLst/>
+                                        <a:latin typeface="Cambria Math" panose="02040503050406030204" pitchFamily="18" charset="0"/>
                                       </a:rPr>
                                       <m:t>𝜓</m:t>
                                     </m:r>
@@ -7479,14 +8109,16 @@
                                 <m:r>
                                   <a:rPr lang="ru-RU" sz="2400" kern="0">
                                     <a:effectLst/>
+                                    <a:latin typeface="Cambria Math" panose="02040503050406030204" pitchFamily="18" charset="0"/>
                                   </a:rPr>
                                   <m:t>(</m:t>
                                 </m:r>
                                 <m:sSup>
                                   <m:sSupPr>
                                     <m:ctrlPr>
-                                      <a:rPr lang="ru-RU" sz="2400" kern="1400">
+                                      <a:rPr lang="ru-RU" sz="2400" i="1" kern="1400">
                                         <a:effectLst/>
+                                        <a:latin typeface="Cambria Math" panose="02040503050406030204" pitchFamily="18" charset="0"/>
                                       </a:rPr>
                                     </m:ctrlPr>
                                   </m:sSupPr>
@@ -7494,6 +8126,7 @@
                                     <m:r>
                                       <a:rPr lang="en-US" sz="2400" kern="0">
                                         <a:effectLst/>
+                                        <a:latin typeface="Cambria Math" panose="02040503050406030204" pitchFamily="18" charset="0"/>
                                       </a:rPr>
                                       <m:t>𝑝</m:t>
                                     </m:r>
@@ -7502,6 +8135,7 @@
                                     <m:r>
                                       <a:rPr lang="en-US" sz="2400" kern="0">
                                         <a:effectLst/>
+                                        <a:latin typeface="Cambria Math" panose="02040503050406030204" pitchFamily="18" charset="0"/>
                                       </a:rPr>
                                       <m:t>′</m:t>
                                     </m:r>
@@ -7510,14 +8144,16 @@
                                 <m:r>
                                   <a:rPr lang="en-US" sz="2400" kern="0">
                                     <a:effectLst/>
+                                    <a:latin typeface="Cambria Math" panose="02040503050406030204" pitchFamily="18" charset="0"/>
                                   </a:rPr>
                                   <m:t>)</m:t>
                                 </m:r>
                                 <m:sSup>
                                   <m:sSupPr>
                                     <m:ctrlPr>
-                                      <a:rPr lang="ru-RU" sz="2400" kern="1400">
+                                      <a:rPr lang="ru-RU" sz="2400" i="1" kern="1400">
                                         <a:effectLst/>
+                                        <a:latin typeface="Cambria Math" panose="02040503050406030204" pitchFamily="18" charset="0"/>
                                       </a:rPr>
                                     </m:ctrlPr>
                                   </m:sSupPr>
@@ -7525,6 +8161,7 @@
                                     <m:r>
                                       <a:rPr lang="ru-RU" sz="2400" kern="0">
                                         <a:effectLst/>
+                                        <a:latin typeface="Cambria Math" panose="02040503050406030204" pitchFamily="18" charset="0"/>
                                       </a:rPr>
                                       <m:t>𝛾</m:t>
                                     </m:r>
@@ -7533,6 +8170,7 @@
                                     <m:r>
                                       <a:rPr lang="ru-RU" sz="2400" kern="0">
                                         <a:effectLst/>
+                                        <a:latin typeface="Cambria Math" panose="02040503050406030204" pitchFamily="18" charset="0"/>
                                       </a:rPr>
                                       <m:t>5</m:t>
                                     </m:r>
@@ -7541,24 +8179,28 @@
                                 <m:r>
                                   <a:rPr lang="ru-RU" sz="2400" kern="0">
                                     <a:effectLst/>
+                                    <a:latin typeface="Cambria Math" panose="02040503050406030204" pitchFamily="18" charset="0"/>
                                   </a:rPr>
                                   <m:t>𝜓</m:t>
                                 </m:r>
                                 <m:r>
                                   <a:rPr lang="ru-RU" sz="2400" kern="0">
                                     <a:effectLst/>
+                                    <a:latin typeface="Cambria Math" panose="02040503050406030204" pitchFamily="18" charset="0"/>
                                   </a:rPr>
                                   <m:t>(</m:t>
                                 </m:r>
                                 <m:r>
                                   <a:rPr lang="ru-RU" sz="2400" kern="0">
                                     <a:effectLst/>
+                                    <a:latin typeface="Cambria Math" panose="02040503050406030204" pitchFamily="18" charset="0"/>
                                   </a:rPr>
                                   <m:t>𝑝</m:t>
                                 </m:r>
                                 <m:r>
                                   <a:rPr lang="ru-RU" sz="2400" kern="0">
                                     <a:effectLst/>
+                                    <a:latin typeface="Cambria Math" panose="02040503050406030204" pitchFamily="18" charset="0"/>
                                   </a:rPr>
                                   <m:t>)</m:t>
                                 </m:r>
@@ -7566,8 +8208,9 @@
                                   <m:accPr>
                                     <m:chr m:val="̅"/>
                                     <m:ctrlPr>
-                                      <a:rPr lang="ru-RU" sz="2400" kern="1400">
+                                      <a:rPr lang="ru-RU" sz="2400" i="1" kern="1400">
                                         <a:effectLst/>
+                                        <a:latin typeface="Cambria Math" panose="02040503050406030204" pitchFamily="18" charset="0"/>
                                       </a:rPr>
                                     </m:ctrlPr>
                                   </m:accPr>
@@ -7575,6 +8218,7 @@
                                     <m:r>
                                       <a:rPr lang="ru-RU" sz="2400" kern="0">
                                         <a:effectLst/>
+                                        <a:latin typeface="Cambria Math" panose="02040503050406030204" pitchFamily="18" charset="0"/>
                                       </a:rPr>
                                       <m:t>𝜒</m:t>
                                     </m:r>
@@ -7583,14 +8227,16 @@
                                 <m:r>
                                   <a:rPr lang="ru-RU" sz="2400" kern="0">
                                     <a:effectLst/>
+                                    <a:latin typeface="Cambria Math" panose="02040503050406030204" pitchFamily="18" charset="0"/>
                                   </a:rPr>
                                   <m:t>(</m:t>
                                 </m:r>
                                 <m:sSup>
                                   <m:sSupPr>
                                     <m:ctrlPr>
-                                      <a:rPr lang="ru-RU" sz="2400" kern="1400">
+                                      <a:rPr lang="ru-RU" sz="2400" i="1" kern="1400">
                                         <a:effectLst/>
+                                        <a:latin typeface="Cambria Math" panose="02040503050406030204" pitchFamily="18" charset="0"/>
                                       </a:rPr>
                                     </m:ctrlPr>
                                   </m:sSupPr>
@@ -7598,6 +8244,7 @@
                                     <m:r>
                                       <a:rPr lang="ru-RU" sz="2400" kern="0">
                                         <a:effectLst/>
+                                        <a:latin typeface="Cambria Math" panose="02040503050406030204" pitchFamily="18" charset="0"/>
                                       </a:rPr>
                                       <m:t>𝑘</m:t>
                                     </m:r>
@@ -7606,6 +8253,7 @@
                                     <m:r>
                                       <a:rPr lang="ru-RU" sz="2400" kern="0">
                                         <a:effectLst/>
+                                        <a:latin typeface="Cambria Math" panose="02040503050406030204" pitchFamily="18" charset="0"/>
                                       </a:rPr>
                                       <m:t>′</m:t>
                                     </m:r>
@@ -7614,14 +8262,16 @@
                                 <m:r>
                                   <a:rPr lang="ru-RU" sz="2400" kern="0">
                                     <a:effectLst/>
+                                    <a:latin typeface="Cambria Math" panose="02040503050406030204" pitchFamily="18" charset="0"/>
                                   </a:rPr>
                                   <m:t>)</m:t>
                                 </m:r>
                                 <m:sSup>
                                   <m:sSupPr>
                                     <m:ctrlPr>
-                                      <a:rPr lang="ru-RU" sz="2400" kern="1400">
+                                      <a:rPr lang="ru-RU" sz="2400" i="1" kern="1400">
                                         <a:effectLst/>
+                                        <a:latin typeface="Cambria Math" panose="02040503050406030204" pitchFamily="18" charset="0"/>
                                       </a:rPr>
                                     </m:ctrlPr>
                                   </m:sSupPr>
@@ -7629,6 +8279,7 @@
                                     <m:r>
                                       <a:rPr lang="ru-RU" sz="2400" kern="0">
                                         <a:effectLst/>
+                                        <a:latin typeface="Cambria Math" panose="02040503050406030204" pitchFamily="18" charset="0"/>
                                       </a:rPr>
                                       <m:t>𝛾</m:t>
                                     </m:r>
@@ -7637,6 +8288,7 @@
                                     <m:r>
                                       <a:rPr lang="ru-RU" sz="2400" kern="0">
                                         <a:effectLst/>
+                                        <a:latin typeface="Cambria Math" panose="02040503050406030204" pitchFamily="18" charset="0"/>
                                       </a:rPr>
                                       <m:t>5</m:t>
                                     </m:r>
@@ -7645,24 +8297,28 @@
                                 <m:r>
                                   <a:rPr lang="ru-RU" sz="2400" kern="0">
                                     <a:effectLst/>
+                                    <a:latin typeface="Cambria Math" panose="02040503050406030204" pitchFamily="18" charset="0"/>
                                   </a:rPr>
                                   <m:t>𝜒</m:t>
                                 </m:r>
                                 <m:r>
                                   <a:rPr lang="ru-RU" sz="2400" kern="0">
                                     <a:effectLst/>
+                                    <a:latin typeface="Cambria Math" panose="02040503050406030204" pitchFamily="18" charset="0"/>
                                   </a:rPr>
                                   <m:t>(</m:t>
                                 </m:r>
                                 <m:r>
                                   <a:rPr lang="ru-RU" sz="2400" kern="0">
                                     <a:effectLst/>
+                                    <a:latin typeface="Cambria Math" panose="02040503050406030204" pitchFamily="18" charset="0"/>
                                   </a:rPr>
                                   <m:t>𝑘</m:t>
                                 </m:r>
                                 <m:r>
                                   <a:rPr lang="ru-RU" sz="2400" kern="0">
                                     <a:effectLst/>
+                                    <a:latin typeface="Cambria Math" panose="02040503050406030204" pitchFamily="18" charset="0"/>
                                   </a:rPr>
                                   <m:t>)</m:t>
                                 </m:r>
@@ -7743,14 +8399,16 @@
                                 <m:r>
                                   <a:rPr lang="ru-RU" sz="2400" kern="0" smtClean="0">
                                     <a:effectLst/>
+                                    <a:latin typeface="Cambria Math" panose="02040503050406030204" pitchFamily="18" charset="0"/>
                                   </a:rPr>
                                   <m:t>−</m:t>
                                 </m:r>
                                 <m:sSub>
                                   <m:sSubPr>
                                     <m:ctrlPr>
-                                      <a:rPr lang="ru-RU" sz="2400" kern="1400">
+                                      <a:rPr lang="ru-RU" sz="2400" i="1" kern="1400">
                                         <a:effectLst/>
+                                        <a:latin typeface="Cambria Math" panose="02040503050406030204" pitchFamily="18" charset="0"/>
                                       </a:rPr>
                                     </m:ctrlPr>
                                   </m:sSubPr>
@@ -7758,6 +8416,7 @@
                                     <m:r>
                                       <a:rPr lang="en-US" sz="2400" kern="0">
                                         <a:effectLst/>
+                                        <a:latin typeface="Cambria Math" panose="02040503050406030204" pitchFamily="18" charset="0"/>
                                       </a:rPr>
                                       <m:t>𝐺</m:t>
                                     </m:r>
@@ -7766,6 +8425,7 @@
                                     <m:r>
                                       <a:rPr lang="ru-RU" sz="2400" kern="0">
                                         <a:effectLst/>
+                                        <a:latin typeface="Cambria Math" panose="02040503050406030204" pitchFamily="18" charset="0"/>
                                       </a:rPr>
                                       <m:t>11</m:t>
                                     </m:r>
@@ -7774,8 +8434,9 @@
                                 <m:sSub>
                                   <m:sSubPr>
                                     <m:ctrlPr>
-                                      <a:rPr lang="ru-RU" sz="2400" kern="1400">
+                                      <a:rPr lang="ru-RU" sz="2400" i="1" kern="1400">
                                         <a:effectLst/>
+                                        <a:latin typeface="Cambria Math" panose="02040503050406030204" pitchFamily="18" charset="0"/>
                                       </a:rPr>
                                     </m:ctrlPr>
                                   </m:sSubPr>
@@ -7784,8 +8445,9 @@
                                       <m:accPr>
                                         <m:chr m:val="̂"/>
                                         <m:ctrlPr>
-                                          <a:rPr lang="ru-RU" sz="2400" kern="1400">
+                                          <a:rPr lang="ru-RU" sz="2400" i="1" kern="1400">
                                             <a:effectLst/>
+                                            <a:latin typeface="Cambria Math" panose="02040503050406030204" pitchFamily="18" charset="0"/>
                                           </a:rPr>
                                         </m:ctrlPr>
                                       </m:accPr>
@@ -7794,8 +8456,9 @@
                                           <m:accPr>
                                             <m:chr m:val="⃗"/>
                                             <m:ctrlPr>
-                                              <a:rPr lang="ru-RU" sz="2400" kern="1400">
+                                              <a:rPr lang="ru-RU" sz="2400" i="1" kern="1400">
                                                 <a:effectLst/>
+                                                <a:latin typeface="Cambria Math" panose="02040503050406030204" pitchFamily="18" charset="0"/>
                                               </a:rPr>
                                             </m:ctrlPr>
                                           </m:accPr>
@@ -7803,6 +8466,7 @@
                                             <m:r>
                                               <a:rPr lang="en-US" sz="2400" kern="0">
                                                 <a:effectLst/>
+                                                <a:latin typeface="Cambria Math" panose="02040503050406030204" pitchFamily="18" charset="0"/>
                                               </a:rPr>
                                               <m:t>𝑆</m:t>
                                             </m:r>
@@ -7815,6 +8479,7 @@
                                     <m:r>
                                       <a:rPr lang="en-US" sz="2400" kern="0">
                                         <a:effectLst/>
+                                        <a:latin typeface="Cambria Math" panose="02040503050406030204" pitchFamily="18" charset="0"/>
                                       </a:rPr>
                                       <m:t>𝑝</m:t>
                                     </m:r>
@@ -7823,8 +8488,9 @@
                                 <m:f>
                                   <m:fPr>
                                     <m:ctrlPr>
-                                      <a:rPr lang="ru-RU" sz="2400" kern="1400">
+                                      <a:rPr lang="ru-RU" sz="2400" i="1" kern="1400">
                                         <a:effectLst/>
+                                        <a:latin typeface="Cambria Math" panose="02040503050406030204" pitchFamily="18" charset="0"/>
                                       </a:rPr>
                                     </m:ctrlPr>
                                   </m:fPr>
@@ -7833,8 +8499,9 @@
                                       <m:accPr>
                                         <m:chr m:val="⃗"/>
                                         <m:ctrlPr>
-                                          <a:rPr lang="ru-RU" sz="2400" kern="1400">
+                                          <a:rPr lang="ru-RU" sz="2400" i="1" kern="1400">
                                             <a:effectLst/>
+                                            <a:latin typeface="Cambria Math" panose="02040503050406030204" pitchFamily="18" charset="0"/>
                                           </a:rPr>
                                         </m:ctrlPr>
                                       </m:accPr>
@@ -7842,6 +8509,7 @@
                                         <m:r>
                                           <a:rPr lang="en-US" sz="2400" kern="0">
                                             <a:effectLst/>
+                                            <a:latin typeface="Cambria Math" panose="02040503050406030204" pitchFamily="18" charset="0"/>
                                           </a:rPr>
                                           <m:t>𝑞</m:t>
                                         </m:r>
@@ -7852,8 +8520,9 @@
                                     <m:sSub>
                                       <m:sSubPr>
                                         <m:ctrlPr>
-                                          <a:rPr lang="ru-RU" sz="2400" kern="1400">
+                                          <a:rPr lang="ru-RU" sz="2400" i="1" kern="1400">
                                             <a:effectLst/>
+                                            <a:latin typeface="Cambria Math" panose="02040503050406030204" pitchFamily="18" charset="0"/>
                                           </a:rPr>
                                         </m:ctrlPr>
                                       </m:sSubPr>
@@ -7861,6 +8530,7 @@
                                         <m:r>
                                           <a:rPr lang="en-US" sz="2400" kern="0">
                                             <a:effectLst/>
+                                            <a:latin typeface="Cambria Math" panose="02040503050406030204" pitchFamily="18" charset="0"/>
                                           </a:rPr>
                                           <m:t>𝑚</m:t>
                                         </m:r>
@@ -7883,8 +8553,9 @@
                                 <m:sSub>
                                   <m:sSubPr>
                                     <m:ctrlPr>
-                                      <a:rPr lang="ru-RU" sz="2400" kern="1400">
+                                      <a:rPr lang="ru-RU" sz="2400" i="1" kern="1400">
                                         <a:effectLst/>
+                                        <a:latin typeface="Cambria Math" panose="02040503050406030204" pitchFamily="18" charset="0"/>
                                       </a:rPr>
                                     </m:ctrlPr>
                                   </m:sSubPr>
@@ -7893,8 +8564,9 @@
                                       <m:accPr>
                                         <m:chr m:val="̂"/>
                                         <m:ctrlPr>
-                                          <a:rPr lang="ru-RU" sz="2400" kern="1400">
+                                          <a:rPr lang="ru-RU" sz="2400" i="1" kern="1400">
                                             <a:effectLst/>
+                                            <a:latin typeface="Cambria Math" panose="02040503050406030204" pitchFamily="18" charset="0"/>
                                           </a:rPr>
                                         </m:ctrlPr>
                                       </m:accPr>
@@ -7903,8 +8575,9 @@
                                           <m:accPr>
                                             <m:chr m:val="⃗"/>
                                             <m:ctrlPr>
-                                              <a:rPr lang="ru-RU" sz="2400" kern="1400">
+                                              <a:rPr lang="ru-RU" sz="2400" i="1" kern="1400">
                                                 <a:effectLst/>
+                                                <a:latin typeface="Cambria Math" panose="02040503050406030204" pitchFamily="18" charset="0"/>
                                               </a:rPr>
                                             </m:ctrlPr>
                                           </m:accPr>
@@ -7912,6 +8585,7 @@
                                             <m:r>
                                               <a:rPr lang="en-US" sz="2400" kern="0">
                                                 <a:effectLst/>
+                                                <a:latin typeface="Cambria Math" panose="02040503050406030204" pitchFamily="18" charset="0"/>
                                               </a:rPr>
                                               <m:t>𝑆</m:t>
                                             </m:r>
@@ -7924,6 +8598,7 @@
                                     <m:r>
                                       <a:rPr lang="en-US" sz="2400" kern="0">
                                         <a:effectLst/>
+                                        <a:latin typeface="Cambria Math" panose="02040503050406030204" pitchFamily="18" charset="0"/>
                                       </a:rPr>
                                       <m:t>𝑘</m:t>
                                     </m:r>
@@ -7932,8 +8607,9 @@
                                 <m:f>
                                   <m:fPr>
                                     <m:ctrlPr>
-                                      <a:rPr lang="ru-RU" sz="2400" kern="1400">
+                                      <a:rPr lang="ru-RU" sz="2400" i="1" kern="1400">
                                         <a:effectLst/>
+                                        <a:latin typeface="Cambria Math" panose="02040503050406030204" pitchFamily="18" charset="0"/>
                                       </a:rPr>
                                     </m:ctrlPr>
                                   </m:fPr>
@@ -7942,8 +8618,9 @@
                                       <m:accPr>
                                         <m:chr m:val="⃗"/>
                                         <m:ctrlPr>
-                                          <a:rPr lang="ru-RU" sz="2400" kern="1400">
+                                          <a:rPr lang="ru-RU" sz="2400" i="1" kern="1400">
                                             <a:effectLst/>
+                                            <a:latin typeface="Cambria Math" panose="02040503050406030204" pitchFamily="18" charset="0"/>
                                           </a:rPr>
                                         </m:ctrlPr>
                                       </m:accPr>
@@ -7951,6 +8628,7 @@
                                         <m:r>
                                           <a:rPr lang="en-US" sz="2400" kern="0">
                                             <a:effectLst/>
+                                            <a:latin typeface="Cambria Math" panose="02040503050406030204" pitchFamily="18" charset="0"/>
                                           </a:rPr>
                                           <m:t>𝑞</m:t>
                                         </m:r>
@@ -7961,8 +8639,9 @@
                                     <m:sSub>
                                       <m:sSubPr>
                                         <m:ctrlPr>
-                                          <a:rPr lang="ru-RU" sz="2400" kern="1400">
+                                          <a:rPr lang="ru-RU" sz="2400" i="1" kern="1400">
                                             <a:effectLst/>
+                                            <a:latin typeface="Cambria Math" panose="02040503050406030204" pitchFamily="18" charset="0"/>
                                           </a:rPr>
                                         </m:ctrlPr>
                                       </m:sSubPr>
@@ -7970,6 +8649,7 @@
                                         <m:r>
                                           <a:rPr lang="en-US" sz="2400" kern="0">
                                             <a:effectLst/>
+                                            <a:latin typeface="Cambria Math" panose="02040503050406030204" pitchFamily="18" charset="0"/>
                                           </a:rPr>
                                           <m:t>𝑚</m:t>
                                         </m:r>
@@ -7978,6 +8658,7 @@
                                         <m:r>
                                           <a:rPr lang="ru-RU" sz="2400" kern="0">
                                             <a:effectLst/>
+                                            <a:latin typeface="Cambria Math" panose="02040503050406030204" pitchFamily="18" charset="0"/>
                                           </a:rPr>
                                           <m:t>𝑘</m:t>
                                         </m:r>
@@ -8054,7 +8735,7 @@
             </a:graphic>
           </p:graphicFrame>
         </mc:Choice>
-        <mc:Fallback>
+        <mc:Fallback xmlns="">
           <p:graphicFrame>
             <p:nvGraphicFramePr>
               <p:cNvPr id="5" name="Таблица 4"/>
@@ -8768,8 +9449,8 @@
             </p:nvSpPr>
             <p:spPr>
               <a:xfrm>
-                <a:off x="7968000" y="1989000"/>
-                <a:ext cx="4136324" cy="1881028"/>
+                <a:off x="8976000" y="1989000"/>
+                <a:ext cx="2493118" cy="483274"/>
               </a:xfrm>
               <a:prstGeom prst="rect">
                 <a:avLst/>
@@ -8781,18 +9462,38 @@
               </a:bodyPr>
               <a:lstStyle/>
               <a:p>
+                <a:pPr/>
                 <a14:m>
                   <m:oMathPara xmlns:m="http://schemas.openxmlformats.org/officeDocument/2006/math">
                     <m:oMathParaPr>
                       <m:jc m:val="centerGroup"/>
                     </m:oMathParaPr>
                     <m:oMath xmlns:m="http://schemas.openxmlformats.org/officeDocument/2006/math">
-                      <m:r>
-                        <a:rPr lang="ru-RU" sz="2400" i="1" smtClean="0">
-                          <a:latin typeface="Cambria Math" panose="02040503050406030204" pitchFamily="18" charset="0"/>
-                        </a:rPr>
-                        <m:t>𝑉</m:t>
-                      </m:r>
+                      <m:sSub>
+                        <m:sSubPr>
+                          <m:ctrlPr>
+                            <a:rPr lang="ru-RU" sz="2400" i="1" smtClean="0">
+                              <a:latin typeface="Cambria Math" panose="02040503050406030204" pitchFamily="18" charset="0"/>
+                            </a:rPr>
+                          </m:ctrlPr>
+                        </m:sSubPr>
+                        <m:e>
+                          <m:r>
+                            <a:rPr lang="ru-RU" sz="2400" i="1">
+                              <a:latin typeface="Cambria Math" panose="02040503050406030204" pitchFamily="18" charset="0"/>
+                            </a:rPr>
+                            <m:t>𝑉</m:t>
+                          </m:r>
+                        </m:e>
+                        <m:sub>
+                          <m:r>
+                            <a:rPr lang="ru-RU" sz="2400" i="1">
+                              <a:latin typeface="Cambria Math" panose="02040503050406030204" pitchFamily="18" charset="0"/>
+                            </a:rPr>
+                            <m:t>яд</m:t>
+                          </m:r>
+                        </m:sub>
+                      </m:sSub>
                       <m:d>
                         <m:dPr>
                           <m:ctrlPr>
@@ -8806,225 +9507,14 @@
                             <m:accPr>
                               <m:chr m:val="⃗"/>
                               <m:ctrlPr>
-                                <a:rPr lang="ru-RU" sz="2400" i="1">
+                                <a:rPr lang="en-US" sz="2400" i="1">
                                   <a:latin typeface="Cambria Math" panose="02040503050406030204" pitchFamily="18" charset="0"/>
                                 </a:rPr>
                               </m:ctrlPr>
                             </m:accPr>
                             <m:e>
                               <m:r>
-                                <a:rPr lang="ru-RU" sz="2400" i="1">
-                                  <a:latin typeface="Cambria Math" panose="02040503050406030204" pitchFamily="18" charset="0"/>
-                                </a:rPr>
-                                <m:t>𝑥</m:t>
-                              </m:r>
-                            </m:e>
-                          </m:acc>
-                          <m:r>
-                            <a:rPr lang="ru-RU" sz="2400" i="0">
-                              <a:latin typeface="Cambria Math" panose="02040503050406030204" pitchFamily="18" charset="0"/>
-                            </a:rPr>
-                            <m:t>−</m:t>
-                          </m:r>
-                          <m:sSub>
-                            <m:sSubPr>
-                              <m:ctrlPr>
-                                <a:rPr lang="ru-RU" sz="2400" i="1">
-                                  <a:latin typeface="Cambria Math" panose="02040503050406030204" pitchFamily="18" charset="0"/>
-                                </a:rPr>
-                              </m:ctrlPr>
-                            </m:sSubPr>
-                            <m:e>
-                              <m:acc>
-                                <m:accPr>
-                                  <m:chr m:val="⃗"/>
-                                  <m:ctrlPr>
-                                    <a:rPr lang="ru-RU" sz="2400" i="1">
-                                      <a:latin typeface="Cambria Math" panose="02040503050406030204" pitchFamily="18" charset="0"/>
-                                    </a:rPr>
-                                  </m:ctrlPr>
-                                </m:accPr>
-                                <m:e>
-                                  <m:r>
-                                    <a:rPr lang="ru-RU" sz="2400" i="1">
-                                      <a:latin typeface="Cambria Math" panose="02040503050406030204" pitchFamily="18" charset="0"/>
-                                    </a:rPr>
-                                    <m:t>𝑥</m:t>
-                                  </m:r>
-                                </m:e>
-                              </m:acc>
-                            </m:e>
-                            <m:sub>
-                              <m:r>
-                                <a:rPr lang="ru-RU" sz="2400" i="0">
-                                  <a:latin typeface="Cambria Math" panose="02040503050406030204" pitchFamily="18" charset="0"/>
-                                </a:rPr>
-                                <m:t>яд</m:t>
-                              </m:r>
-                            </m:sub>
-                          </m:sSub>
-                        </m:e>
-                      </m:d>
-                      <m:r>
-                        <a:rPr lang="ru-RU" sz="2400" i="0">
-                          <a:latin typeface="Cambria Math" panose="02040503050406030204" pitchFamily="18" charset="0"/>
-                        </a:rPr>
-                        <m:t>=</m:t>
-                      </m:r>
-                      <m:nary>
-                        <m:naryPr>
-                          <m:chr m:val="∑"/>
-                          <m:subHide m:val="on"/>
-                          <m:supHide m:val="on"/>
-                          <m:ctrlPr>
-                            <a:rPr lang="ru-RU" sz="2400" i="1">
-                              <a:latin typeface="Cambria Math" panose="02040503050406030204" pitchFamily="18" charset="0"/>
-                            </a:rPr>
-                          </m:ctrlPr>
-                        </m:naryPr>
-                        <m:sub/>
-                        <m:sup/>
-                        <m:e>
-                          <m:sSub>
-                            <m:sSubPr>
-                              <m:ctrlPr>
-                                <a:rPr lang="ru-RU" sz="2400" i="1">
-                                  <a:latin typeface="Cambria Math" panose="02040503050406030204" pitchFamily="18" charset="0"/>
-                                </a:rPr>
-                              </m:ctrlPr>
-                            </m:sSubPr>
-                            <m:e>
-                              <m:r>
-                                <a:rPr lang="ru-RU" sz="2400" i="1">
-                                  <a:latin typeface="Cambria Math" panose="02040503050406030204" pitchFamily="18" charset="0"/>
-                                </a:rPr>
-                                <m:t>𝑉</m:t>
-                              </m:r>
-                            </m:e>
-                            <m:sub>
-                              <m:r>
-                                <a:rPr lang="ru-RU" sz="2400" i="1">
-                                  <a:latin typeface="Cambria Math" panose="02040503050406030204" pitchFamily="18" charset="0"/>
-                                </a:rPr>
-                                <m:t>𝑁</m:t>
-                              </m:r>
-                            </m:sub>
-                          </m:sSub>
-                          <m:d>
-                            <m:dPr>
-                              <m:ctrlPr>
-                                <a:rPr lang="ru-RU" sz="2400" i="1">
-                                  <a:latin typeface="Cambria Math" panose="02040503050406030204" pitchFamily="18" charset="0"/>
-                                </a:rPr>
-                              </m:ctrlPr>
-                            </m:dPr>
-                            <m:e>
-                              <m:acc>
-                                <m:accPr>
-                                  <m:chr m:val="⃗"/>
-                                  <m:ctrlPr>
-                                    <a:rPr lang="ru-RU" sz="2400" i="1">
-                                      <a:latin typeface="Cambria Math" panose="02040503050406030204" pitchFamily="18" charset="0"/>
-                                    </a:rPr>
-                                  </m:ctrlPr>
-                                </m:accPr>
-                                <m:e>
-                                  <m:r>
-                                    <a:rPr lang="ru-RU" sz="2400" i="1">
-                                      <a:latin typeface="Cambria Math" panose="02040503050406030204" pitchFamily="18" charset="0"/>
-                                    </a:rPr>
-                                    <m:t>𝑥</m:t>
-                                  </m:r>
-                                </m:e>
-                              </m:acc>
-                              <m:r>
-                                <a:rPr lang="ru-RU" sz="2400" i="0">
-                                  <a:latin typeface="Cambria Math" panose="02040503050406030204" pitchFamily="18" charset="0"/>
-                                </a:rPr>
-                                <m:t>−</m:t>
-                              </m:r>
-                              <m:sSub>
-                                <m:sSubPr>
-                                  <m:ctrlPr>
-                                    <a:rPr lang="ru-RU" sz="2400" i="1">
-                                      <a:latin typeface="Cambria Math" panose="02040503050406030204" pitchFamily="18" charset="0"/>
-                                    </a:rPr>
-                                  </m:ctrlPr>
-                                </m:sSubPr>
-                                <m:e>
-                                  <m:acc>
-                                    <m:accPr>
-                                      <m:chr m:val="⃗"/>
-                                      <m:ctrlPr>
-                                        <a:rPr lang="ru-RU" sz="2400" i="1">
-                                          <a:latin typeface="Cambria Math" panose="02040503050406030204" pitchFamily="18" charset="0"/>
-                                        </a:rPr>
-                                      </m:ctrlPr>
-                                    </m:accPr>
-                                    <m:e>
-                                      <m:r>
-                                        <a:rPr lang="ru-RU" sz="2400" i="1">
-                                          <a:latin typeface="Cambria Math" panose="02040503050406030204" pitchFamily="18" charset="0"/>
-                                        </a:rPr>
-                                        <m:t>𝑥</m:t>
-                                      </m:r>
-                                    </m:e>
-                                  </m:acc>
-                                </m:e>
-                                <m:sub>
-                                  <m:r>
-                                    <a:rPr lang="ru-RU" sz="2400" i="1">
-                                      <a:latin typeface="Cambria Math" panose="02040503050406030204" pitchFamily="18" charset="0"/>
-                                    </a:rPr>
-                                    <m:t>𝑁</m:t>
-                                  </m:r>
-                                </m:sub>
-                              </m:sSub>
-                            </m:e>
-                          </m:d>
-                        </m:e>
-                      </m:nary>
-                    </m:oMath>
-                  </m:oMathPara>
-                </a14:m>
-                <a:endParaRPr lang="ru-RU" sz="2400" i="1" dirty="0" smtClean="0">
-                  <a:latin typeface="Cambria Math" panose="02040503050406030204" pitchFamily="18" charset="0"/>
-                </a:endParaRPr>
-              </a:p>
-              <a:p>
-                <a14:m>
-                  <m:oMathPara xmlns:m="http://schemas.openxmlformats.org/officeDocument/2006/math">
-                    <m:oMathParaPr>
-                      <m:jc m:val="centerGroup"/>
-                    </m:oMathParaPr>
-                    <m:oMath xmlns:m="http://schemas.openxmlformats.org/officeDocument/2006/math">
-                      <m:r>
-                        <a:rPr lang="ru-RU" sz="2400" i="1" smtClean="0">
-                          <a:latin typeface="Cambria Math" panose="02040503050406030204" pitchFamily="18" charset="0"/>
-                        </a:rPr>
-                        <m:t>𝑉</m:t>
-                      </m:r>
-                      <m:d>
-                        <m:dPr>
-                          <m:ctrlPr>
-                            <a:rPr lang="ru-RU" sz="2400" i="1">
-                              <a:latin typeface="Cambria Math" panose="02040503050406030204" pitchFamily="18" charset="0"/>
-                            </a:rPr>
-                          </m:ctrlPr>
-                        </m:dPr>
-                        <m:e>
-                          <m:acc>
-                            <m:accPr>
-                              <m:chr m:val="⃗"/>
-                              <m:ctrlPr>
-                                <a:rPr lang="ru-RU" sz="2400" i="1">
-                                  <a:latin typeface="Cambria Math" panose="02040503050406030204" pitchFamily="18" charset="0"/>
-                                </a:rPr>
-                              </m:ctrlPr>
-                            </m:accPr>
-                            <m:e>
-                              <m:r>
-                                <a:rPr lang="ru-RU" sz="2400" i="1">
+                                <a:rPr lang="en-US" sz="2400" i="1">
                                   <a:latin typeface="Cambria Math" panose="02040503050406030204" pitchFamily="18" charset="0"/>
                                 </a:rPr>
                                 <m:t>𝑞</m:t>
@@ -9039,227 +9529,72 @@
                         </a:rPr>
                         <m:t>=</m:t>
                       </m:r>
-                      <m:nary>
-                        <m:naryPr>
-                          <m:chr m:val="∑"/>
-                          <m:subHide m:val="on"/>
-                          <m:supHide m:val="on"/>
+                      <m:r>
+                        <a:rPr lang="en-US" sz="2400" b="0" i="1" smtClean="0">
+                          <a:latin typeface="Cambria Math" panose="02040503050406030204" pitchFamily="18" charset="0"/>
+                        </a:rPr>
+                        <m:t>𝑁</m:t>
+                      </m:r>
+                      <m:sSub>
+                        <m:sSubPr>
                           <m:ctrlPr>
-                            <a:rPr lang="ru-RU" sz="2400" i="1">
+                            <a:rPr lang="ru-RU" sz="2400" i="1" smtClean="0">
                               <a:latin typeface="Cambria Math" panose="02040503050406030204" pitchFamily="18" charset="0"/>
                             </a:rPr>
                           </m:ctrlPr>
-                        </m:naryPr>
-                        <m:sub/>
-                        <m:sup/>
-                        <m:e>
-                          <m:sSub>
-                            <m:sSubPr>
-                              <m:ctrlPr>
-                                <a:rPr lang="ru-RU" sz="2400" i="1">
-                                  <a:latin typeface="Cambria Math" panose="02040503050406030204" pitchFamily="18" charset="0"/>
-                                </a:rPr>
-                              </m:ctrlPr>
-                            </m:sSubPr>
-                            <m:e>
-                              <m:r>
-                                <a:rPr lang="ru-RU" sz="2400" i="1">
-                                  <a:latin typeface="Cambria Math" panose="02040503050406030204" pitchFamily="18" charset="0"/>
-                                </a:rPr>
-                                <m:t>𝑉</m:t>
-                              </m:r>
-                            </m:e>
-                            <m:sub>
-                              <m:r>
-                                <a:rPr lang="ru-RU" sz="2400" i="1">
-                                  <a:latin typeface="Cambria Math" panose="02040503050406030204" pitchFamily="18" charset="0"/>
-                                </a:rPr>
-                                <m:t>𝑁</m:t>
-                              </m:r>
-                            </m:sub>
-                          </m:sSub>
-                          <m:d>
-                            <m:dPr>
-                              <m:ctrlPr>
-                                <a:rPr lang="ru-RU" sz="2400" i="1">
-                                  <a:latin typeface="Cambria Math" panose="02040503050406030204" pitchFamily="18" charset="0"/>
-                                </a:rPr>
-                              </m:ctrlPr>
-                            </m:dPr>
-                            <m:e>
-                              <m:acc>
-                                <m:accPr>
-                                  <m:chr m:val="⃗"/>
-                                  <m:ctrlPr>
-                                    <a:rPr lang="ru-RU" sz="2400" i="1">
-                                      <a:latin typeface="Cambria Math" panose="02040503050406030204" pitchFamily="18" charset="0"/>
-                                    </a:rPr>
-                                  </m:ctrlPr>
-                                </m:accPr>
-                                <m:e>
-                                  <m:r>
-                                    <a:rPr lang="ru-RU" sz="2400" i="1">
-                                      <a:latin typeface="Cambria Math" panose="02040503050406030204" pitchFamily="18" charset="0"/>
-                                    </a:rPr>
-                                    <m:t>𝑞</m:t>
-                                  </m:r>
-                                </m:e>
-                              </m:acc>
-                            </m:e>
-                          </m:d>
-                        </m:e>
-                      </m:nary>
-                      <m:sSup>
-                        <m:sSupPr>
-                          <m:ctrlPr>
-                            <a:rPr lang="ru-RU" sz="2400" i="1">
-                              <a:latin typeface="Cambria Math" panose="02040503050406030204" pitchFamily="18" charset="0"/>
-                            </a:rPr>
-                          </m:ctrlPr>
-                        </m:sSupPr>
+                        </m:sSubPr>
                         <m:e>
                           <m:r>
                             <a:rPr lang="ru-RU" sz="2400" i="1">
                               <a:latin typeface="Cambria Math" panose="02040503050406030204" pitchFamily="18" charset="0"/>
                             </a:rPr>
-                            <m:t>𝑒</m:t>
+                            <m:t>𝑉</m:t>
                           </m:r>
                         </m:e>
-                        <m:sup>
-                          <m:d>
-                            <m:dPr>
-                              <m:begChr m:val=""/>
+                        <m:sub>
+                          <m:r>
+                            <a:rPr lang="en-US" sz="2400" b="0" i="1" smtClean="0">
+                              <a:latin typeface="Cambria Math" panose="02040503050406030204" pitchFamily="18" charset="0"/>
+                            </a:rPr>
+                            <m:t>𝑁</m:t>
+                          </m:r>
+                        </m:sub>
+                      </m:sSub>
+                      <m:d>
+                        <m:dPr>
+                          <m:ctrlPr>
+                            <a:rPr lang="ru-RU" sz="2400" i="1">
+                              <a:latin typeface="Cambria Math" panose="02040503050406030204" pitchFamily="18" charset="0"/>
+                            </a:rPr>
+                          </m:ctrlPr>
+                        </m:dPr>
+                        <m:e>
+                          <m:acc>
+                            <m:accPr>
+                              <m:chr m:val="⃗"/>
                               <m:ctrlPr>
-                                <a:rPr lang="ru-RU" sz="2400" i="1">
+                                <a:rPr lang="en-US" sz="2400" i="1">
                                   <a:latin typeface="Cambria Math" panose="02040503050406030204" pitchFamily="18" charset="0"/>
                                 </a:rPr>
                               </m:ctrlPr>
-                            </m:dPr>
+                            </m:accPr>
                             <m:e>
                               <m:r>
-                                <a:rPr lang="ru-RU" sz="2400" i="0">
-                                  <a:latin typeface="Cambria Math" panose="02040503050406030204" pitchFamily="18" charset="0"/>
-                                </a:rPr>
-                                <m:t>−</m:t>
+                                <a:rPr lang="en-US" sz="2400" i="1">
+                                  <a:latin typeface="Cambria Math" panose="02040503050406030204" pitchFamily="18" charset="0"/>
+                                </a:rPr>
+                                <m:t>𝑞</m:t>
                               </m:r>
-                              <m:r>
-                                <a:rPr lang="ru-RU" sz="2400" i="1">
-                                  <a:latin typeface="Cambria Math" panose="02040503050406030204" pitchFamily="18" charset="0"/>
-                                </a:rPr>
-                                <m:t>𝑖</m:t>
-                              </m:r>
-                              <m:acc>
-                                <m:accPr>
-                                  <m:chr m:val="⃗"/>
-                                  <m:ctrlPr>
-                                    <a:rPr lang="ru-RU" sz="2400" i="1">
-                                      <a:latin typeface="Cambria Math" panose="02040503050406030204" pitchFamily="18" charset="0"/>
-                                    </a:rPr>
-                                  </m:ctrlPr>
-                                </m:accPr>
-                                <m:e>
-                                  <m:r>
-                                    <a:rPr lang="ru-RU" sz="2400" i="1">
-                                      <a:latin typeface="Cambria Math" panose="02040503050406030204" pitchFamily="18" charset="0"/>
-                                    </a:rPr>
-                                    <m:t>𝑞</m:t>
-                                  </m:r>
-                                </m:e>
-                              </m:acc>
-                              <m:r>
-                                <a:rPr lang="ru-RU" sz="2400" i="0">
-                                  <a:latin typeface="Cambria Math" panose="02040503050406030204" pitchFamily="18" charset="0"/>
-                                </a:rPr>
-                                <m:t>(</m:t>
-                              </m:r>
-                              <m:sSub>
-                                <m:sSubPr>
-                                  <m:ctrlPr>
-                                    <a:rPr lang="ru-RU" sz="2400" i="1">
-                                      <a:latin typeface="Cambria Math" panose="02040503050406030204" pitchFamily="18" charset="0"/>
-                                    </a:rPr>
-                                  </m:ctrlPr>
-                                </m:sSubPr>
-                                <m:e>
-                                  <m:acc>
-                                    <m:accPr>
-                                      <m:chr m:val="⃗"/>
-                                      <m:ctrlPr>
-                                        <a:rPr lang="ru-RU" sz="2400" i="1">
-                                          <a:latin typeface="Cambria Math" panose="02040503050406030204" pitchFamily="18" charset="0"/>
-                                        </a:rPr>
-                                      </m:ctrlPr>
-                                    </m:accPr>
-                                    <m:e>
-                                      <m:r>
-                                        <a:rPr lang="ru-RU" sz="2400" i="1">
-                                          <a:latin typeface="Cambria Math" panose="02040503050406030204" pitchFamily="18" charset="0"/>
-                                        </a:rPr>
-                                        <m:t>𝑥</m:t>
-                                      </m:r>
-                                    </m:e>
-                                  </m:acc>
-                                </m:e>
-                                <m:sub>
-                                  <m:r>
-                                    <a:rPr lang="ru-RU" sz="2400" i="1">
-                                      <a:latin typeface="Cambria Math" panose="02040503050406030204" pitchFamily="18" charset="0"/>
-                                    </a:rPr>
-                                    <m:t>𝑁</m:t>
-                                  </m:r>
-                                </m:sub>
-                              </m:sSub>
-                              <m:r>
-                                <a:rPr lang="ru-RU" sz="2400" i="0">
-                                  <a:latin typeface="Cambria Math" panose="02040503050406030204" pitchFamily="18" charset="0"/>
-                                </a:rPr>
-                                <m:t>−</m:t>
-                              </m:r>
-                              <m:sSub>
-                                <m:sSubPr>
-                                  <m:ctrlPr>
-                                    <a:rPr lang="ru-RU" sz="2400" i="1">
-                                      <a:latin typeface="Cambria Math" panose="02040503050406030204" pitchFamily="18" charset="0"/>
-                                    </a:rPr>
-                                  </m:ctrlPr>
-                                </m:sSubPr>
-                                <m:e>
-                                  <m:acc>
-                                    <m:accPr>
-                                      <m:chr m:val="⃗"/>
-                                      <m:ctrlPr>
-                                        <a:rPr lang="ru-RU" sz="2400" i="1">
-                                          <a:latin typeface="Cambria Math" panose="02040503050406030204" pitchFamily="18" charset="0"/>
-                                        </a:rPr>
-                                      </m:ctrlPr>
-                                    </m:accPr>
-                                    <m:e>
-                                      <m:r>
-                                        <a:rPr lang="ru-RU" sz="2400" i="1">
-                                          <a:latin typeface="Cambria Math" panose="02040503050406030204" pitchFamily="18" charset="0"/>
-                                        </a:rPr>
-                                        <m:t>𝑥</m:t>
-                                      </m:r>
-                                    </m:e>
-                                  </m:acc>
-                                </m:e>
-                                <m:sub>
-                                  <m:r>
-                                    <a:rPr lang="ru-RU" sz="2400" i="0">
-                                      <a:latin typeface="Cambria Math" panose="02040503050406030204" pitchFamily="18" charset="0"/>
-                                    </a:rPr>
-                                    <m:t>яд</m:t>
-                                  </m:r>
-                                </m:sub>
-                              </m:sSub>
                             </m:e>
-                          </m:d>
-                        </m:sup>
-                      </m:sSup>
+                          </m:acc>
+                        </m:e>
+                      </m:d>
                     </m:oMath>
                   </m:oMathPara>
                 </a14:m>
-                <a:endParaRPr lang="ru-RU" sz="2400" dirty="0"/>
+                <a:endParaRPr lang="ru-RU" sz="2400" i="1" dirty="0" smtClean="0">
+                  <a:latin typeface="Cambria Math" panose="02040503050406030204" pitchFamily="18" charset="0"/>
+                </a:endParaRPr>
               </a:p>
             </p:txBody>
           </p:sp>
@@ -9275,8 +9610,8 @@
             </p:nvSpPr>
             <p:spPr>
               <a:xfrm>
-                <a:off x="7968000" y="1989000"/>
-                <a:ext cx="4136324" cy="1881028"/>
+                <a:off x="8976000" y="1989000"/>
+                <a:ext cx="2493118" cy="483274"/>
               </a:xfrm>
               <a:prstGeom prst="rect">
                 <a:avLst/>
@@ -9284,7 +9619,7 @@
               <a:blipFill>
                 <a:blip r:embed="rId3"/>
                 <a:stretch>
-                  <a:fillRect/>
+                  <a:fillRect t="-17500" r="-8557" b="-6250"/>
                 </a:stretch>
               </a:blipFill>
             </p:spPr>
@@ -9303,8 +9638,8 @@
           </p:sp>
         </mc:Fallback>
       </mc:AlternateContent>
-      <mc:AlternateContent xmlns:mc="http://schemas.openxmlformats.org/markup-compatibility/2006">
-        <mc:Choice xmlns:a14="http://schemas.microsoft.com/office/drawing/2010/main" Requires="a14">
+      <mc:AlternateContent xmlns:mc="http://schemas.openxmlformats.org/markup-compatibility/2006" xmlns:a14="http://schemas.microsoft.com/office/drawing/2010/main">
+        <mc:Choice Requires="a14">
           <p:sp>
             <p:nvSpPr>
               <p:cNvPr id="8" name="Прямоугольник 7"/>
@@ -9326,6 +9661,7 @@
               </a:bodyPr>
               <a:lstStyle/>
               <a:p>
+                <a:pPr/>
                 <a14:m>
                   <m:oMathPara xmlns:m="http://schemas.openxmlformats.org/officeDocument/2006/math">
                     <m:oMathParaPr>
@@ -9335,7 +9671,7 @@
                       <m:sSub>
                         <m:sSubPr>
                           <m:ctrlPr>
-                            <a:rPr lang="ru-RU" sz="2400" smtClean="0">
+                            <a:rPr lang="ru-RU" sz="2400" i="1" smtClean="0">
                               <a:latin typeface="Cambria Math" panose="02040503050406030204" pitchFamily="18" charset="0"/>
                             </a:rPr>
                           </m:ctrlPr>
@@ -9574,7 +9910,7 @@
             </p:txBody>
           </p:sp>
         </mc:Choice>
-        <mc:Fallback>
+        <mc:Fallback xmlns="">
           <p:sp>
             <p:nvSpPr>
               <p:cNvPr id="8" name="Прямоугольник 7"/>
@@ -9593,6 +9929,246 @@
               </a:prstGeom>
               <a:blipFill>
                 <a:blip r:embed="rId4"/>
+                <a:stretch>
+                  <a:fillRect/>
+                </a:stretch>
+              </a:blipFill>
+            </p:spPr>
+            <p:txBody>
+              <a:bodyPr/>
+              <a:lstStyle/>
+              <a:p>
+                <a:r>
+                  <a:rPr lang="ru-RU">
+                    <a:noFill/>
+                  </a:rPr>
+                  <a:t> </a:t>
+                </a:r>
+              </a:p>
+            </p:txBody>
+          </p:sp>
+        </mc:Fallback>
+      </mc:AlternateContent>
+      <mc:AlternateContent xmlns:mc="http://schemas.openxmlformats.org/markup-compatibility/2006">
+        <mc:Choice xmlns:a14="http://schemas.microsoft.com/office/drawing/2010/main" Requires="a14">
+          <p:sp>
+            <p:nvSpPr>
+              <p:cNvPr id="7" name="Прямоугольник 6"/>
+              <p:cNvSpPr/>
+              <p:nvPr/>
+            </p:nvSpPr>
+            <p:spPr>
+              <a:xfrm>
+                <a:off x="8976000" y="2853000"/>
+                <a:ext cx="2808000" cy="582147"/>
+              </a:xfrm>
+              <a:prstGeom prst="rect">
+                <a:avLst/>
+              </a:prstGeom>
+            </p:spPr>
+            <p:txBody>
+              <a:bodyPr wrap="square">
+                <a:spAutoFit/>
+              </a:bodyPr>
+              <a:lstStyle/>
+              <a:p>
+                <a:pPr/>
+                <a14:m>
+                  <m:oMathPara xmlns:m="http://schemas.openxmlformats.org/officeDocument/2006/math">
+                    <m:oMathParaPr>
+                      <m:jc m:val="centerGroup"/>
+                    </m:oMathParaPr>
+                    <m:oMath xmlns:m="http://schemas.openxmlformats.org/officeDocument/2006/math">
+                      <m:sSup>
+                        <m:sSupPr>
+                          <m:ctrlPr>
+                            <a:rPr lang="ru-RU" sz="2400" i="1" smtClean="0">
+                              <a:latin typeface="Cambria Math" panose="02040503050406030204" pitchFamily="18" charset="0"/>
+                            </a:rPr>
+                          </m:ctrlPr>
+                        </m:sSupPr>
+                        <m:e>
+                          <m:d>
+                            <m:dPr>
+                              <m:begChr m:val="|"/>
+                              <m:endChr m:val="|"/>
+                              <m:ctrlPr>
+                                <a:rPr lang="ru-RU" sz="2400" i="1">
+                                  <a:latin typeface="Cambria Math" panose="02040503050406030204" pitchFamily="18" charset="0"/>
+                                </a:rPr>
+                              </m:ctrlPr>
+                            </m:dPr>
+                            <m:e>
+                              <m:sSubSup>
+                                <m:sSubSupPr>
+                                  <m:ctrlPr>
+                                    <a:rPr lang="ru-RU" sz="2400" i="1">
+                                      <a:latin typeface="Cambria Math" panose="02040503050406030204" pitchFamily="18" charset="0"/>
+                                    </a:rPr>
+                                  </m:ctrlPr>
+                                </m:sSubSupPr>
+                                <m:e>
+                                  <m:r>
+                                    <a:rPr lang="en-US" sz="2400" i="1">
+                                      <a:latin typeface="Cambria Math" panose="02040503050406030204" pitchFamily="18" charset="0"/>
+                                    </a:rPr>
+                                    <m:t>ℳ</m:t>
+                                  </m:r>
+                                </m:e>
+                                <m:sub>
+                                  <m:r>
+                                    <a:rPr lang="en-US" sz="2400" i="1">
+                                      <a:latin typeface="Cambria Math" panose="02040503050406030204" pitchFamily="18" charset="0"/>
+                                    </a:rPr>
+                                    <m:t>0</m:t>
+                                  </m:r>
+                                </m:sub>
+                                <m:sup>
+                                  <m:r>
+                                    <a:rPr lang="ru-RU" sz="2400" b="0" i="1" smtClean="0">
+                                      <a:latin typeface="Cambria Math" panose="02040503050406030204" pitchFamily="18" charset="0"/>
+                                    </a:rPr>
+                                    <m:t>яд</m:t>
+                                  </m:r>
+                                </m:sup>
+                              </m:sSubSup>
+                            </m:e>
+                          </m:d>
+                        </m:e>
+                        <m:sup>
+                          <m:r>
+                            <a:rPr lang="en-US" sz="2400" i="1">
+                              <a:latin typeface="Cambria Math" panose="02040503050406030204" pitchFamily="18" charset="0"/>
+                            </a:rPr>
+                            <m:t>2</m:t>
+                          </m:r>
+                        </m:sup>
+                      </m:sSup>
+                      <m:r>
+                        <a:rPr lang="ru-RU" sz="2400" i="0">
+                          <a:latin typeface="Cambria Math" panose="02040503050406030204" pitchFamily="18" charset="0"/>
+                        </a:rPr>
+                        <m:t>=</m:t>
+                      </m:r>
+                      <m:sSup>
+                        <m:sSupPr>
+                          <m:ctrlPr>
+                            <a:rPr lang="en-US" sz="2400" b="0" i="1" smtClean="0">
+                              <a:latin typeface="Cambria Math" panose="02040503050406030204" pitchFamily="18" charset="0"/>
+                            </a:rPr>
+                          </m:ctrlPr>
+                        </m:sSupPr>
+                        <m:e>
+                          <m:r>
+                            <a:rPr lang="en-US" sz="2400" b="0" i="1" smtClean="0">
+                              <a:latin typeface="Cambria Math" panose="02040503050406030204" pitchFamily="18" charset="0"/>
+                            </a:rPr>
+                            <m:t>𝑁</m:t>
+                          </m:r>
+                        </m:e>
+                        <m:sup>
+                          <m:r>
+                            <a:rPr lang="en-US" sz="2400" b="0" i="1" smtClean="0">
+                              <a:latin typeface="Cambria Math" panose="02040503050406030204" pitchFamily="18" charset="0"/>
+                            </a:rPr>
+                            <m:t>2</m:t>
+                          </m:r>
+                        </m:sup>
+                      </m:sSup>
+                      <m:sSup>
+                        <m:sSupPr>
+                          <m:ctrlPr>
+                            <a:rPr lang="ru-RU" sz="2400" i="1">
+                              <a:latin typeface="Cambria Math" panose="02040503050406030204" pitchFamily="18" charset="0"/>
+                            </a:rPr>
+                          </m:ctrlPr>
+                        </m:sSupPr>
+                        <m:e>
+                          <m:d>
+                            <m:dPr>
+                              <m:begChr m:val="|"/>
+                              <m:endChr m:val="|"/>
+                              <m:ctrlPr>
+                                <a:rPr lang="ru-RU" sz="2400" i="1">
+                                  <a:latin typeface="Cambria Math" panose="02040503050406030204" pitchFamily="18" charset="0"/>
+                                </a:rPr>
+                              </m:ctrlPr>
+                            </m:dPr>
+                            <m:e>
+                              <m:sSubSup>
+                                <m:sSubSupPr>
+                                  <m:ctrlPr>
+                                    <a:rPr lang="ru-RU" sz="2400" i="1">
+                                      <a:latin typeface="Cambria Math" panose="02040503050406030204" pitchFamily="18" charset="0"/>
+                                    </a:rPr>
+                                  </m:ctrlPr>
+                                </m:sSubSupPr>
+                                <m:e>
+                                  <m:r>
+                                    <a:rPr lang="en-US" sz="2400" i="1">
+                                      <a:latin typeface="Cambria Math" panose="02040503050406030204" pitchFamily="18" charset="0"/>
+                                    </a:rPr>
+                                    <m:t>ℳ</m:t>
+                                  </m:r>
+                                </m:e>
+                                <m:sub>
+                                  <m:r>
+                                    <a:rPr lang="en-US" sz="2400" i="1">
+                                      <a:latin typeface="Cambria Math" panose="02040503050406030204" pitchFamily="18" charset="0"/>
+                                    </a:rPr>
+                                    <m:t>0</m:t>
+                                  </m:r>
+                                </m:sub>
+                                <m:sup>
+                                  <m:r>
+                                    <a:rPr lang="en-US" sz="2400" b="0" i="1" smtClean="0">
+                                      <a:latin typeface="Cambria Math" panose="02040503050406030204" pitchFamily="18" charset="0"/>
+                                    </a:rPr>
+                                    <m:t>𝑁</m:t>
+                                  </m:r>
+                                </m:sup>
+                              </m:sSubSup>
+                            </m:e>
+                          </m:d>
+                        </m:e>
+                        <m:sup>
+                          <m:r>
+                            <a:rPr lang="en-US" sz="2400" i="1">
+                              <a:latin typeface="Cambria Math" panose="02040503050406030204" pitchFamily="18" charset="0"/>
+                            </a:rPr>
+                            <m:t>2</m:t>
+                          </m:r>
+                        </m:sup>
+                      </m:sSup>
+                    </m:oMath>
+                  </m:oMathPara>
+                </a14:m>
+                <a:endParaRPr lang="ru-RU" sz="2400" i="1" dirty="0" smtClean="0">
+                  <a:latin typeface="Cambria Math" panose="02040503050406030204" pitchFamily="18" charset="0"/>
+                </a:endParaRPr>
+              </a:p>
+            </p:txBody>
+          </p:sp>
+        </mc:Choice>
+        <mc:Fallback>
+          <p:sp>
+            <p:nvSpPr>
+              <p:cNvPr id="7" name="Прямоугольник 6"/>
+              <p:cNvSpPr>
+                <a:spLocks noRot="1" noChangeAspect="1" noMove="1" noResize="1" noEditPoints="1" noAdjustHandles="1" noChangeArrowheads="1" noChangeShapeType="1" noTextEdit="1"/>
+              </p:cNvSpPr>
+              <p:nvPr/>
+            </p:nvSpPr>
+            <p:spPr>
+              <a:xfrm>
+                <a:off x="8976000" y="2853000"/>
+                <a:ext cx="2808000" cy="582147"/>
+              </a:xfrm>
+              <a:prstGeom prst="rect">
+                <a:avLst/>
+              </a:prstGeom>
+              <a:blipFill>
+                <a:blip r:embed="rId5"/>
                 <a:stretch>
                   <a:fillRect/>
                 </a:stretch>
@@ -9739,7 +10315,7 @@
             </p:nvSpPr>
             <p:spPr>
               <a:xfrm>
-                <a:off x="6096000" y="2133000"/>
+                <a:off x="6096000" y="1989000"/>
                 <a:ext cx="5423216" cy="914353"/>
               </a:xfrm>
               <a:prstGeom prst="rect">
@@ -9752,6 +10328,7 @@
               </a:bodyPr>
               <a:lstStyle/>
               <a:p>
+                <a:pPr/>
                 <a14:m>
                   <m:oMathPara xmlns:m="http://schemas.openxmlformats.org/officeDocument/2006/math">
                     <m:oMathParaPr>
@@ -10169,7 +10746,7 @@
             </p:nvSpPr>
             <p:spPr>
               <a:xfrm>
-                <a:off x="6096000" y="2133000"/>
+                <a:off x="6096000" y="1989000"/>
                 <a:ext cx="5423216" cy="914353"/>
               </a:xfrm>
               <a:prstGeom prst="rect">
@@ -10207,7 +10784,7 @@
             </p:nvSpPr>
             <p:spPr>
               <a:xfrm>
-                <a:off x="6096000" y="5085000"/>
+                <a:off x="6096000" y="4869000"/>
                 <a:ext cx="4887300" cy="929293"/>
               </a:xfrm>
               <a:prstGeom prst="rect">
@@ -10220,6 +10797,7 @@
               </a:bodyPr>
               <a:lstStyle/>
               <a:p>
+                <a:pPr/>
                 <a14:m>
                   <m:oMathPara xmlns:m="http://schemas.openxmlformats.org/officeDocument/2006/math">
                     <m:oMathParaPr>
@@ -10229,7 +10807,7 @@
                       <m:f>
                         <m:fPr>
                           <m:ctrlPr>
-                            <a:rPr lang="ru-RU" sz="2400" smtClean="0">
+                            <a:rPr lang="ru-RU" sz="2400" i="1" smtClean="0">
                               <a:latin typeface="Cambria Math" panose="02040503050406030204" pitchFamily="18" charset="0"/>
                             </a:rPr>
                           </m:ctrlPr>
@@ -10699,7 +11277,7 @@
             </p:nvSpPr>
             <p:spPr>
               <a:xfrm>
-                <a:off x="6096000" y="5085000"/>
+                <a:off x="6096000" y="4869000"/>
                 <a:ext cx="4887300" cy="929293"/>
               </a:xfrm>
               <a:prstGeom prst="rect">
@@ -10737,7 +11315,7 @@
             </p:nvSpPr>
             <p:spPr>
               <a:xfrm>
-                <a:off x="6096000" y="3573000"/>
+                <a:off x="6096000" y="3429000"/>
                 <a:ext cx="5184000" cy="1054904"/>
               </a:xfrm>
               <a:prstGeom prst="rect">
@@ -10750,6 +11328,7 @@
               </a:bodyPr>
               <a:lstStyle/>
               <a:p>
+                <a:pPr/>
                 <a14:m>
                   <m:oMathPara xmlns:m="http://schemas.openxmlformats.org/officeDocument/2006/math">
                     <m:oMathParaPr>
@@ -10759,7 +11338,7 @@
                       <m:sSup>
                         <m:sSupPr>
                           <m:ctrlPr>
-                            <a:rPr lang="ru-RU" sz="2400" smtClean="0">
+                            <a:rPr lang="ru-RU" sz="2400" i="1" smtClean="0">
                               <a:latin typeface="Cambria Math" panose="02040503050406030204" pitchFamily="18" charset="0"/>
                             </a:rPr>
                           </m:ctrlPr>
@@ -10770,7 +11349,7 @@
                               <m:begChr m:val="|"/>
                               <m:endChr m:val="|"/>
                               <m:ctrlPr>
-                                <a:rPr lang="ru-RU" sz="2400">
+                                <a:rPr lang="ru-RU" sz="2400" i="1">
                                   <a:latin typeface="Cambria Math" panose="02040503050406030204" pitchFamily="18" charset="0"/>
                                 </a:rPr>
                               </m:ctrlPr>
@@ -10779,7 +11358,7 @@
                               <m:sSub>
                                 <m:sSubPr>
                                   <m:ctrlPr>
-                                    <a:rPr lang="en-US" sz="2400" b="0" i="0" smtClean="0">
+                                    <a:rPr lang="en-US" sz="2400" b="0" i="1" smtClean="0">
                                       <a:latin typeface="Cambria Math" panose="02040503050406030204" pitchFamily="18" charset="0"/>
                                     </a:rPr>
                                   </m:ctrlPr>
@@ -10822,12 +11401,16 @@
                       <m:sSup>
                         <m:sSupPr>
                           <m:ctrlPr>
-                            <a:rPr lang="ru-RU" sz="2400" i="1"/>
+                            <a:rPr lang="ru-RU" sz="2400" i="1">
+                              <a:latin typeface="Cambria Math" panose="02040503050406030204" pitchFamily="18" charset="0"/>
+                            </a:rPr>
                           </m:ctrlPr>
                         </m:sSupPr>
                         <m:e>
                           <m:r>
-                            <a:rPr lang="en-US" sz="2400" i="1"/>
+                            <a:rPr lang="en-US" sz="2400" i="1">
+                              <a:latin typeface="Cambria Math" panose="02040503050406030204" pitchFamily="18" charset="0"/>
+                            </a:rPr>
                             <m:t>−</m:t>
                           </m:r>
                           <m:sSup>
@@ -10858,21 +11441,27 @@
                           <m:sSup>
                             <m:sSupPr>
                               <m:ctrlPr>
-                                <a:rPr lang="ru-RU" sz="2400" i="1"/>
+                                <a:rPr lang="ru-RU" sz="2400" i="1">
+                                  <a:latin typeface="Cambria Math" panose="02040503050406030204" pitchFamily="18" charset="0"/>
+                                </a:rPr>
                               </m:ctrlPr>
                             </m:sSupPr>
                             <m:e>
                               <m:d>
                                 <m:dPr>
                                   <m:ctrlPr>
-                                    <a:rPr lang="ru-RU" sz="2400" i="1"/>
+                                    <a:rPr lang="ru-RU" sz="2400" i="1">
+                                      <a:latin typeface="Cambria Math" panose="02040503050406030204" pitchFamily="18" charset="0"/>
+                                    </a:rPr>
                                   </m:ctrlPr>
                                 </m:dPr>
                                 <m:e>
                                   <m:f>
                                     <m:fPr>
                                       <m:ctrlPr>
-                                        <a:rPr lang="ru-RU" sz="2400" i="1"/>
+                                        <a:rPr lang="ru-RU" sz="2400" i="1">
+                                          <a:latin typeface="Cambria Math" panose="02040503050406030204" pitchFamily="18" charset="0"/>
+                                        </a:rPr>
                                       </m:ctrlPr>
                                     </m:fPr>
                                     <m:num>
@@ -10943,25 +11532,33 @@
                                         </m:sub>
                                         <m:sup>
                                           <m:r>
-                                            <a:rPr lang="ru-RU" sz="2400" i="1"/>
+                                            <a:rPr lang="ru-RU" sz="2400" i="1">
+                                              <a:latin typeface="Cambria Math" panose="02040503050406030204" pitchFamily="18" charset="0"/>
+                                            </a:rPr>
                                             <m:t>′</m:t>
                                           </m:r>
                                         </m:sup>
                                       </m:sSubSup>
                                       <m:r>
-                                        <a:rPr lang="ru-RU" sz="2400" i="1"/>
+                                        <a:rPr lang="ru-RU" sz="2400" i="1">
+                                          <a:latin typeface="Cambria Math" panose="02040503050406030204" pitchFamily="18" charset="0"/>
+                                        </a:rPr>
                                         <m:t>𝑞</m:t>
                                       </m:r>
                                     </m:den>
                                   </m:f>
                                   <m:r>
-                                    <a:rPr lang="ru-RU" sz="2400" i="1"/>
+                                    <a:rPr lang="ru-RU" sz="2400" i="1">
+                                      <a:latin typeface="Cambria Math" panose="02040503050406030204" pitchFamily="18" charset="0"/>
+                                    </a:rPr>
                                     <m:t>−</m:t>
                                   </m:r>
                                   <m:f>
                                     <m:fPr>
                                       <m:ctrlPr>
-                                        <a:rPr lang="ru-RU" sz="2400" i="1"/>
+                                        <a:rPr lang="ru-RU" sz="2400" i="1">
+                                          <a:latin typeface="Cambria Math" panose="02040503050406030204" pitchFamily="18" charset="0"/>
+                                        </a:rPr>
                                       </m:ctrlPr>
                                     </m:fPr>
                                     <m:num>
@@ -11018,7 +11615,9 @@
                                         </m:sub>
                                       </m:sSub>
                                       <m:r>
-                                        <a:rPr lang="ru-RU" sz="2400" i="1"/>
+                                        <a:rPr lang="ru-RU" sz="2400" i="1">
+                                          <a:latin typeface="Cambria Math" panose="02040503050406030204" pitchFamily="18" charset="0"/>
+                                        </a:rPr>
                                         <m:t>𝑞</m:t>
                                       </m:r>
                                     </m:den>
@@ -11028,7 +11627,9 @@
                             </m:e>
                             <m:sup>
                               <m:r>
-                                <a:rPr lang="en-US" sz="2400" i="1"/>
+                                <a:rPr lang="en-US" sz="2400" i="1">
+                                  <a:latin typeface="Cambria Math" panose="02040503050406030204" pitchFamily="18" charset="0"/>
+                                </a:rPr>
                                 <m:t>2</m:t>
                               </m:r>
                             </m:sup>
@@ -11038,7 +11639,9 @@
                               <m:begChr m:val="|"/>
                               <m:endChr m:val="|"/>
                               <m:ctrlPr>
-                                <a:rPr lang="ru-RU" sz="2400" i="1"/>
+                                <a:rPr lang="ru-RU" sz="2400" i="1">
+                                  <a:latin typeface="Cambria Math" panose="02040503050406030204" pitchFamily="18" charset="0"/>
+                                </a:rPr>
                               </m:ctrlPr>
                             </m:dPr>
                             <m:e>
@@ -11052,7 +11655,9 @@
                                 </m:sSubPr>
                                 <m:e>
                                   <m:r>
-                                    <a:rPr lang="en-US" sz="2400" i="1"/>
+                                    <a:rPr lang="en-US" sz="2400" i="1">
+                                      <a:latin typeface="Cambria Math" panose="02040503050406030204" pitchFamily="18" charset="0"/>
+                                    </a:rPr>
                                     <m:t>ℳ</m:t>
                                   </m:r>
                                 </m:e>
@@ -11076,7 +11681,9 @@
                         </m:e>
                         <m:sup>
                           <m:r>
-                            <a:rPr lang="en-US" sz="2400" i="1"/>
+                            <a:rPr lang="en-US" sz="2400" i="1">
+                              <a:latin typeface="Cambria Math" panose="02040503050406030204" pitchFamily="18" charset="0"/>
+                            </a:rPr>
                             <m:t>2</m:t>
                           </m:r>
                         </m:sup>
@@ -11100,7 +11707,7 @@
             </p:nvSpPr>
             <p:spPr>
               <a:xfrm>
-                <a:off x="6096000" y="3573000"/>
+                <a:off x="6096000" y="3429000"/>
                 <a:ext cx="5184000" cy="1054904"/>
               </a:xfrm>
               <a:prstGeom prst="rect">
@@ -11285,8 +11892,8 @@
           </a:prstGeom>
         </p:spPr>
       </p:pic>
-      <mc:AlternateContent xmlns:mc="http://schemas.openxmlformats.org/markup-compatibility/2006">
-        <mc:Choice xmlns:a14="http://schemas.microsoft.com/office/drawing/2010/main" Requires="a14">
+      <mc:AlternateContent xmlns:mc="http://schemas.openxmlformats.org/markup-compatibility/2006" xmlns:a14="http://schemas.microsoft.com/office/drawing/2010/main">
+        <mc:Choice Requires="a14">
           <p:sp>
             <p:nvSpPr>
               <p:cNvPr id="7" name="Прямоугольник 6"/>
@@ -11308,6 +11915,7 @@
               </a:bodyPr>
               <a:lstStyle/>
               <a:p>
+                <a:pPr/>
                 <a14:m>
                   <m:oMathPara xmlns:m="http://schemas.openxmlformats.org/officeDocument/2006/math">
                     <m:oMathParaPr>
@@ -11317,7 +11925,7 @@
                       <m:sSub>
                         <m:sSubPr>
                           <m:ctrlPr>
-                            <a:rPr lang="ru-RU" sz="2400" smtClean="0">
+                            <a:rPr lang="ru-RU" sz="2400" i="1" smtClean="0">
                               <a:latin typeface="Cambria Math" panose="02040503050406030204" pitchFamily="18" charset="0"/>
                             </a:rPr>
                           </m:ctrlPr>
@@ -11453,7 +12061,7 @@
             </p:txBody>
           </p:sp>
         </mc:Choice>
-        <mc:Fallback>
+        <mc:Fallback xmlns="">
           <p:sp>
             <p:nvSpPr>
               <p:cNvPr id="7" name="Прямоугольник 6"/>
@@ -11492,8 +12100,8 @@
           </p:sp>
         </mc:Fallback>
       </mc:AlternateContent>
-      <mc:AlternateContent xmlns:mc="http://schemas.openxmlformats.org/markup-compatibility/2006">
-        <mc:Choice xmlns:a14="http://schemas.microsoft.com/office/drawing/2010/main" Requires="a14">
+      <mc:AlternateContent xmlns:mc="http://schemas.openxmlformats.org/markup-compatibility/2006" xmlns:a14="http://schemas.microsoft.com/office/drawing/2010/main">
+        <mc:Choice Requires="a14">
           <p:sp>
             <p:nvSpPr>
               <p:cNvPr id="8" name="Прямоугольник 7"/>
@@ -11515,6 +12123,7 @@
               </a:bodyPr>
               <a:lstStyle/>
               <a:p>
+                <a:pPr/>
                 <a14:m>
                   <m:oMathPara xmlns:m="http://schemas.openxmlformats.org/officeDocument/2006/math">
                     <m:oMathParaPr>
@@ -11524,7 +12133,7 @@
                       <m:sSub>
                         <m:sSubPr>
                           <m:ctrlPr>
-                            <a:rPr lang="ru-RU" sz="2400" smtClean="0">
+                            <a:rPr lang="ru-RU" sz="2400" i="1" smtClean="0">
                               <a:latin typeface="Cambria Math" panose="02040503050406030204" pitchFamily="18" charset="0"/>
                             </a:rPr>
                           </m:ctrlPr>
@@ -11703,7 +12312,7 @@
             </p:txBody>
           </p:sp>
         </mc:Choice>
-        <mc:Fallback>
+        <mc:Fallback xmlns="">
           <p:sp>
             <p:nvSpPr>
               <p:cNvPr id="8" name="Прямоугольник 7"/>
@@ -11742,8 +12351,8 @@
           </p:sp>
         </mc:Fallback>
       </mc:AlternateContent>
-      <mc:AlternateContent xmlns:mc="http://schemas.openxmlformats.org/markup-compatibility/2006">
-        <mc:Choice xmlns:a14="http://schemas.microsoft.com/office/drawing/2010/main" Requires="a14">
+      <mc:AlternateContent xmlns:mc="http://schemas.openxmlformats.org/markup-compatibility/2006" xmlns:a14="http://schemas.microsoft.com/office/drawing/2010/main">
+        <mc:Choice Requires="a14">
           <p:sp>
             <p:nvSpPr>
               <p:cNvPr id="9" name="Прямоугольник 8"/>
@@ -12256,7 +12865,7 @@
             </p:txBody>
           </p:sp>
         </mc:Choice>
-        <mc:Fallback>
+        <mc:Fallback xmlns="">
           <p:sp>
             <p:nvSpPr>
               <p:cNvPr id="9" name="Прямоугольник 8"/>
@@ -12374,7 +12983,7 @@
           </a:lstStyle>
           <a:p>
             <a:r>
-              <a:rPr lang="ru-RU" sz="3200" b="1" smtClean="0">
+              <a:rPr lang="ru-RU" sz="3200" b="1" dirty="0" smtClean="0">
                 <a:latin typeface="Times New Roman" panose="02020603050405020304" pitchFamily="18" charset="0"/>
                 <a:cs typeface="Times New Roman" panose="02020603050405020304" pitchFamily="18" charset="0"/>
               </a:rPr>
@@ -12387,8 +12996,8 @@
           </a:p>
         </p:txBody>
       </p:sp>
-      <mc:AlternateContent xmlns:mc="http://schemas.openxmlformats.org/markup-compatibility/2006">
-        <mc:Choice xmlns:a14="http://schemas.microsoft.com/office/drawing/2010/main" Requires="a14">
+      <mc:AlternateContent xmlns:mc="http://schemas.openxmlformats.org/markup-compatibility/2006" xmlns:a14="http://schemas.microsoft.com/office/drawing/2010/main">
+        <mc:Choice Requires="a14">
           <p:sp>
             <p:nvSpPr>
               <p:cNvPr id="6" name="Прямоугольник 5"/>
@@ -12410,6 +13019,7 @@
               </a:bodyPr>
               <a:lstStyle/>
               <a:p>
+                <a:pPr/>
                 <a14:m>
                   <m:oMathPara xmlns:m="http://schemas.openxmlformats.org/officeDocument/2006/math">
                     <m:oMathParaPr>
@@ -12419,7 +13029,7 @@
                       <m:f>
                         <m:fPr>
                           <m:ctrlPr>
-                            <a:rPr lang="ru-RU" sz="2400" smtClean="0">
+                            <a:rPr lang="ru-RU" sz="2400" i="1" smtClean="0">
                               <a:latin typeface="Cambria Math" panose="02040503050406030204" pitchFamily="18" charset="0"/>
                             </a:rPr>
                           </m:ctrlPr>
@@ -12428,7 +13038,7 @@
                           <m:sSub>
                             <m:sSubPr>
                               <m:ctrlPr>
-                                <a:rPr lang="ru-RU" sz="2400">
+                                <a:rPr lang="ru-RU" sz="2400" i="1">
                                   <a:latin typeface="Cambria Math" panose="02040503050406030204" pitchFamily="18" charset="0"/>
                                 </a:rPr>
                               </m:ctrlPr>
@@ -12775,7 +13385,7 @@
             </p:txBody>
           </p:sp>
         </mc:Choice>
-        <mc:Fallback>
+        <mc:Fallback xmlns="">
           <p:sp>
             <p:nvSpPr>
               <p:cNvPr id="6" name="Прямоугольник 5"/>
@@ -12896,8 +13506,8 @@
           </a:p>
         </p:txBody>
       </p:sp>
-      <mc:AlternateContent xmlns:mc="http://schemas.openxmlformats.org/markup-compatibility/2006">
-        <mc:Choice xmlns:a14="http://schemas.microsoft.com/office/drawing/2010/main" Requires="a14">
+      <mc:AlternateContent xmlns:mc="http://schemas.openxmlformats.org/markup-compatibility/2006" xmlns:a14="http://schemas.microsoft.com/office/drawing/2010/main">
+        <mc:Choice Requires="a14">
           <p:sp>
             <p:nvSpPr>
               <p:cNvPr id="9" name="Прямоугольник 8"/>
@@ -12919,6 +13529,7 @@
               </a:bodyPr>
               <a:lstStyle/>
               <a:p>
+                <a:pPr/>
                 <a14:m>
                   <m:oMathPara xmlns:m="http://schemas.openxmlformats.org/officeDocument/2006/math">
                     <m:oMathParaPr>
@@ -12928,7 +13539,7 @@
                       <m:sSup>
                         <m:sSupPr>
                           <m:ctrlPr>
-                            <a:rPr lang="ru-RU" sz="2400" smtClean="0">
+                            <a:rPr lang="ru-RU" sz="2400" i="1" smtClean="0">
                               <a:latin typeface="Cambria Math" panose="02040503050406030204" pitchFamily="18" charset="0"/>
                             </a:rPr>
                           </m:ctrlPr>
@@ -12937,7 +13548,7 @@
                           <m:d>
                             <m:dPr>
                               <m:ctrlPr>
-                                <a:rPr lang="ru-RU" sz="2400">
+                                <a:rPr lang="ru-RU" sz="2400" i="1">
                                   <a:latin typeface="Cambria Math" panose="02040503050406030204" pitchFamily="18" charset="0"/>
                                 </a:rPr>
                               </m:ctrlPr>
@@ -12946,7 +13557,7 @@
                               <m:f>
                                 <m:fPr>
                                   <m:ctrlPr>
-                                    <a:rPr lang="ru-RU" sz="2400">
+                                    <a:rPr lang="ru-RU" sz="2400" i="1">
                                       <a:latin typeface="Cambria Math" panose="02040503050406030204" pitchFamily="18" charset="0"/>
                                     </a:rPr>
                                   </m:ctrlPr>
@@ -12955,7 +13566,7 @@
                                   <m:sSub>
                                     <m:sSubPr>
                                       <m:ctrlPr>
-                                        <a:rPr lang="ru-RU" sz="2400">
+                                        <a:rPr lang="ru-RU" sz="2400" i="1">
                                           <a:latin typeface="Cambria Math" panose="02040503050406030204" pitchFamily="18" charset="0"/>
                                         </a:rPr>
                                       </m:ctrlPr>
@@ -13537,7 +14148,7 @@
             </p:txBody>
           </p:sp>
         </mc:Choice>
-        <mc:Fallback>
+        <mc:Fallback xmlns="">
           <p:sp>
             <p:nvSpPr>
               <p:cNvPr id="9" name="Прямоугольник 8"/>
@@ -13576,8 +14187,8 @@
           </p:sp>
         </mc:Fallback>
       </mc:AlternateContent>
-      <mc:AlternateContent xmlns:mc="http://schemas.openxmlformats.org/markup-compatibility/2006">
-        <mc:Choice xmlns:a14="http://schemas.microsoft.com/office/drawing/2010/main" Requires="a14">
+      <mc:AlternateContent xmlns:mc="http://schemas.openxmlformats.org/markup-compatibility/2006" xmlns:a14="http://schemas.microsoft.com/office/drawing/2010/main">
+        <mc:Choice Requires="a14">
           <p:sp>
             <p:nvSpPr>
               <p:cNvPr id="11" name="Прямоугольник 10"/>
@@ -13702,7 +14313,7 @@
             </p:txBody>
           </p:sp>
         </mc:Choice>
-        <mc:Fallback>
+        <mc:Fallback xmlns="">
           <p:sp>
             <p:nvSpPr>
               <p:cNvPr id="11" name="Прямоугольник 10"/>
@@ -13778,6 +14389,1247 @@
           <a:chExt cx="0" cy="0"/>
         </a:xfrm>
       </p:grpSpPr>
+      <p:sp>
+        <p:nvSpPr>
+          <p:cNvPr id="7" name="Заголовок 1"/>
+          <p:cNvSpPr txBox="1">
+            <a:spLocks/>
+          </p:cNvSpPr>
+          <p:nvPr/>
+        </p:nvSpPr>
+        <p:spPr>
+          <a:xfrm>
+            <a:off x="336001" y="261000"/>
+            <a:ext cx="5543999" cy="628072"/>
+          </a:xfrm>
+          <a:prstGeom prst="rect">
+            <a:avLst/>
+          </a:prstGeom>
+        </p:spPr>
+        <p:txBody>
+          <a:bodyPr vert="horz" lIns="91440" tIns="45720" rIns="91440" bIns="45720" rtlCol="0" anchor="ctr">
+            <a:normAutofit/>
+          </a:bodyPr>
+          <a:lstStyle>
+            <a:lvl1pPr algn="l" defTabSz="914400" rtl="0" eaLnBrk="1" latinLnBrk="0" hangingPunct="1">
+              <a:lnSpc>
+                <a:spcPct val="90000"/>
+              </a:lnSpc>
+              <a:spcBef>
+                <a:spcPct val="0"/>
+              </a:spcBef>
+              <a:buNone/>
+              <a:defRPr sz="4400" kern="1200">
+                <a:solidFill>
+                  <a:schemeClr val="tx1"/>
+                </a:solidFill>
+                <a:latin typeface="+mj-lt"/>
+                <a:ea typeface="+mj-ea"/>
+                <a:cs typeface="+mj-cs"/>
+              </a:defRPr>
+            </a:lvl1pPr>
+          </a:lstStyle>
+          <a:p>
+            <a:r>
+              <a:rPr lang="ru-RU" sz="3200" b="1" dirty="0" smtClean="0">
+                <a:latin typeface="Times New Roman" panose="02020603050405020304" pitchFamily="18" charset="0"/>
+                <a:cs typeface="Times New Roman" panose="02020603050405020304" pitchFamily="18" charset="0"/>
+              </a:rPr>
+              <a:t>Формула для захвата</a:t>
+            </a:r>
+            <a:endParaRPr lang="ru-RU" sz="3200" b="1" dirty="0">
+              <a:latin typeface="Times New Roman" panose="02020603050405020304" pitchFamily="18" charset="0"/>
+              <a:cs typeface="Times New Roman" panose="02020603050405020304" pitchFamily="18" charset="0"/>
+            </a:endParaRPr>
+          </a:p>
+        </p:txBody>
+      </p:sp>
+      <mc:AlternateContent xmlns:mc="http://schemas.openxmlformats.org/markup-compatibility/2006">
+        <mc:Choice xmlns:a14="http://schemas.microsoft.com/office/drawing/2010/main" Requires="a14">
+          <p:sp>
+            <p:nvSpPr>
+              <p:cNvPr id="9" name="Прямоугольник 8"/>
+              <p:cNvSpPr/>
+              <p:nvPr/>
+            </p:nvSpPr>
+            <p:spPr>
+              <a:xfrm>
+                <a:off x="336000" y="1053000"/>
+                <a:ext cx="7992000" cy="6869573"/>
+              </a:xfrm>
+              <a:prstGeom prst="rect">
+                <a:avLst/>
+              </a:prstGeom>
+            </p:spPr>
+            <p:txBody>
+              <a:bodyPr wrap="square">
+                <a:spAutoFit/>
+              </a:bodyPr>
+              <a:lstStyle/>
+              <a:p>
+                <a:pPr marL="342900" lvl="0" indent="-342900">
+                  <a:spcAft>
+                    <a:spcPts val="0"/>
+                  </a:spcAft>
+                  <a:buFont typeface="Symbol" panose="05050102010706020507" pitchFamily="18" charset="2"/>
+                  <a:buChar char=""/>
+                </a:pPr>
+                <a:r>
+                  <a:rPr lang="ru-RU" sz="2400" kern="1400" dirty="0" smtClean="0">
+                    <a:latin typeface="Times New Roman" panose="02020603050405020304" pitchFamily="18" charset="0"/>
+                    <a:ea typeface="Cambria" panose="02040503050406030204" pitchFamily="18" charset="0"/>
+                  </a:rPr>
+                  <a:t>Фазовая плотность ТМ</a:t>
+                </a:r>
+              </a:p>
+              <a:p>
+                <a:pPr lvl="0">
+                  <a:spcAft>
+                    <a:spcPts val="0"/>
+                  </a:spcAft>
+                </a:pPr>
+                <a14:m>
+                  <m:oMathPara xmlns:m="http://schemas.openxmlformats.org/officeDocument/2006/math">
+                    <m:oMathParaPr>
+                      <m:jc m:val="centerGroup"/>
+                    </m:oMathParaPr>
+                    <m:oMath xmlns:m="http://schemas.openxmlformats.org/officeDocument/2006/math">
+                      <m:r>
+                        <a:rPr lang="ru-RU" sz="2400" i="1">
+                          <a:latin typeface="Cambria Math" panose="02040503050406030204" pitchFamily="18" charset="0"/>
+                        </a:rPr>
+                        <m:t>𝜌</m:t>
+                      </m:r>
+                      <m:d>
+                        <m:dPr>
+                          <m:ctrlPr>
+                            <a:rPr lang="ru-RU" sz="2400" i="1">
+                              <a:latin typeface="Cambria Math" panose="02040503050406030204" pitchFamily="18" charset="0"/>
+                            </a:rPr>
+                          </m:ctrlPr>
+                        </m:dPr>
+                        <m:e>
+                          <m:r>
+                            <a:rPr lang="en-US" sz="2400" i="1">
+                              <a:latin typeface="Cambria Math" panose="02040503050406030204" pitchFamily="18" charset="0"/>
+                            </a:rPr>
+                            <m:t>𝑟</m:t>
+                          </m:r>
+                          <m:r>
+                            <a:rPr lang="en-US" sz="2400" i="1">
+                              <a:latin typeface="Cambria Math" panose="02040503050406030204" pitchFamily="18" charset="0"/>
+                            </a:rPr>
+                            <m:t>,</m:t>
+                          </m:r>
+                          <m:r>
+                            <a:rPr lang="en-US" sz="2400" i="1">
+                              <a:latin typeface="Cambria Math" panose="02040503050406030204" pitchFamily="18" charset="0"/>
+                            </a:rPr>
+                            <m:t>𝑣</m:t>
+                          </m:r>
+                          <m:r>
+                            <a:rPr lang="en-US" sz="2400" i="1">
+                              <a:latin typeface="Cambria Math" panose="02040503050406030204" pitchFamily="18" charset="0"/>
+                            </a:rPr>
+                            <m:t>,</m:t>
+                          </m:r>
+                          <m:r>
+                            <a:rPr lang="en-US" sz="2400" i="1">
+                              <a:latin typeface="Cambria Math" panose="02040503050406030204" pitchFamily="18" charset="0"/>
+                            </a:rPr>
+                            <m:t>𝐿</m:t>
+                          </m:r>
+                        </m:e>
+                      </m:d>
+                      <m:r>
+                        <a:rPr lang="ru-RU" sz="2400" i="1">
+                          <a:latin typeface="Cambria Math" panose="02040503050406030204" pitchFamily="18" charset="0"/>
+                        </a:rPr>
+                        <m:t>=</m:t>
+                      </m:r>
+                      <m:sSub>
+                        <m:sSubPr>
+                          <m:ctrlPr>
+                            <a:rPr lang="ru-RU" sz="2400" i="1">
+                              <a:latin typeface="Cambria Math" panose="02040503050406030204" pitchFamily="18" charset="0"/>
+                            </a:rPr>
+                          </m:ctrlPr>
+                        </m:sSubPr>
+                        <m:e>
+                          <m:r>
+                            <a:rPr lang="ru-RU" sz="2400" i="1">
+                              <a:latin typeface="Cambria Math" panose="02040503050406030204" pitchFamily="18" charset="0"/>
+                            </a:rPr>
+                            <m:t>𝜌</m:t>
+                          </m:r>
+                        </m:e>
+                        <m:sub>
+                          <m:r>
+                            <a:rPr lang="ru-RU" sz="2400" i="1">
+                              <a:latin typeface="Cambria Math" panose="02040503050406030204" pitchFamily="18" charset="0"/>
+                            </a:rPr>
+                            <m:t>𝑉</m:t>
+                          </m:r>
+                        </m:sub>
+                      </m:sSub>
+                      <m:r>
+                        <a:rPr lang="ru-RU" sz="2400" i="1">
+                          <a:latin typeface="Cambria Math" panose="02040503050406030204" pitchFamily="18" charset="0"/>
+                        </a:rPr>
+                        <m:t>⋅</m:t>
+                      </m:r>
+                      <m:r>
+                        <a:rPr lang="ru-RU" sz="2400" i="1">
+                          <a:latin typeface="Cambria Math" panose="02040503050406030204" pitchFamily="18" charset="0"/>
+                        </a:rPr>
+                        <m:t>𝑓</m:t>
+                      </m:r>
+                      <m:d>
+                        <m:dPr>
+                          <m:ctrlPr>
+                            <a:rPr lang="ru-RU" sz="2400" i="1">
+                              <a:latin typeface="Cambria Math" panose="02040503050406030204" pitchFamily="18" charset="0"/>
+                            </a:rPr>
+                          </m:ctrlPr>
+                        </m:dPr>
+                        <m:e>
+                          <m:rad>
+                            <m:radPr>
+                              <m:degHide m:val="on"/>
+                              <m:ctrlPr>
+                                <a:rPr lang="ru-RU" sz="2400" i="1">
+                                  <a:latin typeface="Cambria Math" panose="02040503050406030204" pitchFamily="18" charset="0"/>
+                                </a:rPr>
+                              </m:ctrlPr>
+                            </m:radPr>
+                            <m:deg/>
+                            <m:e>
+                              <m:sSup>
+                                <m:sSupPr>
+                                  <m:ctrlPr>
+                                    <a:rPr lang="ru-RU" sz="2400" i="1">
+                                      <a:latin typeface="Cambria Math" panose="02040503050406030204" pitchFamily="18" charset="0"/>
+                                    </a:rPr>
+                                  </m:ctrlPr>
+                                </m:sSupPr>
+                                <m:e>
+                                  <m:r>
+                                    <a:rPr lang="en-US" sz="2400" i="1">
+                                      <a:latin typeface="Cambria Math" panose="02040503050406030204" pitchFamily="18" charset="0"/>
+                                    </a:rPr>
+                                    <m:t>𝑣</m:t>
+                                  </m:r>
+                                </m:e>
+                                <m:sup>
+                                  <m:r>
+                                    <a:rPr lang="en-US" sz="2400" i="1">
+                                      <a:latin typeface="Cambria Math" panose="02040503050406030204" pitchFamily="18" charset="0"/>
+                                    </a:rPr>
+                                    <m:t>2</m:t>
+                                  </m:r>
+                                </m:sup>
+                              </m:sSup>
+                              <m:r>
+                                <a:rPr lang="en-US" sz="2400" i="1">
+                                  <a:latin typeface="Cambria Math" panose="02040503050406030204" pitchFamily="18" charset="0"/>
+                                </a:rPr>
+                                <m:t>−2</m:t>
+                              </m:r>
+                              <m:r>
+                                <a:rPr lang="en-US" sz="2400" i="1">
+                                  <a:latin typeface="Cambria Math" panose="02040503050406030204" pitchFamily="18" charset="0"/>
+                                </a:rPr>
+                                <m:t>𝜙</m:t>
+                              </m:r>
+                            </m:e>
+                          </m:rad>
+                        </m:e>
+                      </m:d>
+                      <m:r>
+                        <a:rPr lang="ru-RU" sz="2400" i="1">
+                          <a:latin typeface="Cambria Math" panose="02040503050406030204" pitchFamily="18" charset="0"/>
+                        </a:rPr>
+                        <m:t>=</m:t>
+                      </m:r>
+                      <m:sSub>
+                        <m:sSubPr>
+                          <m:ctrlPr>
+                            <a:rPr lang="ru-RU" sz="2400" i="1">
+                              <a:latin typeface="Cambria Math" panose="02040503050406030204" pitchFamily="18" charset="0"/>
+                            </a:rPr>
+                          </m:ctrlPr>
+                        </m:sSubPr>
+                        <m:e>
+                          <m:r>
+                            <a:rPr lang="ru-RU" sz="2400" i="1">
+                              <a:latin typeface="Cambria Math" panose="02040503050406030204" pitchFamily="18" charset="0"/>
+                            </a:rPr>
+                            <m:t>𝜌</m:t>
+                          </m:r>
+                        </m:e>
+                        <m:sub>
+                          <m:r>
+                            <a:rPr lang="ru-RU" sz="2400" i="1">
+                              <a:latin typeface="Cambria Math" panose="02040503050406030204" pitchFamily="18" charset="0"/>
+                            </a:rPr>
+                            <m:t>𝑉</m:t>
+                          </m:r>
+                        </m:sub>
+                      </m:sSub>
+                      <m:r>
+                        <a:rPr lang="ru-RU" sz="2400" i="1">
+                          <a:latin typeface="Cambria Math" panose="02040503050406030204" pitchFamily="18" charset="0"/>
+                        </a:rPr>
+                        <m:t>⋅</m:t>
+                      </m:r>
+                      <m:r>
+                        <a:rPr lang="ru-RU" sz="2400" i="1">
+                          <a:latin typeface="Cambria Math" panose="02040503050406030204" pitchFamily="18" charset="0"/>
+                        </a:rPr>
+                        <m:t>𝑓</m:t>
+                      </m:r>
+                      <m:d>
+                        <m:dPr>
+                          <m:ctrlPr>
+                            <a:rPr lang="ru-RU" sz="2400" i="1">
+                              <a:latin typeface="Cambria Math" panose="02040503050406030204" pitchFamily="18" charset="0"/>
+                            </a:rPr>
+                          </m:ctrlPr>
+                        </m:dPr>
+                        <m:e>
+                          <m:r>
+                            <a:rPr lang="en-US" sz="2400" i="1">
+                              <a:latin typeface="Cambria Math" panose="02040503050406030204" pitchFamily="18" charset="0"/>
+                            </a:rPr>
+                            <m:t>𝑢</m:t>
+                          </m:r>
+                        </m:e>
+                      </m:d>
+                    </m:oMath>
+                  </m:oMathPara>
+                </a14:m>
+                <a:endParaRPr lang="ru-RU" sz="2400" kern="1400" dirty="0" smtClean="0">
+                  <a:latin typeface="Times New Roman" panose="02020603050405020304" pitchFamily="18" charset="0"/>
+                  <a:ea typeface="Cambria" panose="02040503050406030204" pitchFamily="18" charset="0"/>
+                </a:endParaRPr>
+              </a:p>
+              <a:p>
+                <a:pPr marL="342900" lvl="0" indent="-342900">
+                  <a:spcAft>
+                    <a:spcPts val="0"/>
+                  </a:spcAft>
+                  <a:buFont typeface="Symbol" panose="05050102010706020507" pitchFamily="18" charset="2"/>
+                  <a:buChar char=""/>
+                </a:pPr>
+                <a:r>
+                  <a:rPr lang="ru-RU" sz="2400" kern="1400" dirty="0" smtClean="0">
+                    <a:latin typeface="Times New Roman" panose="02020603050405020304" pitchFamily="18" charset="0"/>
+                    <a:ea typeface="Cambria" panose="02040503050406030204" pitchFamily="18" charset="0"/>
+                  </a:rPr>
+                  <a:t>Эффективная функция распределения по скоростям из-за движения небесного тела со скоростью </a:t>
+                </a:r>
+                <a14:m>
+                  <m:oMath xmlns:m="http://schemas.openxmlformats.org/officeDocument/2006/math">
+                    <m:sSub>
+                      <m:sSubPr>
+                        <m:ctrlPr>
+                          <a:rPr lang="ru-RU" sz="2400" i="1">
+                            <a:latin typeface="Cambria Math" panose="02040503050406030204" pitchFamily="18" charset="0"/>
+                          </a:rPr>
+                        </m:ctrlPr>
+                      </m:sSubPr>
+                      <m:e>
+                        <m:r>
+                          <a:rPr lang="ru-RU" sz="2400" i="1">
+                            <a:latin typeface="Cambria Math" panose="02040503050406030204" pitchFamily="18" charset="0"/>
+                          </a:rPr>
+                          <m:t>𝑢</m:t>
+                        </m:r>
+                      </m:e>
+                      <m:sub>
+                        <m:r>
+                          <a:rPr lang="ru-RU" sz="2400" i="1">
+                            <a:latin typeface="Cambria Math" panose="02040503050406030204" pitchFamily="18" charset="0"/>
+                          </a:rPr>
+                          <m:t>0</m:t>
+                        </m:r>
+                      </m:sub>
+                    </m:sSub>
+                    <m:r>
+                      <a:rPr lang="ru-RU" sz="2400" b="0" i="1" smtClean="0">
+                        <a:latin typeface="Cambria Math" panose="02040503050406030204" pitchFamily="18" charset="0"/>
+                      </a:rPr>
+                      <m:t>=</m:t>
+                    </m:r>
+                    <m:r>
+                      <a:rPr lang="ru-RU" sz="2400" i="1"/>
+                      <m:t>230</m:t>
+                    </m:r>
+                    <m:f>
+                      <m:fPr>
+                        <m:type m:val="lin"/>
+                        <m:ctrlPr>
+                          <a:rPr lang="ru-RU" sz="2400" i="1" smtClean="0">
+                            <a:latin typeface="Cambria Math" panose="02040503050406030204" pitchFamily="18" charset="0"/>
+                          </a:rPr>
+                        </m:ctrlPr>
+                      </m:fPr>
+                      <m:num>
+                        <m:r>
+                          <a:rPr lang="ru-RU" sz="2400" b="0" i="1" smtClean="0">
+                            <a:latin typeface="Cambria Math" panose="02040503050406030204" pitchFamily="18" charset="0"/>
+                          </a:rPr>
+                          <m:t>км</m:t>
+                        </m:r>
+                      </m:num>
+                      <m:den>
+                        <m:r>
+                          <a:rPr lang="ru-RU" sz="2400" b="0" i="1" smtClean="0">
+                            <a:latin typeface="Cambria Math" panose="02040503050406030204" pitchFamily="18" charset="0"/>
+                          </a:rPr>
+                          <m:t>с</m:t>
+                        </m:r>
+                      </m:den>
+                    </m:f>
+                  </m:oMath>
+                </a14:m>
+                <a:endParaRPr lang="en-US" sz="2400" kern="1400" dirty="0" smtClean="0">
+                  <a:latin typeface="Times New Roman" panose="02020603050405020304" pitchFamily="18" charset="0"/>
+                  <a:ea typeface="Cambria" panose="02040503050406030204" pitchFamily="18" charset="0"/>
+                </a:endParaRPr>
+              </a:p>
+              <a:p>
+                <a:pPr lvl="0">
+                  <a:spcAft>
+                    <a:spcPts val="0"/>
+                  </a:spcAft>
+                </a:pPr>
+                <a14:m>
+                  <m:oMathPara xmlns:m="http://schemas.openxmlformats.org/officeDocument/2006/math">
+                    <m:oMathParaPr>
+                      <m:jc m:val="centerGroup"/>
+                    </m:oMathParaPr>
+                    <m:oMath xmlns:m="http://schemas.openxmlformats.org/officeDocument/2006/math">
+                      <m:sSub>
+                        <m:sSubPr>
+                          <m:ctrlPr>
+                            <a:rPr lang="ru-RU" sz="2400" i="1">
+                              <a:latin typeface="Cambria Math" panose="02040503050406030204" pitchFamily="18" charset="0"/>
+                            </a:rPr>
+                          </m:ctrlPr>
+                        </m:sSubPr>
+                        <m:e>
+                          <m:r>
+                            <a:rPr lang="ru-RU" sz="2400" i="1">
+                              <a:latin typeface="Cambria Math" panose="02040503050406030204" pitchFamily="18" charset="0"/>
+                            </a:rPr>
+                            <m:t>𝑓</m:t>
+                          </m:r>
+                        </m:e>
+                        <m:sub>
+                          <m:r>
+                            <a:rPr lang="ru-RU" sz="2400" i="1">
+                              <a:latin typeface="Cambria Math" panose="02040503050406030204" pitchFamily="18" charset="0"/>
+                            </a:rPr>
+                            <m:t>эфф</m:t>
+                          </m:r>
+                        </m:sub>
+                      </m:sSub>
+                      <m:d>
+                        <m:dPr>
+                          <m:ctrlPr>
+                            <a:rPr lang="ru-RU" sz="2400" i="1">
+                              <a:latin typeface="Cambria Math" panose="02040503050406030204" pitchFamily="18" charset="0"/>
+                            </a:rPr>
+                          </m:ctrlPr>
+                        </m:dPr>
+                        <m:e>
+                          <m:r>
+                            <a:rPr lang="ru-RU" sz="2400" i="1">
+                              <a:latin typeface="Cambria Math" panose="02040503050406030204" pitchFamily="18" charset="0"/>
+                            </a:rPr>
+                            <m:t>𝑢</m:t>
+                          </m:r>
+                        </m:e>
+                      </m:d>
+                      <m:r>
+                        <a:rPr lang="ru-RU" sz="2400" i="1">
+                          <a:latin typeface="Cambria Math" panose="02040503050406030204" pitchFamily="18" charset="0"/>
+                        </a:rPr>
+                        <m:t>=</m:t>
+                      </m:r>
+                      <m:nary>
+                        <m:naryPr>
+                          <m:limLoc m:val="undOvr"/>
+                          <m:ctrlPr>
+                            <a:rPr lang="ru-RU" sz="2400" i="1">
+                              <a:latin typeface="Cambria Math" panose="02040503050406030204" pitchFamily="18" charset="0"/>
+                            </a:rPr>
+                          </m:ctrlPr>
+                        </m:naryPr>
+                        <m:sub>
+                          <m:r>
+                            <a:rPr lang="ru-RU" sz="2400" i="1">
+                              <a:latin typeface="Cambria Math" panose="02040503050406030204" pitchFamily="18" charset="0"/>
+                            </a:rPr>
+                            <m:t>−1</m:t>
+                          </m:r>
+                        </m:sub>
+                        <m:sup>
+                          <m:r>
+                            <a:rPr lang="ru-RU" sz="2400" i="1">
+                              <a:latin typeface="Cambria Math" panose="02040503050406030204" pitchFamily="18" charset="0"/>
+                            </a:rPr>
+                            <m:t>1</m:t>
+                          </m:r>
+                        </m:sup>
+                        <m:e>
+                          <m:r>
+                            <a:rPr lang="ru-RU" sz="2400" i="1">
+                              <a:latin typeface="Cambria Math" panose="02040503050406030204" pitchFamily="18" charset="0"/>
+                            </a:rPr>
+                            <m:t>𝑓</m:t>
+                          </m:r>
+                          <m:d>
+                            <m:dPr>
+                              <m:ctrlPr>
+                                <a:rPr lang="ru-RU" sz="2400" i="1">
+                                  <a:latin typeface="Cambria Math" panose="02040503050406030204" pitchFamily="18" charset="0"/>
+                                </a:rPr>
+                              </m:ctrlPr>
+                            </m:dPr>
+                            <m:e>
+                              <m:sSup>
+                                <m:sSupPr>
+                                  <m:ctrlPr>
+                                    <a:rPr lang="ru-RU" sz="2400" i="1">
+                                      <a:latin typeface="Cambria Math" panose="02040503050406030204" pitchFamily="18" charset="0"/>
+                                    </a:rPr>
+                                  </m:ctrlPr>
+                                </m:sSupPr>
+                                <m:e>
+                                  <m:r>
+                                    <a:rPr lang="ru-RU" sz="2400" i="1">
+                                      <a:latin typeface="Cambria Math" panose="02040503050406030204" pitchFamily="18" charset="0"/>
+                                    </a:rPr>
+                                    <m:t>𝑢</m:t>
+                                  </m:r>
+                                </m:e>
+                                <m:sup>
+                                  <m:r>
+                                    <a:rPr lang="ru-RU" sz="2400" i="1">
+                                      <a:latin typeface="Cambria Math" panose="02040503050406030204" pitchFamily="18" charset="0"/>
+                                    </a:rPr>
+                                    <m:t>2</m:t>
+                                  </m:r>
+                                </m:sup>
+                              </m:sSup>
+                              <m:r>
+                                <a:rPr lang="ru-RU" sz="2400" i="1">
+                                  <a:latin typeface="Cambria Math" panose="02040503050406030204" pitchFamily="18" charset="0"/>
+                                </a:rPr>
+                                <m:t>+</m:t>
+                              </m:r>
+                              <m:sSubSup>
+                                <m:sSubSupPr>
+                                  <m:ctrlPr>
+                                    <a:rPr lang="ru-RU" sz="2400" i="1">
+                                      <a:latin typeface="Cambria Math" panose="02040503050406030204" pitchFamily="18" charset="0"/>
+                                    </a:rPr>
+                                  </m:ctrlPr>
+                                </m:sSubSupPr>
+                                <m:e>
+                                  <m:r>
+                                    <a:rPr lang="ru-RU" sz="2400" i="1">
+                                      <a:latin typeface="Cambria Math" panose="02040503050406030204" pitchFamily="18" charset="0"/>
+                                    </a:rPr>
+                                    <m:t>𝑢</m:t>
+                                  </m:r>
+                                </m:e>
+                                <m:sub>
+                                  <m:r>
+                                    <a:rPr lang="ru-RU" sz="2400" i="1">
+                                      <a:latin typeface="Cambria Math" panose="02040503050406030204" pitchFamily="18" charset="0"/>
+                                    </a:rPr>
+                                    <m:t>0</m:t>
+                                  </m:r>
+                                </m:sub>
+                                <m:sup>
+                                  <m:r>
+                                    <a:rPr lang="ru-RU" sz="2400" i="1">
+                                      <a:latin typeface="Cambria Math" panose="02040503050406030204" pitchFamily="18" charset="0"/>
+                                    </a:rPr>
+                                    <m:t>2</m:t>
+                                  </m:r>
+                                </m:sup>
+                              </m:sSubSup>
+                              <m:r>
+                                <a:rPr lang="ru-RU" sz="2400" i="1">
+                                  <a:latin typeface="Cambria Math" panose="02040503050406030204" pitchFamily="18" charset="0"/>
+                                </a:rPr>
+                                <m:t>−2</m:t>
+                              </m:r>
+                              <m:sSub>
+                                <m:sSubPr>
+                                  <m:ctrlPr>
+                                    <a:rPr lang="ru-RU" sz="2400" i="1">
+                                      <a:latin typeface="Cambria Math" panose="02040503050406030204" pitchFamily="18" charset="0"/>
+                                    </a:rPr>
+                                  </m:ctrlPr>
+                                </m:sSubPr>
+                                <m:e>
+                                  <m:r>
+                                    <a:rPr lang="ru-RU" sz="2400" i="1">
+                                      <a:latin typeface="Cambria Math" panose="02040503050406030204" pitchFamily="18" charset="0"/>
+                                    </a:rPr>
+                                    <m:t>𝑢</m:t>
+                                  </m:r>
+                                </m:e>
+                                <m:sub>
+                                  <m:r>
+                                    <a:rPr lang="ru-RU" sz="2400" i="1">
+                                      <a:latin typeface="Cambria Math" panose="02040503050406030204" pitchFamily="18" charset="0"/>
+                                    </a:rPr>
+                                    <m:t>0</m:t>
+                                  </m:r>
+                                </m:sub>
+                              </m:sSub>
+                              <m:r>
+                                <a:rPr lang="ru-RU" sz="2400" i="1">
+                                  <a:latin typeface="Cambria Math" panose="02040503050406030204" pitchFamily="18" charset="0"/>
+                                </a:rPr>
+                                <m:t>𝑢</m:t>
+                              </m:r>
+                              <m:r>
+                                <a:rPr lang="ru-RU" sz="2400" i="1">
+                                  <a:latin typeface="Cambria Math" panose="02040503050406030204" pitchFamily="18" charset="0"/>
+                                </a:rPr>
+                                <m:t>⋅</m:t>
+                              </m:r>
+                              <m:r>
+                                <a:rPr lang="ru-RU" sz="2400" i="1">
+                                  <a:latin typeface="Cambria Math" panose="02040503050406030204" pitchFamily="18" charset="0"/>
+                                </a:rPr>
+                                <m:t>𝑥</m:t>
+                              </m:r>
+                            </m:e>
+                          </m:d>
+                          <m:r>
+                            <a:rPr lang="ru-RU" sz="2400" i="1">
+                              <a:latin typeface="Cambria Math" panose="02040503050406030204" pitchFamily="18" charset="0"/>
+                            </a:rPr>
+                            <m:t>⋅</m:t>
+                          </m:r>
+                          <m:f>
+                            <m:fPr>
+                              <m:ctrlPr>
+                                <a:rPr lang="ru-RU" sz="2400" i="1">
+                                  <a:latin typeface="Cambria Math" panose="02040503050406030204" pitchFamily="18" charset="0"/>
+                                </a:rPr>
+                              </m:ctrlPr>
+                            </m:fPr>
+                            <m:num>
+                              <m:r>
+                                <a:rPr lang="ru-RU" sz="2400" i="1">
+                                  <a:latin typeface="Cambria Math" panose="02040503050406030204" pitchFamily="18" charset="0"/>
+                                </a:rPr>
+                                <m:t>𝑑𝑥</m:t>
+                              </m:r>
+                            </m:num>
+                            <m:den>
+                              <m:r>
+                                <a:rPr lang="ru-RU" sz="2400" i="1">
+                                  <a:latin typeface="Cambria Math" panose="02040503050406030204" pitchFamily="18" charset="0"/>
+                                </a:rPr>
+                                <m:t>2</m:t>
+                              </m:r>
+                            </m:den>
+                          </m:f>
+                        </m:e>
+                      </m:nary>
+                    </m:oMath>
+                  </m:oMathPara>
+                </a14:m>
+                <a:endParaRPr lang="en-US" sz="2400" kern="1400" dirty="0" smtClean="0">
+                  <a:latin typeface="Times New Roman" panose="02020603050405020304" pitchFamily="18" charset="0"/>
+                  <a:ea typeface="Cambria" panose="02040503050406030204" pitchFamily="18" charset="0"/>
+                </a:endParaRPr>
+              </a:p>
+              <a:p>
+                <a:pPr marL="342900" lvl="0" indent="-342900">
+                  <a:spcAft>
+                    <a:spcPts val="0"/>
+                  </a:spcAft>
+                  <a:buFont typeface="Symbol" panose="05050102010706020507" pitchFamily="18" charset="2"/>
+                  <a:buChar char=""/>
+                </a:pPr>
+                <a:r>
+                  <a:rPr lang="ru-RU" sz="2400" kern="1400" dirty="0" smtClean="0">
+                    <a:latin typeface="Times New Roman" panose="02020603050405020304" pitchFamily="18" charset="0"/>
+                    <a:ea typeface="Cambria" panose="02040503050406030204" pitchFamily="18" charset="0"/>
+                  </a:rPr>
+                  <a:t>Скорость захвата следующая</a:t>
+                </a:r>
+              </a:p>
+              <a:p>
+                <a:pPr lvl="0">
+                  <a:spcAft>
+                    <a:spcPts val="0"/>
+                  </a:spcAft>
+                </a:pPr>
+                <a14:m>
+                  <m:oMathPara xmlns:m="http://schemas.openxmlformats.org/officeDocument/2006/math">
+                    <m:oMathParaPr>
+                      <m:jc m:val="centerGroup"/>
+                    </m:oMathParaPr>
+                    <m:oMath xmlns:m="http://schemas.openxmlformats.org/officeDocument/2006/math">
+                      <m:r>
+                        <a:rPr lang="en-US" sz="2400" i="1">
+                          <a:latin typeface="Cambria Math" panose="02040503050406030204" pitchFamily="18" charset="0"/>
+                        </a:rPr>
+                        <m:t>𝐶</m:t>
+                      </m:r>
+                      <m:r>
+                        <a:rPr lang="en-US" sz="2400" i="1">
+                          <a:latin typeface="Cambria Math" panose="02040503050406030204" pitchFamily="18" charset="0"/>
+                        </a:rPr>
+                        <m:t>=</m:t>
+                      </m:r>
+                      <m:sSub>
+                        <m:sSubPr>
+                          <m:ctrlPr>
+                            <a:rPr lang="ru-RU" sz="2400" i="1">
+                              <a:latin typeface="Cambria Math" panose="02040503050406030204" pitchFamily="18" charset="0"/>
+                            </a:rPr>
+                          </m:ctrlPr>
+                        </m:sSubPr>
+                        <m:e>
+                          <m:r>
+                            <a:rPr lang="en-US" sz="2400" i="1">
+                              <a:latin typeface="Cambria Math" panose="02040503050406030204" pitchFamily="18" charset="0"/>
+                            </a:rPr>
+                            <m:t>𝜌</m:t>
+                          </m:r>
+                        </m:e>
+                        <m:sub>
+                          <m:r>
+                            <a:rPr lang="en-US" sz="2400" i="1">
+                              <a:latin typeface="Cambria Math" panose="02040503050406030204" pitchFamily="18" charset="0"/>
+                            </a:rPr>
+                            <m:t>𝑉</m:t>
+                          </m:r>
+                        </m:sub>
+                      </m:sSub>
+                      <m:nary>
+                        <m:naryPr>
+                          <m:limLoc m:val="undOvr"/>
+                          <m:subHide m:val="on"/>
+                          <m:supHide m:val="on"/>
+                          <m:ctrlPr>
+                            <a:rPr lang="ru-RU" sz="2400" i="1">
+                              <a:latin typeface="Cambria Math" panose="02040503050406030204" pitchFamily="18" charset="0"/>
+                            </a:rPr>
+                          </m:ctrlPr>
+                        </m:naryPr>
+                        <m:sub/>
+                        <m:sup/>
+                        <m:e>
+                          <m:r>
+                            <a:rPr lang="en-US" sz="2400" i="1">
+                              <a:latin typeface="Cambria Math" panose="02040503050406030204" pitchFamily="18" charset="0"/>
+                            </a:rPr>
+                            <m:t>𝑑𝑉𝑓</m:t>
+                          </m:r>
+                          <m:d>
+                            <m:dPr>
+                              <m:ctrlPr>
+                                <a:rPr lang="ru-RU" sz="2400" i="1">
+                                  <a:latin typeface="Cambria Math" panose="02040503050406030204" pitchFamily="18" charset="0"/>
+                                </a:rPr>
+                              </m:ctrlPr>
+                            </m:dPr>
+                            <m:e>
+                              <m:r>
+                                <a:rPr lang="en-US" sz="2400" i="1">
+                                  <a:latin typeface="Cambria Math" panose="02040503050406030204" pitchFamily="18" charset="0"/>
+                                </a:rPr>
+                                <m:t>𝑢</m:t>
+                              </m:r>
+                            </m:e>
+                          </m:d>
+                          <m:r>
+                            <a:rPr lang="en-US" sz="2400" i="1">
+                              <a:latin typeface="Cambria Math" panose="02040503050406030204" pitchFamily="18" charset="0"/>
+                            </a:rPr>
+                            <m:t>⋅</m:t>
+                          </m:r>
+                          <m:sSubSup>
+                            <m:sSubSupPr>
+                              <m:ctrlPr>
+                                <a:rPr lang="ru-RU" sz="2400" i="1">
+                                  <a:latin typeface="Cambria Math" panose="02040503050406030204" pitchFamily="18" charset="0"/>
+                                </a:rPr>
+                              </m:ctrlPr>
+                            </m:sSubSupPr>
+                            <m:e>
+                              <m:r>
+                                <a:rPr lang="en-US" sz="2400" i="1">
+                                  <a:latin typeface="Cambria Math" panose="02040503050406030204" pitchFamily="18" charset="0"/>
+                                </a:rPr>
+                                <m:t>𝜎</m:t>
+                              </m:r>
+                            </m:e>
+                            <m:sub>
+                              <m:r>
+                                <a:rPr lang="en-US" sz="2400" i="1">
+                                  <a:latin typeface="Cambria Math" panose="02040503050406030204" pitchFamily="18" charset="0"/>
+                                </a:rPr>
+                                <m:t>𝑐</m:t>
+                              </m:r>
+                            </m:sub>
+                            <m:sup>
+                              <m:r>
+                                <a:rPr lang="en-US" sz="2400" i="1">
+                                  <a:latin typeface="Cambria Math" panose="02040503050406030204" pitchFamily="18" charset="0"/>
+                                </a:rPr>
+                                <m:t>𝑖</m:t>
+                              </m:r>
+                            </m:sup>
+                          </m:sSubSup>
+                          <m:sSub>
+                            <m:sSubPr>
+                              <m:ctrlPr>
+                                <a:rPr lang="ru-RU" sz="2400" i="1">
+                                  <a:latin typeface="Cambria Math" panose="02040503050406030204" pitchFamily="18" charset="0"/>
+                                </a:rPr>
+                              </m:ctrlPr>
+                            </m:sSubPr>
+                            <m:e>
+                              <m:r>
+                                <a:rPr lang="en-US" sz="2400" i="1">
+                                  <a:latin typeface="Cambria Math" panose="02040503050406030204" pitchFamily="18" charset="0"/>
+                                </a:rPr>
+                                <m:t>𝑛</m:t>
+                              </m:r>
+                            </m:e>
+                            <m:sub>
+                              <m:r>
+                                <a:rPr lang="en-US" sz="2400" i="1">
+                                  <a:latin typeface="Cambria Math" panose="02040503050406030204" pitchFamily="18" charset="0"/>
+                                </a:rPr>
+                                <m:t>𝑖</m:t>
+                              </m:r>
+                            </m:sub>
+                          </m:sSub>
+                          <m:sSup>
+                            <m:sSupPr>
+                              <m:ctrlPr>
+                                <a:rPr lang="ru-RU" sz="2400" i="1">
+                                  <a:latin typeface="Cambria Math" panose="02040503050406030204" pitchFamily="18" charset="0"/>
+                                </a:rPr>
+                              </m:ctrlPr>
+                            </m:sSupPr>
+                            <m:e>
+                              <m:r>
+                                <a:rPr lang="en-US" sz="2400" i="1">
+                                  <a:latin typeface="Cambria Math" panose="02040503050406030204" pitchFamily="18" charset="0"/>
+                                </a:rPr>
+                                <m:t>𝑣</m:t>
+                              </m:r>
+                            </m:e>
+                            <m:sup>
+                              <m:r>
+                                <a:rPr lang="en-US" sz="2400" i="1">
+                                  <a:latin typeface="Cambria Math" panose="02040503050406030204" pitchFamily="18" charset="0"/>
+                                </a:rPr>
+                                <m:t>2</m:t>
+                              </m:r>
+                            </m:sup>
+                          </m:sSup>
+                          <m:r>
+                            <a:rPr lang="en-US" sz="2400" i="1">
+                              <a:latin typeface="Cambria Math" panose="02040503050406030204" pitchFamily="18" charset="0"/>
+                            </a:rPr>
+                            <m:t>⋅4</m:t>
+                          </m:r>
+                          <m:r>
+                            <a:rPr lang="en-US" sz="2400" i="1">
+                              <a:latin typeface="Cambria Math" panose="02040503050406030204" pitchFamily="18" charset="0"/>
+                            </a:rPr>
+                            <m:t>𝜋</m:t>
+                          </m:r>
+                          <m:r>
+                            <a:rPr lang="en-US" sz="2400" i="1">
+                              <a:latin typeface="Cambria Math" panose="02040503050406030204" pitchFamily="18" charset="0"/>
+                            </a:rPr>
+                            <m:t>𝑢𝑑𝑢</m:t>
+                          </m:r>
+                        </m:e>
+                      </m:nary>
+                    </m:oMath>
+                  </m:oMathPara>
+                </a14:m>
+                <a:endParaRPr lang="ru-RU" sz="2400" kern="1400" dirty="0" smtClean="0">
+                  <a:latin typeface="Times New Roman" panose="02020603050405020304" pitchFamily="18" charset="0"/>
+                  <a:ea typeface="Cambria" panose="02040503050406030204" pitchFamily="18" charset="0"/>
+                </a:endParaRPr>
+              </a:p>
+              <a:p>
+                <a:pPr marL="342900" indent="-342900">
+                  <a:buFont typeface="Symbol" panose="05050102010706020507" pitchFamily="18" charset="2"/>
+                  <a:buChar char=""/>
+                </a:pPr>
+                <a:r>
+                  <a:rPr lang="ru-RU" sz="2400" kern="1400" dirty="0" smtClean="0">
+                    <a:latin typeface="Times New Roman" panose="02020603050405020304" pitchFamily="18" charset="0"/>
+                    <a:ea typeface="Cambria" panose="02040503050406030204" pitchFamily="18" charset="0"/>
+                  </a:rPr>
+                  <a:t>Ответ выразим через полное упругое сечение на нуклоне </a:t>
+                </a:r>
+                <a14:m>
+                  <m:oMath xmlns:m="http://schemas.openxmlformats.org/officeDocument/2006/math">
+                    <m:sSub>
+                      <m:sSubPr>
+                        <m:ctrlPr>
+                          <a:rPr lang="ru-RU" sz="2400" i="1">
+                            <a:latin typeface="Cambria Math" panose="02040503050406030204" pitchFamily="18" charset="0"/>
+                          </a:rPr>
+                        </m:ctrlPr>
+                      </m:sSubPr>
+                      <m:e>
+                        <m:r>
+                          <a:rPr lang="ru-RU" sz="2400" i="1">
+                            <a:latin typeface="Cambria Math" panose="02040503050406030204" pitchFamily="18" charset="0"/>
+                          </a:rPr>
+                          <m:t>𝜎</m:t>
+                        </m:r>
+                      </m:e>
+                      <m:sub>
+                        <m:r>
+                          <a:rPr lang="ru-RU" sz="2400" i="1">
+                            <a:latin typeface="Cambria Math" panose="02040503050406030204" pitchFamily="18" charset="0"/>
+                          </a:rPr>
+                          <m:t>0</m:t>
+                        </m:r>
+                        <m:r>
+                          <a:rPr lang="ru-RU" sz="2400" i="1">
+                            <a:latin typeface="Cambria Math" panose="02040503050406030204" pitchFamily="18" charset="0"/>
+                          </a:rPr>
+                          <m:t>𝑁</m:t>
+                        </m:r>
+                      </m:sub>
+                    </m:sSub>
+                  </m:oMath>
+                </a14:m>
+                <a:r>
+                  <a:rPr lang="ru-RU" sz="2400" kern="1400" dirty="0" smtClean="0">
+                    <a:latin typeface="Times New Roman" panose="02020603050405020304" pitchFamily="18" charset="0"/>
+                    <a:ea typeface="Cambria" panose="02040503050406030204" pitchFamily="18" charset="0"/>
+                  </a:rPr>
+                  <a:t> при скорости ТМ в СЦМ </a:t>
+                </a:r>
+                <a14:m>
+                  <m:oMath xmlns:m="http://schemas.openxmlformats.org/officeDocument/2006/math">
+                    <m:sSub>
+                      <m:sSubPr>
+                        <m:ctrlPr>
+                          <a:rPr lang="ru-RU" sz="2400" i="1">
+                            <a:latin typeface="Cambria Math" panose="02040503050406030204" pitchFamily="18" charset="0"/>
+                          </a:rPr>
+                        </m:ctrlPr>
+                      </m:sSubPr>
+                      <m:e>
+                        <m:r>
+                          <a:rPr lang="ru-RU" sz="2400" i="1">
+                            <a:latin typeface="Cambria Math" panose="02040503050406030204" pitchFamily="18" charset="0"/>
+                          </a:rPr>
+                          <m:t>𝑢</m:t>
+                        </m:r>
+                      </m:e>
+                      <m:sub>
+                        <m:r>
+                          <a:rPr lang="ru-RU" sz="2400" i="1">
+                            <a:latin typeface="Cambria Math" panose="02040503050406030204" pitchFamily="18" charset="0"/>
+                          </a:rPr>
+                          <m:t>0</m:t>
+                        </m:r>
+                      </m:sub>
+                    </m:sSub>
+                  </m:oMath>
+                </a14:m>
+                <a:r>
+                  <a:rPr lang="ru-RU" sz="2400" kern="1400" dirty="0" smtClean="0">
+                    <a:latin typeface="Times New Roman" panose="02020603050405020304" pitchFamily="18" charset="0"/>
+                    <a:ea typeface="Cambria" panose="02040503050406030204" pitchFamily="18" charset="0"/>
+                  </a:rPr>
+                  <a:t> и фактор </a:t>
+                </a:r>
+                <a14:m>
+                  <m:oMath xmlns:m="http://schemas.openxmlformats.org/officeDocument/2006/math">
+                    <m:r>
+                      <a:rPr lang="en-US" sz="2400" i="1">
+                        <a:latin typeface="Cambria Math" panose="02040503050406030204" pitchFamily="18" charset="0"/>
+                      </a:rPr>
+                      <m:t>𝑃</m:t>
+                    </m:r>
+                  </m:oMath>
+                </a14:m>
+                <a:endParaRPr lang="ru-RU" sz="2400" kern="1400" dirty="0" smtClean="0">
+                  <a:latin typeface="Times New Roman" panose="02020603050405020304" pitchFamily="18" charset="0"/>
+                  <a:ea typeface="Cambria" panose="02040503050406030204" pitchFamily="18" charset="0"/>
+                </a:endParaRPr>
+              </a:p>
+              <a:p>
+                <a:pPr lvl="0">
+                  <a:spcAft>
+                    <a:spcPts val="0"/>
+                  </a:spcAft>
+                </a:pPr>
+                <a14:m>
+                  <m:oMathPara xmlns:m="http://schemas.openxmlformats.org/officeDocument/2006/math">
+                    <m:oMathParaPr>
+                      <m:jc m:val="centerGroup"/>
+                    </m:oMathParaPr>
+                    <m:oMath xmlns:m="http://schemas.openxmlformats.org/officeDocument/2006/math">
+                      <m:r>
+                        <a:rPr lang="en-US" sz="2400" i="1"/>
+                        <m:t>𝐶</m:t>
+                      </m:r>
+                      <m:r>
+                        <a:rPr lang="en-US" sz="2400" i="1"/>
+                        <m:t>=</m:t>
+                      </m:r>
+                      <m:sSub>
+                        <m:sSubPr>
+                          <m:ctrlPr>
+                            <a:rPr lang="ru-RU" sz="2400" i="1"/>
+                          </m:ctrlPr>
+                        </m:sSubPr>
+                        <m:e>
+                          <m:r>
+                            <a:rPr lang="ru-RU" sz="2400" i="1"/>
+                            <m:t>𝜎</m:t>
+                          </m:r>
+                        </m:e>
+                        <m:sub>
+                          <m:r>
+                            <a:rPr lang="ru-RU" sz="2400" i="1"/>
+                            <m:t>0</m:t>
+                          </m:r>
+                          <m:r>
+                            <a:rPr lang="ru-RU" sz="2400" i="1"/>
+                            <m:t>𝑁</m:t>
+                          </m:r>
+                        </m:sub>
+                      </m:sSub>
+                      <m:r>
+                        <a:rPr lang="ru-RU" sz="2400" i="1"/>
+                        <m:t>⋅</m:t>
+                      </m:r>
+                      <m:d>
+                        <m:dPr>
+                          <m:begChr m:val="["/>
+                          <m:endChr m:val="]"/>
+                          <m:ctrlPr>
+                            <a:rPr lang="ru-RU" sz="2400" i="1"/>
+                          </m:ctrlPr>
+                        </m:dPr>
+                        <m:e>
+                          <m:sSub>
+                            <m:sSubPr>
+                              <m:ctrlPr>
+                                <a:rPr lang="ru-RU" sz="2400" i="1"/>
+                              </m:ctrlPr>
+                            </m:sSubPr>
+                            <m:e>
+                              <m:r>
+                                <a:rPr lang="en-US" sz="2400" i="1"/>
+                                <m:t>𝜌</m:t>
+                              </m:r>
+                            </m:e>
+                            <m:sub>
+                              <m:r>
+                                <a:rPr lang="en-US" sz="2400" i="1"/>
+                                <m:t>0.4ГэВ</m:t>
+                              </m:r>
+                            </m:sub>
+                          </m:sSub>
+                          <m:r>
+                            <a:rPr lang="ru-RU" sz="2400" i="1"/>
+                            <m:t>⋅</m:t>
+                          </m:r>
+                          <m:f>
+                            <m:fPr>
+                              <m:ctrlPr>
+                                <a:rPr lang="ru-RU" sz="2400" i="1"/>
+                              </m:ctrlPr>
+                            </m:fPr>
+                            <m:num>
+                              <m:r>
+                                <a:rPr lang="en-US" sz="2400" i="1"/>
+                                <m:t>𝑀</m:t>
+                              </m:r>
+                            </m:num>
+                            <m:den>
+                              <m:sSub>
+                                <m:sSubPr>
+                                  <m:ctrlPr>
+                                    <a:rPr lang="ru-RU" sz="2400" i="1"/>
+                                  </m:ctrlPr>
+                                </m:sSubPr>
+                                <m:e>
+                                  <m:r>
+                                    <a:rPr lang="ru-RU" sz="2400" i="1"/>
+                                    <m:t>𝑚</m:t>
+                                  </m:r>
+                                </m:e>
+                                <m:sub>
+                                  <m:r>
+                                    <a:rPr lang="ru-RU" sz="2400" i="1"/>
+                                    <m:t>𝑁</m:t>
+                                  </m:r>
+                                </m:sub>
+                              </m:sSub>
+                            </m:den>
+                          </m:f>
+                          <m:r>
+                            <a:rPr lang="en-US" sz="2400" i="1"/>
+                            <m:t>⋅</m:t>
+                          </m:r>
+                          <m:sSub>
+                            <m:sSubPr>
+                              <m:ctrlPr>
+                                <a:rPr lang="ru-RU" sz="2400" i="1"/>
+                              </m:ctrlPr>
+                            </m:sSubPr>
+                            <m:e>
+                              <m:r>
+                                <a:rPr lang="en-US" sz="2400" i="1"/>
+                                <m:t>𝑢</m:t>
+                              </m:r>
+                            </m:e>
+                            <m:sub>
+                              <m:r>
+                                <a:rPr lang="en-US" sz="2400" i="1"/>
+                                <m:t>0</m:t>
+                              </m:r>
+                            </m:sub>
+                          </m:sSub>
+                        </m:e>
+                      </m:d>
+                      <m:r>
+                        <a:rPr lang="en-US" sz="2400" i="1"/>
+                        <m:t>⋅</m:t>
+                      </m:r>
+                      <m:r>
+                        <a:rPr lang="en-US" sz="2400" i="1"/>
+                        <m:t>𝑃</m:t>
+                      </m:r>
+                    </m:oMath>
+                  </m:oMathPara>
+                </a14:m>
+                <a:endParaRPr lang="ru-RU" sz="2400" kern="1400" dirty="0" smtClean="0">
+                  <a:latin typeface="Times New Roman" panose="02020603050405020304" pitchFamily="18" charset="0"/>
+                  <a:ea typeface="Cambria" panose="02040503050406030204" pitchFamily="18" charset="0"/>
+                </a:endParaRPr>
+              </a:p>
+              <a:p>
+                <a:pPr lvl="0">
+                  <a:spcAft>
+                    <a:spcPts val="0"/>
+                  </a:spcAft>
+                </a:pPr>
+                <a:endParaRPr lang="ru-RU" sz="2400" i="1" dirty="0" smtClean="0">
+                  <a:latin typeface="Cambria Math" panose="02040503050406030204" pitchFamily="18" charset="0"/>
+                </a:endParaRPr>
+              </a:p>
+              <a:p>
+                <a:pPr lvl="0">
+                  <a:spcAft>
+                    <a:spcPts val="0"/>
+                  </a:spcAft>
+                </a:pPr>
+                <a:endParaRPr lang="ru-RU" sz="2400" i="1" dirty="0" smtClean="0">
+                  <a:latin typeface="Cambria Math" panose="02040503050406030204" pitchFamily="18" charset="0"/>
+                </a:endParaRPr>
+              </a:p>
+              <a:p>
+                <a:pPr lvl="0">
+                  <a:spcAft>
+                    <a:spcPts val="0"/>
+                  </a:spcAft>
+                </a:pPr>
+                <a:endParaRPr lang="ru-RU" sz="2400" kern="1400" dirty="0" smtClean="0">
+                  <a:latin typeface="Times New Roman" panose="02020603050405020304" pitchFamily="18" charset="0"/>
+                  <a:ea typeface="Cambria" panose="02040503050406030204" pitchFamily="18" charset="0"/>
+                </a:endParaRPr>
+              </a:p>
+            </p:txBody>
+          </p:sp>
+        </mc:Choice>
+        <mc:Fallback>
+          <p:sp>
+            <p:nvSpPr>
+              <p:cNvPr id="9" name="Прямоугольник 8"/>
+              <p:cNvSpPr>
+                <a:spLocks noRot="1" noChangeAspect="1" noMove="1" noResize="1" noEditPoints="1" noAdjustHandles="1" noChangeArrowheads="1" noChangeShapeType="1" noTextEdit="1"/>
+              </p:cNvSpPr>
+              <p:nvPr/>
+            </p:nvSpPr>
+            <p:spPr>
+              <a:xfrm>
+                <a:off x="336000" y="1053000"/>
+                <a:ext cx="7992000" cy="6869573"/>
+              </a:xfrm>
+              <a:prstGeom prst="rect">
+                <a:avLst/>
+              </a:prstGeom>
+              <a:blipFill>
+                <a:blip r:embed="rId2"/>
+                <a:stretch>
+                  <a:fillRect l="-1220" t="-976" r="-4958"/>
+                </a:stretch>
+              </a:blipFill>
+            </p:spPr>
+            <p:txBody>
+              <a:bodyPr/>
+              <a:lstStyle/>
+              <a:p>
+                <a:r>
+                  <a:rPr lang="ru-RU">
+                    <a:noFill/>
+                  </a:rPr>
+                  <a:t> </a:t>
+                </a:r>
+              </a:p>
+            </p:txBody>
+          </p:sp>
+        </mc:Fallback>
+      </mc:AlternateContent>
+      <p:pic>
+        <p:nvPicPr>
+          <p:cNvPr id="11" name="Рисунок 10"/>
+          <p:cNvPicPr>
+            <a:picLocks noChangeAspect="1"/>
+          </p:cNvPicPr>
+          <p:nvPr/>
+        </p:nvPicPr>
+        <p:blipFill>
+          <a:blip r:embed="rId3"/>
+          <a:stretch>
+            <a:fillRect/>
+          </a:stretch>
+        </p:blipFill>
+        <p:spPr>
+          <a:xfrm>
+            <a:off x="8544000" y="549000"/>
+            <a:ext cx="3311605" cy="5759503"/>
+          </a:xfrm>
+          <a:prstGeom prst="rect">
+            <a:avLst/>
+          </a:prstGeom>
+        </p:spPr>
+      </p:pic>
     </p:spTree>
     <p:extLst>
       <p:ext uri="{BB962C8B-B14F-4D97-AF65-F5344CB8AC3E}">
@@ -13795,6 +15647,91 @@
       </p:par>
     </p:tnLst>
   </p:timing>
+</p:sld>
+</file>
+
+<file path=ppt/slides/slide9.xml><?xml version="1.0" encoding="utf-8"?>
+<p:sld xmlns:a="http://schemas.openxmlformats.org/drawingml/2006/main" xmlns:r="http://schemas.openxmlformats.org/officeDocument/2006/relationships" xmlns:p="http://schemas.openxmlformats.org/presentationml/2006/main">
+  <p:cSld>
+    <p:spTree>
+      <p:nvGrpSpPr>
+        <p:cNvPr id="1" name=""/>
+        <p:cNvGrpSpPr/>
+        <p:nvPr/>
+      </p:nvGrpSpPr>
+      <p:grpSpPr>
+        <a:xfrm>
+          <a:off x="0" y="0"/>
+          <a:ext cx="0" cy="0"/>
+          <a:chOff x="0" y="0"/>
+          <a:chExt cx="0" cy="0"/>
+        </a:xfrm>
+      </p:grpSpPr>
+      <p:sp>
+        <p:nvSpPr>
+          <p:cNvPr id="4" name="Заголовок 1"/>
+          <p:cNvSpPr txBox="1">
+            <a:spLocks/>
+          </p:cNvSpPr>
+          <p:nvPr/>
+        </p:nvSpPr>
+        <p:spPr>
+          <a:xfrm>
+            <a:off x="336001" y="261000"/>
+            <a:ext cx="5543999" cy="628072"/>
+          </a:xfrm>
+          <a:prstGeom prst="rect">
+            <a:avLst/>
+          </a:prstGeom>
+        </p:spPr>
+        <p:txBody>
+          <a:bodyPr vert="horz" lIns="91440" tIns="45720" rIns="91440" bIns="45720" rtlCol="0" anchor="ctr">
+            <a:normAutofit/>
+          </a:bodyPr>
+          <a:lstStyle>
+            <a:lvl1pPr algn="l" defTabSz="914400" rtl="0" eaLnBrk="1" latinLnBrk="0" hangingPunct="1">
+              <a:lnSpc>
+                <a:spcPct val="90000"/>
+              </a:lnSpc>
+              <a:spcBef>
+                <a:spcPct val="0"/>
+              </a:spcBef>
+              <a:buNone/>
+              <a:defRPr sz="4400" kern="1200">
+                <a:solidFill>
+                  <a:schemeClr val="tx1"/>
+                </a:solidFill>
+                <a:latin typeface="+mj-lt"/>
+                <a:ea typeface="+mj-ea"/>
+                <a:cs typeface="+mj-cs"/>
+              </a:defRPr>
+            </a:lvl1pPr>
+          </a:lstStyle>
+          <a:p>
+            <a:r>
+              <a:rPr lang="ru-RU" sz="3200" b="1" dirty="0" smtClean="0">
+                <a:latin typeface="Times New Roman" panose="02020603050405020304" pitchFamily="18" charset="0"/>
+                <a:cs typeface="Times New Roman" panose="02020603050405020304" pitchFamily="18" charset="0"/>
+              </a:rPr>
+              <a:t>Инфракрасная расходимость </a:t>
+            </a:r>
+            <a:endParaRPr lang="ru-RU" sz="3200" b="1" dirty="0">
+              <a:latin typeface="Times New Roman" panose="02020603050405020304" pitchFamily="18" charset="0"/>
+              <a:cs typeface="Times New Roman" panose="02020603050405020304" pitchFamily="18" charset="0"/>
+            </a:endParaRPr>
+          </a:p>
+        </p:txBody>
+      </p:sp>
+    </p:spTree>
+    <p:extLst>
+      <p:ext uri="{BB962C8B-B14F-4D97-AF65-F5344CB8AC3E}">
+        <p14:creationId xmlns:p14="http://schemas.microsoft.com/office/powerpoint/2010/main" val="1403891053"/>
+      </p:ext>
+    </p:extLst>
+  </p:cSld>
+  <p:clrMapOvr>
+    <a:masterClrMapping/>
+  </p:clrMapOvr>
 </p:sld>
 </file>
 

--- a/Work/Work.pptx
+++ b/Work/Work.pptx
@@ -14,6 +14,7 @@
     <p:sldId id="262" r:id="rId8"/>
     <p:sldId id="263" r:id="rId9"/>
     <p:sldId id="264" r:id="rId10"/>
+    <p:sldId id="265" r:id="rId11"/>
   </p:sldIdLst>
   <p:sldSz cx="12192000" cy="6858000"/>
   <p:notesSz cx="6858000" cy="9144000"/>
@@ -3042,6 +3043,36 @@
 </p:sld>
 </file>
 
+<file path=ppt/slides/slide10.xml><?xml version="1.0" encoding="utf-8"?>
+<p:sld xmlns:a="http://schemas.openxmlformats.org/drawingml/2006/main" xmlns:r="http://schemas.openxmlformats.org/officeDocument/2006/relationships" xmlns:p="http://schemas.openxmlformats.org/presentationml/2006/main">
+  <p:cSld>
+    <p:spTree>
+      <p:nvGrpSpPr>
+        <p:cNvPr id="1" name=""/>
+        <p:cNvGrpSpPr/>
+        <p:nvPr/>
+      </p:nvGrpSpPr>
+      <p:grpSpPr>
+        <a:xfrm>
+          <a:off x="0" y="0"/>
+          <a:ext cx="0" cy="0"/>
+          <a:chOff x="0" y="0"/>
+          <a:chExt cx="0" cy="0"/>
+        </a:xfrm>
+      </p:grpSpPr>
+    </p:spTree>
+    <p:extLst>
+      <p:ext uri="{BB962C8B-B14F-4D97-AF65-F5344CB8AC3E}">
+        <p14:creationId xmlns:p14="http://schemas.microsoft.com/office/powerpoint/2010/main" val="3973603059"/>
+      </p:ext>
+    </p:extLst>
+  </p:cSld>
+  <p:clrMapOvr>
+    <a:masterClrMapping/>
+  </p:clrMapOvr>
+</p:sld>
+</file>
+
 <file path=ppt/slides/slide2.xml><?xml version="1.0" encoding="utf-8"?>
 <p:sld xmlns:a="http://schemas.openxmlformats.org/drawingml/2006/main" xmlns:r="http://schemas.openxmlformats.org/officeDocument/2006/relationships" xmlns:p="http://schemas.openxmlformats.org/presentationml/2006/main">
   <p:cSld>
@@ -9439,8 +9470,8 @@
           </p:graphicFrame>
         </mc:Fallback>
       </mc:AlternateContent>
-      <mc:AlternateContent xmlns:mc="http://schemas.openxmlformats.org/markup-compatibility/2006">
-        <mc:Choice xmlns:a14="http://schemas.microsoft.com/office/drawing/2010/main" Requires="a14">
+      <mc:AlternateContent xmlns:mc="http://schemas.openxmlformats.org/markup-compatibility/2006" xmlns:a14="http://schemas.microsoft.com/office/drawing/2010/main">
+        <mc:Choice Requires="a14">
           <p:sp>
             <p:nvSpPr>
               <p:cNvPr id="6" name="Прямоугольник 5"/>
@@ -9599,7 +9630,7 @@
             </p:txBody>
           </p:sp>
         </mc:Choice>
-        <mc:Fallback>
+        <mc:Fallback xmlns="">
           <p:sp>
             <p:nvSpPr>
               <p:cNvPr id="6" name="Прямоугольник 5"/>
@@ -9949,8 +9980,8 @@
           </p:sp>
         </mc:Fallback>
       </mc:AlternateContent>
-      <mc:AlternateContent xmlns:mc="http://schemas.openxmlformats.org/markup-compatibility/2006">
-        <mc:Choice xmlns:a14="http://schemas.microsoft.com/office/drawing/2010/main" Requires="a14">
+      <mc:AlternateContent xmlns:mc="http://schemas.openxmlformats.org/markup-compatibility/2006" xmlns:a14="http://schemas.microsoft.com/office/drawing/2010/main">
+        <mc:Choice Requires="a14">
           <p:sp>
             <p:nvSpPr>
               <p:cNvPr id="7" name="Прямоугольник 6"/>
@@ -10150,7 +10181,7 @@
             </p:txBody>
           </p:sp>
         </mc:Choice>
-        <mc:Fallback>
+        <mc:Fallback xmlns="">
           <p:sp>
             <p:nvSpPr>
               <p:cNvPr id="7" name="Прямоугольник 6"/>
@@ -10305,8 +10336,8 @@
           </a:prstGeom>
         </p:spPr>
       </p:pic>
-      <mc:AlternateContent xmlns:mc="http://schemas.openxmlformats.org/markup-compatibility/2006">
-        <mc:Choice xmlns:a14="http://schemas.microsoft.com/office/drawing/2010/main" Requires="a14">
+      <mc:AlternateContent xmlns:mc="http://schemas.openxmlformats.org/markup-compatibility/2006" xmlns:a14="http://schemas.microsoft.com/office/drawing/2010/main">
+        <mc:Choice Requires="a14">
           <p:sp>
             <p:nvSpPr>
               <p:cNvPr id="86" name="Прямоугольник 85"/>
@@ -10735,7 +10766,7 @@
             </p:txBody>
           </p:sp>
         </mc:Choice>
-        <mc:Fallback>
+        <mc:Fallback xmlns="">
           <p:sp>
             <p:nvSpPr>
               <p:cNvPr id="86" name="Прямоугольник 85"/>
@@ -10774,8 +10805,8 @@
           </p:sp>
         </mc:Fallback>
       </mc:AlternateContent>
-      <mc:AlternateContent xmlns:mc="http://schemas.openxmlformats.org/markup-compatibility/2006">
-        <mc:Choice xmlns:a14="http://schemas.microsoft.com/office/drawing/2010/main" Requires="a14">
+      <mc:AlternateContent xmlns:mc="http://schemas.openxmlformats.org/markup-compatibility/2006" xmlns:a14="http://schemas.microsoft.com/office/drawing/2010/main">
+        <mc:Choice Requires="a14">
           <p:sp>
             <p:nvSpPr>
               <p:cNvPr id="88" name="Прямоугольник 87"/>
@@ -11266,7 +11297,7 @@
             </p:txBody>
           </p:sp>
         </mc:Choice>
-        <mc:Fallback>
+        <mc:Fallback xmlns="">
           <p:sp>
             <p:nvSpPr>
               <p:cNvPr id="88" name="Прямоугольник 87"/>
@@ -11305,8 +11336,8 @@
           </p:sp>
         </mc:Fallback>
       </mc:AlternateContent>
-      <mc:AlternateContent xmlns:mc="http://schemas.openxmlformats.org/markup-compatibility/2006">
-        <mc:Choice xmlns:a14="http://schemas.microsoft.com/office/drawing/2010/main" Requires="a14">
+      <mc:AlternateContent xmlns:mc="http://schemas.openxmlformats.org/markup-compatibility/2006" xmlns:a14="http://schemas.microsoft.com/office/drawing/2010/main">
+        <mc:Choice Requires="a14">
           <p:sp>
             <p:nvSpPr>
               <p:cNvPr id="89" name="Прямоугольник 88"/>
@@ -11696,7 +11727,7 @@
             </p:txBody>
           </p:sp>
         </mc:Choice>
-        <mc:Fallback>
+        <mc:Fallback xmlns="">
           <p:sp>
             <p:nvSpPr>
               <p:cNvPr id="89" name="Прямоугольник 88"/>
@@ -14444,8 +14475,8 @@
           </a:p>
         </p:txBody>
       </p:sp>
-      <mc:AlternateContent xmlns:mc="http://schemas.openxmlformats.org/markup-compatibility/2006">
-        <mc:Choice xmlns:a14="http://schemas.microsoft.com/office/drawing/2010/main" Requires="a14">
+      <mc:AlternateContent xmlns:mc="http://schemas.openxmlformats.org/markup-compatibility/2006" xmlns:a14="http://schemas.microsoft.com/office/drawing/2010/main">
+        <mc:Choice Requires="a14">
           <p:sp>
             <p:nvSpPr>
               <p:cNvPr id="9" name="Прямоугольник 8"/>
@@ -14762,7 +14793,9 @@
                       <m:t>=</m:t>
                     </m:r>
                     <m:r>
-                      <a:rPr lang="ru-RU" sz="2400" i="1"/>
+                      <a:rPr lang="ru-RU" sz="2400" i="1">
+                        <a:latin typeface="Cambria Math" panose="02040503050406030204" pitchFamily="18" charset="0"/>
+                      </a:rPr>
                       <m:t>230</m:t>
                     </m:r>
                     <m:f>
@@ -15392,38 +15425,52 @@
                     </m:oMathParaPr>
                     <m:oMath xmlns:m="http://schemas.openxmlformats.org/officeDocument/2006/math">
                       <m:r>
-                        <a:rPr lang="en-US" sz="2400" i="1"/>
+                        <a:rPr lang="en-US" sz="2400" i="1">
+                          <a:latin typeface="Cambria Math" panose="02040503050406030204" pitchFamily="18" charset="0"/>
+                        </a:rPr>
                         <m:t>𝐶</m:t>
                       </m:r>
                       <m:r>
-                        <a:rPr lang="en-US" sz="2400" i="1"/>
+                        <a:rPr lang="en-US" sz="2400" i="1">
+                          <a:latin typeface="Cambria Math" panose="02040503050406030204" pitchFamily="18" charset="0"/>
+                        </a:rPr>
                         <m:t>=</m:t>
                       </m:r>
                       <m:sSub>
                         <m:sSubPr>
                           <m:ctrlPr>
-                            <a:rPr lang="ru-RU" sz="2400" i="1"/>
+                            <a:rPr lang="ru-RU" sz="2400" i="1">
+                              <a:latin typeface="Cambria Math" panose="02040503050406030204" pitchFamily="18" charset="0"/>
+                            </a:rPr>
                           </m:ctrlPr>
                         </m:sSubPr>
                         <m:e>
                           <m:r>
-                            <a:rPr lang="ru-RU" sz="2400" i="1"/>
+                            <a:rPr lang="ru-RU" sz="2400" i="1">
+                              <a:latin typeface="Cambria Math" panose="02040503050406030204" pitchFamily="18" charset="0"/>
+                            </a:rPr>
                             <m:t>𝜎</m:t>
                           </m:r>
                         </m:e>
                         <m:sub>
                           <m:r>
-                            <a:rPr lang="ru-RU" sz="2400" i="1"/>
+                            <a:rPr lang="ru-RU" sz="2400" i="1">
+                              <a:latin typeface="Cambria Math" panose="02040503050406030204" pitchFamily="18" charset="0"/>
+                            </a:rPr>
                             <m:t>0</m:t>
                           </m:r>
                           <m:r>
-                            <a:rPr lang="ru-RU" sz="2400" i="1"/>
+                            <a:rPr lang="ru-RU" sz="2400" i="1">
+                              <a:latin typeface="Cambria Math" panose="02040503050406030204" pitchFamily="18" charset="0"/>
+                            </a:rPr>
                             <m:t>𝑁</m:t>
                           </m:r>
                         </m:sub>
                       </m:sSub>
                       <m:r>
-                        <a:rPr lang="ru-RU" sz="2400" i="1"/>
+                        <a:rPr lang="ru-RU" sz="2400" i="1">
+                          <a:latin typeface="Cambria Math" panose="02040503050406030204" pitchFamily="18" charset="0"/>
+                        </a:rPr>
                         <m:t>⋅</m:t>
                       </m:r>
                       <m:d>
@@ -15431,42 +15478,56 @@
                           <m:begChr m:val="["/>
                           <m:endChr m:val="]"/>
                           <m:ctrlPr>
-                            <a:rPr lang="ru-RU" sz="2400" i="1"/>
+                            <a:rPr lang="ru-RU" sz="2400" i="1">
+                              <a:latin typeface="Cambria Math" panose="02040503050406030204" pitchFamily="18" charset="0"/>
+                            </a:rPr>
                           </m:ctrlPr>
                         </m:dPr>
                         <m:e>
                           <m:sSub>
                             <m:sSubPr>
                               <m:ctrlPr>
-                                <a:rPr lang="ru-RU" sz="2400" i="1"/>
+                                <a:rPr lang="ru-RU" sz="2400" i="1">
+                                  <a:latin typeface="Cambria Math" panose="02040503050406030204" pitchFamily="18" charset="0"/>
+                                </a:rPr>
                               </m:ctrlPr>
                             </m:sSubPr>
                             <m:e>
                               <m:r>
-                                <a:rPr lang="en-US" sz="2400" i="1"/>
+                                <a:rPr lang="en-US" sz="2400" i="1">
+                                  <a:latin typeface="Cambria Math" panose="02040503050406030204" pitchFamily="18" charset="0"/>
+                                </a:rPr>
                                 <m:t>𝜌</m:t>
                               </m:r>
                             </m:e>
                             <m:sub>
                               <m:r>
-                                <a:rPr lang="en-US" sz="2400" i="1"/>
+                                <a:rPr lang="en-US" sz="2400" i="1">
+                                  <a:latin typeface="Cambria Math" panose="02040503050406030204" pitchFamily="18" charset="0"/>
+                                </a:rPr>
                                 <m:t>0.4ГэВ</m:t>
                               </m:r>
                             </m:sub>
                           </m:sSub>
                           <m:r>
-                            <a:rPr lang="ru-RU" sz="2400" i="1"/>
+                            <a:rPr lang="ru-RU" sz="2400" i="1">
+                              <a:latin typeface="Cambria Math" panose="02040503050406030204" pitchFamily="18" charset="0"/>
+                            </a:rPr>
                             <m:t>⋅</m:t>
                           </m:r>
                           <m:f>
                             <m:fPr>
                               <m:ctrlPr>
-                                <a:rPr lang="ru-RU" sz="2400" i="1"/>
+                                <a:rPr lang="ru-RU" sz="2400" i="1">
+                                  <a:latin typeface="Cambria Math" panose="02040503050406030204" pitchFamily="18" charset="0"/>
+                                </a:rPr>
                               </m:ctrlPr>
                             </m:fPr>
                             <m:num>
                               <m:r>
-                                <a:rPr lang="en-US" sz="2400" i="1"/>
+                                <a:rPr lang="en-US" sz="2400" i="1">
+                                  <a:latin typeface="Cambria Math" panose="02040503050406030204" pitchFamily="18" charset="0"/>
+                                </a:rPr>
                                 <m:t>𝑀</m:t>
                               </m:r>
                             </m:num>
@@ -15474,18 +15535,24 @@
                               <m:sSub>
                                 <m:sSubPr>
                                   <m:ctrlPr>
-                                    <a:rPr lang="ru-RU" sz="2400" i="1"/>
+                                    <a:rPr lang="ru-RU" sz="2400" i="1">
+                                      <a:latin typeface="Cambria Math" panose="02040503050406030204" pitchFamily="18" charset="0"/>
+                                    </a:rPr>
                                   </m:ctrlPr>
                                 </m:sSubPr>
                                 <m:e>
                                   <m:r>
-                                    <a:rPr lang="ru-RU" sz="2400" i="1"/>
+                                    <a:rPr lang="ru-RU" sz="2400" i="1">
+                                      <a:latin typeface="Cambria Math" panose="02040503050406030204" pitchFamily="18" charset="0"/>
+                                    </a:rPr>
                                     <m:t>𝑚</m:t>
                                   </m:r>
                                 </m:e>
                                 <m:sub>
                                   <m:r>
-                                    <a:rPr lang="ru-RU" sz="2400" i="1"/>
+                                    <a:rPr lang="ru-RU" sz="2400" i="1">
+                                      <a:latin typeface="Cambria Math" panose="02040503050406030204" pitchFamily="18" charset="0"/>
+                                    </a:rPr>
                                     <m:t>𝑁</m:t>
                                   </m:r>
                                 </m:sub>
@@ -15493,24 +15560,32 @@
                             </m:den>
                           </m:f>
                           <m:r>
-                            <a:rPr lang="en-US" sz="2400" i="1"/>
+                            <a:rPr lang="en-US" sz="2400" i="1">
+                              <a:latin typeface="Cambria Math" panose="02040503050406030204" pitchFamily="18" charset="0"/>
+                            </a:rPr>
                             <m:t>⋅</m:t>
                           </m:r>
                           <m:sSub>
                             <m:sSubPr>
                               <m:ctrlPr>
-                                <a:rPr lang="ru-RU" sz="2400" i="1"/>
+                                <a:rPr lang="ru-RU" sz="2400" i="1">
+                                  <a:latin typeface="Cambria Math" panose="02040503050406030204" pitchFamily="18" charset="0"/>
+                                </a:rPr>
                               </m:ctrlPr>
                             </m:sSubPr>
                             <m:e>
                               <m:r>
-                                <a:rPr lang="en-US" sz="2400" i="1"/>
+                                <a:rPr lang="en-US" sz="2400" i="1">
+                                  <a:latin typeface="Cambria Math" panose="02040503050406030204" pitchFamily="18" charset="0"/>
+                                </a:rPr>
                                 <m:t>𝑢</m:t>
                               </m:r>
                             </m:e>
                             <m:sub>
                               <m:r>
-                                <a:rPr lang="en-US" sz="2400" i="1"/>
+                                <a:rPr lang="en-US" sz="2400" i="1">
+                                  <a:latin typeface="Cambria Math" panose="02040503050406030204" pitchFamily="18" charset="0"/>
+                                </a:rPr>
                                 <m:t>0</m:t>
                               </m:r>
                             </m:sub>
@@ -15518,11 +15593,15 @@
                         </m:e>
                       </m:d>
                       <m:r>
-                        <a:rPr lang="en-US" sz="2400" i="1"/>
+                        <a:rPr lang="en-US" sz="2400" i="1">
+                          <a:latin typeface="Cambria Math" panose="02040503050406030204" pitchFamily="18" charset="0"/>
+                        </a:rPr>
                         <m:t>⋅</m:t>
                       </m:r>
                       <m:r>
-                        <a:rPr lang="en-US" sz="2400" i="1"/>
+                        <a:rPr lang="en-US" sz="2400" i="1">
+                          <a:latin typeface="Cambria Math" panose="02040503050406030204" pitchFamily="18" charset="0"/>
+                        </a:rPr>
                         <m:t>𝑃</m:t>
                       </m:r>
                     </m:oMath>
@@ -15567,7 +15646,7 @@
             </p:txBody>
           </p:sp>
         </mc:Choice>
-        <mc:Fallback>
+        <mc:Fallback xmlns="">
           <p:sp>
             <p:nvSpPr>
               <p:cNvPr id="9" name="Прямоугольник 8"/>
@@ -15722,6 +15801,603 @@
           </a:p>
         </p:txBody>
       </p:sp>
+      <p:pic>
+        <p:nvPicPr>
+          <p:cNvPr id="3" name="Рисунок 2" descr="D:\tmp\art\sections\Work\Poyasn.png"/>
+          <p:cNvPicPr/>
+          <p:nvPr/>
+        </p:nvPicPr>
+        <p:blipFill>
+          <a:blip r:embed="rId2">
+            <a:extLst>
+              <a:ext uri="{28A0092B-C50C-407E-A947-70E740481C1C}">
+                <a14:useLocalDpi xmlns:a14="http://schemas.microsoft.com/office/drawing/2010/main" val="0"/>
+              </a:ext>
+            </a:extLst>
+          </a:blip>
+          <a:srcRect/>
+          <a:stretch>
+            <a:fillRect/>
+          </a:stretch>
+        </p:blipFill>
+        <p:spPr bwMode="auto">
+          <a:xfrm>
+            <a:off x="6456000" y="837000"/>
+            <a:ext cx="5472000" cy="3967384"/>
+          </a:xfrm>
+          <a:prstGeom prst="rect">
+            <a:avLst/>
+          </a:prstGeom>
+          <a:noFill/>
+          <a:ln>
+            <a:noFill/>
+          </a:ln>
+        </p:spPr>
+      </p:pic>
+      <mc:AlternateContent xmlns:mc="http://schemas.openxmlformats.org/markup-compatibility/2006">
+        <mc:Choice xmlns:a14="http://schemas.microsoft.com/office/drawing/2010/main" Requires="a14">
+          <p:sp>
+            <p:nvSpPr>
+              <p:cNvPr id="2" name="Прямоугольник 1"/>
+              <p:cNvSpPr/>
+              <p:nvPr/>
+            </p:nvSpPr>
+            <p:spPr>
+              <a:xfrm>
+                <a:off x="336000" y="981000"/>
+                <a:ext cx="6048000" cy="4917372"/>
+              </a:xfrm>
+              <a:prstGeom prst="rect">
+                <a:avLst/>
+              </a:prstGeom>
+            </p:spPr>
+            <p:txBody>
+              <a:bodyPr wrap="square">
+                <a:spAutoFit/>
+              </a:bodyPr>
+              <a:lstStyle/>
+              <a:p>
+                <a:pPr marL="342900" lvl="0" indent="-342900">
+                  <a:spcAft>
+                    <a:spcPts val="0"/>
+                  </a:spcAft>
+                  <a:buFont typeface="Symbol" panose="05050102010706020507" pitchFamily="18" charset="2"/>
+                  <a:buChar char=""/>
+                </a:pPr>
+                <a:r>
+                  <a:rPr lang="ru-RU" sz="2400" kern="1400" dirty="0" smtClean="0">
+                    <a:latin typeface="Times New Roman" panose="02020603050405020304" pitchFamily="18" charset="0"/>
+                    <a:ea typeface="Cambria" panose="02040503050406030204" pitchFamily="18" charset="0"/>
+                  </a:rPr>
+                  <a:t>При малых импульсах фотона выражение для сечения имеет вид</a:t>
+                </a:r>
+              </a:p>
+              <a:p>
+                <a:pPr lvl="0">
+                  <a:spcAft>
+                    <a:spcPts val="0"/>
+                  </a:spcAft>
+                </a:pPr>
+                <a14:m>
+                  <m:oMathPara xmlns:m="http://schemas.openxmlformats.org/officeDocument/2006/math">
+                    <m:oMathParaPr>
+                      <m:jc m:val="centerGroup"/>
+                    </m:oMathParaPr>
+                    <m:oMath xmlns:m="http://schemas.openxmlformats.org/officeDocument/2006/math">
+                      <m:r>
+                        <a:rPr lang="en-US" sz="2000" i="1">
+                          <a:latin typeface="Cambria Math" panose="02040503050406030204" pitchFamily="18" charset="0"/>
+                        </a:rPr>
+                        <m:t>𝑑</m:t>
+                      </m:r>
+                      <m:sSubSup>
+                        <m:sSubSupPr>
+                          <m:ctrlPr>
+                            <a:rPr lang="ru-RU" sz="2000" i="1">
+                              <a:latin typeface="Cambria Math" panose="02040503050406030204" pitchFamily="18" charset="0"/>
+                            </a:rPr>
+                          </m:ctrlPr>
+                        </m:sSubSupPr>
+                        <m:e>
+                          <m:r>
+                            <a:rPr lang="en-US" sz="2000" i="1">
+                              <a:latin typeface="Cambria Math" panose="02040503050406030204" pitchFamily="18" charset="0"/>
+                            </a:rPr>
+                            <m:t>𝜎</m:t>
+                          </m:r>
+                        </m:e>
+                        <m:sub>
+                          <m:r>
+                            <a:rPr lang="en-US" sz="2000" i="1">
+                              <a:latin typeface="Cambria Math" panose="02040503050406030204" pitchFamily="18" charset="0"/>
+                            </a:rPr>
+                            <m:t>𝛾</m:t>
+                          </m:r>
+                        </m:sub>
+                        <m:sup>
+                          <m:r>
+                            <a:rPr lang="ru-RU" sz="2000" i="1">
+                              <a:latin typeface="Cambria Math" panose="02040503050406030204" pitchFamily="18" charset="0"/>
+                            </a:rPr>
+                            <m:t>упругое</m:t>
+                          </m:r>
+                        </m:sup>
+                      </m:sSubSup>
+                      <m:r>
+                        <a:rPr lang="en-US" sz="2000" i="1">
+                          <a:latin typeface="Cambria Math" panose="02040503050406030204" pitchFamily="18" charset="0"/>
+                        </a:rPr>
+                        <m:t>=</m:t>
+                      </m:r>
+                      <m:r>
+                        <a:rPr lang="en-US" sz="2000" i="1">
+                          <a:latin typeface="Cambria Math" panose="02040503050406030204" pitchFamily="18" charset="0"/>
+                        </a:rPr>
+                        <m:t>𝑑</m:t>
+                      </m:r>
+                      <m:sSub>
+                        <m:sSubPr>
+                          <m:ctrlPr>
+                            <a:rPr lang="ru-RU" sz="2000" i="1">
+                              <a:latin typeface="Cambria Math" panose="02040503050406030204" pitchFamily="18" charset="0"/>
+                            </a:rPr>
+                          </m:ctrlPr>
+                        </m:sSubPr>
+                        <m:e>
+                          <m:r>
+                            <a:rPr lang="en-US" sz="2000" i="1">
+                              <a:latin typeface="Cambria Math" panose="02040503050406030204" pitchFamily="18" charset="0"/>
+                            </a:rPr>
+                            <m:t>𝜎</m:t>
+                          </m:r>
+                        </m:e>
+                        <m:sub>
+                          <m:r>
+                            <a:rPr lang="en-US" sz="2000" i="1">
+                              <a:latin typeface="Cambria Math" panose="02040503050406030204" pitchFamily="18" charset="0"/>
+                            </a:rPr>
+                            <m:t>0</m:t>
+                          </m:r>
+                        </m:sub>
+                      </m:sSub>
+                      <m:r>
+                        <a:rPr lang="en-US" sz="2000" i="1">
+                          <a:latin typeface="Cambria Math" panose="02040503050406030204" pitchFamily="18" charset="0"/>
+                        </a:rPr>
+                        <m:t>⋅</m:t>
+                      </m:r>
+                      <m:d>
+                        <m:dPr>
+                          <m:ctrlPr>
+                            <a:rPr lang="ru-RU" sz="2000" i="1">
+                              <a:latin typeface="Cambria Math" panose="02040503050406030204" pitchFamily="18" charset="0"/>
+                            </a:rPr>
+                          </m:ctrlPr>
+                        </m:dPr>
+                        <m:e>
+                          <m:r>
+                            <a:rPr lang="en-US" sz="2000" i="1">
+                              <a:latin typeface="Cambria Math" panose="02040503050406030204" pitchFamily="18" charset="0"/>
+                            </a:rPr>
+                            <m:t>1+ </m:t>
+                          </m:r>
+                          <m:f>
+                            <m:fPr>
+                              <m:ctrlPr>
+                                <a:rPr lang="ru-RU" sz="2000" i="1">
+                                  <a:latin typeface="Cambria Math" panose="02040503050406030204" pitchFamily="18" charset="0"/>
+                                </a:rPr>
+                              </m:ctrlPr>
+                            </m:fPr>
+                            <m:num>
+                              <m:sSup>
+                                <m:sSupPr>
+                                  <m:ctrlPr>
+                                    <a:rPr lang="ru-RU" sz="2000" i="1">
+                                      <a:latin typeface="Cambria Math" panose="02040503050406030204" pitchFamily="18" charset="0"/>
+                                    </a:rPr>
+                                  </m:ctrlPr>
+                                </m:sSupPr>
+                                <m:e>
+                                  <m:r>
+                                    <a:rPr lang="en-US" sz="2000" i="1">
+                                      <a:latin typeface="Cambria Math" panose="02040503050406030204" pitchFamily="18" charset="0"/>
+                                    </a:rPr>
+                                    <m:t>𝑍</m:t>
+                                  </m:r>
+                                </m:e>
+                                <m:sup>
+                                  <m:r>
+                                    <a:rPr lang="en-US" sz="2000" i="1">
+                                      <a:latin typeface="Cambria Math" panose="02040503050406030204" pitchFamily="18" charset="0"/>
+                                    </a:rPr>
+                                    <m:t>2</m:t>
+                                  </m:r>
+                                </m:sup>
+                              </m:sSup>
+                              <m:r>
+                                <a:rPr lang="en-US" sz="2000" i="1">
+                                  <a:latin typeface="Cambria Math" panose="02040503050406030204" pitchFamily="18" charset="0"/>
+                                </a:rPr>
+                                <m:t>𝛼</m:t>
+                              </m:r>
+                            </m:num>
+                            <m:den>
+                              <m:r>
+                                <a:rPr lang="en-US" sz="2000" i="1">
+                                  <a:latin typeface="Cambria Math" panose="02040503050406030204" pitchFamily="18" charset="0"/>
+                                </a:rPr>
+                                <m:t>𝜋</m:t>
+                              </m:r>
+                            </m:den>
+                          </m:f>
+                          <m:func>
+                            <m:funcPr>
+                              <m:ctrlPr>
+                                <a:rPr lang="ru-RU" sz="2000" i="1">
+                                  <a:latin typeface="Cambria Math" panose="02040503050406030204" pitchFamily="18" charset="0"/>
+                                </a:rPr>
+                              </m:ctrlPr>
+                            </m:funcPr>
+                            <m:fName>
+                              <m:r>
+                                <m:rPr>
+                                  <m:sty m:val="p"/>
+                                </m:rPr>
+                                <a:rPr lang="ru-RU" sz="2000">
+                                  <a:latin typeface="Cambria Math" panose="02040503050406030204" pitchFamily="18" charset="0"/>
+                                </a:rPr>
+                                <m:t>ln</m:t>
+                              </m:r>
+                            </m:fName>
+                            <m:e>
+                              <m:d>
+                                <m:dPr>
+                                  <m:ctrlPr>
+                                    <a:rPr lang="ru-RU" sz="2000" i="1">
+                                      <a:latin typeface="Cambria Math" panose="02040503050406030204" pitchFamily="18" charset="0"/>
+                                    </a:rPr>
+                                  </m:ctrlPr>
+                                </m:dPr>
+                                <m:e>
+                                  <m:f>
+                                    <m:fPr>
+                                      <m:ctrlPr>
+                                        <a:rPr lang="ru-RU" sz="2000" i="1">
+                                          <a:latin typeface="Cambria Math" panose="02040503050406030204" pitchFamily="18" charset="0"/>
+                                        </a:rPr>
+                                      </m:ctrlPr>
+                                    </m:fPr>
+                                    <m:num>
+                                      <m:r>
+                                        <a:rPr lang="ru-RU" sz="2000" i="1">
+                                          <a:latin typeface="Cambria Math" panose="02040503050406030204" pitchFamily="18" charset="0"/>
+                                        </a:rPr>
+                                        <m:t>𝜇</m:t>
+                                      </m:r>
+                                    </m:num>
+                                    <m:den>
+                                      <m:r>
+                                        <a:rPr lang="ru-RU" sz="2000" i="1">
+                                          <a:latin typeface="Cambria Math" panose="02040503050406030204" pitchFamily="18" charset="0"/>
+                                        </a:rPr>
+                                        <m:t>𝑚</m:t>
+                                      </m:r>
+                                    </m:den>
+                                  </m:f>
+                                </m:e>
+                              </m:d>
+                            </m:e>
+                          </m:func>
+                          <m:r>
+                            <a:rPr lang="ru-RU" sz="2000" i="1">
+                              <a:latin typeface="Cambria Math" panose="02040503050406030204" pitchFamily="18" charset="0"/>
+                            </a:rPr>
+                            <m:t>⋅</m:t>
+                          </m:r>
+                          <m:r>
+                            <a:rPr lang="ru-RU" sz="2000" i="1">
+                              <a:latin typeface="Cambria Math" panose="02040503050406030204" pitchFamily="18" charset="0"/>
+                            </a:rPr>
+                            <m:t>𝑊</m:t>
+                          </m:r>
+                          <m:d>
+                            <m:dPr>
+                              <m:ctrlPr>
+                                <a:rPr lang="ru-RU" sz="2000" i="1">
+                                  <a:latin typeface="Cambria Math" panose="02040503050406030204" pitchFamily="18" charset="0"/>
+                                </a:rPr>
+                              </m:ctrlPr>
+                            </m:dPr>
+                            <m:e>
+                              <m:r>
+                                <a:rPr lang="ru-RU" sz="2000" i="1">
+                                  <a:latin typeface="Cambria Math" panose="02040503050406030204" pitchFamily="18" charset="0"/>
+                                </a:rPr>
+                                <m:t>𝑥</m:t>
+                              </m:r>
+                            </m:e>
+                          </m:d>
+                        </m:e>
+                      </m:d>
+                    </m:oMath>
+                  </m:oMathPara>
+                </a14:m>
+                <a:endParaRPr lang="ru-RU" sz="2400" kern="1400" dirty="0" smtClean="0">
+                  <a:latin typeface="Times New Roman" panose="02020603050405020304" pitchFamily="18" charset="0"/>
+                  <a:ea typeface="Cambria" panose="02040503050406030204" pitchFamily="18" charset="0"/>
+                </a:endParaRPr>
+              </a:p>
+              <a:p>
+                <a:pPr lvl="0">
+                  <a:spcAft>
+                    <a:spcPts val="0"/>
+                  </a:spcAft>
+                </a:pPr>
+                <a14:m>
+                  <m:oMathPara xmlns:m="http://schemas.openxmlformats.org/officeDocument/2006/math">
+                    <m:oMathParaPr>
+                      <m:jc m:val="centerGroup"/>
+                    </m:oMathParaPr>
+                    <m:oMath xmlns:m="http://schemas.openxmlformats.org/officeDocument/2006/math">
+                      <m:r>
+                        <a:rPr lang="en-US" sz="2000" i="1"/>
+                        <m:t>𝑑</m:t>
+                      </m:r>
+                      <m:sSubSup>
+                        <m:sSubSupPr>
+                          <m:ctrlPr>
+                            <a:rPr lang="ru-RU" sz="2000" i="1"/>
+                          </m:ctrlPr>
+                        </m:sSubSupPr>
+                        <m:e>
+                          <m:r>
+                            <a:rPr lang="en-US" sz="2000" i="1"/>
+                            <m:t>𝜎</m:t>
+                          </m:r>
+                        </m:e>
+                        <m:sub>
+                          <m:r>
+                            <a:rPr lang="en-US" sz="2000" i="1"/>
+                            <m:t>𝛾</m:t>
+                          </m:r>
+                        </m:sub>
+                        <m:sup>
+                          <m:r>
+                            <a:rPr lang="ru-RU" sz="2000" i="1"/>
+                            <m:t>неупругое</m:t>
+                          </m:r>
+                        </m:sup>
+                      </m:sSubSup>
+                      <m:r>
+                        <a:rPr lang="en-US" sz="2000" i="1"/>
+                        <m:t>=</m:t>
+                      </m:r>
+                      <m:r>
+                        <a:rPr lang="en-US" sz="2000" i="1"/>
+                        <m:t>𝑑</m:t>
+                      </m:r>
+                      <m:sSub>
+                        <m:sSubPr>
+                          <m:ctrlPr>
+                            <a:rPr lang="ru-RU" sz="2000" i="1"/>
+                          </m:ctrlPr>
+                        </m:sSubPr>
+                        <m:e>
+                          <m:r>
+                            <a:rPr lang="en-US" sz="2000" i="1"/>
+                            <m:t>𝜎</m:t>
+                          </m:r>
+                        </m:e>
+                        <m:sub>
+                          <m:r>
+                            <a:rPr lang="en-US" sz="2000" i="1"/>
+                            <m:t>0</m:t>
+                          </m:r>
+                        </m:sub>
+                      </m:sSub>
+                      <m:r>
+                        <a:rPr lang="en-US" sz="2000" i="1"/>
+                        <m:t>⋅</m:t>
+                      </m:r>
+                      <m:f>
+                        <m:fPr>
+                          <m:ctrlPr>
+                            <a:rPr lang="ru-RU" sz="2000" i="1"/>
+                          </m:ctrlPr>
+                        </m:fPr>
+                        <m:num>
+                          <m:sSup>
+                            <m:sSupPr>
+                              <m:ctrlPr>
+                                <a:rPr lang="ru-RU" sz="2000" i="1"/>
+                              </m:ctrlPr>
+                            </m:sSupPr>
+                            <m:e>
+                              <m:r>
+                                <a:rPr lang="en-US" sz="2000" i="1"/>
+                                <m:t>𝑍</m:t>
+                              </m:r>
+                            </m:e>
+                            <m:sup>
+                              <m:r>
+                                <a:rPr lang="en-US" sz="2000" i="1"/>
+                                <m:t>2</m:t>
+                              </m:r>
+                            </m:sup>
+                          </m:sSup>
+                          <m:r>
+                            <a:rPr lang="en-US" sz="2000" i="1"/>
+                            <m:t>𝛼</m:t>
+                          </m:r>
+                        </m:num>
+                        <m:den>
+                          <m:r>
+                            <a:rPr lang="en-US" sz="2000" i="1"/>
+                            <m:t>𝜋</m:t>
+                          </m:r>
+                        </m:den>
+                      </m:f>
+                      <m:func>
+                        <m:funcPr>
+                          <m:ctrlPr>
+                            <a:rPr lang="ru-RU" sz="2000" i="1"/>
+                          </m:ctrlPr>
+                        </m:funcPr>
+                        <m:fName>
+                          <m:r>
+                            <m:rPr>
+                              <m:sty m:val="p"/>
+                            </m:rPr>
+                            <a:rPr lang="ru-RU" sz="2000"/>
+                            <m:t>ln</m:t>
+                          </m:r>
+                        </m:fName>
+                        <m:e>
+                          <m:d>
+                            <m:dPr>
+                              <m:ctrlPr>
+                                <a:rPr lang="ru-RU" sz="2000" i="1"/>
+                              </m:ctrlPr>
+                            </m:dPr>
+                            <m:e>
+                              <m:f>
+                                <m:fPr>
+                                  <m:ctrlPr>
+                                    <a:rPr lang="ru-RU" sz="2000" i="1"/>
+                                  </m:ctrlPr>
+                                </m:fPr>
+                                <m:num>
+                                  <m:r>
+                                    <a:rPr lang="ru-RU" sz="2000" i="1"/>
+                                    <m:t>𝜖</m:t>
+                                  </m:r>
+                                </m:num>
+                                <m:den>
+                                  <m:r>
+                                    <a:rPr lang="ru-RU" sz="2000" i="1"/>
+                                    <m:t>𝜇</m:t>
+                                  </m:r>
+                                </m:den>
+                              </m:f>
+                            </m:e>
+                          </m:d>
+                        </m:e>
+                      </m:func>
+                      <m:r>
+                        <a:rPr lang="ru-RU" sz="2000" i="1"/>
+                        <m:t>⋅</m:t>
+                      </m:r>
+                      <m:r>
+                        <a:rPr lang="ru-RU" sz="2000" i="1"/>
+                        <m:t>𝑊</m:t>
+                      </m:r>
+                      <m:d>
+                        <m:dPr>
+                          <m:ctrlPr>
+                            <a:rPr lang="ru-RU" sz="2000" i="1"/>
+                          </m:ctrlPr>
+                        </m:dPr>
+                        <m:e>
+                          <m:r>
+                            <a:rPr lang="ru-RU" sz="2000" i="1"/>
+                            <m:t>𝑥</m:t>
+                          </m:r>
+                        </m:e>
+                      </m:d>
+                    </m:oMath>
+                  </m:oMathPara>
+                </a14:m>
+                <a:endParaRPr lang="ru-RU" sz="2400" kern="1400" dirty="0" smtClean="0">
+                  <a:latin typeface="Times New Roman" panose="02020603050405020304" pitchFamily="18" charset="0"/>
+                  <a:ea typeface="Cambria" panose="02040503050406030204" pitchFamily="18" charset="0"/>
+                </a:endParaRPr>
+              </a:p>
+              <a:p>
+                <a:pPr marL="342900" lvl="0" indent="-342900">
+                  <a:spcAft>
+                    <a:spcPts val="0"/>
+                  </a:spcAft>
+                  <a:buFont typeface="Symbol" panose="05050102010706020507" pitchFamily="18" charset="2"/>
+                  <a:buChar char=""/>
+                </a:pPr>
+                <a:r>
+                  <a:rPr lang="ru-RU" sz="2400" kern="1400" dirty="0" smtClean="0">
+                    <a:latin typeface="Times New Roman" panose="02020603050405020304" pitchFamily="18" charset="0"/>
+                    <a:ea typeface="Cambria" panose="02040503050406030204" pitchFamily="18" charset="0"/>
+                  </a:rPr>
+                  <a:t>При разных значениях параметра регуляризации будет разный вклад неупругой части если захват затрагивает упругую часть.</a:t>
+                </a:r>
+              </a:p>
+              <a:p>
+                <a:pPr marL="342900" lvl="0" indent="-342900">
+                  <a:spcAft>
+                    <a:spcPts val="0"/>
+                  </a:spcAft>
+                  <a:buFont typeface="Symbol" panose="05050102010706020507" pitchFamily="18" charset="2"/>
+                  <a:buChar char=""/>
+                </a:pPr>
+                <a:r>
+                  <a:rPr lang="ru-RU" sz="2400" kern="1400" dirty="0" smtClean="0">
+                    <a:latin typeface="Times New Roman" panose="02020603050405020304" pitchFamily="18" charset="0"/>
+                    <a:ea typeface="Cambria" panose="02040503050406030204" pitchFamily="18" charset="0"/>
+                  </a:rPr>
+                  <a:t>Решение – засчитывать такие процессы только в упругий вклад.</a:t>
+                </a:r>
+              </a:p>
+              <a:p>
+                <a:pPr lvl="0">
+                  <a:spcAft>
+                    <a:spcPts val="0"/>
+                  </a:spcAft>
+                </a:pPr>
+                <a:endParaRPr lang="ru-RU" sz="2400" kern="1400" dirty="0">
+                  <a:latin typeface="Times New Roman" panose="02020603050405020304" pitchFamily="18" charset="0"/>
+                  <a:ea typeface="Cambria" panose="02040503050406030204" pitchFamily="18" charset="0"/>
+                </a:endParaRPr>
+              </a:p>
+            </p:txBody>
+          </p:sp>
+        </mc:Choice>
+        <mc:Fallback>
+          <p:sp>
+            <p:nvSpPr>
+              <p:cNvPr id="2" name="Прямоугольник 1"/>
+              <p:cNvSpPr>
+                <a:spLocks noRot="1" noChangeAspect="1" noMove="1" noResize="1" noEditPoints="1" noAdjustHandles="1" noChangeArrowheads="1" noChangeShapeType="1" noTextEdit="1"/>
+              </p:cNvSpPr>
+              <p:nvPr/>
+            </p:nvSpPr>
+            <p:spPr>
+              <a:xfrm>
+                <a:off x="336000" y="981000"/>
+                <a:ext cx="6048000" cy="4917372"/>
+              </a:xfrm>
+              <a:prstGeom prst="rect">
+                <a:avLst/>
+              </a:prstGeom>
+              <a:blipFill>
+                <a:blip r:embed="rId3"/>
+                <a:stretch>
+                  <a:fillRect l="-1613" t="-1239" r="-1210"/>
+                </a:stretch>
+              </a:blipFill>
+            </p:spPr>
+            <p:txBody>
+              <a:bodyPr/>
+              <a:lstStyle/>
+              <a:p>
+                <a:r>
+                  <a:rPr lang="ru-RU">
+                    <a:noFill/>
+                  </a:rPr>
+                  <a:t> </a:t>
+                </a:r>
+              </a:p>
+            </p:txBody>
+          </p:sp>
+        </mc:Fallback>
+      </mc:AlternateContent>
     </p:spTree>
     <p:extLst>
       <p:ext uri="{BB962C8B-B14F-4D97-AF65-F5344CB8AC3E}">

--- a/Work/Work.pptx
+++ b/Work/Work.pptx
@@ -15,6 +15,13 @@
     <p:sldId id="263" r:id="rId9"/>
     <p:sldId id="264" r:id="rId10"/>
     <p:sldId id="265" r:id="rId11"/>
+    <p:sldId id="266" r:id="rId12"/>
+    <p:sldId id="267" r:id="rId13"/>
+    <p:sldId id="268" r:id="rId14"/>
+    <p:sldId id="270" r:id="rId15"/>
+    <p:sldId id="271" r:id="rId16"/>
+    <p:sldId id="272" r:id="rId17"/>
+    <p:sldId id="273" r:id="rId18"/>
   </p:sldIdLst>
   <p:sldSz cx="12192000" cy="6858000"/>
   <p:notesSz cx="6858000" cy="9144000"/>
@@ -3014,7 +3021,14 @@
                 <a:latin typeface="Times New Roman" panose="02020603050405020304" pitchFamily="18" charset="0"/>
                 <a:cs typeface="Times New Roman" panose="02020603050405020304" pitchFamily="18" charset="0"/>
               </a:rPr>
-              <a:t>Рассеяние и захват темной материи</a:t>
+              <a:t>Рассеяние и захват темной </a:t>
+            </a:r>
+            <a:r>
+              <a:rPr lang="ru-RU" b="1" dirty="0" smtClean="0">
+                <a:latin typeface="Times New Roman" panose="02020603050405020304" pitchFamily="18" charset="0"/>
+                <a:cs typeface="Times New Roman" panose="02020603050405020304" pitchFamily="18" charset="0"/>
+              </a:rPr>
+              <a:t>материи</a:t>
             </a:r>
             <a:endParaRPr lang="ru-RU" b="1" dirty="0">
               <a:latin typeface="Times New Roman" panose="02020603050405020304" pitchFamily="18" charset="0"/>
@@ -3060,10 +3074,3349 @@
           <a:chExt cx="0" cy="0"/>
         </a:xfrm>
       </p:grpSpPr>
+      <p:sp>
+        <p:nvSpPr>
+          <p:cNvPr id="2" name="Заголовок 1"/>
+          <p:cNvSpPr txBox="1">
+            <a:spLocks/>
+          </p:cNvSpPr>
+          <p:nvPr/>
+        </p:nvSpPr>
+        <p:spPr>
+          <a:xfrm>
+            <a:off x="336001" y="261000"/>
+            <a:ext cx="5543999" cy="628072"/>
+          </a:xfrm>
+          <a:prstGeom prst="rect">
+            <a:avLst/>
+          </a:prstGeom>
+        </p:spPr>
+        <p:txBody>
+          <a:bodyPr vert="horz" lIns="91440" tIns="45720" rIns="91440" bIns="45720" rtlCol="0" anchor="ctr">
+            <a:normAutofit/>
+          </a:bodyPr>
+          <a:lstStyle>
+            <a:lvl1pPr algn="l" defTabSz="914400" rtl="0" eaLnBrk="1" latinLnBrk="0" hangingPunct="1">
+              <a:lnSpc>
+                <a:spcPct val="90000"/>
+              </a:lnSpc>
+              <a:spcBef>
+                <a:spcPct val="0"/>
+              </a:spcBef>
+              <a:buNone/>
+              <a:defRPr sz="4400" kern="1200">
+                <a:solidFill>
+                  <a:schemeClr val="tx1"/>
+                </a:solidFill>
+                <a:latin typeface="+mj-lt"/>
+                <a:ea typeface="+mj-ea"/>
+                <a:cs typeface="+mj-cs"/>
+              </a:defRPr>
+            </a:lvl1pPr>
+          </a:lstStyle>
+          <a:p>
+            <a:r>
+              <a:rPr lang="ru-RU" sz="3200" b="1" dirty="0" smtClean="0">
+                <a:latin typeface="Times New Roman" panose="02020603050405020304" pitchFamily="18" charset="0"/>
+                <a:cs typeface="Times New Roman" panose="02020603050405020304" pitchFamily="18" charset="0"/>
+              </a:rPr>
+              <a:t>Результаты</a:t>
+            </a:r>
+            <a:endParaRPr lang="ru-RU" sz="3200" b="1" dirty="0">
+              <a:latin typeface="Times New Roman" panose="02020603050405020304" pitchFamily="18" charset="0"/>
+              <a:cs typeface="Times New Roman" panose="02020603050405020304" pitchFamily="18" charset="0"/>
+            </a:endParaRPr>
+          </a:p>
+        </p:txBody>
+      </p:sp>
+      <p:pic>
+        <p:nvPicPr>
+          <p:cNvPr id="3" name="Рисунок 2" descr="D:\tmp\art\sections\integrators\solar_count\result\0\S0.png"/>
+          <p:cNvPicPr/>
+          <p:nvPr/>
+        </p:nvPicPr>
+        <p:blipFill>
+          <a:blip r:embed="rId2" cstate="print">
+            <a:extLst>
+              <a:ext uri="{28A0092B-C50C-407E-A947-70E740481C1C}">
+                <a14:useLocalDpi xmlns:a14="http://schemas.microsoft.com/office/drawing/2010/main" val="0"/>
+              </a:ext>
+            </a:extLst>
+          </a:blip>
+          <a:srcRect/>
+          <a:stretch>
+            <a:fillRect/>
+          </a:stretch>
+        </p:blipFill>
+        <p:spPr bwMode="auto">
+          <a:xfrm>
+            <a:off x="1992000" y="837000"/>
+            <a:ext cx="3960000" cy="3024000"/>
+          </a:xfrm>
+          <a:prstGeom prst="rect">
+            <a:avLst/>
+          </a:prstGeom>
+          <a:noFill/>
+          <a:ln>
+            <a:noFill/>
+          </a:ln>
+        </p:spPr>
+      </p:pic>
+      <p:pic>
+        <p:nvPicPr>
+          <p:cNvPr id="4" name="Рисунок 3"/>
+          <p:cNvPicPr/>
+          <p:nvPr/>
+        </p:nvPicPr>
+        <p:blipFill>
+          <a:blip r:embed="rId3" cstate="print">
+            <a:extLst>
+              <a:ext uri="{28A0092B-C50C-407E-A947-70E740481C1C}">
+                <a14:useLocalDpi xmlns:a14="http://schemas.microsoft.com/office/drawing/2010/main" val="0"/>
+              </a:ext>
+            </a:extLst>
+          </a:blip>
+          <a:srcRect/>
+          <a:stretch>
+            <a:fillRect/>
+          </a:stretch>
+        </p:blipFill>
+        <p:spPr bwMode="auto">
+          <a:xfrm>
+            <a:off x="6024000" y="837000"/>
+            <a:ext cx="4032000" cy="3013990"/>
+          </a:xfrm>
+          <a:prstGeom prst="rect">
+            <a:avLst/>
+          </a:prstGeom>
+          <a:noFill/>
+          <a:ln>
+            <a:noFill/>
+          </a:ln>
+        </p:spPr>
+      </p:pic>
+      <p:pic>
+        <p:nvPicPr>
+          <p:cNvPr id="5" name="Рисунок 4"/>
+          <p:cNvPicPr/>
+          <p:nvPr/>
+        </p:nvPicPr>
+        <p:blipFill>
+          <a:blip r:embed="rId4" cstate="print">
+            <a:extLst>
+              <a:ext uri="{28A0092B-C50C-407E-A947-70E740481C1C}">
+                <a14:useLocalDpi xmlns:a14="http://schemas.microsoft.com/office/drawing/2010/main" val="0"/>
+              </a:ext>
+            </a:extLst>
+          </a:blip>
+          <a:srcRect/>
+          <a:stretch>
+            <a:fillRect/>
+          </a:stretch>
+        </p:blipFill>
+        <p:spPr bwMode="auto">
+          <a:xfrm>
+            <a:off x="1848000" y="3717000"/>
+            <a:ext cx="4104000" cy="3059842"/>
+          </a:xfrm>
+          <a:prstGeom prst="rect">
+            <a:avLst/>
+          </a:prstGeom>
+          <a:noFill/>
+          <a:ln>
+            <a:noFill/>
+          </a:ln>
+        </p:spPr>
+      </p:pic>
+      <p:pic>
+        <p:nvPicPr>
+          <p:cNvPr id="6" name="Рисунок 5" descr="D:\tmp\art\sections\integrators\earth_count\resultE\1\Combined1.png"/>
+          <p:cNvPicPr/>
+          <p:nvPr/>
+        </p:nvPicPr>
+        <p:blipFill>
+          <a:blip r:embed="rId5" cstate="print">
+            <a:extLst>
+              <a:ext uri="{28A0092B-C50C-407E-A947-70E740481C1C}">
+                <a14:useLocalDpi xmlns:a14="http://schemas.microsoft.com/office/drawing/2010/main" val="0"/>
+              </a:ext>
+            </a:extLst>
+          </a:blip>
+          <a:srcRect/>
+          <a:stretch>
+            <a:fillRect/>
+          </a:stretch>
+        </p:blipFill>
+        <p:spPr bwMode="auto">
+          <a:xfrm>
+            <a:off x="5952000" y="3717000"/>
+            <a:ext cx="4176000" cy="3073054"/>
+          </a:xfrm>
+          <a:prstGeom prst="rect">
+            <a:avLst/>
+          </a:prstGeom>
+          <a:noFill/>
+          <a:ln>
+            <a:noFill/>
+          </a:ln>
+        </p:spPr>
+      </p:pic>
+      <mc:AlternateContent xmlns:mc="http://schemas.openxmlformats.org/markup-compatibility/2006">
+        <mc:Choice xmlns:a14="http://schemas.microsoft.com/office/drawing/2010/main" Requires="a14">
+          <p:sp>
+            <p:nvSpPr>
+              <p:cNvPr id="7" name="Прямоугольник 6"/>
+              <p:cNvSpPr/>
+              <p:nvPr/>
+            </p:nvSpPr>
+            <p:spPr>
+              <a:xfrm>
+                <a:off x="5160000" y="261000"/>
+                <a:ext cx="2341218" cy="618824"/>
+              </a:xfrm>
+              <a:prstGeom prst="rect">
+                <a:avLst/>
+              </a:prstGeom>
+            </p:spPr>
+            <p:txBody>
+              <a:bodyPr wrap="none">
+                <a:spAutoFit/>
+              </a:bodyPr>
+              <a:lstStyle/>
+              <a:p>
+                <a14:m>
+                  <m:oMathPara xmlns:m="http://schemas.openxmlformats.org/officeDocument/2006/math">
+                    <m:oMathParaPr>
+                      <m:jc m:val="centerGroup"/>
+                    </m:oMathParaPr>
+                    <m:oMath xmlns:m="http://schemas.openxmlformats.org/officeDocument/2006/math">
+                      <m:sSub>
+                        <m:sSubPr>
+                          <m:ctrlPr>
+                            <a:rPr lang="ru-RU" sz="2400" i="1" smtClean="0">
+                              <a:latin typeface="Cambria Math" panose="02040503050406030204" pitchFamily="18" charset="0"/>
+                            </a:rPr>
+                          </m:ctrlPr>
+                        </m:sSubPr>
+                        <m:e>
+                          <m:r>
+                            <a:rPr lang="ru-RU" sz="2400" i="1">
+                              <a:latin typeface="Cambria Math" panose="02040503050406030204" pitchFamily="18" charset="0"/>
+                            </a:rPr>
+                            <m:t>𝜎</m:t>
+                          </m:r>
+                        </m:e>
+                        <m:sub>
+                          <m:r>
+                            <a:rPr lang="ru-RU" sz="2400" i="1">
+                              <a:latin typeface="Cambria Math" panose="02040503050406030204" pitchFamily="18" charset="0"/>
+                            </a:rPr>
+                            <m:t>0</m:t>
+                          </m:r>
+                          <m:r>
+                            <a:rPr lang="ru-RU" sz="2400" i="1">
+                              <a:latin typeface="Cambria Math" panose="02040503050406030204" pitchFamily="18" charset="0"/>
+                            </a:rPr>
+                            <m:t>𝑁</m:t>
+                          </m:r>
+                        </m:sub>
+                      </m:sSub>
+                      <m:r>
+                        <a:rPr lang="ru-RU" sz="2400" i="1" smtClean="0">
+                          <a:latin typeface="Cambria Math" panose="02040503050406030204" pitchFamily="18" charset="0"/>
+                          <a:ea typeface="Cambria Math" panose="02040503050406030204" pitchFamily="18" charset="0"/>
+                        </a:rPr>
+                        <m:t>~</m:t>
+                      </m:r>
+                      <m:sSup>
+                        <m:sSupPr>
+                          <m:ctrlPr>
+                            <a:rPr lang="en-US" sz="2400" b="0" i="1" smtClean="0">
+                              <a:latin typeface="Cambria Math" panose="02040503050406030204" pitchFamily="18" charset="0"/>
+                              <a:ea typeface="Cambria Math" panose="02040503050406030204" pitchFamily="18" charset="0"/>
+                            </a:rPr>
+                          </m:ctrlPr>
+                        </m:sSupPr>
+                        <m:e>
+                          <m:d>
+                            <m:dPr>
+                              <m:ctrlPr>
+                                <a:rPr lang="en-US" sz="2400" b="0" i="1" smtClean="0">
+                                  <a:latin typeface="Cambria Math" panose="02040503050406030204" pitchFamily="18" charset="0"/>
+                                  <a:ea typeface="Cambria Math" panose="02040503050406030204" pitchFamily="18" charset="0"/>
+                                </a:rPr>
+                              </m:ctrlPr>
+                            </m:dPr>
+                            <m:e>
+                              <m:sSup>
+                                <m:sSupPr>
+                                  <m:ctrlPr>
+                                    <a:rPr lang="en-US" sz="2400" b="0" i="1" smtClean="0">
+                                      <a:latin typeface="Cambria Math" panose="02040503050406030204" pitchFamily="18" charset="0"/>
+                                      <a:ea typeface="Cambria Math" panose="02040503050406030204" pitchFamily="18" charset="0"/>
+                                    </a:rPr>
+                                  </m:ctrlPr>
+                                </m:sSupPr>
+                                <m:e>
+                                  <m:acc>
+                                    <m:accPr>
+                                      <m:chr m:val="⃗"/>
+                                      <m:ctrlPr>
+                                        <a:rPr lang="en-US" sz="2400" b="0" i="1" smtClean="0">
+                                          <a:latin typeface="Cambria Math" panose="02040503050406030204" pitchFamily="18" charset="0"/>
+                                          <a:ea typeface="Cambria Math" panose="02040503050406030204" pitchFamily="18" charset="0"/>
+                                        </a:rPr>
+                                      </m:ctrlPr>
+                                    </m:accPr>
+                                    <m:e>
+                                      <m:r>
+                                        <a:rPr lang="en-US" sz="2400" b="0" i="1" smtClean="0">
+                                          <a:latin typeface="Cambria Math" panose="02040503050406030204" pitchFamily="18" charset="0"/>
+                                          <a:ea typeface="Cambria Math" panose="02040503050406030204" pitchFamily="18" charset="0"/>
+                                        </a:rPr>
+                                        <m:t>𝑘</m:t>
+                                      </m:r>
+                                    </m:e>
+                                  </m:acc>
+                                </m:e>
+                                <m:sup>
+                                  <m:r>
+                                    <a:rPr lang="en-US" sz="2400" b="0" i="1" smtClean="0">
+                                      <a:latin typeface="Cambria Math" panose="02040503050406030204" pitchFamily="18" charset="0"/>
+                                      <a:ea typeface="Cambria Math" panose="02040503050406030204" pitchFamily="18" charset="0"/>
+                                    </a:rPr>
+                                    <m:t>′</m:t>
+                                  </m:r>
+                                </m:sup>
+                              </m:sSup>
+                              <m:r>
+                                <a:rPr lang="en-US" sz="2400" b="0" i="1" smtClean="0">
+                                  <a:latin typeface="Cambria Math" panose="02040503050406030204" pitchFamily="18" charset="0"/>
+                                  <a:ea typeface="Cambria Math" panose="02040503050406030204" pitchFamily="18" charset="0"/>
+                                </a:rPr>
+                                <m:t>−</m:t>
+                              </m:r>
+                              <m:acc>
+                                <m:accPr>
+                                  <m:chr m:val="⃗"/>
+                                  <m:ctrlPr>
+                                    <a:rPr lang="en-US" sz="2400" b="0" i="1" smtClean="0">
+                                      <a:latin typeface="Cambria Math" panose="02040503050406030204" pitchFamily="18" charset="0"/>
+                                      <a:ea typeface="Cambria Math" panose="02040503050406030204" pitchFamily="18" charset="0"/>
+                                    </a:rPr>
+                                  </m:ctrlPr>
+                                </m:accPr>
+                                <m:e>
+                                  <m:r>
+                                    <a:rPr lang="en-US" sz="2400" b="0" i="1" smtClean="0">
+                                      <a:latin typeface="Cambria Math" panose="02040503050406030204" pitchFamily="18" charset="0"/>
+                                      <a:ea typeface="Cambria Math" panose="02040503050406030204" pitchFamily="18" charset="0"/>
+                                    </a:rPr>
+                                    <m:t>𝑘</m:t>
+                                  </m:r>
+                                </m:e>
+                              </m:acc>
+                            </m:e>
+                          </m:d>
+                        </m:e>
+                        <m:sup>
+                          <m:r>
+                            <a:rPr lang="en-US" sz="2400" b="0" i="1" smtClean="0">
+                              <a:latin typeface="Cambria Math" panose="02040503050406030204" pitchFamily="18" charset="0"/>
+                              <a:ea typeface="Cambria Math" panose="02040503050406030204" pitchFamily="18" charset="0"/>
+                            </a:rPr>
+                            <m:t>2</m:t>
+                          </m:r>
+                          <m:r>
+                            <a:rPr lang="en-US" sz="2400" b="0" i="1" smtClean="0">
+                              <a:latin typeface="Cambria Math" panose="02040503050406030204" pitchFamily="18" charset="0"/>
+                              <a:ea typeface="Cambria Math" panose="02040503050406030204" pitchFamily="18" charset="0"/>
+                            </a:rPr>
+                            <m:t>𝑛</m:t>
+                          </m:r>
+                        </m:sup>
+                      </m:sSup>
+                    </m:oMath>
+                  </m:oMathPara>
+                </a14:m>
+                <a:endParaRPr lang="ru-RU" sz="2400" dirty="0"/>
+              </a:p>
+            </p:txBody>
+          </p:sp>
+        </mc:Choice>
+        <mc:Fallback>
+          <p:sp>
+            <p:nvSpPr>
+              <p:cNvPr id="7" name="Прямоугольник 6"/>
+              <p:cNvSpPr>
+                <a:spLocks noRot="1" noChangeAspect="1" noMove="1" noResize="1" noEditPoints="1" noAdjustHandles="1" noChangeArrowheads="1" noChangeShapeType="1" noTextEdit="1"/>
+              </p:cNvSpPr>
+              <p:nvPr/>
+            </p:nvSpPr>
+            <p:spPr>
+              <a:xfrm>
+                <a:off x="5160000" y="261000"/>
+                <a:ext cx="2341218" cy="618824"/>
+              </a:xfrm>
+              <a:prstGeom prst="rect">
+                <a:avLst/>
+              </a:prstGeom>
+              <a:blipFill>
+                <a:blip r:embed="rId6"/>
+                <a:stretch>
+                  <a:fillRect/>
+                </a:stretch>
+              </a:blipFill>
+            </p:spPr>
+            <p:txBody>
+              <a:bodyPr/>
+              <a:lstStyle/>
+              <a:p>
+                <a:r>
+                  <a:rPr lang="ru-RU">
+                    <a:noFill/>
+                  </a:rPr>
+                  <a:t> </a:t>
+                </a:r>
+              </a:p>
+            </p:txBody>
+          </p:sp>
+        </mc:Fallback>
+      </mc:AlternateContent>
     </p:spTree>
     <p:extLst>
       <p:ext uri="{BB962C8B-B14F-4D97-AF65-F5344CB8AC3E}">
         <p14:creationId xmlns:p14="http://schemas.microsoft.com/office/powerpoint/2010/main" val="3973603059"/>
+      </p:ext>
+    </p:extLst>
+  </p:cSld>
+  <p:clrMapOvr>
+    <a:masterClrMapping/>
+  </p:clrMapOvr>
+  <p:timing>
+    <p:tnLst>
+      <p:par>
+        <p:cTn id="1" dur="indefinite" restart="never" nodeType="tmRoot"/>
+      </p:par>
+    </p:tnLst>
+  </p:timing>
+</p:sld>
+</file>
+
+<file path=ppt/slides/slide11.xml><?xml version="1.0" encoding="utf-8"?>
+<p:sld xmlns:a="http://schemas.openxmlformats.org/drawingml/2006/main" xmlns:r="http://schemas.openxmlformats.org/officeDocument/2006/relationships" xmlns:p="http://schemas.openxmlformats.org/presentationml/2006/main">
+  <p:cSld>
+    <p:spTree>
+      <p:nvGrpSpPr>
+        <p:cNvPr id="1" name=""/>
+        <p:cNvGrpSpPr/>
+        <p:nvPr/>
+      </p:nvGrpSpPr>
+      <p:grpSpPr>
+        <a:xfrm>
+          <a:off x="0" y="0"/>
+          <a:ext cx="0" cy="0"/>
+          <a:chOff x="0" y="0"/>
+          <a:chExt cx="0" cy="0"/>
+        </a:xfrm>
+      </p:grpSpPr>
+      <p:pic>
+        <p:nvPicPr>
+          <p:cNvPr id="9" name="Рисунок 8"/>
+          <p:cNvPicPr/>
+          <p:nvPr/>
+        </p:nvPicPr>
+        <p:blipFill>
+          <a:blip r:embed="rId2" cstate="print">
+            <a:extLst>
+              <a:ext uri="{28A0092B-C50C-407E-A947-70E740481C1C}">
+                <a14:useLocalDpi xmlns:a14="http://schemas.microsoft.com/office/drawing/2010/main" val="0"/>
+              </a:ext>
+            </a:extLst>
+          </a:blip>
+          <a:srcRect/>
+          <a:stretch>
+            <a:fillRect/>
+          </a:stretch>
+        </p:blipFill>
+        <p:spPr bwMode="auto">
+          <a:xfrm>
+            <a:off x="1920000" y="549000"/>
+            <a:ext cx="4176000" cy="2982750"/>
+          </a:xfrm>
+          <a:prstGeom prst="rect">
+            <a:avLst/>
+          </a:prstGeom>
+          <a:noFill/>
+          <a:ln>
+            <a:noFill/>
+          </a:ln>
+        </p:spPr>
+      </p:pic>
+      <p:pic>
+        <p:nvPicPr>
+          <p:cNvPr id="10" name="Рисунок 9" descr="D:\tmp\art\sections\integrators\earth_count\result\DV1.png"/>
+          <p:cNvPicPr/>
+          <p:nvPr/>
+        </p:nvPicPr>
+        <p:blipFill>
+          <a:blip r:embed="rId3" cstate="print">
+            <a:extLst>
+              <a:ext uri="{28A0092B-C50C-407E-A947-70E740481C1C}">
+                <a14:useLocalDpi xmlns:a14="http://schemas.microsoft.com/office/drawing/2010/main" val="0"/>
+              </a:ext>
+            </a:extLst>
+          </a:blip>
+          <a:srcRect/>
+          <a:stretch>
+            <a:fillRect/>
+          </a:stretch>
+        </p:blipFill>
+        <p:spPr bwMode="auto">
+          <a:xfrm>
+            <a:off x="6240000" y="477000"/>
+            <a:ext cx="4248000" cy="3124525"/>
+          </a:xfrm>
+          <a:prstGeom prst="rect">
+            <a:avLst/>
+          </a:prstGeom>
+          <a:noFill/>
+          <a:ln>
+            <a:noFill/>
+          </a:ln>
+        </p:spPr>
+      </p:pic>
+      <p:pic>
+        <p:nvPicPr>
+          <p:cNvPr id="11" name="Рисунок 10" descr="D:\tmp\art\sections\integrators\earth_count\result\DIV2.png"/>
+          <p:cNvPicPr/>
+          <p:nvPr/>
+        </p:nvPicPr>
+        <p:blipFill>
+          <a:blip r:embed="rId4" cstate="print">
+            <a:extLst>
+              <a:ext uri="{28A0092B-C50C-407E-A947-70E740481C1C}">
+                <a14:useLocalDpi xmlns:a14="http://schemas.microsoft.com/office/drawing/2010/main" val="0"/>
+              </a:ext>
+            </a:extLst>
+          </a:blip>
+          <a:srcRect/>
+          <a:stretch>
+            <a:fillRect/>
+          </a:stretch>
+        </p:blipFill>
+        <p:spPr bwMode="auto">
+          <a:xfrm>
+            <a:off x="4008000" y="3501000"/>
+            <a:ext cx="4176000" cy="3071302"/>
+          </a:xfrm>
+          <a:prstGeom prst="rect">
+            <a:avLst/>
+          </a:prstGeom>
+          <a:noFill/>
+          <a:ln>
+            <a:noFill/>
+          </a:ln>
+        </p:spPr>
+      </p:pic>
+    </p:spTree>
+    <p:extLst>
+      <p:ext uri="{BB962C8B-B14F-4D97-AF65-F5344CB8AC3E}">
+        <p14:creationId xmlns:p14="http://schemas.microsoft.com/office/powerpoint/2010/main" val="3020809023"/>
+      </p:ext>
+    </p:extLst>
+  </p:cSld>
+  <p:clrMapOvr>
+    <a:masterClrMapping/>
+  </p:clrMapOvr>
+  <p:timing>
+    <p:tnLst>
+      <p:par>
+        <p:cTn id="1" dur="indefinite" restart="never" nodeType="tmRoot"/>
+      </p:par>
+    </p:tnLst>
+  </p:timing>
+</p:sld>
+</file>
+
+<file path=ppt/slides/slide12.xml><?xml version="1.0" encoding="utf-8"?>
+<p:sld xmlns:a="http://schemas.openxmlformats.org/drawingml/2006/main" xmlns:r="http://schemas.openxmlformats.org/officeDocument/2006/relationships" xmlns:p="http://schemas.openxmlformats.org/presentationml/2006/main">
+  <p:cSld>
+    <p:spTree>
+      <p:nvGrpSpPr>
+        <p:cNvPr id="1" name=""/>
+        <p:cNvGrpSpPr/>
+        <p:nvPr/>
+      </p:nvGrpSpPr>
+      <p:grpSpPr>
+        <a:xfrm>
+          <a:off x="0" y="0"/>
+          <a:ext cx="0" cy="0"/>
+          <a:chOff x="0" y="0"/>
+          <a:chExt cx="0" cy="0"/>
+        </a:xfrm>
+      </p:grpSpPr>
+      <p:sp>
+        <p:nvSpPr>
+          <p:cNvPr id="5" name="Заголовок 1"/>
+          <p:cNvSpPr txBox="1">
+            <a:spLocks/>
+          </p:cNvSpPr>
+          <p:nvPr/>
+        </p:nvSpPr>
+        <p:spPr>
+          <a:xfrm>
+            <a:off x="336001" y="261000"/>
+            <a:ext cx="5543999" cy="628072"/>
+          </a:xfrm>
+          <a:prstGeom prst="rect">
+            <a:avLst/>
+          </a:prstGeom>
+        </p:spPr>
+        <p:txBody>
+          <a:bodyPr vert="horz" lIns="91440" tIns="45720" rIns="91440" bIns="45720" rtlCol="0" anchor="ctr">
+            <a:normAutofit/>
+          </a:bodyPr>
+          <a:lstStyle>
+            <a:lvl1pPr algn="l" defTabSz="914400" rtl="0" eaLnBrk="1" latinLnBrk="0" hangingPunct="1">
+              <a:lnSpc>
+                <a:spcPct val="90000"/>
+              </a:lnSpc>
+              <a:spcBef>
+                <a:spcPct val="0"/>
+              </a:spcBef>
+              <a:buNone/>
+              <a:defRPr sz="4400" kern="1200">
+                <a:solidFill>
+                  <a:schemeClr val="tx1"/>
+                </a:solidFill>
+                <a:latin typeface="+mj-lt"/>
+                <a:ea typeface="+mj-ea"/>
+                <a:cs typeface="+mj-cs"/>
+              </a:defRPr>
+            </a:lvl1pPr>
+          </a:lstStyle>
+          <a:p>
+            <a:r>
+              <a:rPr lang="ru-RU" sz="3200" b="1" dirty="0" smtClean="0">
+                <a:latin typeface="Times New Roman" panose="02020603050405020304" pitchFamily="18" charset="0"/>
+                <a:cs typeface="Times New Roman" panose="02020603050405020304" pitchFamily="18" charset="0"/>
+              </a:rPr>
+              <a:t>Заключение</a:t>
+            </a:r>
+            <a:endParaRPr lang="ru-RU" sz="3200" b="1" dirty="0">
+              <a:latin typeface="Times New Roman" panose="02020603050405020304" pitchFamily="18" charset="0"/>
+              <a:cs typeface="Times New Roman" panose="02020603050405020304" pitchFamily="18" charset="0"/>
+            </a:endParaRPr>
+          </a:p>
+        </p:txBody>
+      </p:sp>
+      <mc:AlternateContent xmlns:mc="http://schemas.openxmlformats.org/markup-compatibility/2006">
+        <mc:Choice xmlns:a14="http://schemas.microsoft.com/office/drawing/2010/main" Requires="a14">
+          <p:sp>
+            <p:nvSpPr>
+              <p:cNvPr id="6" name="Прямоугольник 5"/>
+              <p:cNvSpPr/>
+              <p:nvPr/>
+            </p:nvSpPr>
+            <p:spPr>
+              <a:xfrm>
+                <a:off x="336000" y="1053000"/>
+                <a:ext cx="11448000" cy="5386090"/>
+              </a:xfrm>
+              <a:prstGeom prst="rect">
+                <a:avLst/>
+              </a:prstGeom>
+            </p:spPr>
+            <p:txBody>
+              <a:bodyPr wrap="square">
+                <a:spAutoFit/>
+              </a:bodyPr>
+              <a:lstStyle/>
+              <a:p>
+                <a:pPr marL="342900" lvl="0" indent="-342900">
+                  <a:spcAft>
+                    <a:spcPts val="0"/>
+                  </a:spcAft>
+                  <a:buFont typeface="Symbol" panose="05050102010706020507" pitchFamily="18" charset="2"/>
+                  <a:buChar char=""/>
+                </a:pPr>
+                <a:r>
+                  <a:rPr lang="ru-RU" sz="2400" dirty="0" smtClean="0">
+                    <a:latin typeface="Times New Roman" panose="02020603050405020304" pitchFamily="18" charset="0"/>
+                    <a:cs typeface="Times New Roman" panose="02020603050405020304" pitchFamily="18" charset="0"/>
+                  </a:rPr>
+                  <a:t>Мы вычислили скорость захвата частиц темной материи при разных видах взаимодействия в упругом и неупругом случае</a:t>
+                </a:r>
+              </a:p>
+              <a:p>
+                <a:pPr lvl="0">
+                  <a:spcAft>
+                    <a:spcPts val="0"/>
+                  </a:spcAft>
+                </a:pPr>
+                <a:endParaRPr lang="ru-RU" sz="2400" dirty="0" smtClean="0">
+                  <a:latin typeface="Times New Roman" panose="02020603050405020304" pitchFamily="18" charset="0"/>
+                  <a:cs typeface="Times New Roman" panose="02020603050405020304" pitchFamily="18" charset="0"/>
+                </a:endParaRPr>
+              </a:p>
+              <a:p>
+                <a:pPr marL="342900" lvl="0" indent="-342900">
+                  <a:spcAft>
+                    <a:spcPts val="0"/>
+                  </a:spcAft>
+                  <a:buFont typeface="Symbol" panose="05050102010706020507" pitchFamily="18" charset="2"/>
+                  <a:buChar char=""/>
+                </a:pPr>
+                <a:r>
+                  <a:rPr lang="ru-RU" sz="2400" kern="1400" dirty="0" smtClean="0">
+                    <a:latin typeface="Times New Roman" panose="02020603050405020304" pitchFamily="18" charset="0"/>
+                    <a:ea typeface="Cambria" panose="02040503050406030204" pitchFamily="18" charset="0"/>
+                    <a:cs typeface="Times New Roman" panose="02020603050405020304" pitchFamily="18" charset="0"/>
+                  </a:rPr>
+                  <a:t>Неупругое рассеяние происходит, когда масса ТМ меньше массы ядра, а скорость движения на бесконечности больше скорости захвата </a:t>
+                </a:r>
+                <a14:m>
+                  <m:oMath xmlns:m="http://schemas.openxmlformats.org/officeDocument/2006/math">
+                    <m:sSub>
+                      <m:sSubPr>
+                        <m:ctrlPr>
+                          <a:rPr lang="ru-RU" sz="2400" i="1"/>
+                        </m:ctrlPr>
+                      </m:sSubPr>
+                      <m:e>
+                        <m:r>
+                          <a:rPr lang="en-US" sz="2400" i="1"/>
+                          <m:t>𝑣</m:t>
+                        </m:r>
+                      </m:e>
+                      <m:sub>
+                        <m:r>
+                          <a:rPr lang="en-US" sz="2400" i="1"/>
+                          <m:t>𝑒𝑠𝑐</m:t>
+                        </m:r>
+                      </m:sub>
+                    </m:sSub>
+                  </m:oMath>
+                </a14:m>
+                <a:r>
+                  <a:rPr lang="ru-RU" sz="2400" kern="1400" dirty="0" smtClean="0">
+                    <a:latin typeface="Times New Roman" panose="02020603050405020304" pitchFamily="18" charset="0"/>
+                    <a:ea typeface="Cambria" panose="02040503050406030204" pitchFamily="18" charset="0"/>
+                    <a:cs typeface="Times New Roman" panose="02020603050405020304" pitchFamily="18" charset="0"/>
+                  </a:rPr>
+                  <a:t>. Узко распределенное большое упругое сечение конкурирует с малым широко распределенным неупругим сечением. На Солнце эта конкуренция не наблюдается, а на Земле есть вдали от резонансов.</a:t>
+                </a:r>
+              </a:p>
+              <a:p>
+                <a:pPr marL="342900" lvl="0" indent="-342900">
+                  <a:spcAft>
+                    <a:spcPts val="0"/>
+                  </a:spcAft>
+                  <a:buFont typeface="Symbol" panose="05050102010706020507" pitchFamily="18" charset="2"/>
+                  <a:buChar char=""/>
+                </a:pPr>
+                <a:endParaRPr lang="ru-RU" sz="2400" kern="1400" dirty="0">
+                  <a:latin typeface="Times New Roman" panose="02020603050405020304" pitchFamily="18" charset="0"/>
+                  <a:ea typeface="Cambria" panose="02040503050406030204" pitchFamily="18" charset="0"/>
+                  <a:cs typeface="Times New Roman" panose="02020603050405020304" pitchFamily="18" charset="0"/>
+                </a:endParaRPr>
+              </a:p>
+              <a:p>
+                <a:pPr marL="342900" lvl="0" indent="-342900">
+                  <a:spcAft>
+                    <a:spcPts val="0"/>
+                  </a:spcAft>
+                  <a:buFont typeface="Symbol" panose="05050102010706020507" pitchFamily="18" charset="2"/>
+                  <a:buChar char=""/>
+                </a:pPr>
+                <a:r>
+                  <a:rPr lang="ru-RU" sz="2400" kern="1400" dirty="0" smtClean="0">
+                    <a:latin typeface="Times New Roman" panose="02020603050405020304" pitchFamily="18" charset="0"/>
+                    <a:ea typeface="Cambria" panose="02040503050406030204" pitchFamily="18" charset="0"/>
+                    <a:cs typeface="Times New Roman" panose="02020603050405020304" pitchFamily="18" charset="0"/>
+                  </a:rPr>
+                  <a:t>В случае потенциалов с </a:t>
+                </a:r>
+                <a14:m>
+                  <m:oMath xmlns:m="http://schemas.openxmlformats.org/officeDocument/2006/math">
+                    <m:r>
+                      <a:rPr lang="en-US" sz="2400" i="1"/>
+                      <m:t>𝑛</m:t>
+                    </m:r>
+                    <m:r>
+                      <a:rPr lang="ru-RU" sz="2400" i="1"/>
+                      <m:t>=</m:t>
+                    </m:r>
+                    <m:r>
+                      <a:rPr lang="ru-RU" sz="2400" b="0" i="1" smtClean="0">
+                        <a:latin typeface="Cambria Math" panose="02040503050406030204" pitchFamily="18" charset="0"/>
+                      </a:rPr>
+                      <m:t>0,1</m:t>
+                    </m:r>
+                  </m:oMath>
+                </a14:m>
+                <a:r>
+                  <a:rPr lang="ru-RU" sz="2400" kern="1400" dirty="0" smtClean="0">
+                    <a:latin typeface="Times New Roman" panose="02020603050405020304" pitchFamily="18" charset="0"/>
+                    <a:ea typeface="Cambria" panose="02040503050406030204" pitchFamily="18" charset="0"/>
+                    <a:cs typeface="Times New Roman" panose="02020603050405020304" pitchFamily="18" charset="0"/>
+                  </a:rPr>
+                  <a:t> неупругий вклад значительно меньше упругого. Только при больших </a:t>
+                </a:r>
+                <a14:m>
+                  <m:oMath xmlns:m="http://schemas.openxmlformats.org/officeDocument/2006/math">
+                    <m:r>
+                      <a:rPr lang="en-US" sz="2400" i="1">
+                        <a:latin typeface="Cambria Math" panose="02040503050406030204" pitchFamily="18" charset="0"/>
+                      </a:rPr>
+                      <m:t>𝑛</m:t>
+                    </m:r>
+                  </m:oMath>
+                </a14:m>
+                <a:r>
+                  <a:rPr lang="ru-RU" sz="2400" kern="1400" dirty="0" smtClean="0">
+                    <a:latin typeface="Times New Roman" panose="02020603050405020304" pitchFamily="18" charset="0"/>
+                    <a:ea typeface="Cambria" panose="02040503050406030204" pitchFamily="18" charset="0"/>
+                    <a:cs typeface="Times New Roman" panose="02020603050405020304" pitchFamily="18" charset="0"/>
+                  </a:rPr>
+                  <a:t> и небольших массах упругий захват сильно подавлен и проявляется неупругий вклад </a:t>
+                </a:r>
+                <a:endParaRPr lang="ru-RU" sz="3200" kern="1400" dirty="0">
+                  <a:latin typeface="Times New Roman" panose="02020603050405020304" pitchFamily="18" charset="0"/>
+                  <a:ea typeface="Cambria" panose="02040503050406030204" pitchFamily="18" charset="0"/>
+                  <a:cs typeface="Times New Roman" panose="02020603050405020304" pitchFamily="18" charset="0"/>
+                </a:endParaRPr>
+              </a:p>
+              <a:p>
+                <a:pPr marL="342900" lvl="0" indent="-342900">
+                  <a:spcAft>
+                    <a:spcPts val="0"/>
+                  </a:spcAft>
+                  <a:buFont typeface="Symbol" panose="05050102010706020507" pitchFamily="18" charset="2"/>
+                  <a:buChar char=""/>
+                </a:pPr>
+                <a:endParaRPr lang="ru-RU" sz="2400" kern="1400" dirty="0" smtClean="0">
+                  <a:latin typeface="Times New Roman" panose="02020603050405020304" pitchFamily="18" charset="0"/>
+                  <a:ea typeface="Cambria" panose="02040503050406030204" pitchFamily="18" charset="0"/>
+                  <a:cs typeface="Times New Roman" panose="02020603050405020304" pitchFamily="18" charset="0"/>
+                </a:endParaRPr>
+              </a:p>
+              <a:p>
+                <a:pPr marL="342900" lvl="0" indent="-342900">
+                  <a:spcAft>
+                    <a:spcPts val="0"/>
+                  </a:spcAft>
+                  <a:buFont typeface="Symbol" panose="05050102010706020507" pitchFamily="18" charset="2"/>
+                  <a:buChar char=""/>
+                </a:pPr>
+                <a:r>
+                  <a:rPr lang="ru-RU" sz="2400" kern="1400" dirty="0" smtClean="0">
+                    <a:latin typeface="Times New Roman" panose="02020603050405020304" pitchFamily="18" charset="0"/>
+                    <a:ea typeface="Cambria" panose="02040503050406030204" pitchFamily="18" charset="0"/>
+                    <a:cs typeface="Times New Roman" panose="02020603050405020304" pitchFamily="18" charset="0"/>
+                  </a:rPr>
+                  <a:t>Возможен неупругий захват за счет эффекта Мигдала</a:t>
+                </a:r>
+              </a:p>
+            </p:txBody>
+          </p:sp>
+        </mc:Choice>
+        <mc:Fallback>
+          <p:sp>
+            <p:nvSpPr>
+              <p:cNvPr id="6" name="Прямоугольник 5"/>
+              <p:cNvSpPr>
+                <a:spLocks noRot="1" noChangeAspect="1" noMove="1" noResize="1" noEditPoints="1" noAdjustHandles="1" noChangeArrowheads="1" noChangeShapeType="1" noTextEdit="1"/>
+              </p:cNvSpPr>
+              <p:nvPr/>
+            </p:nvSpPr>
+            <p:spPr>
+              <a:xfrm>
+                <a:off x="336000" y="1053000"/>
+                <a:ext cx="11448000" cy="5386090"/>
+              </a:xfrm>
+              <a:prstGeom prst="rect">
+                <a:avLst/>
+              </a:prstGeom>
+              <a:blipFill>
+                <a:blip r:embed="rId2"/>
+                <a:stretch>
+                  <a:fillRect l="-852" t="-1246"/>
+                </a:stretch>
+              </a:blipFill>
+            </p:spPr>
+            <p:txBody>
+              <a:bodyPr/>
+              <a:lstStyle/>
+              <a:p>
+                <a:r>
+                  <a:rPr lang="ru-RU">
+                    <a:noFill/>
+                  </a:rPr>
+                  <a:t> </a:t>
+                </a:r>
+              </a:p>
+            </p:txBody>
+          </p:sp>
+        </mc:Fallback>
+      </mc:AlternateContent>
+    </p:spTree>
+    <p:extLst>
+      <p:ext uri="{BB962C8B-B14F-4D97-AF65-F5344CB8AC3E}">
+        <p14:creationId xmlns:p14="http://schemas.microsoft.com/office/powerpoint/2010/main" val="938123684"/>
+      </p:ext>
+    </p:extLst>
+  </p:cSld>
+  <p:clrMapOvr>
+    <a:masterClrMapping/>
+  </p:clrMapOvr>
+</p:sld>
+</file>
+
+<file path=ppt/slides/slide13.xml><?xml version="1.0" encoding="utf-8"?>
+<p:sld xmlns:a="http://schemas.openxmlformats.org/drawingml/2006/main" xmlns:r="http://schemas.openxmlformats.org/officeDocument/2006/relationships" xmlns:p="http://schemas.openxmlformats.org/presentationml/2006/main">
+  <p:cSld>
+    <p:spTree>
+      <p:nvGrpSpPr>
+        <p:cNvPr id="1" name=""/>
+        <p:cNvGrpSpPr/>
+        <p:nvPr/>
+      </p:nvGrpSpPr>
+      <p:grpSpPr>
+        <a:xfrm>
+          <a:off x="0" y="0"/>
+          <a:ext cx="0" cy="0"/>
+          <a:chOff x="0" y="0"/>
+          <a:chExt cx="0" cy="0"/>
+        </a:xfrm>
+      </p:grpSpPr>
+    </p:spTree>
+    <p:extLst>
+      <p:ext uri="{BB962C8B-B14F-4D97-AF65-F5344CB8AC3E}">
+        <p14:creationId xmlns:p14="http://schemas.microsoft.com/office/powerpoint/2010/main" val="155427750"/>
+      </p:ext>
+    </p:extLst>
+  </p:cSld>
+  <p:clrMapOvr>
+    <a:masterClrMapping/>
+  </p:clrMapOvr>
+</p:sld>
+</file>
+
+<file path=ppt/slides/slide14.xml><?xml version="1.0" encoding="utf-8"?>
+<p:sld xmlns:a="http://schemas.openxmlformats.org/drawingml/2006/main" xmlns:r="http://schemas.openxmlformats.org/officeDocument/2006/relationships" xmlns:p="http://schemas.openxmlformats.org/presentationml/2006/main">
+  <p:cSld>
+    <p:spTree>
+      <p:nvGrpSpPr>
+        <p:cNvPr id="1" name=""/>
+        <p:cNvGrpSpPr/>
+        <p:nvPr/>
+      </p:nvGrpSpPr>
+      <p:grpSpPr>
+        <a:xfrm>
+          <a:off x="0" y="0"/>
+          <a:ext cx="0" cy="0"/>
+          <a:chOff x="0" y="0"/>
+          <a:chExt cx="0" cy="0"/>
+        </a:xfrm>
+      </p:grpSpPr>
+      <p:sp>
+        <p:nvSpPr>
+          <p:cNvPr id="4" name="Заголовок 1"/>
+          <p:cNvSpPr txBox="1">
+            <a:spLocks/>
+          </p:cNvSpPr>
+          <p:nvPr/>
+        </p:nvSpPr>
+        <p:spPr>
+          <a:xfrm>
+            <a:off x="336001" y="261000"/>
+            <a:ext cx="9719999" cy="628072"/>
+          </a:xfrm>
+          <a:prstGeom prst="rect">
+            <a:avLst/>
+          </a:prstGeom>
+        </p:spPr>
+        <p:txBody>
+          <a:bodyPr vert="horz" lIns="91440" tIns="45720" rIns="91440" bIns="45720" rtlCol="0" anchor="ctr">
+            <a:noAutofit/>
+          </a:bodyPr>
+          <a:lstStyle>
+            <a:lvl1pPr algn="l" defTabSz="914400" rtl="0" eaLnBrk="1" latinLnBrk="0" hangingPunct="1">
+              <a:lnSpc>
+                <a:spcPct val="90000"/>
+              </a:lnSpc>
+              <a:spcBef>
+                <a:spcPct val="0"/>
+              </a:spcBef>
+              <a:buNone/>
+              <a:defRPr sz="4400" kern="1200">
+                <a:solidFill>
+                  <a:schemeClr val="tx1"/>
+                </a:solidFill>
+                <a:latin typeface="+mj-lt"/>
+                <a:ea typeface="+mj-ea"/>
+                <a:cs typeface="+mj-cs"/>
+              </a:defRPr>
+            </a:lvl1pPr>
+          </a:lstStyle>
+          <a:p>
+            <a:r>
+              <a:rPr lang="ru-RU" sz="3200" b="1" dirty="0" smtClean="0">
+                <a:latin typeface="Times New Roman" panose="02020603050405020304" pitchFamily="18" charset="0"/>
+                <a:cs typeface="Times New Roman" panose="02020603050405020304" pitchFamily="18" charset="0"/>
+              </a:rPr>
+              <a:t>Дополнительный слайд: Температура</a:t>
+            </a:r>
+            <a:endParaRPr lang="ru-RU" sz="3200" b="1" dirty="0">
+              <a:latin typeface="Times New Roman" panose="02020603050405020304" pitchFamily="18" charset="0"/>
+              <a:cs typeface="Times New Roman" panose="02020603050405020304" pitchFamily="18" charset="0"/>
+            </a:endParaRPr>
+          </a:p>
+        </p:txBody>
+      </p:sp>
+      <p:pic>
+        <p:nvPicPr>
+          <p:cNvPr id="5" name="Рисунок 4"/>
+          <p:cNvPicPr>
+            <a:picLocks noChangeAspect="1"/>
+          </p:cNvPicPr>
+          <p:nvPr/>
+        </p:nvPicPr>
+        <p:blipFill>
+          <a:blip r:embed="rId2"/>
+          <a:stretch>
+            <a:fillRect/>
+          </a:stretch>
+        </p:blipFill>
+        <p:spPr>
+          <a:xfrm>
+            <a:off x="2640000" y="1053000"/>
+            <a:ext cx="6552000" cy="2813108"/>
+          </a:xfrm>
+          <a:prstGeom prst="rect">
+            <a:avLst/>
+          </a:prstGeom>
+        </p:spPr>
+      </p:pic>
+      <p:pic>
+        <p:nvPicPr>
+          <p:cNvPr id="6" name="Рисунок 5" descr="D:\tmp\art\sections\integrators\solar_count\result\TempVs.png"/>
+          <p:cNvPicPr/>
+          <p:nvPr/>
+        </p:nvPicPr>
+        <p:blipFill>
+          <a:blip r:embed="rId3" cstate="print">
+            <a:extLst>
+              <a:ext uri="{28A0092B-C50C-407E-A947-70E740481C1C}">
+                <a14:useLocalDpi xmlns:a14="http://schemas.microsoft.com/office/drawing/2010/main" val="0"/>
+              </a:ext>
+            </a:extLst>
+          </a:blip>
+          <a:srcRect/>
+          <a:stretch>
+            <a:fillRect/>
+          </a:stretch>
+        </p:blipFill>
+        <p:spPr bwMode="auto">
+          <a:xfrm>
+            <a:off x="2352000" y="4077000"/>
+            <a:ext cx="3384000" cy="2449392"/>
+          </a:xfrm>
+          <a:prstGeom prst="rect">
+            <a:avLst/>
+          </a:prstGeom>
+          <a:noFill/>
+          <a:ln>
+            <a:noFill/>
+          </a:ln>
+        </p:spPr>
+      </p:pic>
+      <p:pic>
+        <p:nvPicPr>
+          <p:cNvPr id="7" name="Рисунок 6" descr="D:\tmp\art\sections\integrators\solar_count\result\TempVs.png"/>
+          <p:cNvPicPr/>
+          <p:nvPr/>
+        </p:nvPicPr>
+        <p:blipFill>
+          <a:blip r:embed="rId4" cstate="print">
+            <a:extLst>
+              <a:ext uri="{28A0092B-C50C-407E-A947-70E740481C1C}">
+                <a14:useLocalDpi xmlns:a14="http://schemas.microsoft.com/office/drawing/2010/main" val="0"/>
+              </a:ext>
+            </a:extLst>
+          </a:blip>
+          <a:srcRect/>
+          <a:stretch>
+            <a:fillRect/>
+          </a:stretch>
+        </p:blipFill>
+        <p:spPr bwMode="auto">
+          <a:xfrm>
+            <a:off x="5808000" y="4077000"/>
+            <a:ext cx="3414885" cy="2511135"/>
+          </a:xfrm>
+          <a:prstGeom prst="rect">
+            <a:avLst/>
+          </a:prstGeom>
+          <a:noFill/>
+          <a:ln>
+            <a:noFill/>
+          </a:ln>
+        </p:spPr>
+      </p:pic>
+    </p:spTree>
+    <p:extLst>
+      <p:ext uri="{BB962C8B-B14F-4D97-AF65-F5344CB8AC3E}">
+        <p14:creationId xmlns:p14="http://schemas.microsoft.com/office/powerpoint/2010/main" val="2395389777"/>
+      </p:ext>
+    </p:extLst>
+  </p:cSld>
+  <p:clrMapOvr>
+    <a:masterClrMapping/>
+  </p:clrMapOvr>
+  <p:timing>
+    <p:tnLst>
+      <p:par>
+        <p:cTn id="1" dur="indefinite" restart="never" nodeType="tmRoot"/>
+      </p:par>
+    </p:tnLst>
+  </p:timing>
+</p:sld>
+</file>
+
+<file path=ppt/slides/slide15.xml><?xml version="1.0" encoding="utf-8"?>
+<p:sld xmlns:a="http://schemas.openxmlformats.org/drawingml/2006/main" xmlns:r="http://schemas.openxmlformats.org/officeDocument/2006/relationships" xmlns:p="http://schemas.openxmlformats.org/presentationml/2006/main">
+  <p:cSld>
+    <p:spTree>
+      <p:nvGrpSpPr>
+        <p:cNvPr id="1" name=""/>
+        <p:cNvGrpSpPr/>
+        <p:nvPr/>
+      </p:nvGrpSpPr>
+      <p:grpSpPr>
+        <a:xfrm>
+          <a:off x="0" y="0"/>
+          <a:ext cx="0" cy="0"/>
+          <a:chOff x="0" y="0"/>
+          <a:chExt cx="0" cy="0"/>
+        </a:xfrm>
+      </p:grpSpPr>
+      <p:sp>
+        <p:nvSpPr>
+          <p:cNvPr id="5" name="Заголовок 1"/>
+          <p:cNvSpPr txBox="1">
+            <a:spLocks/>
+          </p:cNvSpPr>
+          <p:nvPr/>
+        </p:nvSpPr>
+        <p:spPr>
+          <a:xfrm>
+            <a:off x="336001" y="261000"/>
+            <a:ext cx="9719999" cy="628072"/>
+          </a:xfrm>
+          <a:prstGeom prst="rect">
+            <a:avLst/>
+          </a:prstGeom>
+        </p:spPr>
+        <p:txBody>
+          <a:bodyPr vert="horz" lIns="91440" tIns="45720" rIns="91440" bIns="45720" rtlCol="0" anchor="ctr">
+            <a:noAutofit/>
+          </a:bodyPr>
+          <a:lstStyle>
+            <a:lvl1pPr algn="l" defTabSz="914400" rtl="0" eaLnBrk="1" latinLnBrk="0" hangingPunct="1">
+              <a:lnSpc>
+                <a:spcPct val="90000"/>
+              </a:lnSpc>
+              <a:spcBef>
+                <a:spcPct val="0"/>
+              </a:spcBef>
+              <a:buNone/>
+              <a:defRPr sz="4400" kern="1200">
+                <a:solidFill>
+                  <a:schemeClr val="tx1"/>
+                </a:solidFill>
+                <a:latin typeface="+mj-lt"/>
+                <a:ea typeface="+mj-ea"/>
+                <a:cs typeface="+mj-cs"/>
+              </a:defRPr>
+            </a:lvl1pPr>
+          </a:lstStyle>
+          <a:p>
+            <a:r>
+              <a:rPr lang="ru-RU" sz="3200" b="1" dirty="0" smtClean="0">
+                <a:latin typeface="Times New Roman" panose="02020603050405020304" pitchFamily="18" charset="0"/>
+                <a:cs typeface="Times New Roman" panose="02020603050405020304" pitchFamily="18" charset="0"/>
+              </a:rPr>
+              <a:t>Дополнительный слайд: Грубые оценки</a:t>
+            </a:r>
+            <a:endParaRPr lang="ru-RU" sz="3200" b="1" dirty="0">
+              <a:latin typeface="Times New Roman" panose="02020603050405020304" pitchFamily="18" charset="0"/>
+              <a:cs typeface="Times New Roman" panose="02020603050405020304" pitchFamily="18" charset="0"/>
+            </a:endParaRPr>
+          </a:p>
+        </p:txBody>
+      </p:sp>
+      <mc:AlternateContent xmlns:mc="http://schemas.openxmlformats.org/markup-compatibility/2006">
+        <mc:Choice xmlns:a14="http://schemas.microsoft.com/office/drawing/2010/main" Requires="a14">
+          <p:sp>
+            <p:nvSpPr>
+              <p:cNvPr id="7" name="Прямоугольник 6"/>
+              <p:cNvSpPr/>
+              <p:nvPr/>
+            </p:nvSpPr>
+            <p:spPr>
+              <a:xfrm>
+                <a:off x="336000" y="1053000"/>
+                <a:ext cx="11448000" cy="7201330"/>
+              </a:xfrm>
+              <a:prstGeom prst="rect">
+                <a:avLst/>
+              </a:prstGeom>
+            </p:spPr>
+            <p:txBody>
+              <a:bodyPr wrap="square">
+                <a:spAutoFit/>
+              </a:bodyPr>
+              <a:lstStyle/>
+              <a:p>
+                <a:pPr marL="342900" lvl="0" indent="-342900">
+                  <a:spcAft>
+                    <a:spcPts val="0"/>
+                  </a:spcAft>
+                  <a:buFont typeface="Symbol" panose="05050102010706020507" pitchFamily="18" charset="2"/>
+                  <a:buChar char=""/>
+                </a:pPr>
+                <a:r>
+                  <a:rPr lang="ru-RU" sz="2400" dirty="0" smtClean="0">
+                    <a:latin typeface="Times New Roman" panose="02020603050405020304" pitchFamily="18" charset="0"/>
+                    <a:cs typeface="Times New Roman" panose="02020603050405020304" pitchFamily="18" charset="0"/>
+                  </a:rPr>
+                  <a:t>Фактор подавления для неупругого вклада</a:t>
+                </a:r>
+              </a:p>
+              <a:p>
+                <a:pPr marL="342900" lvl="0" indent="-342900">
+                  <a:spcAft>
+                    <a:spcPts val="0"/>
+                  </a:spcAft>
+                  <a:buFont typeface="Symbol" panose="05050102010706020507" pitchFamily="18" charset="2"/>
+                  <a:buChar char=""/>
+                </a:pPr>
+                <a:endParaRPr lang="ru-RU" sz="2400" dirty="0" smtClean="0">
+                  <a:latin typeface="Times New Roman" panose="02020603050405020304" pitchFamily="18" charset="0"/>
+                  <a:cs typeface="Times New Roman" panose="02020603050405020304" pitchFamily="18" charset="0"/>
+                </a:endParaRPr>
+              </a:p>
+              <a:p>
+                <a:pPr lvl="0">
+                  <a:spcAft>
+                    <a:spcPts val="0"/>
+                  </a:spcAft>
+                </a:pPr>
+                <a14:m>
+                  <m:oMathPara xmlns:m="http://schemas.openxmlformats.org/officeDocument/2006/math">
+                    <m:oMathParaPr>
+                      <m:jc m:val="centerGroup"/>
+                    </m:oMathParaPr>
+                    <m:oMath xmlns:m="http://schemas.openxmlformats.org/officeDocument/2006/math">
+                      <m:sSub>
+                        <m:sSubPr>
+                          <m:ctrlPr>
+                            <a:rPr lang="ru-RU" sz="2400" i="1">
+                              <a:latin typeface="Cambria Math" panose="02040503050406030204" pitchFamily="18" charset="0"/>
+                            </a:rPr>
+                          </m:ctrlPr>
+                        </m:sSubPr>
+                        <m:e>
+                          <m:r>
+                            <a:rPr lang="en-US" sz="2400" i="1">
+                              <a:latin typeface="Cambria Math" panose="02040503050406030204" pitchFamily="18" charset="0"/>
+                            </a:rPr>
+                            <m:t>𝑃</m:t>
+                          </m:r>
+                        </m:e>
+                        <m:sub>
+                          <m:r>
+                            <a:rPr lang="en-US" sz="2400" i="1">
+                              <a:latin typeface="Cambria Math" panose="02040503050406030204" pitchFamily="18" charset="0"/>
+                            </a:rPr>
+                            <m:t>𝑖𝑛</m:t>
+                          </m:r>
+                        </m:sub>
+                      </m:sSub>
+                      <m:r>
+                        <a:rPr lang="en-US" sz="2400" i="1">
+                          <a:latin typeface="Cambria Math" panose="02040503050406030204" pitchFamily="18" charset="0"/>
+                        </a:rPr>
+                        <m:t>~</m:t>
+                      </m:r>
+                      <m:sSup>
+                        <m:sSupPr>
+                          <m:ctrlPr>
+                            <a:rPr lang="ru-RU" sz="2400" i="1">
+                              <a:latin typeface="Cambria Math" panose="02040503050406030204" pitchFamily="18" charset="0"/>
+                            </a:rPr>
+                          </m:ctrlPr>
+                        </m:sSupPr>
+                        <m:e>
+                          <m:r>
+                            <a:rPr lang="en-US" sz="2400" i="1">
+                              <a:latin typeface="Cambria Math" panose="02040503050406030204" pitchFamily="18" charset="0"/>
+                            </a:rPr>
+                            <m:t>𝑍</m:t>
+                          </m:r>
+                        </m:e>
+                        <m:sup>
+                          <m:r>
+                            <a:rPr lang="en-US" sz="2400" i="1">
+                              <a:latin typeface="Cambria Math" panose="02040503050406030204" pitchFamily="18" charset="0"/>
+                            </a:rPr>
+                            <m:t>2</m:t>
+                          </m:r>
+                        </m:sup>
+                      </m:sSup>
+                      <m:r>
+                        <a:rPr lang="en-US" sz="2400" i="1">
+                          <a:latin typeface="Cambria Math" panose="02040503050406030204" pitchFamily="18" charset="0"/>
+                        </a:rPr>
+                        <m:t>𝛼</m:t>
+                      </m:r>
+                      <m:r>
+                        <a:rPr lang="en-US" sz="2400" i="1">
+                          <a:latin typeface="Cambria Math" panose="02040503050406030204" pitchFamily="18" charset="0"/>
+                        </a:rPr>
+                        <m:t>⋅</m:t>
+                      </m:r>
+                      <m:sSup>
+                        <m:sSupPr>
+                          <m:ctrlPr>
+                            <a:rPr lang="ru-RU" sz="2400" i="1">
+                              <a:latin typeface="Cambria Math" panose="02040503050406030204" pitchFamily="18" charset="0"/>
+                            </a:rPr>
+                          </m:ctrlPr>
+                        </m:sSupPr>
+                        <m:e>
+                          <m:d>
+                            <m:dPr>
+                              <m:ctrlPr>
+                                <a:rPr lang="ru-RU" sz="2400" i="1">
+                                  <a:latin typeface="Cambria Math" panose="02040503050406030204" pitchFamily="18" charset="0"/>
+                                </a:rPr>
+                              </m:ctrlPr>
+                            </m:dPr>
+                            <m:e>
+                              <m:f>
+                                <m:fPr>
+                                  <m:ctrlPr>
+                                    <a:rPr lang="ru-RU" sz="2400" i="1">
+                                      <a:latin typeface="Cambria Math" panose="02040503050406030204" pitchFamily="18" charset="0"/>
+                                    </a:rPr>
+                                  </m:ctrlPr>
+                                </m:fPr>
+                                <m:num>
+                                  <m:sSub>
+                                    <m:sSubPr>
+                                      <m:ctrlPr>
+                                        <a:rPr lang="ru-RU" sz="2400" i="1">
+                                          <a:latin typeface="Cambria Math" panose="02040503050406030204" pitchFamily="18" charset="0"/>
+                                        </a:rPr>
+                                      </m:ctrlPr>
+                                    </m:sSubPr>
+                                    <m:e>
+                                      <m:r>
+                                        <a:rPr lang="en-US" sz="2400" i="1">
+                                          <a:latin typeface="Cambria Math" panose="02040503050406030204" pitchFamily="18" charset="0"/>
+                                        </a:rPr>
+                                        <m:t>𝑚</m:t>
+                                      </m:r>
+                                    </m:e>
+                                    <m:sub>
+                                      <m:r>
+                                        <a:rPr lang="en-US" sz="2400" i="1">
+                                          <a:latin typeface="Cambria Math" panose="02040503050406030204" pitchFamily="18" charset="0"/>
+                                        </a:rPr>
+                                        <m:t>𝑘</m:t>
+                                      </m:r>
+                                    </m:sub>
+                                  </m:sSub>
+                                </m:num>
+                                <m:den>
+                                  <m:sSub>
+                                    <m:sSubPr>
+                                      <m:ctrlPr>
+                                        <a:rPr lang="ru-RU" sz="2400" i="1">
+                                          <a:latin typeface="Cambria Math" panose="02040503050406030204" pitchFamily="18" charset="0"/>
+                                        </a:rPr>
+                                      </m:ctrlPr>
+                                    </m:sSubPr>
+                                    <m:e>
+                                      <m:r>
+                                        <a:rPr lang="en-US" sz="2400" i="1">
+                                          <a:latin typeface="Cambria Math" panose="02040503050406030204" pitchFamily="18" charset="0"/>
+                                        </a:rPr>
+                                        <m:t>𝑚</m:t>
+                                      </m:r>
+                                    </m:e>
+                                    <m:sub>
+                                      <m:r>
+                                        <a:rPr lang="en-US" sz="2400" i="1">
+                                          <a:latin typeface="Cambria Math" panose="02040503050406030204" pitchFamily="18" charset="0"/>
+                                        </a:rPr>
+                                        <m:t>𝑝</m:t>
+                                      </m:r>
+                                    </m:sub>
+                                  </m:sSub>
+                                  <m:r>
+                                    <a:rPr lang="en-US" sz="2400" i="1">
+                                      <a:latin typeface="Cambria Math" panose="02040503050406030204" pitchFamily="18" charset="0"/>
+                                    </a:rPr>
+                                    <m:t>+</m:t>
+                                  </m:r>
+                                  <m:sSub>
+                                    <m:sSubPr>
+                                      <m:ctrlPr>
+                                        <a:rPr lang="ru-RU" sz="2400" i="1">
+                                          <a:latin typeface="Cambria Math" panose="02040503050406030204" pitchFamily="18" charset="0"/>
+                                        </a:rPr>
+                                      </m:ctrlPr>
+                                    </m:sSubPr>
+                                    <m:e>
+                                      <m:r>
+                                        <a:rPr lang="en-US" sz="2400" i="1">
+                                          <a:latin typeface="Cambria Math" panose="02040503050406030204" pitchFamily="18" charset="0"/>
+                                        </a:rPr>
+                                        <m:t>𝑚</m:t>
+                                      </m:r>
+                                    </m:e>
+                                    <m:sub>
+                                      <m:r>
+                                        <a:rPr lang="en-US" sz="2400" i="1">
+                                          <a:latin typeface="Cambria Math" panose="02040503050406030204" pitchFamily="18" charset="0"/>
+                                        </a:rPr>
+                                        <m:t>𝑘</m:t>
+                                      </m:r>
+                                    </m:sub>
+                                  </m:sSub>
+                                </m:den>
+                              </m:f>
+                            </m:e>
+                          </m:d>
+                        </m:e>
+                        <m:sup>
+                          <m:r>
+                            <a:rPr lang="en-US" sz="2400" i="1">
+                              <a:latin typeface="Cambria Math" panose="02040503050406030204" pitchFamily="18" charset="0"/>
+                            </a:rPr>
+                            <m:t>2</m:t>
+                          </m:r>
+                        </m:sup>
+                      </m:sSup>
+                      <m:f>
+                        <m:fPr>
+                          <m:ctrlPr>
+                            <a:rPr lang="ru-RU" sz="2400" i="1">
+                              <a:latin typeface="Cambria Math" panose="02040503050406030204" pitchFamily="18" charset="0"/>
+                            </a:rPr>
+                          </m:ctrlPr>
+                        </m:fPr>
+                        <m:num>
+                          <m:sSubSup>
+                            <m:sSubSupPr>
+                              <m:ctrlPr>
+                                <a:rPr lang="ru-RU" sz="2400" i="1">
+                                  <a:latin typeface="Cambria Math" panose="02040503050406030204" pitchFamily="18" charset="0"/>
+                                </a:rPr>
+                              </m:ctrlPr>
+                            </m:sSubSupPr>
+                            <m:e>
+                              <m:r>
+                                <a:rPr lang="en-US" sz="2400" i="1">
+                                  <a:latin typeface="Cambria Math" panose="02040503050406030204" pitchFamily="18" charset="0"/>
+                                </a:rPr>
+                                <m:t>𝑣</m:t>
+                              </m:r>
+                            </m:e>
+                            <m:sub>
+                              <m:r>
+                                <a:rPr lang="en-US" sz="2400" i="1">
+                                  <a:latin typeface="Cambria Math" panose="02040503050406030204" pitchFamily="18" charset="0"/>
+                                </a:rPr>
+                                <m:t>𝑒𝑠𝑐</m:t>
+                              </m:r>
+                            </m:sub>
+                            <m:sup>
+                              <m:r>
+                                <a:rPr lang="en-US" sz="2400" i="1">
+                                  <a:latin typeface="Cambria Math" panose="02040503050406030204" pitchFamily="18" charset="0"/>
+                                </a:rPr>
+                                <m:t>3</m:t>
+                              </m:r>
+                            </m:sup>
+                          </m:sSubSup>
+                        </m:num>
+                        <m:den>
+                          <m:sSub>
+                            <m:sSubPr>
+                              <m:ctrlPr>
+                                <a:rPr lang="ru-RU" sz="2400" i="1">
+                                  <a:latin typeface="Cambria Math" panose="02040503050406030204" pitchFamily="18" charset="0"/>
+                                </a:rPr>
+                              </m:ctrlPr>
+                            </m:sSubPr>
+                            <m:e>
+                              <m:r>
+                                <a:rPr lang="ru-RU" sz="2400" i="1">
+                                  <a:latin typeface="Cambria Math" panose="02040503050406030204" pitchFamily="18" charset="0"/>
+                                </a:rPr>
+                                <m:t>𝑢</m:t>
+                              </m:r>
+                            </m:e>
+                            <m:sub>
+                              <m:r>
+                                <a:rPr lang="ru-RU" sz="2400" i="1">
+                                  <a:latin typeface="Cambria Math" panose="02040503050406030204" pitchFamily="18" charset="0"/>
+                                </a:rPr>
+                                <m:t>0</m:t>
+                              </m:r>
+                            </m:sub>
+                          </m:sSub>
+                          <m:r>
+                            <a:rPr lang="ru-RU" sz="2400">
+                              <a:latin typeface="Cambria Math" panose="02040503050406030204" pitchFamily="18" charset="0"/>
+                            </a:rPr>
+                            <m:t> </m:t>
+                          </m:r>
+                        </m:den>
+                      </m:f>
+                    </m:oMath>
+                  </m:oMathPara>
+                </a14:m>
+                <a:endParaRPr lang="ru-RU" sz="2400" dirty="0" smtClean="0">
+                  <a:latin typeface="Times New Roman" panose="02020603050405020304" pitchFamily="18" charset="0"/>
+                  <a:cs typeface="Times New Roman" panose="02020603050405020304" pitchFamily="18" charset="0"/>
+                </a:endParaRPr>
+              </a:p>
+              <a:p>
+                <a:pPr lvl="0">
+                  <a:spcAft>
+                    <a:spcPts val="0"/>
+                  </a:spcAft>
+                </a:pPr>
+                <a:endParaRPr lang="ru-RU" sz="2400" dirty="0" smtClean="0">
+                  <a:latin typeface="Times New Roman" panose="02020603050405020304" pitchFamily="18" charset="0"/>
+                  <a:cs typeface="Times New Roman" panose="02020603050405020304" pitchFamily="18" charset="0"/>
+                </a:endParaRPr>
+              </a:p>
+              <a:p>
+                <a:pPr marL="342900" lvl="0" indent="-342900">
+                  <a:spcAft>
+                    <a:spcPts val="0"/>
+                  </a:spcAft>
+                  <a:buFont typeface="Symbol" panose="05050102010706020507" pitchFamily="18" charset="2"/>
+                  <a:buChar char=""/>
+                </a:pPr>
+                <a:r>
+                  <a:rPr lang="ru-RU" sz="2400" dirty="0" smtClean="0">
+                    <a:latin typeface="Times New Roman" panose="02020603050405020304" pitchFamily="18" charset="0"/>
+                    <a:cs typeface="Times New Roman" panose="02020603050405020304" pitchFamily="18" charset="0"/>
+                  </a:rPr>
+                  <a:t>Фактор подавления упругого сечения в резонансе</a:t>
+                </a:r>
+              </a:p>
+              <a:p>
+                <a:pPr marL="342900" lvl="0" indent="-342900">
+                  <a:spcAft>
+                    <a:spcPts val="0"/>
+                  </a:spcAft>
+                  <a:buFont typeface="Symbol" panose="05050102010706020507" pitchFamily="18" charset="2"/>
+                  <a:buChar char=""/>
+                </a:pPr>
+                <a:endParaRPr lang="ru-RU" sz="2400" dirty="0" smtClean="0">
+                  <a:latin typeface="Times New Roman" panose="02020603050405020304" pitchFamily="18" charset="0"/>
+                  <a:cs typeface="Times New Roman" panose="02020603050405020304" pitchFamily="18" charset="0"/>
+                </a:endParaRPr>
+              </a:p>
+              <a:p>
+                <a14:m>
+                  <m:oMathPara xmlns:m="http://schemas.openxmlformats.org/officeDocument/2006/math">
+                    <m:oMathParaPr>
+                      <m:jc m:val="centerGroup"/>
+                    </m:oMathParaPr>
+                    <m:oMath xmlns:m="http://schemas.openxmlformats.org/officeDocument/2006/math">
+                      <m:sSubSup>
+                        <m:sSubSupPr>
+                          <m:ctrlPr>
+                            <a:rPr lang="ru-RU" sz="2400" i="1"/>
+                          </m:ctrlPr>
+                        </m:sSubSupPr>
+                        <m:e>
+                          <m:r>
+                            <a:rPr lang="en-US" sz="2400" i="1"/>
+                            <m:t>𝑃</m:t>
+                          </m:r>
+                        </m:e>
+                        <m:sub>
+                          <m:r>
+                            <a:rPr lang="en-US" sz="2400" i="1"/>
+                            <m:t>𝑒𝑙</m:t>
+                          </m:r>
+                        </m:sub>
+                        <m:sup>
+                          <m:r>
+                            <a:rPr lang="en-US" sz="2400" i="1"/>
+                            <m:t>𝑟𝑒𝑠</m:t>
+                          </m:r>
+                        </m:sup>
+                      </m:sSubSup>
+                      <m:r>
+                        <a:rPr lang="en-US" sz="2400" i="1"/>
+                        <m:t>~</m:t>
+                      </m:r>
+                      <m:f>
+                        <m:fPr>
+                          <m:ctrlPr>
+                            <a:rPr lang="ru-RU" sz="2400" i="1"/>
+                          </m:ctrlPr>
+                        </m:fPr>
+                        <m:num>
+                          <m:sSubSup>
+                            <m:sSubSupPr>
+                              <m:ctrlPr>
+                                <a:rPr lang="ru-RU" sz="2400" i="1"/>
+                              </m:ctrlPr>
+                            </m:sSubSupPr>
+                            <m:e>
+                              <m:r>
+                                <a:rPr lang="en-US" sz="2400" i="1"/>
+                                <m:t>𝑣</m:t>
+                              </m:r>
+                            </m:e>
+                            <m:sub>
+                              <m:r>
+                                <a:rPr lang="en-US" sz="2400" i="1"/>
+                                <m:t>𝑒𝑠𝑐</m:t>
+                              </m:r>
+                            </m:sub>
+                            <m:sup>
+                              <m:r>
+                                <a:rPr lang="en-US" sz="2400" i="1"/>
+                                <m:t>2</m:t>
+                              </m:r>
+                            </m:sup>
+                          </m:sSubSup>
+                        </m:num>
+                        <m:den>
+                          <m:sSubSup>
+                            <m:sSubSupPr>
+                              <m:ctrlPr>
+                                <a:rPr lang="ru-RU" sz="2400" i="1"/>
+                              </m:ctrlPr>
+                            </m:sSubSupPr>
+                            <m:e>
+                              <m:r>
+                                <a:rPr lang="ru-RU" sz="2400" i="1"/>
+                                <m:t>𝑢</m:t>
+                              </m:r>
+                            </m:e>
+                            <m:sub>
+                              <m:r>
+                                <a:rPr lang="ru-RU" sz="2400" i="1"/>
+                                <m:t>0</m:t>
+                              </m:r>
+                            </m:sub>
+                            <m:sup>
+                              <m:r>
+                                <a:rPr lang="ru-RU" sz="2400" i="1"/>
+                                <m:t>2</m:t>
+                              </m:r>
+                            </m:sup>
+                          </m:sSubSup>
+                        </m:den>
+                      </m:f>
+                    </m:oMath>
+                  </m:oMathPara>
+                </a14:m>
+                <a:endParaRPr lang="ru-RU" sz="2400" dirty="0" smtClean="0">
+                  <a:latin typeface="Times New Roman" panose="02020603050405020304" pitchFamily="18" charset="0"/>
+                  <a:cs typeface="Times New Roman" panose="02020603050405020304" pitchFamily="18" charset="0"/>
+                </a:endParaRPr>
+              </a:p>
+              <a:p>
+                <a:pPr marL="342900" indent="-342900">
+                  <a:buFont typeface="Symbol" panose="05050102010706020507" pitchFamily="18" charset="2"/>
+                  <a:buChar char=""/>
+                </a:pPr>
+                <a:r>
+                  <a:rPr lang="ru-RU" sz="2400" dirty="0">
+                    <a:latin typeface="Times New Roman" panose="02020603050405020304" pitchFamily="18" charset="0"/>
+                    <a:cs typeface="Times New Roman" panose="02020603050405020304" pitchFamily="18" charset="0"/>
+                  </a:rPr>
+                  <a:t>Фактор подавления упругого сечения </a:t>
+                </a:r>
+                <a:r>
+                  <a:rPr lang="ru-RU" sz="2400" dirty="0" smtClean="0">
+                    <a:latin typeface="Times New Roman" panose="02020603050405020304" pitchFamily="18" charset="0"/>
+                    <a:cs typeface="Times New Roman" panose="02020603050405020304" pitchFamily="18" charset="0"/>
+                  </a:rPr>
+                  <a:t>вдали от резонанса</a:t>
+                </a:r>
+              </a:p>
+              <a:p>
+                <a:pPr marL="342900" indent="-342900">
+                  <a:buFont typeface="Symbol" panose="05050102010706020507" pitchFamily="18" charset="2"/>
+                  <a:buChar char=""/>
+                </a:pPr>
+                <a:endParaRPr lang="ru-RU" sz="2400" dirty="0">
+                  <a:latin typeface="Times New Roman" panose="02020603050405020304" pitchFamily="18" charset="0"/>
+                  <a:cs typeface="Times New Roman" panose="02020603050405020304" pitchFamily="18" charset="0"/>
+                </a:endParaRPr>
+              </a:p>
+              <a:p>
+                <a14:m>
+                  <m:oMathPara xmlns:m="http://schemas.openxmlformats.org/officeDocument/2006/math">
+                    <m:oMathParaPr>
+                      <m:jc m:val="centerGroup"/>
+                    </m:oMathParaPr>
+                    <m:oMath xmlns:m="http://schemas.openxmlformats.org/officeDocument/2006/math">
+                      <m:sSub>
+                        <m:sSubPr>
+                          <m:ctrlPr>
+                            <a:rPr lang="ru-RU" sz="2400" i="1"/>
+                          </m:ctrlPr>
+                        </m:sSubPr>
+                        <m:e>
+                          <m:r>
+                            <a:rPr lang="en-US" sz="2400" i="1"/>
+                            <m:t>𝑃</m:t>
+                          </m:r>
+                        </m:e>
+                        <m:sub>
+                          <m:r>
+                            <a:rPr lang="en-US" sz="2400" i="1"/>
+                            <m:t>𝑒𝑙</m:t>
+                          </m:r>
+                        </m:sub>
+                      </m:sSub>
+                      <m:r>
+                        <a:rPr lang="en-US" sz="2400" i="1"/>
+                        <m:t>~</m:t>
+                      </m:r>
+                      <m:sSup>
+                        <m:sSupPr>
+                          <m:ctrlPr>
+                            <a:rPr lang="ru-RU" sz="2400" i="1"/>
+                          </m:ctrlPr>
+                        </m:sSupPr>
+                        <m:e>
+                          <m:d>
+                            <m:dPr>
+                              <m:ctrlPr>
+                                <a:rPr lang="ru-RU" sz="2400" i="1"/>
+                              </m:ctrlPr>
+                            </m:dPr>
+                            <m:e>
+                              <m:f>
+                                <m:fPr>
+                                  <m:ctrlPr>
+                                    <a:rPr lang="ru-RU" sz="2400" i="1"/>
+                                  </m:ctrlPr>
+                                </m:fPr>
+                                <m:num>
+                                  <m:sSub>
+                                    <m:sSubPr>
+                                      <m:ctrlPr>
+                                        <a:rPr lang="ru-RU" sz="2400" i="1"/>
+                                      </m:ctrlPr>
+                                    </m:sSubPr>
+                                    <m:e>
+                                      <m:r>
+                                        <a:rPr lang="en-US" sz="2400" i="1"/>
+                                        <m:t>𝑣</m:t>
+                                      </m:r>
+                                    </m:e>
+                                    <m:sub>
+                                      <m:r>
+                                        <a:rPr lang="en-US" sz="2400" i="1"/>
+                                        <m:t>𝑒𝑠𝑐</m:t>
+                                      </m:r>
+                                    </m:sub>
+                                  </m:sSub>
+                                </m:num>
+                                <m:den>
+                                  <m:sSub>
+                                    <m:sSubPr>
+                                      <m:ctrlPr>
+                                        <a:rPr lang="ru-RU" sz="2400" i="1"/>
+                                      </m:ctrlPr>
+                                    </m:sSubPr>
+                                    <m:e>
+                                      <m:r>
+                                        <a:rPr lang="ru-RU" sz="2400" i="1"/>
+                                        <m:t>𝑢</m:t>
+                                      </m:r>
+                                    </m:e>
+                                    <m:sub>
+                                      <m:r>
+                                        <a:rPr lang="ru-RU" sz="2400" i="1"/>
+                                        <m:t>0</m:t>
+                                      </m:r>
+                                    </m:sub>
+                                  </m:sSub>
+                                </m:den>
+                              </m:f>
+                            </m:e>
+                          </m:d>
+                        </m:e>
+                        <m:sup>
+                          <m:r>
+                            <a:rPr lang="en-US" sz="2400" i="1"/>
+                            <m:t>2</m:t>
+                          </m:r>
+                          <m:r>
+                            <a:rPr lang="en-US" sz="2400" i="1"/>
+                            <m:t>𝑛</m:t>
+                          </m:r>
+                          <m:r>
+                            <a:rPr lang="en-US" sz="2400" i="1"/>
+                            <m:t>+4</m:t>
+                          </m:r>
+                        </m:sup>
+                      </m:sSup>
+                    </m:oMath>
+                  </m:oMathPara>
+                </a14:m>
+                <a:endParaRPr lang="ru-RU" dirty="0"/>
+              </a:p>
+              <a:p>
+                <a:endParaRPr lang="ru-RU" sz="2400" dirty="0">
+                  <a:latin typeface="Times New Roman" panose="02020603050405020304" pitchFamily="18" charset="0"/>
+                  <a:cs typeface="Times New Roman" panose="02020603050405020304" pitchFamily="18" charset="0"/>
+                </a:endParaRPr>
+              </a:p>
+              <a:p>
+                <a:pPr marL="342900" lvl="0" indent="-342900">
+                  <a:spcAft>
+                    <a:spcPts val="0"/>
+                  </a:spcAft>
+                  <a:buFont typeface="Symbol" panose="05050102010706020507" pitchFamily="18" charset="2"/>
+                  <a:buChar char=""/>
+                </a:pPr>
+                <a:endParaRPr lang="ru-RU" sz="2400" dirty="0" smtClean="0">
+                  <a:latin typeface="Times New Roman" panose="02020603050405020304" pitchFamily="18" charset="0"/>
+                  <a:cs typeface="Times New Roman" panose="02020603050405020304" pitchFamily="18" charset="0"/>
+                </a:endParaRPr>
+              </a:p>
+              <a:p>
+                <a:pPr lvl="0">
+                  <a:spcAft>
+                    <a:spcPts val="0"/>
+                  </a:spcAft>
+                </a:pPr>
+                <a:endParaRPr lang="ru-RU" sz="2400" dirty="0" smtClean="0">
+                  <a:latin typeface="Times New Roman" panose="02020603050405020304" pitchFamily="18" charset="0"/>
+                  <a:cs typeface="Times New Roman" panose="02020603050405020304" pitchFamily="18" charset="0"/>
+                </a:endParaRPr>
+              </a:p>
+              <a:p>
+                <a:pPr lvl="0">
+                  <a:spcAft>
+                    <a:spcPts val="0"/>
+                  </a:spcAft>
+                </a:pPr>
+                <a:endParaRPr lang="ru-RU" sz="2400" dirty="0" smtClean="0">
+                  <a:latin typeface="Times New Roman" panose="02020603050405020304" pitchFamily="18" charset="0"/>
+                  <a:cs typeface="Times New Roman" panose="02020603050405020304" pitchFamily="18" charset="0"/>
+                </a:endParaRPr>
+              </a:p>
+              <a:p>
+                <a:pPr lvl="0">
+                  <a:spcAft>
+                    <a:spcPts val="0"/>
+                  </a:spcAft>
+                </a:pPr>
+                <a:endParaRPr lang="ru-RU" sz="2400" dirty="0" smtClean="0">
+                  <a:latin typeface="Times New Roman" panose="02020603050405020304" pitchFamily="18" charset="0"/>
+                  <a:cs typeface="Times New Roman" panose="02020603050405020304" pitchFamily="18" charset="0"/>
+                </a:endParaRPr>
+              </a:p>
+            </p:txBody>
+          </p:sp>
+        </mc:Choice>
+        <mc:Fallback>
+          <p:sp>
+            <p:nvSpPr>
+              <p:cNvPr id="7" name="Прямоугольник 6"/>
+              <p:cNvSpPr>
+                <a:spLocks noRot="1" noChangeAspect="1" noMove="1" noResize="1" noEditPoints="1" noAdjustHandles="1" noChangeArrowheads="1" noChangeShapeType="1" noTextEdit="1"/>
+              </p:cNvSpPr>
+              <p:nvPr/>
+            </p:nvSpPr>
+            <p:spPr>
+              <a:xfrm>
+                <a:off x="336000" y="1053000"/>
+                <a:ext cx="11448000" cy="7201330"/>
+              </a:xfrm>
+              <a:prstGeom prst="rect">
+                <a:avLst/>
+              </a:prstGeom>
+              <a:blipFill>
+                <a:blip r:embed="rId2"/>
+                <a:stretch>
+                  <a:fillRect l="-852" t="-931"/>
+                </a:stretch>
+              </a:blipFill>
+            </p:spPr>
+            <p:txBody>
+              <a:bodyPr/>
+              <a:lstStyle/>
+              <a:p>
+                <a:r>
+                  <a:rPr lang="ru-RU">
+                    <a:noFill/>
+                  </a:rPr>
+                  <a:t> </a:t>
+                </a:r>
+              </a:p>
+            </p:txBody>
+          </p:sp>
+        </mc:Fallback>
+      </mc:AlternateContent>
+    </p:spTree>
+    <p:extLst>
+      <p:ext uri="{BB962C8B-B14F-4D97-AF65-F5344CB8AC3E}">
+        <p14:creationId xmlns:p14="http://schemas.microsoft.com/office/powerpoint/2010/main" val="2497065268"/>
+      </p:ext>
+    </p:extLst>
+  </p:cSld>
+  <p:clrMapOvr>
+    <a:masterClrMapping/>
+  </p:clrMapOvr>
+</p:sld>
+</file>
+
+<file path=ppt/slides/slide16.xml><?xml version="1.0" encoding="utf-8"?>
+<p:sld xmlns:a="http://schemas.openxmlformats.org/drawingml/2006/main" xmlns:r="http://schemas.openxmlformats.org/officeDocument/2006/relationships" xmlns:p="http://schemas.openxmlformats.org/presentationml/2006/main">
+  <p:cSld>
+    <p:spTree>
+      <p:nvGrpSpPr>
+        <p:cNvPr id="1" name=""/>
+        <p:cNvGrpSpPr/>
+        <p:nvPr/>
+      </p:nvGrpSpPr>
+      <p:grpSpPr>
+        <a:xfrm>
+          <a:off x="0" y="0"/>
+          <a:ext cx="0" cy="0"/>
+          <a:chOff x="0" y="0"/>
+          <a:chExt cx="0" cy="0"/>
+        </a:xfrm>
+      </p:grpSpPr>
+      <p:sp>
+        <p:nvSpPr>
+          <p:cNvPr id="5" name="Заголовок 1"/>
+          <p:cNvSpPr txBox="1">
+            <a:spLocks/>
+          </p:cNvSpPr>
+          <p:nvPr/>
+        </p:nvSpPr>
+        <p:spPr>
+          <a:xfrm>
+            <a:off x="336001" y="261000"/>
+            <a:ext cx="9719999" cy="628072"/>
+          </a:xfrm>
+          <a:prstGeom prst="rect">
+            <a:avLst/>
+          </a:prstGeom>
+        </p:spPr>
+        <p:txBody>
+          <a:bodyPr vert="horz" lIns="91440" tIns="45720" rIns="91440" bIns="45720" rtlCol="0" anchor="ctr">
+            <a:noAutofit/>
+          </a:bodyPr>
+          <a:lstStyle>
+            <a:lvl1pPr algn="l" defTabSz="914400" rtl="0" eaLnBrk="1" latinLnBrk="0" hangingPunct="1">
+              <a:lnSpc>
+                <a:spcPct val="90000"/>
+              </a:lnSpc>
+              <a:spcBef>
+                <a:spcPct val="0"/>
+              </a:spcBef>
+              <a:buNone/>
+              <a:defRPr sz="4400" kern="1200">
+                <a:solidFill>
+                  <a:schemeClr val="tx1"/>
+                </a:solidFill>
+                <a:latin typeface="+mj-lt"/>
+                <a:ea typeface="+mj-ea"/>
+                <a:cs typeface="+mj-cs"/>
+              </a:defRPr>
+            </a:lvl1pPr>
+          </a:lstStyle>
+          <a:p>
+            <a:r>
+              <a:rPr lang="ru-RU" sz="3200" b="1" dirty="0" smtClean="0">
+                <a:latin typeface="Times New Roman" panose="02020603050405020304" pitchFamily="18" charset="0"/>
+                <a:cs typeface="Times New Roman" panose="02020603050405020304" pitchFamily="18" charset="0"/>
+              </a:rPr>
+              <a:t>Дополнительный слайд: Оценка для потоков</a:t>
+            </a:r>
+            <a:endParaRPr lang="ru-RU" sz="3200" b="1" dirty="0">
+              <a:latin typeface="Times New Roman" panose="02020603050405020304" pitchFamily="18" charset="0"/>
+              <a:cs typeface="Times New Roman" panose="02020603050405020304" pitchFamily="18" charset="0"/>
+            </a:endParaRPr>
+          </a:p>
+        </p:txBody>
+      </p:sp>
+      <mc:AlternateContent xmlns:mc="http://schemas.openxmlformats.org/markup-compatibility/2006">
+        <mc:Choice xmlns:a14="http://schemas.microsoft.com/office/drawing/2010/main" Requires="a14">
+          <p:sp>
+            <p:nvSpPr>
+              <p:cNvPr id="7" name="Прямоугольник 6"/>
+              <p:cNvSpPr/>
+              <p:nvPr/>
+            </p:nvSpPr>
+            <p:spPr>
+              <a:xfrm>
+                <a:off x="336000" y="1053000"/>
+                <a:ext cx="11448000" cy="7485832"/>
+              </a:xfrm>
+              <a:prstGeom prst="rect">
+                <a:avLst/>
+              </a:prstGeom>
+            </p:spPr>
+            <p:txBody>
+              <a:bodyPr wrap="square">
+                <a:spAutoFit/>
+              </a:bodyPr>
+              <a:lstStyle/>
+              <a:p>
+                <a:pPr marL="342900" lvl="0" indent="-342900">
+                  <a:spcAft>
+                    <a:spcPts val="0"/>
+                  </a:spcAft>
+                  <a:buFont typeface="Symbol" panose="05050102010706020507" pitchFamily="18" charset="2"/>
+                  <a:buChar char=""/>
+                </a:pPr>
+                <a:r>
+                  <a:rPr lang="ru-RU" sz="2400" dirty="0" smtClean="0">
+                    <a:latin typeface="Times New Roman" panose="02020603050405020304" pitchFamily="18" charset="0"/>
+                    <a:cs typeface="Times New Roman" panose="02020603050405020304" pitchFamily="18" charset="0"/>
+                  </a:rPr>
+                  <a:t>Уравнение для количества захваченных частиц</a:t>
+                </a:r>
+              </a:p>
+              <a:p>
+                <a:pPr marL="342900" lvl="0" indent="-342900">
+                  <a:spcAft>
+                    <a:spcPts val="0"/>
+                  </a:spcAft>
+                  <a:buFont typeface="Symbol" panose="05050102010706020507" pitchFamily="18" charset="2"/>
+                  <a:buChar char=""/>
+                </a:pPr>
+                <a:endParaRPr lang="ru-RU" sz="2400" dirty="0" smtClean="0">
+                  <a:latin typeface="Times New Roman" panose="02020603050405020304" pitchFamily="18" charset="0"/>
+                  <a:cs typeface="Times New Roman" panose="02020603050405020304" pitchFamily="18" charset="0"/>
+                </a:endParaRPr>
+              </a:p>
+              <a:p>
+                <a:pPr lvl="0">
+                  <a:spcAft>
+                    <a:spcPts val="0"/>
+                  </a:spcAft>
+                </a:pPr>
+                <a14:m>
+                  <m:oMathPara xmlns:m="http://schemas.openxmlformats.org/officeDocument/2006/math">
+                    <m:oMathParaPr>
+                      <m:jc m:val="centerGroup"/>
+                    </m:oMathParaPr>
+                    <m:oMath xmlns:m="http://schemas.openxmlformats.org/officeDocument/2006/math">
+                      <m:f>
+                        <m:fPr>
+                          <m:ctrlPr>
+                            <a:rPr lang="ru-RU" sz="2400" i="1"/>
+                          </m:ctrlPr>
+                        </m:fPr>
+                        <m:num>
+                          <m:r>
+                            <a:rPr lang="en-US" sz="2400" i="1"/>
+                            <m:t>𝑑𝑁</m:t>
+                          </m:r>
+                        </m:num>
+                        <m:den>
+                          <m:r>
+                            <a:rPr lang="en-US" sz="2400" i="1"/>
+                            <m:t>𝑑𝑡</m:t>
+                          </m:r>
+                        </m:den>
+                      </m:f>
+                      <m:r>
+                        <a:rPr lang="en-US" sz="2400" i="1"/>
+                        <m:t>=</m:t>
+                      </m:r>
+                      <m:r>
+                        <a:rPr lang="en-US" sz="2400" i="1"/>
+                        <m:t>𝐶</m:t>
+                      </m:r>
+                      <m:r>
+                        <a:rPr lang="en-US" sz="2400" i="1"/>
+                        <m:t>−</m:t>
+                      </m:r>
+                      <m:r>
+                        <a:rPr lang="en-US" sz="2400" i="1"/>
+                        <m:t>𝐸𝑁</m:t>
+                      </m:r>
+                      <m:r>
+                        <a:rPr lang="en-US" sz="2400" i="1"/>
+                        <m:t>−</m:t>
+                      </m:r>
+                      <m:r>
+                        <a:rPr lang="en-US" sz="2400" i="1"/>
+                        <m:t>𝐴</m:t>
+                      </m:r>
+                      <m:sSup>
+                        <m:sSupPr>
+                          <m:ctrlPr>
+                            <a:rPr lang="ru-RU" sz="2400" i="1"/>
+                          </m:ctrlPr>
+                        </m:sSupPr>
+                        <m:e>
+                          <m:r>
+                            <a:rPr lang="en-US" sz="2400" i="1"/>
+                            <m:t>𝑁</m:t>
+                          </m:r>
+                        </m:e>
+                        <m:sup>
+                          <m:r>
+                            <a:rPr lang="en-US" sz="2400" i="1"/>
+                            <m:t>2</m:t>
+                          </m:r>
+                        </m:sup>
+                      </m:sSup>
+                    </m:oMath>
+                  </m:oMathPara>
+                </a14:m>
+                <a:endParaRPr lang="ru-RU" sz="2400" dirty="0" smtClean="0">
+                  <a:latin typeface="Times New Roman" panose="02020603050405020304" pitchFamily="18" charset="0"/>
+                  <a:cs typeface="Times New Roman" panose="02020603050405020304" pitchFamily="18" charset="0"/>
+                </a:endParaRPr>
+              </a:p>
+              <a:p>
+                <a:pPr lvl="0">
+                  <a:spcAft>
+                    <a:spcPts val="0"/>
+                  </a:spcAft>
+                </a:pPr>
+                <a:endParaRPr lang="ru-RU" sz="2400" dirty="0" smtClean="0">
+                  <a:latin typeface="Times New Roman" panose="02020603050405020304" pitchFamily="18" charset="0"/>
+                  <a:cs typeface="Times New Roman" panose="02020603050405020304" pitchFamily="18" charset="0"/>
+                </a:endParaRPr>
+              </a:p>
+              <a:p>
+                <a:pPr marL="342900" lvl="0" indent="-342900">
+                  <a:spcAft>
+                    <a:spcPts val="0"/>
+                  </a:spcAft>
+                  <a:buFont typeface="Symbol" panose="05050102010706020507" pitchFamily="18" charset="2"/>
+                  <a:buChar char=""/>
+                </a:pPr>
+                <a:r>
+                  <a:rPr lang="ru-RU" sz="2400" dirty="0" smtClean="0">
+                    <a:latin typeface="Times New Roman" panose="02020603050405020304" pitchFamily="18" charset="0"/>
+                    <a:cs typeface="Times New Roman" panose="02020603050405020304" pitchFamily="18" charset="0"/>
+                  </a:rPr>
+                  <a:t>Число аннигиляций в небесном теле</a:t>
+                </a:r>
+              </a:p>
+              <a:p>
+                <a:pPr marL="342900" lvl="0" indent="-342900">
+                  <a:spcAft>
+                    <a:spcPts val="0"/>
+                  </a:spcAft>
+                  <a:buFont typeface="Symbol" panose="05050102010706020507" pitchFamily="18" charset="2"/>
+                  <a:buChar char=""/>
+                </a:pPr>
+                <a:endParaRPr lang="ru-RU" sz="2400" dirty="0" smtClean="0">
+                  <a:latin typeface="Times New Roman" panose="02020603050405020304" pitchFamily="18" charset="0"/>
+                  <a:cs typeface="Times New Roman" panose="02020603050405020304" pitchFamily="18" charset="0"/>
+                </a:endParaRPr>
+              </a:p>
+              <a:p>
+                <a14:m>
+                  <m:oMathPara xmlns:m="http://schemas.openxmlformats.org/officeDocument/2006/math">
+                    <m:oMathParaPr>
+                      <m:jc m:val="centerGroup"/>
+                    </m:oMathParaPr>
+                    <m:oMath xmlns:m="http://schemas.openxmlformats.org/officeDocument/2006/math">
+                      <m:sSub>
+                        <m:sSubPr>
+                          <m:ctrlPr>
+                            <a:rPr lang="ru-RU" sz="2400" i="1"/>
+                          </m:ctrlPr>
+                        </m:sSubPr>
+                        <m:e>
+                          <m:r>
+                            <m:rPr>
+                              <m:sty m:val="p"/>
+                            </m:rPr>
+                            <a:rPr lang="en-US" sz="2400"/>
+                            <m:t>Γ</m:t>
+                          </m:r>
+                        </m:e>
+                        <m:sub>
+                          <m:r>
+                            <a:rPr lang="en-US" sz="2400" i="1"/>
+                            <m:t>𝑎𝑛𝑛</m:t>
+                          </m:r>
+                        </m:sub>
+                      </m:sSub>
+                      <m:r>
+                        <a:rPr lang="en-US" sz="2400" i="1"/>
+                        <m:t>=</m:t>
+                      </m:r>
+                      <m:f>
+                        <m:fPr>
+                          <m:ctrlPr>
+                            <a:rPr lang="ru-RU" sz="2400" i="1"/>
+                          </m:ctrlPr>
+                        </m:fPr>
+                        <m:num>
+                          <m:r>
+                            <a:rPr lang="en-US" sz="2400" i="1"/>
+                            <m:t>𝐶</m:t>
+                          </m:r>
+                        </m:num>
+                        <m:den>
+                          <m:r>
+                            <a:rPr lang="en-US" sz="2400" i="1"/>
+                            <m:t>2</m:t>
+                          </m:r>
+                        </m:den>
+                      </m:f>
+                      <m:func>
+                        <m:funcPr>
+                          <m:ctrlPr>
+                            <a:rPr lang="ru-RU" sz="2400" i="1"/>
+                          </m:ctrlPr>
+                        </m:funcPr>
+                        <m:fName>
+                          <m:sSup>
+                            <m:sSupPr>
+                              <m:ctrlPr>
+                                <a:rPr lang="ru-RU" sz="2400" i="1"/>
+                              </m:ctrlPr>
+                            </m:sSupPr>
+                            <m:e>
+                              <m:r>
+                                <m:rPr>
+                                  <m:sty m:val="p"/>
+                                </m:rPr>
+                                <a:rPr lang="en-US" sz="2400"/>
+                                <m:t>th</m:t>
+                              </m:r>
+                            </m:e>
+                            <m:sup>
+                              <m:r>
+                                <a:rPr lang="en-US" sz="2400"/>
+                                <m:t>2</m:t>
+                              </m:r>
+                            </m:sup>
+                          </m:sSup>
+                        </m:fName>
+                        <m:e>
+                          <m:d>
+                            <m:dPr>
+                              <m:ctrlPr>
+                                <a:rPr lang="ru-RU" sz="2400" i="1"/>
+                              </m:ctrlPr>
+                            </m:dPr>
+                            <m:e>
+                              <m:f>
+                                <m:fPr>
+                                  <m:ctrlPr>
+                                    <a:rPr lang="ru-RU" sz="2400" i="1"/>
+                                  </m:ctrlPr>
+                                </m:fPr>
+                                <m:num>
+                                  <m:r>
+                                    <a:rPr lang="en-US" sz="2400" i="1"/>
+                                    <m:t>𝑡</m:t>
+                                  </m:r>
+                                </m:num>
+                                <m:den>
+                                  <m:r>
+                                    <a:rPr lang="en-US" sz="2400" i="1"/>
+                                    <m:t>𝜏</m:t>
+                                  </m:r>
+                                </m:den>
+                              </m:f>
+                            </m:e>
+                          </m:d>
+                        </m:e>
+                      </m:func>
+                      <m:r>
+                        <a:rPr lang="en-US" sz="2400" i="1"/>
+                        <m:t>,  </m:t>
+                      </m:r>
+                      <m:r>
+                        <a:rPr lang="en-US" sz="2400" i="1"/>
+                        <m:t>𝜏</m:t>
+                      </m:r>
+                      <m:r>
+                        <a:rPr lang="en-US" sz="2400" i="1"/>
+                        <m:t>=</m:t>
+                      </m:r>
+                      <m:rad>
+                        <m:radPr>
+                          <m:degHide m:val="on"/>
+                          <m:ctrlPr>
+                            <a:rPr lang="ru-RU" sz="2400" i="1"/>
+                          </m:ctrlPr>
+                        </m:radPr>
+                        <m:deg/>
+                        <m:e>
+                          <m:r>
+                            <a:rPr lang="en-US" sz="2400" i="1"/>
+                            <m:t>𝐶𝐴</m:t>
+                          </m:r>
+                        </m:e>
+                      </m:rad>
+                    </m:oMath>
+                  </m:oMathPara>
+                </a14:m>
+                <a:endParaRPr lang="ru-RU" dirty="0"/>
+              </a:p>
+              <a:p>
+                <a:endParaRPr lang="ru-RU" sz="2400" dirty="0" smtClean="0">
+                  <a:latin typeface="Times New Roman" panose="02020603050405020304" pitchFamily="18" charset="0"/>
+                  <a:cs typeface="Times New Roman" panose="02020603050405020304" pitchFamily="18" charset="0"/>
+                </a:endParaRPr>
+              </a:p>
+              <a:p>
+                <a:pPr marL="342900" indent="-342900">
+                  <a:buFont typeface="Symbol" panose="05050102010706020507" pitchFamily="18" charset="2"/>
+                  <a:buChar char=""/>
+                </a:pPr>
+                <a:r>
+                  <a:rPr lang="ru-RU" sz="2400" dirty="0" smtClean="0">
+                    <a:latin typeface="Times New Roman" panose="02020603050405020304" pitchFamily="18" charset="0"/>
+                    <a:cs typeface="Times New Roman" panose="02020603050405020304" pitchFamily="18" charset="0"/>
+                  </a:rPr>
+                  <a:t>Отношение потоков от Земли и от Солнца</a:t>
+                </a:r>
+              </a:p>
+              <a:p>
+                <a:pPr marL="342900" indent="-342900">
+                  <a:buFont typeface="Symbol" panose="05050102010706020507" pitchFamily="18" charset="2"/>
+                  <a:buChar char=""/>
+                </a:pPr>
+                <a:endParaRPr lang="ru-RU" sz="2400" dirty="0">
+                  <a:latin typeface="Times New Roman" panose="02020603050405020304" pitchFamily="18" charset="0"/>
+                  <a:cs typeface="Times New Roman" panose="02020603050405020304" pitchFamily="18" charset="0"/>
+                </a:endParaRPr>
+              </a:p>
+              <a:p>
+                <a14:m>
+                  <m:oMathPara xmlns:m="http://schemas.openxmlformats.org/officeDocument/2006/math">
+                    <m:oMathParaPr>
+                      <m:jc m:val="centerGroup"/>
+                    </m:oMathParaPr>
+                    <m:oMath xmlns:m="http://schemas.openxmlformats.org/officeDocument/2006/math">
+                      <m:f>
+                        <m:fPr>
+                          <m:ctrlPr>
+                            <a:rPr lang="ru-RU" sz="2400" i="1"/>
+                          </m:ctrlPr>
+                        </m:fPr>
+                        <m:num>
+                          <m:sSub>
+                            <m:sSubPr>
+                              <m:ctrlPr>
+                                <a:rPr lang="ru-RU" sz="2400" i="1"/>
+                              </m:ctrlPr>
+                            </m:sSubPr>
+                            <m:e>
+                              <m:r>
+                                <a:rPr lang="en-US" sz="2400" i="1"/>
+                                <m:t>𝐽</m:t>
+                              </m:r>
+                            </m:e>
+                            <m:sub>
+                              <m:r>
+                                <a:rPr lang="ru-RU" sz="2400" i="1"/>
+                                <m:t>З</m:t>
+                              </m:r>
+                            </m:sub>
+                          </m:sSub>
+                        </m:num>
+                        <m:den>
+                          <m:sSub>
+                            <m:sSubPr>
+                              <m:ctrlPr>
+                                <a:rPr lang="ru-RU" sz="2400" i="1"/>
+                              </m:ctrlPr>
+                            </m:sSubPr>
+                            <m:e>
+                              <m:r>
+                                <a:rPr lang="en-US" sz="2400" i="1"/>
+                                <m:t>𝐽</m:t>
+                              </m:r>
+                            </m:e>
+                            <m:sub>
+                              <m:r>
+                                <a:rPr lang="ru-RU" sz="2400" i="1"/>
+                                <m:t>С</m:t>
+                              </m:r>
+                            </m:sub>
+                          </m:sSub>
+                        </m:den>
+                      </m:f>
+                      <m:r>
+                        <a:rPr lang="en-US" sz="2400" i="1"/>
+                        <m:t>≲</m:t>
+                      </m:r>
+                      <m:f>
+                        <m:fPr>
+                          <m:ctrlPr>
+                            <a:rPr lang="ru-RU" sz="2400" i="1"/>
+                          </m:ctrlPr>
+                        </m:fPr>
+                        <m:num>
+                          <m:sSub>
+                            <m:sSubPr>
+                              <m:ctrlPr>
+                                <a:rPr lang="ru-RU" sz="2400" i="1"/>
+                              </m:ctrlPr>
+                            </m:sSubPr>
+                            <m:e>
+                              <m:r>
+                                <a:rPr lang="en-US" sz="2400" i="1"/>
+                                <m:t>𝐶</m:t>
+                              </m:r>
+                            </m:e>
+                            <m:sub>
+                              <m:r>
+                                <a:rPr lang="en-US" sz="2400" i="1"/>
+                                <m:t>З</m:t>
+                              </m:r>
+                            </m:sub>
+                          </m:sSub>
+                        </m:num>
+                        <m:den>
+                          <m:sSub>
+                            <m:sSubPr>
+                              <m:ctrlPr>
+                                <a:rPr lang="ru-RU" sz="2400" i="1"/>
+                              </m:ctrlPr>
+                            </m:sSubPr>
+                            <m:e>
+                              <m:r>
+                                <a:rPr lang="en-US" sz="2400" i="1"/>
+                                <m:t>𝐶</m:t>
+                              </m:r>
+                            </m:e>
+                            <m:sub>
+                              <m:r>
+                                <a:rPr lang="ru-RU" sz="2400" i="1"/>
+                                <m:t>С</m:t>
+                              </m:r>
+                            </m:sub>
+                          </m:sSub>
+                        </m:den>
+                      </m:f>
+                      <m:r>
+                        <a:rPr lang="en-US" sz="2400" i="1"/>
+                        <m:t>⋅</m:t>
+                      </m:r>
+                      <m:sSup>
+                        <m:sSupPr>
+                          <m:ctrlPr>
+                            <a:rPr lang="ru-RU" sz="2400" i="1"/>
+                          </m:ctrlPr>
+                        </m:sSupPr>
+                        <m:e>
+                          <m:d>
+                            <m:dPr>
+                              <m:ctrlPr>
+                                <a:rPr lang="ru-RU" sz="2400" i="1"/>
+                              </m:ctrlPr>
+                            </m:dPr>
+                            <m:e>
+                              <m:f>
+                                <m:fPr>
+                                  <m:ctrlPr>
+                                    <a:rPr lang="ru-RU" sz="2400" i="1"/>
+                                  </m:ctrlPr>
+                                </m:fPr>
+                                <m:num>
+                                  <m:sSub>
+                                    <m:sSubPr>
+                                      <m:ctrlPr>
+                                        <a:rPr lang="ru-RU" sz="2400" i="1"/>
+                                      </m:ctrlPr>
+                                    </m:sSubPr>
+                                    <m:e>
+                                      <m:r>
+                                        <a:rPr lang="ru-RU" sz="2400" i="1"/>
+                                        <m:t>𝑅</m:t>
+                                      </m:r>
+                                    </m:e>
+                                    <m:sub>
+                                      <m:r>
+                                        <a:rPr lang="ru-RU" sz="2400" i="1"/>
+                                        <m:t>З</m:t>
+                                      </m:r>
+                                    </m:sub>
+                                  </m:sSub>
+                                </m:num>
+                                <m:den>
+                                  <m:sSub>
+                                    <m:sSubPr>
+                                      <m:ctrlPr>
+                                        <a:rPr lang="ru-RU" sz="2400" i="1"/>
+                                      </m:ctrlPr>
+                                    </m:sSubPr>
+                                    <m:e>
+                                      <m:r>
+                                        <a:rPr lang="ru-RU" sz="2400" i="1"/>
+                                        <m:t>𝑅</m:t>
+                                      </m:r>
+                                    </m:e>
+                                    <m:sub>
+                                      <m:r>
+                                        <a:rPr lang="ru-RU" sz="2400" i="1"/>
+                                        <m:t>СЗ</m:t>
+                                      </m:r>
+                                    </m:sub>
+                                  </m:sSub>
+                                </m:den>
+                              </m:f>
+                            </m:e>
+                          </m:d>
+                        </m:e>
+                        <m:sup>
+                          <m:r>
+                            <a:rPr lang="en-US" sz="2400" i="1"/>
+                            <m:t>2</m:t>
+                          </m:r>
+                        </m:sup>
+                      </m:sSup>
+                      <m:r>
+                        <a:rPr lang="en-US" sz="2400" i="1"/>
+                        <m:t>∼1.6⋅</m:t>
+                      </m:r>
+                      <m:sSup>
+                        <m:sSupPr>
+                          <m:ctrlPr>
+                            <a:rPr lang="ru-RU" sz="2400" i="1"/>
+                          </m:ctrlPr>
+                        </m:sSupPr>
+                        <m:e>
+                          <m:r>
+                            <a:rPr lang="en-US" sz="2400" i="1"/>
+                            <m:t>10</m:t>
+                          </m:r>
+                        </m:e>
+                        <m:sup>
+                          <m:r>
+                            <a:rPr lang="en-US" sz="2400" i="1"/>
+                            <m:t>3</m:t>
+                          </m:r>
+                        </m:sup>
+                      </m:sSup>
+                      <m:r>
+                        <a:rPr lang="en-US" sz="2400" i="1"/>
+                        <m:t>⋅</m:t>
+                      </m:r>
+                      <m:f>
+                        <m:fPr>
+                          <m:ctrlPr>
+                            <a:rPr lang="ru-RU" sz="2400" i="1"/>
+                          </m:ctrlPr>
+                        </m:fPr>
+                        <m:num>
+                          <m:sSub>
+                            <m:sSubPr>
+                              <m:ctrlPr>
+                                <a:rPr lang="ru-RU" sz="2400" i="1"/>
+                              </m:ctrlPr>
+                            </m:sSubPr>
+                            <m:e>
+                              <m:r>
+                                <a:rPr lang="en-US" sz="2400" i="1"/>
+                                <m:t>𝑃</m:t>
+                              </m:r>
+                            </m:e>
+                            <m:sub>
+                              <m:r>
+                                <a:rPr lang="ru-RU" sz="2400" i="1"/>
+                                <m:t>З</m:t>
+                              </m:r>
+                            </m:sub>
+                          </m:sSub>
+                        </m:num>
+                        <m:den>
+                          <m:sSub>
+                            <m:sSubPr>
+                              <m:ctrlPr>
+                                <a:rPr lang="ru-RU" sz="2400" i="1"/>
+                              </m:ctrlPr>
+                            </m:sSubPr>
+                            <m:e>
+                              <m:r>
+                                <a:rPr lang="en-US" sz="2400" i="1"/>
+                                <m:t>𝑃</m:t>
+                              </m:r>
+                            </m:e>
+                            <m:sub>
+                              <m:r>
+                                <a:rPr lang="ru-RU" sz="2400" i="1"/>
+                                <m:t>С</m:t>
+                              </m:r>
+                            </m:sub>
+                          </m:sSub>
+                        </m:den>
+                      </m:f>
+                      <m:r>
+                        <a:rPr lang="en-US" sz="2400" i="1"/>
+                        <m:t> </m:t>
+                      </m:r>
+                    </m:oMath>
+                  </m:oMathPara>
+                </a14:m>
+                <a:endParaRPr lang="ru-RU" sz="2400" dirty="0"/>
+              </a:p>
+              <a:p>
+                <a:endParaRPr lang="ru-RU" dirty="0"/>
+              </a:p>
+              <a:p>
+                <a:endParaRPr lang="ru-RU" sz="2400" dirty="0">
+                  <a:latin typeface="Times New Roman" panose="02020603050405020304" pitchFamily="18" charset="0"/>
+                  <a:cs typeface="Times New Roman" panose="02020603050405020304" pitchFamily="18" charset="0"/>
+                </a:endParaRPr>
+              </a:p>
+              <a:p>
+                <a:pPr marL="342900" lvl="0" indent="-342900">
+                  <a:spcAft>
+                    <a:spcPts val="0"/>
+                  </a:spcAft>
+                  <a:buFont typeface="Symbol" panose="05050102010706020507" pitchFamily="18" charset="2"/>
+                  <a:buChar char=""/>
+                </a:pPr>
+                <a:endParaRPr lang="ru-RU" sz="2400" dirty="0" smtClean="0">
+                  <a:latin typeface="Times New Roman" panose="02020603050405020304" pitchFamily="18" charset="0"/>
+                  <a:cs typeface="Times New Roman" panose="02020603050405020304" pitchFamily="18" charset="0"/>
+                </a:endParaRPr>
+              </a:p>
+              <a:p>
+                <a:pPr lvl="0">
+                  <a:spcAft>
+                    <a:spcPts val="0"/>
+                  </a:spcAft>
+                </a:pPr>
+                <a:endParaRPr lang="ru-RU" sz="2400" dirty="0" smtClean="0">
+                  <a:latin typeface="Times New Roman" panose="02020603050405020304" pitchFamily="18" charset="0"/>
+                  <a:cs typeface="Times New Roman" panose="02020603050405020304" pitchFamily="18" charset="0"/>
+                </a:endParaRPr>
+              </a:p>
+              <a:p>
+                <a:pPr lvl="0">
+                  <a:spcAft>
+                    <a:spcPts val="0"/>
+                  </a:spcAft>
+                </a:pPr>
+                <a:endParaRPr lang="ru-RU" sz="2400" dirty="0" smtClean="0">
+                  <a:latin typeface="Times New Roman" panose="02020603050405020304" pitchFamily="18" charset="0"/>
+                  <a:cs typeface="Times New Roman" panose="02020603050405020304" pitchFamily="18" charset="0"/>
+                </a:endParaRPr>
+              </a:p>
+              <a:p>
+                <a:pPr lvl="0">
+                  <a:spcAft>
+                    <a:spcPts val="0"/>
+                  </a:spcAft>
+                </a:pPr>
+                <a:endParaRPr lang="ru-RU" sz="2400" dirty="0" smtClean="0">
+                  <a:latin typeface="Times New Roman" panose="02020603050405020304" pitchFamily="18" charset="0"/>
+                  <a:cs typeface="Times New Roman" panose="02020603050405020304" pitchFamily="18" charset="0"/>
+                </a:endParaRPr>
+              </a:p>
+            </p:txBody>
+          </p:sp>
+        </mc:Choice>
+        <mc:Fallback>
+          <p:sp>
+            <p:nvSpPr>
+              <p:cNvPr id="7" name="Прямоугольник 6"/>
+              <p:cNvSpPr>
+                <a:spLocks noRot="1" noChangeAspect="1" noMove="1" noResize="1" noEditPoints="1" noAdjustHandles="1" noChangeArrowheads="1" noChangeShapeType="1" noTextEdit="1"/>
+              </p:cNvSpPr>
+              <p:nvPr/>
+            </p:nvSpPr>
+            <p:spPr>
+              <a:xfrm>
+                <a:off x="336000" y="1053000"/>
+                <a:ext cx="11448000" cy="7485832"/>
+              </a:xfrm>
+              <a:prstGeom prst="rect">
+                <a:avLst/>
+              </a:prstGeom>
+              <a:blipFill>
+                <a:blip r:embed="rId2"/>
+                <a:stretch>
+                  <a:fillRect l="-852" t="-896"/>
+                </a:stretch>
+              </a:blipFill>
+            </p:spPr>
+            <p:txBody>
+              <a:bodyPr/>
+              <a:lstStyle/>
+              <a:p>
+                <a:r>
+                  <a:rPr lang="ru-RU">
+                    <a:noFill/>
+                  </a:rPr>
+                  <a:t> </a:t>
+                </a:r>
+              </a:p>
+            </p:txBody>
+          </p:sp>
+        </mc:Fallback>
+      </mc:AlternateContent>
+    </p:spTree>
+    <p:extLst>
+      <p:ext uri="{BB962C8B-B14F-4D97-AF65-F5344CB8AC3E}">
+        <p14:creationId xmlns:p14="http://schemas.microsoft.com/office/powerpoint/2010/main" val="4073172458"/>
+      </p:ext>
+    </p:extLst>
+  </p:cSld>
+  <p:clrMapOvr>
+    <a:masterClrMapping/>
+  </p:clrMapOvr>
+</p:sld>
+</file>
+
+<file path=ppt/slides/slide17.xml><?xml version="1.0" encoding="utf-8"?>
+<p:sld xmlns:a="http://schemas.openxmlformats.org/drawingml/2006/main" xmlns:r="http://schemas.openxmlformats.org/officeDocument/2006/relationships" xmlns:p="http://schemas.openxmlformats.org/presentationml/2006/main">
+  <p:cSld>
+    <p:spTree>
+      <p:nvGrpSpPr>
+        <p:cNvPr id="1" name=""/>
+        <p:cNvGrpSpPr/>
+        <p:nvPr/>
+      </p:nvGrpSpPr>
+      <p:grpSpPr>
+        <a:xfrm>
+          <a:off x="0" y="0"/>
+          <a:ext cx="0" cy="0"/>
+          <a:chOff x="0" y="0"/>
+          <a:chExt cx="0" cy="0"/>
+        </a:xfrm>
+      </p:grpSpPr>
+      <p:sp>
+        <p:nvSpPr>
+          <p:cNvPr id="4" name="Заголовок 1"/>
+          <p:cNvSpPr txBox="1">
+            <a:spLocks/>
+          </p:cNvSpPr>
+          <p:nvPr/>
+        </p:nvSpPr>
+        <p:spPr>
+          <a:xfrm>
+            <a:off x="336001" y="261000"/>
+            <a:ext cx="10655999" cy="628072"/>
+          </a:xfrm>
+          <a:prstGeom prst="rect">
+            <a:avLst/>
+          </a:prstGeom>
+        </p:spPr>
+        <p:txBody>
+          <a:bodyPr vert="horz" lIns="91440" tIns="45720" rIns="91440" bIns="45720" rtlCol="0" anchor="ctr">
+            <a:noAutofit/>
+          </a:bodyPr>
+          <a:lstStyle>
+            <a:lvl1pPr algn="l" defTabSz="914400" rtl="0" eaLnBrk="1" latinLnBrk="0" hangingPunct="1">
+              <a:lnSpc>
+                <a:spcPct val="90000"/>
+              </a:lnSpc>
+              <a:spcBef>
+                <a:spcPct val="0"/>
+              </a:spcBef>
+              <a:buNone/>
+              <a:defRPr sz="4400" kern="1200">
+                <a:solidFill>
+                  <a:schemeClr val="tx1"/>
+                </a:solidFill>
+                <a:latin typeface="+mj-lt"/>
+                <a:ea typeface="+mj-ea"/>
+                <a:cs typeface="+mj-cs"/>
+              </a:defRPr>
+            </a:lvl1pPr>
+          </a:lstStyle>
+          <a:p>
+            <a:r>
+              <a:rPr lang="ru-RU" sz="3200" b="1" dirty="0" smtClean="0">
+                <a:latin typeface="Times New Roman" panose="02020603050405020304" pitchFamily="18" charset="0"/>
+                <a:cs typeface="Times New Roman" panose="02020603050405020304" pitchFamily="18" charset="0"/>
+              </a:rPr>
+              <a:t>Дополнительный слайд: Другие неупругие процессы</a:t>
+            </a:r>
+            <a:endParaRPr lang="ru-RU" sz="3200" b="1" dirty="0">
+              <a:latin typeface="Times New Roman" panose="02020603050405020304" pitchFamily="18" charset="0"/>
+              <a:cs typeface="Times New Roman" panose="02020603050405020304" pitchFamily="18" charset="0"/>
+            </a:endParaRPr>
+          </a:p>
+        </p:txBody>
+      </p:sp>
+      <mc:AlternateContent xmlns:mc="http://schemas.openxmlformats.org/markup-compatibility/2006">
+        <mc:Choice xmlns:a14="http://schemas.microsoft.com/office/drawing/2010/main" Requires="a14">
+          <p:sp>
+            <p:nvSpPr>
+              <p:cNvPr id="5" name="Прямоугольник 4"/>
+              <p:cNvSpPr/>
+              <p:nvPr/>
+            </p:nvSpPr>
+            <p:spPr>
+              <a:xfrm>
+                <a:off x="336000" y="1053000"/>
+                <a:ext cx="11448000" cy="4784515"/>
+              </a:xfrm>
+              <a:prstGeom prst="rect">
+                <a:avLst/>
+              </a:prstGeom>
+            </p:spPr>
+            <p:txBody>
+              <a:bodyPr wrap="square">
+                <a:spAutoFit/>
+              </a:bodyPr>
+              <a:lstStyle/>
+              <a:p>
+                <a:pPr marL="342900" lvl="0" indent="-342900">
+                  <a:spcAft>
+                    <a:spcPts val="0"/>
+                  </a:spcAft>
+                  <a:buFont typeface="Symbol" panose="05050102010706020507" pitchFamily="18" charset="2"/>
+                  <a:buChar char=""/>
+                </a:pPr>
+                <a:r>
+                  <a:rPr lang="ru-RU" sz="2400" dirty="0" smtClean="0">
+                    <a:latin typeface="Times New Roman" panose="02020603050405020304" pitchFamily="18" charset="0"/>
+                    <a:cs typeface="Times New Roman" panose="02020603050405020304" pitchFamily="18" charset="0"/>
+                  </a:rPr>
+                  <a:t>Переходы энергетических уровней в ядре</a:t>
+                </a:r>
+              </a:p>
+              <a:p>
+                <a:pPr lvl="0">
+                  <a:spcAft>
+                    <a:spcPts val="0"/>
+                  </a:spcAft>
+                </a:pPr>
+                <a:endParaRPr lang="ru-RU" sz="2400" dirty="0" smtClean="0">
+                  <a:latin typeface="Times New Roman" panose="02020603050405020304" pitchFamily="18" charset="0"/>
+                  <a:cs typeface="Times New Roman" panose="02020603050405020304" pitchFamily="18" charset="0"/>
+                </a:endParaRPr>
+              </a:p>
+              <a:p>
+                <a14:m>
+                  <m:oMathPara xmlns:m="http://schemas.openxmlformats.org/officeDocument/2006/math">
+                    <m:oMathParaPr>
+                      <m:jc m:val="centerGroup"/>
+                    </m:oMathParaPr>
+                    <m:oMath xmlns:m="http://schemas.openxmlformats.org/officeDocument/2006/math">
+                      <m:f>
+                        <m:fPr>
+                          <m:ctrlPr>
+                            <a:rPr lang="ru-RU" sz="2400" i="1"/>
+                          </m:ctrlPr>
+                        </m:fPr>
+                        <m:num>
+                          <m:sSub>
+                            <m:sSubPr>
+                              <m:ctrlPr>
+                                <a:rPr lang="ru-RU" sz="2400" i="1"/>
+                              </m:ctrlPr>
+                            </m:sSubPr>
+                            <m:e>
+                              <m:r>
+                                <a:rPr lang="en-US" sz="2400" i="1"/>
+                                <m:t>𝑚</m:t>
+                              </m:r>
+                            </m:e>
+                            <m:sub>
+                              <m:r>
+                                <a:rPr lang="en-US" sz="2400" i="1"/>
+                                <m:t>𝑝</m:t>
+                              </m:r>
+                            </m:sub>
+                          </m:sSub>
+                        </m:num>
+                        <m:den>
+                          <m:sSub>
+                            <m:sSubPr>
+                              <m:ctrlPr>
+                                <a:rPr lang="ru-RU" sz="2400" i="1"/>
+                              </m:ctrlPr>
+                            </m:sSubPr>
+                            <m:e>
+                              <m:r>
+                                <a:rPr lang="en-US" sz="2400" i="1"/>
+                                <m:t>𝑚</m:t>
+                              </m:r>
+                            </m:e>
+                            <m:sub>
+                              <m:r>
+                                <a:rPr lang="en-US" sz="2400" i="1"/>
+                                <m:t>𝑝</m:t>
+                              </m:r>
+                            </m:sub>
+                          </m:sSub>
+                          <m:r>
+                            <a:rPr lang="en-US" sz="2400" i="1"/>
+                            <m:t>+</m:t>
+                          </m:r>
+                          <m:sSub>
+                            <m:sSubPr>
+                              <m:ctrlPr>
+                                <a:rPr lang="ru-RU" sz="2400" i="1"/>
+                              </m:ctrlPr>
+                            </m:sSubPr>
+                            <m:e>
+                              <m:r>
+                                <a:rPr lang="en-US" sz="2400" i="1"/>
+                                <m:t>𝑚</m:t>
+                              </m:r>
+                            </m:e>
+                            <m:sub>
+                              <m:r>
+                                <a:rPr lang="en-US" sz="2400" i="1"/>
+                                <m:t>𝑘</m:t>
+                              </m:r>
+                            </m:sub>
+                          </m:sSub>
+                        </m:den>
+                      </m:f>
+                      <m:rad>
+                        <m:radPr>
+                          <m:degHide m:val="on"/>
+                          <m:ctrlPr>
+                            <a:rPr lang="ru-RU" sz="2400" i="1"/>
+                          </m:ctrlPr>
+                        </m:radPr>
+                        <m:deg/>
+                        <m:e>
+                          <m:sSubSup>
+                            <m:sSubSupPr>
+                              <m:ctrlPr>
+                                <a:rPr lang="ru-RU" sz="2400" i="1"/>
+                              </m:ctrlPr>
+                            </m:sSubSupPr>
+                            <m:e>
+                              <m:r>
+                                <a:rPr lang="en-US" sz="2400" i="1"/>
+                                <m:t>𝑣</m:t>
+                              </m:r>
+                            </m:e>
+                            <m:sub>
+                              <m:r>
+                                <a:rPr lang="ru-RU" sz="2400" i="1"/>
+                                <m:t>ЛСО</m:t>
+                              </m:r>
+                            </m:sub>
+                            <m:sup>
+                              <m:r>
+                                <a:rPr lang="en-US" sz="2400" i="1"/>
+                                <m:t>2</m:t>
+                              </m:r>
+                            </m:sup>
+                          </m:sSubSup>
+                          <m:r>
+                            <a:rPr lang="en-US" sz="2400" i="1"/>
+                            <m:t>−</m:t>
+                          </m:r>
+                          <m:f>
+                            <m:fPr>
+                              <m:ctrlPr>
+                                <a:rPr lang="ru-RU" sz="2400" i="1"/>
+                              </m:ctrlPr>
+                            </m:fPr>
+                            <m:num>
+                              <m:r>
+                                <a:rPr lang="en-US" sz="2400"/>
+                                <m:t>2</m:t>
+                              </m:r>
+                              <m:r>
+                                <m:rPr>
+                                  <m:sty m:val="p"/>
+                                </m:rPr>
+                                <a:rPr lang="en-US" sz="2400"/>
+                                <m:t>Δ</m:t>
+                              </m:r>
+                              <m:r>
+                                <a:rPr lang="en-US" sz="2400" i="1"/>
+                                <m:t>𝐸</m:t>
+                              </m:r>
+                            </m:num>
+                            <m:den>
+                              <m:sSub>
+                                <m:sSubPr>
+                                  <m:ctrlPr>
+                                    <a:rPr lang="ru-RU" sz="2400" i="1"/>
+                                  </m:ctrlPr>
+                                </m:sSubPr>
+                                <m:e>
+                                  <m:r>
+                                    <a:rPr lang="en-US" sz="2400" i="1"/>
+                                    <m:t>𝑚</m:t>
+                                  </m:r>
+                                </m:e>
+                                <m:sub>
+                                  <m:r>
+                                    <a:rPr lang="en-US" sz="2400" i="1"/>
+                                    <m:t>𝑝</m:t>
+                                  </m:r>
+                                </m:sub>
+                              </m:sSub>
+                            </m:den>
+                          </m:f>
+                          <m:r>
+                            <a:rPr lang="en-US" sz="2400" i="1"/>
+                            <m:t>⋅</m:t>
+                          </m:r>
+                          <m:f>
+                            <m:fPr>
+                              <m:ctrlPr>
+                                <a:rPr lang="ru-RU" sz="2400" i="1"/>
+                              </m:ctrlPr>
+                            </m:fPr>
+                            <m:num>
+                              <m:d>
+                                <m:dPr>
+                                  <m:ctrlPr>
+                                    <a:rPr lang="ru-RU" sz="2400" i="1"/>
+                                  </m:ctrlPr>
+                                </m:dPr>
+                                <m:e>
+                                  <m:sSub>
+                                    <m:sSubPr>
+                                      <m:ctrlPr>
+                                        <a:rPr lang="ru-RU" sz="2400" i="1"/>
+                                      </m:ctrlPr>
+                                    </m:sSubPr>
+                                    <m:e>
+                                      <m:r>
+                                        <a:rPr lang="en-US" sz="2400" i="1"/>
+                                        <m:t>𝑚</m:t>
+                                      </m:r>
+                                    </m:e>
+                                    <m:sub>
+                                      <m:r>
+                                        <a:rPr lang="en-US" sz="2400" i="1"/>
+                                        <m:t>𝑘</m:t>
+                                      </m:r>
+                                    </m:sub>
+                                  </m:sSub>
+                                  <m:r>
+                                    <a:rPr lang="en-US" sz="2400" i="1"/>
+                                    <m:t>+</m:t>
+                                  </m:r>
+                                  <m:sSub>
+                                    <m:sSubPr>
+                                      <m:ctrlPr>
+                                        <a:rPr lang="ru-RU" sz="2400" i="1"/>
+                                      </m:ctrlPr>
+                                    </m:sSubPr>
+                                    <m:e>
+                                      <m:r>
+                                        <a:rPr lang="en-US" sz="2400" i="1"/>
+                                        <m:t>𝑚</m:t>
+                                      </m:r>
+                                    </m:e>
+                                    <m:sub>
+                                      <m:r>
+                                        <a:rPr lang="en-US" sz="2400" i="1"/>
+                                        <m:t>𝑝</m:t>
+                                      </m:r>
+                                    </m:sub>
+                                  </m:sSub>
+                                </m:e>
+                              </m:d>
+                            </m:num>
+                            <m:den>
+                              <m:sSub>
+                                <m:sSubPr>
+                                  <m:ctrlPr>
+                                    <a:rPr lang="ru-RU" sz="2400" i="1"/>
+                                  </m:ctrlPr>
+                                </m:sSubPr>
+                                <m:e>
+                                  <m:r>
+                                    <a:rPr lang="en-US" sz="2400" i="1"/>
+                                    <m:t>𝑚</m:t>
+                                  </m:r>
+                                </m:e>
+                                <m:sub>
+                                  <m:r>
+                                    <a:rPr lang="en-US" sz="2400" i="1"/>
+                                    <m:t>𝑘</m:t>
+                                  </m:r>
+                                </m:sub>
+                              </m:sSub>
+                            </m:den>
+                          </m:f>
+                        </m:e>
+                      </m:rad>
+                      <m:r>
+                        <a:rPr lang="en-US" sz="2400" i="1"/>
+                        <m:t>+</m:t>
+                      </m:r>
+                      <m:sSub>
+                        <m:sSubPr>
+                          <m:ctrlPr>
+                            <a:rPr lang="ru-RU" sz="2400" i="1"/>
+                          </m:ctrlPr>
+                        </m:sSubPr>
+                        <m:e>
+                          <m:r>
+                            <a:rPr lang="en-US" sz="2400" i="1"/>
+                            <m:t>𝑣</m:t>
+                          </m:r>
+                        </m:e>
+                        <m:sub>
+                          <m:r>
+                            <a:rPr lang="en-US" sz="2400" i="1"/>
+                            <m:t>𝑒𝑠𝑐</m:t>
+                          </m:r>
+                        </m:sub>
+                      </m:sSub>
+                      <m:r>
+                        <a:rPr lang="en-US" sz="2400" i="1"/>
+                        <m:t>≥</m:t>
+                      </m:r>
+                      <m:f>
+                        <m:fPr>
+                          <m:ctrlPr>
+                            <a:rPr lang="ru-RU" sz="2400" i="1"/>
+                          </m:ctrlPr>
+                        </m:fPr>
+                        <m:num>
+                          <m:sSub>
+                            <m:sSubPr>
+                              <m:ctrlPr>
+                                <a:rPr lang="ru-RU" sz="2400" i="1"/>
+                              </m:ctrlPr>
+                            </m:sSubPr>
+                            <m:e>
+                              <m:r>
+                                <a:rPr lang="en-US" sz="2400" i="1"/>
+                                <m:t>𝑚</m:t>
+                              </m:r>
+                            </m:e>
+                            <m:sub>
+                              <m:r>
+                                <a:rPr lang="en-US" sz="2400" i="1"/>
+                                <m:t>𝑘</m:t>
+                              </m:r>
+                            </m:sub>
+                          </m:sSub>
+                        </m:num>
+                        <m:den>
+                          <m:sSub>
+                            <m:sSubPr>
+                              <m:ctrlPr>
+                                <a:rPr lang="ru-RU" sz="2400" i="1"/>
+                              </m:ctrlPr>
+                            </m:sSubPr>
+                            <m:e>
+                              <m:r>
+                                <a:rPr lang="en-US" sz="2400" i="1"/>
+                                <m:t>𝑚</m:t>
+                              </m:r>
+                            </m:e>
+                            <m:sub>
+                              <m:r>
+                                <a:rPr lang="en-US" sz="2400" i="1"/>
+                                <m:t>𝑝</m:t>
+                              </m:r>
+                            </m:sub>
+                          </m:sSub>
+                          <m:r>
+                            <a:rPr lang="en-US" sz="2400" i="1"/>
+                            <m:t>+</m:t>
+                          </m:r>
+                          <m:sSub>
+                            <m:sSubPr>
+                              <m:ctrlPr>
+                                <a:rPr lang="ru-RU" sz="2400" i="1"/>
+                              </m:ctrlPr>
+                            </m:sSubPr>
+                            <m:e>
+                              <m:r>
+                                <a:rPr lang="en-US" sz="2400" i="1"/>
+                                <m:t>𝑚</m:t>
+                              </m:r>
+                            </m:e>
+                            <m:sub>
+                              <m:r>
+                                <a:rPr lang="en-US" sz="2400" i="1"/>
+                                <m:t>𝑘</m:t>
+                              </m:r>
+                            </m:sub>
+                          </m:sSub>
+                        </m:den>
+                      </m:f>
+                      <m:sSub>
+                        <m:sSubPr>
+                          <m:ctrlPr>
+                            <a:rPr lang="ru-RU" sz="2400" i="1"/>
+                          </m:ctrlPr>
+                        </m:sSubPr>
+                        <m:e>
+                          <m:r>
+                            <a:rPr lang="en-US" sz="2400" i="1"/>
+                            <m:t>𝑣</m:t>
+                          </m:r>
+                        </m:e>
+                        <m:sub>
+                          <m:r>
+                            <a:rPr lang="ru-RU" sz="2400" i="1"/>
+                            <m:t>ЛСО</m:t>
+                          </m:r>
+                        </m:sub>
+                      </m:sSub>
+                    </m:oMath>
+                  </m:oMathPara>
+                </a14:m>
+                <a:endParaRPr lang="ru-RU" dirty="0"/>
+              </a:p>
+              <a:p>
+                <a:pPr lvl="0">
+                  <a:spcAft>
+                    <a:spcPts val="0"/>
+                  </a:spcAft>
+                </a:pPr>
+                <a:endParaRPr lang="ru-RU" sz="2400" dirty="0" smtClean="0">
+                  <a:latin typeface="Times New Roman" panose="02020603050405020304" pitchFamily="18" charset="0"/>
+                  <a:cs typeface="Times New Roman" panose="02020603050405020304" pitchFamily="18" charset="0"/>
+                </a:endParaRPr>
+              </a:p>
+              <a:p>
+                <a:pPr marL="342900" lvl="0" indent="-342900">
+                  <a:spcAft>
+                    <a:spcPts val="0"/>
+                  </a:spcAft>
+                  <a:buFont typeface="Symbol" panose="05050102010706020507" pitchFamily="18" charset="2"/>
+                  <a:buChar char=""/>
+                </a:pPr>
+                <a:r>
+                  <a:rPr lang="ru-RU" sz="2400" dirty="0" smtClean="0">
+                    <a:latin typeface="Times New Roman" panose="02020603050405020304" pitchFamily="18" charset="0"/>
+                    <a:cs typeface="Times New Roman" panose="02020603050405020304" pitchFamily="18" charset="0"/>
+                  </a:rPr>
+                  <a:t>Эффект Мигдала (переход между уровнями в атоме и ионизация)</a:t>
+                </a:r>
+              </a:p>
+              <a:p>
+                <a:endParaRPr lang="ru-RU" dirty="0"/>
+              </a:p>
+              <a:p>
+                <a:endParaRPr lang="ru-RU" sz="2400" dirty="0">
+                  <a:latin typeface="Times New Roman" panose="02020603050405020304" pitchFamily="18" charset="0"/>
+                  <a:cs typeface="Times New Roman" panose="02020603050405020304" pitchFamily="18" charset="0"/>
+                </a:endParaRPr>
+              </a:p>
+              <a:p>
+                <a:pPr marL="342900" lvl="0" indent="-342900">
+                  <a:spcAft>
+                    <a:spcPts val="0"/>
+                  </a:spcAft>
+                  <a:buFont typeface="Symbol" panose="05050102010706020507" pitchFamily="18" charset="2"/>
+                  <a:buChar char=""/>
+                </a:pPr>
+                <a:endParaRPr lang="ru-RU" sz="2400" dirty="0" smtClean="0">
+                  <a:latin typeface="Times New Roman" panose="02020603050405020304" pitchFamily="18" charset="0"/>
+                  <a:cs typeface="Times New Roman" panose="02020603050405020304" pitchFamily="18" charset="0"/>
+                </a:endParaRPr>
+              </a:p>
+              <a:p>
+                <a:pPr lvl="0">
+                  <a:spcAft>
+                    <a:spcPts val="0"/>
+                  </a:spcAft>
+                </a:pPr>
+                <a:endParaRPr lang="ru-RU" sz="2400" dirty="0" smtClean="0">
+                  <a:latin typeface="Times New Roman" panose="02020603050405020304" pitchFamily="18" charset="0"/>
+                  <a:cs typeface="Times New Roman" panose="02020603050405020304" pitchFamily="18" charset="0"/>
+                </a:endParaRPr>
+              </a:p>
+              <a:p>
+                <a:pPr lvl="0">
+                  <a:spcAft>
+                    <a:spcPts val="0"/>
+                  </a:spcAft>
+                </a:pPr>
+                <a:endParaRPr lang="ru-RU" sz="2400" dirty="0" smtClean="0">
+                  <a:latin typeface="Times New Roman" panose="02020603050405020304" pitchFamily="18" charset="0"/>
+                  <a:cs typeface="Times New Roman" panose="02020603050405020304" pitchFamily="18" charset="0"/>
+                </a:endParaRPr>
+              </a:p>
+              <a:p>
+                <a:pPr lvl="0">
+                  <a:spcAft>
+                    <a:spcPts val="0"/>
+                  </a:spcAft>
+                </a:pPr>
+                <a:endParaRPr lang="ru-RU" sz="2400" dirty="0" smtClean="0">
+                  <a:latin typeface="Times New Roman" panose="02020603050405020304" pitchFamily="18" charset="0"/>
+                  <a:cs typeface="Times New Roman" panose="02020603050405020304" pitchFamily="18" charset="0"/>
+                </a:endParaRPr>
+              </a:p>
+            </p:txBody>
+          </p:sp>
+        </mc:Choice>
+        <mc:Fallback>
+          <p:sp>
+            <p:nvSpPr>
+              <p:cNvPr id="5" name="Прямоугольник 4"/>
+              <p:cNvSpPr>
+                <a:spLocks noRot="1" noChangeAspect="1" noMove="1" noResize="1" noEditPoints="1" noAdjustHandles="1" noChangeArrowheads="1" noChangeShapeType="1" noTextEdit="1"/>
+              </p:cNvSpPr>
+              <p:nvPr/>
+            </p:nvSpPr>
+            <p:spPr>
+              <a:xfrm>
+                <a:off x="336000" y="1053000"/>
+                <a:ext cx="11448000" cy="4784515"/>
+              </a:xfrm>
+              <a:prstGeom prst="rect">
+                <a:avLst/>
+              </a:prstGeom>
+              <a:blipFill>
+                <a:blip r:embed="rId2"/>
+                <a:stretch>
+                  <a:fillRect l="-852" t="-1401"/>
+                </a:stretch>
+              </a:blipFill>
+            </p:spPr>
+            <p:txBody>
+              <a:bodyPr/>
+              <a:lstStyle/>
+              <a:p>
+                <a:r>
+                  <a:rPr lang="ru-RU">
+                    <a:noFill/>
+                  </a:rPr>
+                  <a:t> </a:t>
+                </a:r>
+              </a:p>
+            </p:txBody>
+          </p:sp>
+        </mc:Fallback>
+      </mc:AlternateContent>
+    </p:spTree>
+    <p:extLst>
+      <p:ext uri="{BB962C8B-B14F-4D97-AF65-F5344CB8AC3E}">
+        <p14:creationId xmlns:p14="http://schemas.microsoft.com/office/powerpoint/2010/main" val="2153356101"/>
       </p:ext>
     </p:extLst>
   </p:cSld>
@@ -3154,7 +6507,7 @@
         <p:spPr>
           <a:xfrm>
             <a:off x="336000" y="1053000"/>
-            <a:ext cx="6912000" cy="4524315"/>
+            <a:ext cx="7632000" cy="4893647"/>
           </a:xfrm>
           <a:prstGeom prst="rect">
             <a:avLst/>
@@ -3196,24 +6549,31 @@
                 <a:latin typeface="Times New Roman" panose="02020603050405020304" pitchFamily="18" charset="0"/>
                 <a:ea typeface="Cambria" panose="02040503050406030204" pitchFamily="18" charset="0"/>
               </a:rPr>
-              <a:t>Существуют различные кандидаты</a:t>
+              <a:t>Существуют различные </a:t>
             </a:r>
-          </a:p>
-          <a:p>
-            <a:pPr marL="742950" lvl="1" indent="-285750">
-              <a:spcAft>
-                <a:spcPts val="0"/>
-              </a:spcAft>
-              <a:buFont typeface="Wingdings" panose="05000000000000000000" pitchFamily="2" charset="2"/>
-              <a:buChar char=""/>
-            </a:pPr>
             <a:r>
               <a:rPr lang="ru-RU" sz="2400" kern="1400" dirty="0" smtClean="0">
                 <a:effectLst/>
                 <a:latin typeface="Times New Roman" panose="02020603050405020304" pitchFamily="18" charset="0"/>
                 <a:ea typeface="Cambria" panose="02040503050406030204" pitchFamily="18" charset="0"/>
               </a:rPr>
-              <a:t> </a:t>
+              <a:t>кандидаты</a:t>
+            </a:r>
+            <a:r>
+              <a:rPr lang="en-US" sz="2400" kern="1400" dirty="0" smtClean="0">
+                <a:effectLst/>
+                <a:latin typeface="Times New Roman" panose="02020603050405020304" pitchFamily="18" charset="0"/>
+                <a:ea typeface="Cambria" panose="02040503050406030204" pitchFamily="18" charset="0"/>
+              </a:rPr>
+              <a:t> </a:t>
+            </a:r>
+            <a:r>
+              <a:rPr lang="ru-RU" sz="2400" kern="1400" dirty="0" smtClean="0">
+                <a:effectLst/>
+                <a:latin typeface="Times New Roman" panose="02020603050405020304" pitchFamily="18" charset="0"/>
+                <a:ea typeface="Cambria" panose="02040503050406030204" pitchFamily="18" charset="0"/>
+              </a:rPr>
+              <a:t>из различных расширений СМ.</a:t>
             </a:r>
           </a:p>
           <a:p>
@@ -3226,11 +6586,17 @@
             </a:pPr>
             <a:r>
               <a:rPr lang="ru-RU" sz="2400" kern="1400" dirty="0" smtClean="0">
-                <a:effectLst/>
                 <a:latin typeface="Times New Roman" panose="02020603050405020304" pitchFamily="18" charset="0"/>
                 <a:ea typeface="Cambria" panose="02040503050406030204" pitchFamily="18" charset="0"/>
               </a:rPr>
-              <a:t>Различные методы поиска</a:t>
+              <a:t>Методы </a:t>
+            </a:r>
+            <a:r>
+              <a:rPr lang="ru-RU" sz="2400" kern="1400" dirty="0">
+                <a:latin typeface="Times New Roman" panose="02020603050405020304" pitchFamily="18" charset="0"/>
+                <a:ea typeface="Cambria" panose="02040503050406030204" pitchFamily="18" charset="0"/>
+              </a:rPr>
+              <a:t>поиска</a:t>
             </a:r>
           </a:p>
           <a:p>
@@ -3242,12 +6608,11 @@
               <a:buChar char=""/>
             </a:pPr>
             <a:r>
-              <a:rPr lang="ru-RU" sz="2400" kern="1400" dirty="0" smtClean="0">
-                <a:effectLst/>
+              <a:rPr lang="ru-RU" sz="2400" kern="1400" dirty="0">
                 <a:latin typeface="Times New Roman" panose="02020603050405020304" pitchFamily="18" charset="0"/>
                 <a:ea typeface="Cambria" panose="02040503050406030204" pitchFamily="18" charset="0"/>
               </a:rPr>
-              <a:t>По отдачи (прямой)</a:t>
+              <a:t>Прямые методы (регистрация отдачи)</a:t>
             </a:r>
           </a:p>
           <a:p>
@@ -3259,55 +6624,89 @@
               <a:buChar char=""/>
             </a:pPr>
             <a:r>
-              <a:rPr lang="ru-RU" sz="2400" kern="1400" dirty="0" smtClean="0">
-                <a:effectLst/>
+              <a:rPr lang="ru-RU" sz="2400" kern="1400" dirty="0">
                 <a:latin typeface="Times New Roman" panose="02020603050405020304" pitchFamily="18" charset="0"/>
                 <a:ea typeface="Cambria" panose="02040503050406030204" pitchFamily="18" charset="0"/>
               </a:rPr>
-              <a:t>В ускорителях</a:t>
+              <a:t>Косвенные</a:t>
             </a:r>
           </a:p>
           <a:p>
-            <a:pPr marL="742950" lvl="1" indent="-285750">
-              <a:spcAft>
-                <a:spcPts val="0"/>
-              </a:spcAft>
+            <a:pPr marL="1200150" lvl="2" indent="-285750">
               <a:buFont typeface="Wingdings" panose="05000000000000000000" pitchFamily="2" charset="2"/>
               <a:buChar char=""/>
             </a:pPr>
             <a:r>
-              <a:rPr lang="ru-RU" sz="2400" kern="1400" dirty="0" smtClean="0">
-                <a:effectLst/>
+              <a:rPr lang="ru-RU" sz="2400" kern="1400" dirty="0">
                 <a:latin typeface="Times New Roman" panose="02020603050405020304" pitchFamily="18" charset="0"/>
                 <a:ea typeface="Cambria" panose="02040503050406030204" pitchFamily="18" charset="0"/>
               </a:rPr>
-              <a:t>Измерение потоков продуктов аннигиляции (после накопления в небесных телах)</a:t>
+              <a:t>На ускорителях (нарушение видимого ЗСЭИ)</a:t>
             </a:r>
           </a:p>
           <a:p>
-            <a:pPr marL="342900" lvl="0" indent="-342900">
-              <a:spcAft>
-                <a:spcPts val="0"/>
-              </a:spcAft>
+            <a:pPr marL="1200150" lvl="2" indent="-285750">
+              <a:buFont typeface="Wingdings" panose="05000000000000000000" pitchFamily="2" charset="2"/>
+              <a:buChar char=""/>
+            </a:pPr>
+            <a:r>
+              <a:rPr lang="ru-RU" sz="2400" kern="1400" dirty="0">
+                <a:latin typeface="Times New Roman" panose="02020603050405020304" pitchFamily="18" charset="0"/>
+                <a:ea typeface="Cambria" panose="02040503050406030204" pitchFamily="18" charset="0"/>
+              </a:rPr>
+              <a:t>Поиск сигналов от аннигиляции или распада</a:t>
+            </a:r>
+          </a:p>
+          <a:p>
+            <a:pPr marL="342900" indent="-342900">
               <a:buFont typeface="Symbol" panose="05050102010706020507" pitchFamily="18" charset="2"/>
               <a:buChar char=""/>
             </a:pPr>
             <a:r>
-              <a:rPr lang="ru-RU" sz="2400" kern="1400" dirty="0" smtClean="0">
-                <a:effectLst/>
+              <a:rPr lang="ru-RU" sz="2400" kern="1400" dirty="0">
                 <a:latin typeface="Times New Roman" panose="02020603050405020304" pitchFamily="18" charset="0"/>
                 <a:ea typeface="Cambria" panose="02040503050406030204" pitchFamily="18" charset="0"/>
               </a:rPr>
-              <a:t>В данной работе рассматривается влияние неупругого рассеяния на захват.</a:t>
+              <a:t>В данной работе рассматривается влияние неупругого рассеяния на </a:t>
+            </a:r>
+            <a:r>
+              <a:rPr lang="ru-RU" sz="2400" kern="1400" dirty="0" smtClean="0">
+                <a:latin typeface="Times New Roman" panose="02020603050405020304" pitchFamily="18" charset="0"/>
+                <a:ea typeface="Cambria" panose="02040503050406030204" pitchFamily="18" charset="0"/>
+              </a:rPr>
+              <a:t>захват частиц ТМ небесными телами (Солнце, Земля). </a:t>
             </a:r>
             <a:endParaRPr lang="ru-RU" sz="2400" kern="1400" dirty="0">
-              <a:effectLst/>
               <a:latin typeface="Times New Roman" panose="02020603050405020304" pitchFamily="18" charset="0"/>
               <a:ea typeface="Cambria" panose="02040503050406030204" pitchFamily="18" charset="0"/>
             </a:endParaRPr>
           </a:p>
         </p:txBody>
       </p:sp>
+      <p:pic>
+        <p:nvPicPr>
+          <p:cNvPr id="2" name="Рисунок 1"/>
+          <p:cNvPicPr>
+            <a:picLocks noChangeAspect="1"/>
+          </p:cNvPicPr>
+          <p:nvPr/>
+        </p:nvPicPr>
+        <p:blipFill>
+          <a:blip r:embed="rId2"/>
+          <a:stretch>
+            <a:fillRect/>
+          </a:stretch>
+        </p:blipFill>
+        <p:spPr>
+          <a:xfrm>
+            <a:off x="8256000" y="4149000"/>
+            <a:ext cx="3672000" cy="1521141"/>
+          </a:xfrm>
+          <a:prstGeom prst="rect">
+            <a:avLst/>
+          </a:prstGeom>
+        </p:spPr>
+      </p:pic>
     </p:spTree>
     <p:extLst>
       <p:ext uri="{BB962C8B-B14F-4D97-AF65-F5344CB8AC3E}">
@@ -3387,11 +6786,18 @@
           </a:lstStyle>
           <a:p>
             <a:r>
-              <a:rPr lang="ru-RU" sz="3200" b="1" dirty="0" smtClean="0">
+              <a:rPr lang="ru-RU" sz="3200" b="1" smtClean="0">
                 <a:latin typeface="Times New Roman" panose="02020603050405020304" pitchFamily="18" charset="0"/>
                 <a:cs typeface="Times New Roman" panose="02020603050405020304" pitchFamily="18" charset="0"/>
               </a:rPr>
-              <a:t>Сечение процесса</a:t>
+              <a:t>Сечение </a:t>
+            </a:r>
+            <a:r>
+              <a:rPr lang="ru-RU" sz="3200" b="1" smtClean="0">
+                <a:latin typeface="Times New Roman" panose="02020603050405020304" pitchFamily="18" charset="0"/>
+                <a:cs typeface="Times New Roman" panose="02020603050405020304" pitchFamily="18" charset="0"/>
+              </a:rPr>
+              <a:t>процесса</a:t>
             </a:r>
             <a:endParaRPr lang="ru-RU" sz="3200" b="1" dirty="0">
               <a:latin typeface="Times New Roman" panose="02020603050405020304" pitchFamily="18" charset="0"/>
@@ -3400,8 +6806,8 @@
           </a:p>
         </p:txBody>
       </p:sp>
-      <mc:AlternateContent xmlns:mc="http://schemas.openxmlformats.org/markup-compatibility/2006" xmlns:a14="http://schemas.microsoft.com/office/drawing/2010/main">
-        <mc:Choice Requires="a14">
+      <mc:AlternateContent xmlns:mc="http://schemas.openxmlformats.org/markup-compatibility/2006">
+        <mc:Choice xmlns:a14="http://schemas.microsoft.com/office/drawing/2010/main" Requires="a14">
           <p:sp>
             <p:nvSpPr>
               <p:cNvPr id="10" name="Прямоугольник 9"/>
@@ -3411,7 +6817,7 @@
             <p:spPr>
               <a:xfrm>
                 <a:off x="336000" y="837000"/>
-                <a:ext cx="10224000" cy="6067238"/>
+                <a:ext cx="11736000" cy="3846246"/>
               </a:xfrm>
               <a:prstGeom prst="rect">
                 <a:avLst/>
@@ -3424,6 +6830,9 @@
               <a:lstStyle/>
               <a:p>
                 <a:pPr marL="342900" lvl="0" indent="-342900">
+                  <a:lnSpc>
+                    <a:spcPct val="150000"/>
+                  </a:lnSpc>
                   <a:spcAft>
                     <a:spcPts val="0"/>
                   </a:spcAft>
@@ -3438,12 +6847,40 @@
                   </a:rPr>
                   <a:t>Лагранжиан взаимодействия с нуклоном</a:t>
                 </a:r>
+                <a:r>
+                  <a:rPr lang="en-US" sz="2400" kern="1400" dirty="0" smtClean="0">
+                    <a:effectLst/>
+                    <a:latin typeface="Times New Roman" panose="02020603050405020304" pitchFamily="18" charset="0"/>
+                    <a:ea typeface="Cambria" panose="02040503050406030204" pitchFamily="18" charset="0"/>
+                  </a:rPr>
+                  <a:t> (</a:t>
+                </a:r>
+                <a:r>
+                  <a:rPr lang="ru-RU" sz="2400" kern="1400" dirty="0" smtClean="0">
+                    <a:effectLst/>
+                    <a:latin typeface="Times New Roman" panose="02020603050405020304" pitchFamily="18" charset="0"/>
+                    <a:ea typeface="Cambria" panose="02040503050406030204" pitchFamily="18" charset="0"/>
+                  </a:rPr>
+                  <a:t>Дираковский фермион</a:t>
+                </a:r>
+                <a:r>
+                  <a:rPr lang="en-US" sz="2400" kern="1400" dirty="0" smtClean="0">
+                    <a:effectLst/>
+                    <a:latin typeface="Times New Roman" panose="02020603050405020304" pitchFamily="18" charset="0"/>
+                    <a:ea typeface="Cambria" panose="02040503050406030204" pitchFamily="18" charset="0"/>
+                  </a:rPr>
+                  <a:t>)</a:t>
+                </a:r>
                 <a:endParaRPr lang="ru-RU" sz="2400" i="1" dirty="0" smtClean="0">
                   <a:latin typeface="Cambria Math" panose="02040503050406030204" pitchFamily="18" charset="0"/>
                 </a:endParaRPr>
               </a:p>
               <a:p>
-                <a:pPr/>
+                <a:pPr>
+                  <a:lnSpc>
+                    <a:spcPct val="150000"/>
+                  </a:lnSpc>
+                </a:pPr>
                 <a14:m>
                   <m:oMathPara xmlns:m="http://schemas.openxmlformats.org/officeDocument/2006/math">
                     <m:oMathParaPr>
@@ -3759,6 +7196,9 @@
               </a:p>
               <a:p>
                 <a:pPr marL="342900" lvl="0" indent="-342900">
+                  <a:lnSpc>
+                    <a:spcPct val="150000"/>
+                  </a:lnSpc>
                   <a:spcAft>
                     <a:spcPts val="0"/>
                   </a:spcAft>
@@ -3771,11 +7211,43 @@
                     <a:latin typeface="Times New Roman" panose="02020603050405020304" pitchFamily="18" charset="0"/>
                     <a:ea typeface="Cambria" panose="02040503050406030204" pitchFamily="18" charset="0"/>
                   </a:rPr>
-                  <a:t>Квадрат матричного элемента</a:t>
+                  <a:t>Квадрат матричного </a:t>
                 </a:r>
+                <a:r>
+                  <a:rPr lang="ru-RU" sz="2400" kern="1400" dirty="0" smtClean="0">
+                    <a:effectLst/>
+                    <a:latin typeface="Times New Roman" panose="02020603050405020304" pitchFamily="18" charset="0"/>
+                    <a:ea typeface="Cambria" panose="02040503050406030204" pitchFamily="18" charset="0"/>
+                  </a:rPr>
+                  <a:t>элемента</a:t>
+                </a:r>
+                <a:r>
+                  <a:rPr lang="en-US" sz="2400" kern="1400" dirty="0" smtClean="0">
+                    <a:effectLst/>
+                    <a:latin typeface="Times New Roman" panose="02020603050405020304" pitchFamily="18" charset="0"/>
+                    <a:ea typeface="Cambria" panose="02040503050406030204" pitchFamily="18" charset="0"/>
+                  </a:rPr>
+                  <a:t> </a:t>
+                </a:r>
+                <a:r>
+                  <a:rPr lang="ru-RU" sz="2400" kern="1400" dirty="0" smtClean="0">
+                    <a:effectLst/>
+                    <a:latin typeface="Times New Roman" panose="02020603050405020304" pitchFamily="18" charset="0"/>
+                    <a:ea typeface="Cambria" panose="02040503050406030204" pitchFamily="18" charset="0"/>
+                  </a:rPr>
+                  <a:t>упругого рассеяния</a:t>
+                </a:r>
+                <a:endParaRPr lang="ru-RU" sz="2400" kern="1400" dirty="0" smtClean="0">
+                  <a:effectLst/>
+                  <a:latin typeface="Times New Roman" panose="02020603050405020304" pitchFamily="18" charset="0"/>
+                  <a:ea typeface="Cambria" panose="02040503050406030204" pitchFamily="18" charset="0"/>
+                </a:endParaRPr>
               </a:p>
               <a:p>
                 <a:pPr lvl="1">
+                  <a:lnSpc>
+                    <a:spcPct val="150000"/>
+                  </a:lnSpc>
                   <a:spcAft>
                     <a:spcPts val="0"/>
                   </a:spcAft>
@@ -4297,6 +7769,9 @@
               </a:p>
               <a:p>
                 <a:pPr marL="342900" lvl="0" indent="-342900">
+                  <a:lnSpc>
+                    <a:spcPct val="150000"/>
+                  </a:lnSpc>
                   <a:spcAft>
                     <a:spcPts val="0"/>
                   </a:spcAft>
@@ -4309,1182 +7784,23 @@
                     <a:latin typeface="Times New Roman" panose="02020603050405020304" pitchFamily="18" charset="0"/>
                     <a:ea typeface="Cambria" panose="02040503050406030204" pitchFamily="18" charset="0"/>
                   </a:rPr>
-                  <a:t>Нерелятивистский случай:</a:t>
+                  <a:t>Нерелятивистский случай</a:t>
                 </a:r>
+                <a:r>
+                  <a:rPr lang="ru-RU" sz="2400" kern="1400" dirty="0" smtClean="0">
+                    <a:effectLst/>
+                    <a:latin typeface="Times New Roman" panose="02020603050405020304" pitchFamily="18" charset="0"/>
+                    <a:ea typeface="Cambria" panose="02040503050406030204" pitchFamily="18" charset="0"/>
+                  </a:rPr>
+                  <a:t>:</a:t>
+                </a:r>
+                <a:endParaRPr lang="en-US" sz="2400" kern="1400" dirty="0">
+                  <a:latin typeface="Times New Roman" panose="02020603050405020304" pitchFamily="18" charset="0"/>
+                  <a:ea typeface="Cambria" panose="02040503050406030204" pitchFamily="18" charset="0"/>
+                </a:endParaRPr>
               </a:p>
               <a:p>
-                <a:pPr marL="742950" lvl="1" indent="-285750">
-                  <a:buFont typeface="Wingdings" panose="05000000000000000000" pitchFamily="2" charset="2"/>
-                  <a:buChar char=""/>
-                </a:pPr>
-                <a14:m>
-                  <m:oMath xmlns:m="http://schemas.openxmlformats.org/officeDocument/2006/math">
-                    <m:sSubSup>
-                      <m:sSubSupPr>
-                        <m:ctrlPr>
-                          <a:rPr lang="ru-RU" sz="2400" i="1">
-                            <a:latin typeface="Cambria Math" panose="02040503050406030204" pitchFamily="18" charset="0"/>
-                          </a:rPr>
-                        </m:ctrlPr>
-                      </m:sSubSupPr>
-                      <m:e>
-                        <m:r>
-                          <a:rPr lang="ru-RU" sz="2400" i="1">
-                            <a:latin typeface="Cambria Math" panose="02040503050406030204" pitchFamily="18" charset="0"/>
-                          </a:rPr>
-                          <m:t>𝑎</m:t>
-                        </m:r>
-                      </m:e>
-                      <m:sub>
-                        <m:r>
-                          <a:rPr lang="ru-RU" sz="2400" i="1">
-                            <a:latin typeface="Cambria Math" panose="02040503050406030204" pitchFamily="18" charset="0"/>
-                          </a:rPr>
-                          <m:t>1</m:t>
-                        </m:r>
-                      </m:sub>
-                      <m:sup>
-                        <m:r>
-                          <a:rPr lang="ru-RU" sz="2400" i="1">
-                            <a:latin typeface="Cambria Math" panose="02040503050406030204" pitchFamily="18" charset="0"/>
-                          </a:rPr>
-                          <m:t>2</m:t>
-                        </m:r>
-                      </m:sup>
-                    </m:sSubSup>
-                    <m:r>
-                      <a:rPr lang="ru-RU" sz="2400" i="1">
-                        <a:latin typeface="Cambria Math" panose="02040503050406030204" pitchFamily="18" charset="0"/>
-                      </a:rPr>
-                      <m:t>≠0</m:t>
-                    </m:r>
-                  </m:oMath>
-                </a14:m>
-                <a:r>
-                  <a:rPr lang="ru-RU" sz="2400" dirty="0"/>
-                  <a:t> и </a:t>
-                </a:r>
-                <a14:m>
-                  <m:oMath xmlns:m="http://schemas.openxmlformats.org/officeDocument/2006/math">
-                    <m:sSubSup>
-                      <m:sSubSupPr>
-                        <m:ctrlPr>
-                          <a:rPr lang="ru-RU" sz="2400" i="1">
-                            <a:latin typeface="Cambria Math" panose="02040503050406030204" pitchFamily="18" charset="0"/>
-                          </a:rPr>
-                        </m:ctrlPr>
-                      </m:sSubSupPr>
-                      <m:e>
-                        <m:r>
-                          <a:rPr lang="ru-RU" sz="2400" i="1">
-                            <a:latin typeface="Cambria Math" panose="02040503050406030204" pitchFamily="18" charset="0"/>
-                          </a:rPr>
-                          <m:t>𝑎</m:t>
-                        </m:r>
-                      </m:e>
-                      <m:sub>
-                        <m:r>
-                          <a:rPr lang="ru-RU" sz="2400" i="1">
-                            <a:latin typeface="Cambria Math" panose="02040503050406030204" pitchFamily="18" charset="0"/>
-                          </a:rPr>
-                          <m:t>2</m:t>
-                        </m:r>
-                      </m:sub>
-                      <m:sup>
-                        <m:r>
-                          <a:rPr lang="ru-RU" sz="2400" i="1">
-                            <a:latin typeface="Cambria Math" panose="02040503050406030204" pitchFamily="18" charset="0"/>
-                          </a:rPr>
-                          <m:t>2</m:t>
-                        </m:r>
-                      </m:sup>
-                    </m:sSubSup>
-                    <m:r>
-                      <a:rPr lang="ru-RU" sz="2400" i="1">
-                        <a:latin typeface="Cambria Math" panose="02040503050406030204" pitchFamily="18" charset="0"/>
-                      </a:rPr>
-                      <m:t>≠0</m:t>
-                    </m:r>
-                  </m:oMath>
-                </a14:m>
-                <a:endParaRPr lang="ru-RU" sz="2400" dirty="0" smtClean="0"/>
-              </a:p>
-              <a:p>
-                <a:pPr lvl="1"/>
-                <a14:m>
-                  <m:oMathPara xmlns:m="http://schemas.openxmlformats.org/officeDocument/2006/math">
-                    <m:oMathParaPr>
-                      <m:jc m:val="centerGroup"/>
-                    </m:oMathParaPr>
-                    <m:oMath xmlns:m="http://schemas.openxmlformats.org/officeDocument/2006/math">
-                      <m:sSup>
-                        <m:sSupPr>
-                          <m:ctrlPr>
-                            <a:rPr lang="ru-RU" sz="2400" i="1">
-                              <a:latin typeface="Cambria Math" panose="02040503050406030204" pitchFamily="18" charset="0"/>
-                            </a:rPr>
-                          </m:ctrlPr>
-                        </m:sSupPr>
-                        <m:e>
-                          <m:d>
-                            <m:dPr>
-                              <m:begChr m:val="|"/>
-                              <m:endChr m:val="|"/>
-                              <m:ctrlPr>
-                                <a:rPr lang="ru-RU" sz="2400" i="1">
-                                  <a:latin typeface="Cambria Math" panose="02040503050406030204" pitchFamily="18" charset="0"/>
-                                </a:rPr>
-                              </m:ctrlPr>
-                            </m:dPr>
-                            <m:e>
-                              <m:sSubSup>
-                                <m:sSubSupPr>
-                                  <m:ctrlPr>
-                                    <a:rPr lang="ru-RU" sz="2400" i="1">
-                                      <a:latin typeface="Cambria Math" panose="02040503050406030204" pitchFamily="18" charset="0"/>
-                                    </a:rPr>
-                                  </m:ctrlPr>
-                                </m:sSubSupPr>
-                                <m:e>
-                                  <m:r>
-                                    <a:rPr lang="en-US" sz="2400" i="1">
-                                      <a:latin typeface="Cambria Math" panose="02040503050406030204" pitchFamily="18" charset="0"/>
-                                    </a:rPr>
-                                    <m:t>ℳ</m:t>
-                                  </m:r>
-                                </m:e>
-                                <m:sub>
-                                  <m:r>
-                                    <a:rPr lang="en-US" sz="2400" i="1">
-                                      <a:latin typeface="Cambria Math" panose="02040503050406030204" pitchFamily="18" charset="0"/>
-                                    </a:rPr>
-                                    <m:t>0</m:t>
-                                  </m:r>
-                                </m:sub>
-                                <m:sup>
-                                  <m:r>
-                                    <a:rPr lang="en-US" sz="2400" i="1">
-                                      <a:latin typeface="Cambria Math" panose="02040503050406030204" pitchFamily="18" charset="0"/>
-                                    </a:rPr>
-                                    <m:t>𝑠𝑐𝑎𝑙</m:t>
-                                  </m:r>
-                                </m:sup>
-                              </m:sSubSup>
-                            </m:e>
-                          </m:d>
-                        </m:e>
-                        <m:sup>
-                          <m:r>
-                            <a:rPr lang="en-US" sz="2400" i="1">
-                              <a:latin typeface="Cambria Math" panose="02040503050406030204" pitchFamily="18" charset="0"/>
-                            </a:rPr>
-                            <m:t>2</m:t>
-                          </m:r>
-                        </m:sup>
-                      </m:sSup>
-                      <m:r>
-                        <a:rPr lang="en-US" sz="2400" i="1">
-                          <a:latin typeface="Cambria Math" panose="02040503050406030204" pitchFamily="18" charset="0"/>
-                        </a:rPr>
-                        <m:t>=16</m:t>
-                      </m:r>
-                      <m:d>
-                        <m:dPr>
-                          <m:ctrlPr>
-                            <a:rPr lang="ru-RU" sz="2400" i="1">
-                              <a:latin typeface="Cambria Math" panose="02040503050406030204" pitchFamily="18" charset="0"/>
-                            </a:rPr>
-                          </m:ctrlPr>
-                        </m:dPr>
-                        <m:e>
-                          <m:sSubSup>
-                            <m:sSubSupPr>
-                              <m:ctrlPr>
-                                <a:rPr lang="ru-RU" sz="2400" i="1">
-                                  <a:latin typeface="Cambria Math" panose="02040503050406030204" pitchFamily="18" charset="0"/>
-                                </a:rPr>
-                              </m:ctrlPr>
-                            </m:sSubSupPr>
-                            <m:e>
-                              <m:r>
-                                <a:rPr lang="ru-RU" sz="2400" i="1">
-                                  <a:latin typeface="Cambria Math" panose="02040503050406030204" pitchFamily="18" charset="0"/>
-                                </a:rPr>
-                                <m:t>𝑎</m:t>
-                              </m:r>
-                            </m:e>
-                            <m:sub>
-                              <m:r>
-                                <a:rPr lang="ru-RU" sz="2400" i="1">
-                                  <a:latin typeface="Cambria Math" panose="02040503050406030204" pitchFamily="18" charset="0"/>
-                                </a:rPr>
-                                <m:t>1</m:t>
-                              </m:r>
-                            </m:sub>
-                            <m:sup>
-                              <m:r>
-                                <a:rPr lang="ru-RU" sz="2400" i="1">
-                                  <a:latin typeface="Cambria Math" panose="02040503050406030204" pitchFamily="18" charset="0"/>
-                                </a:rPr>
-                                <m:t>2</m:t>
-                              </m:r>
-                            </m:sup>
-                          </m:sSubSup>
-                          <m:sSubSup>
-                            <m:sSubSupPr>
-                              <m:ctrlPr>
-                                <a:rPr lang="ru-RU" sz="2400" i="1">
-                                  <a:latin typeface="Cambria Math" panose="02040503050406030204" pitchFamily="18" charset="0"/>
-                                </a:rPr>
-                              </m:ctrlPr>
-                            </m:sSubSupPr>
-                            <m:e>
-                              <m:r>
-                                <a:rPr lang="ru-RU" sz="2400" i="1">
-                                  <a:latin typeface="Cambria Math" panose="02040503050406030204" pitchFamily="18" charset="0"/>
-                                </a:rPr>
-                                <m:t>𝑎</m:t>
-                              </m:r>
-                            </m:e>
-                            <m:sub>
-                              <m:r>
-                                <a:rPr lang="ru-RU" sz="2400" i="1">
-                                  <a:latin typeface="Cambria Math" panose="02040503050406030204" pitchFamily="18" charset="0"/>
-                                </a:rPr>
-                                <m:t>2</m:t>
-                              </m:r>
-                            </m:sub>
-                            <m:sup>
-                              <m:r>
-                                <a:rPr lang="ru-RU" sz="2400" i="1">
-                                  <a:latin typeface="Cambria Math" panose="02040503050406030204" pitchFamily="18" charset="0"/>
-                                </a:rPr>
-                                <m:t>2</m:t>
-                              </m:r>
-                            </m:sup>
-                          </m:sSubSup>
-                        </m:e>
-                      </m:d>
-                      <m:sSubSup>
-                        <m:sSubSupPr>
-                          <m:ctrlPr>
-                            <a:rPr lang="ru-RU" sz="2400" i="1">
-                              <a:latin typeface="Cambria Math" panose="02040503050406030204" pitchFamily="18" charset="0"/>
-                            </a:rPr>
-                          </m:ctrlPr>
-                        </m:sSubSupPr>
-                        <m:e>
-                          <m:r>
-                            <a:rPr lang="en-US" sz="2400" i="1">
-                              <a:latin typeface="Cambria Math" panose="02040503050406030204" pitchFamily="18" charset="0"/>
-                            </a:rPr>
-                            <m:t>𝑚</m:t>
-                          </m:r>
-                        </m:e>
-                        <m:sub>
-                          <m:r>
-                            <a:rPr lang="en-US" sz="2400" i="1">
-                              <a:latin typeface="Cambria Math" panose="02040503050406030204" pitchFamily="18" charset="0"/>
-                            </a:rPr>
-                            <m:t>𝑁</m:t>
-                          </m:r>
-                        </m:sub>
-                        <m:sup>
-                          <m:r>
-                            <a:rPr lang="en-US" sz="2400" i="1">
-                              <a:latin typeface="Cambria Math" panose="02040503050406030204" pitchFamily="18" charset="0"/>
-                            </a:rPr>
-                            <m:t>2</m:t>
-                          </m:r>
-                        </m:sup>
-                      </m:sSubSup>
-                      <m:sSubSup>
-                        <m:sSubSupPr>
-                          <m:ctrlPr>
-                            <a:rPr lang="ru-RU" sz="2400" i="1">
-                              <a:latin typeface="Cambria Math" panose="02040503050406030204" pitchFamily="18" charset="0"/>
-                            </a:rPr>
-                          </m:ctrlPr>
-                        </m:sSubSupPr>
-                        <m:e>
-                          <m:r>
-                            <a:rPr lang="en-US" sz="2400" i="1">
-                              <a:latin typeface="Cambria Math" panose="02040503050406030204" pitchFamily="18" charset="0"/>
-                            </a:rPr>
-                            <m:t>𝑚</m:t>
-                          </m:r>
-                        </m:e>
-                        <m:sub>
-                          <m:r>
-                            <a:rPr lang="en-US" sz="2400" i="1">
-                              <a:latin typeface="Cambria Math" panose="02040503050406030204" pitchFamily="18" charset="0"/>
-                            </a:rPr>
-                            <m:t>𝑘</m:t>
-                          </m:r>
-                        </m:sub>
-                        <m:sup>
-                          <m:r>
-                            <a:rPr lang="en-US" sz="2400" i="1">
-                              <a:latin typeface="Cambria Math" panose="02040503050406030204" pitchFamily="18" charset="0"/>
-                            </a:rPr>
-                            <m:t>2</m:t>
-                          </m:r>
-                        </m:sup>
-                      </m:sSubSup>
-                      <m:r>
-                        <a:rPr lang="ru-RU" sz="2400" b="0" i="1" smtClean="0">
-                          <a:latin typeface="Cambria Math" panose="02040503050406030204" pitchFamily="18" charset="0"/>
-                        </a:rPr>
-                        <m:t>,  </m:t>
-                      </m:r>
-                      <m:f>
-                        <m:fPr>
-                          <m:ctrlPr>
-                            <a:rPr lang="ru-RU" sz="2400" i="1">
-                              <a:latin typeface="Cambria Math" panose="02040503050406030204" pitchFamily="18" charset="0"/>
-                            </a:rPr>
-                          </m:ctrlPr>
-                        </m:fPr>
-                        <m:num>
-                          <m:r>
-                            <a:rPr lang="en-US" sz="2400" i="1">
-                              <a:latin typeface="Cambria Math" panose="02040503050406030204" pitchFamily="18" charset="0"/>
-                            </a:rPr>
-                            <m:t>𝑑</m:t>
-                          </m:r>
-                          <m:r>
-                            <a:rPr lang="en-US" sz="2400" i="1">
-                              <a:latin typeface="Cambria Math" panose="02040503050406030204" pitchFamily="18" charset="0"/>
-                            </a:rPr>
-                            <m:t>𝜎</m:t>
-                          </m:r>
-                        </m:num>
-                        <m:den>
-                          <m:r>
-                            <a:rPr lang="en-US" sz="2400" i="1">
-                              <a:latin typeface="Cambria Math" panose="02040503050406030204" pitchFamily="18" charset="0"/>
-                            </a:rPr>
-                            <m:t>𝑑</m:t>
-                          </m:r>
-                          <m:r>
-                            <m:rPr>
-                              <m:sty m:val="p"/>
-                            </m:rPr>
-                            <a:rPr lang="en-US" sz="2400">
-                              <a:latin typeface="Cambria Math" panose="02040503050406030204" pitchFamily="18" charset="0"/>
-                            </a:rPr>
-                            <m:t>Ω</m:t>
-                          </m:r>
-                        </m:den>
-                      </m:f>
-                      <m:r>
-                        <a:rPr lang="en-US" sz="2400" i="1">
-                          <a:latin typeface="Cambria Math" panose="02040503050406030204" pitchFamily="18" charset="0"/>
-                        </a:rPr>
-                        <m:t>=</m:t>
-                      </m:r>
-                      <m:f>
-                        <m:fPr>
-                          <m:ctrlPr>
-                            <a:rPr lang="ru-RU" sz="2400" i="1">
-                              <a:latin typeface="Cambria Math" panose="02040503050406030204" pitchFamily="18" charset="0"/>
-                            </a:rPr>
-                          </m:ctrlPr>
-                        </m:fPr>
-                        <m:num>
-                          <m:sSub>
-                            <m:sSubPr>
-                              <m:ctrlPr>
-                                <a:rPr lang="ru-RU" sz="2400" i="1">
-                                  <a:latin typeface="Cambria Math" panose="02040503050406030204" pitchFamily="18" charset="0"/>
-                                </a:rPr>
-                              </m:ctrlPr>
-                            </m:sSubPr>
-                            <m:e>
-                              <m:r>
-                                <a:rPr lang="en-US" sz="2400" i="1">
-                                  <a:latin typeface="Cambria Math" panose="02040503050406030204" pitchFamily="18" charset="0"/>
-                                </a:rPr>
-                                <m:t>𝜎</m:t>
-                              </m:r>
-                            </m:e>
-                            <m:sub>
-                              <m:r>
-                                <a:rPr lang="ru-RU" sz="2400" i="1">
-                                  <a:latin typeface="Cambria Math" panose="02040503050406030204" pitchFamily="18" charset="0"/>
-                                </a:rPr>
-                                <m:t>0</m:t>
-                              </m:r>
-                              <m:r>
-                                <a:rPr lang="en-US" sz="2400" i="1">
-                                  <a:latin typeface="Cambria Math" panose="02040503050406030204" pitchFamily="18" charset="0"/>
-                                </a:rPr>
-                                <m:t>𝑁</m:t>
-                              </m:r>
-                            </m:sub>
-                          </m:sSub>
-                        </m:num>
-                        <m:den>
-                          <m:r>
-                            <a:rPr lang="ru-RU" sz="2400" i="1">
-                              <a:latin typeface="Cambria Math" panose="02040503050406030204" pitchFamily="18" charset="0"/>
-                            </a:rPr>
-                            <m:t>4</m:t>
-                          </m:r>
-                          <m:r>
-                            <a:rPr lang="ru-RU" sz="2400" i="1">
-                              <a:latin typeface="Cambria Math" panose="02040503050406030204" pitchFamily="18" charset="0"/>
-                            </a:rPr>
-                            <m:t>𝜋</m:t>
-                          </m:r>
-                        </m:den>
-                      </m:f>
-                    </m:oMath>
-                  </m:oMathPara>
-                </a14:m>
-                <a:endParaRPr lang="ru-RU" sz="2400" dirty="0"/>
-              </a:p>
-              <a:p>
-                <a:pPr marL="742950" lvl="1" indent="-285750">
-                  <a:buFont typeface="Wingdings" panose="05000000000000000000" pitchFamily="2" charset="2"/>
-                  <a:buChar char=""/>
-                </a:pPr>
-                <a14:m>
-                  <m:oMath xmlns:m="http://schemas.openxmlformats.org/officeDocument/2006/math">
-                    <m:sSubSup>
-                      <m:sSubSupPr>
-                        <m:ctrlPr>
-                          <a:rPr lang="ru-RU" sz="2400" i="1">
-                            <a:latin typeface="Cambria Math" panose="02040503050406030204" pitchFamily="18" charset="0"/>
-                          </a:rPr>
-                        </m:ctrlPr>
-                      </m:sSubSupPr>
-                      <m:e>
-                        <m:r>
-                          <a:rPr lang="ru-RU" sz="2400" i="1">
-                            <a:latin typeface="Cambria Math" panose="02040503050406030204" pitchFamily="18" charset="0"/>
-                          </a:rPr>
-                          <m:t>𝑎</m:t>
-                        </m:r>
-                      </m:e>
-                      <m:sub>
-                        <m:r>
-                          <a:rPr lang="ru-RU" sz="2400" i="1">
-                            <a:latin typeface="Cambria Math" panose="02040503050406030204" pitchFamily="18" charset="0"/>
-                          </a:rPr>
-                          <m:t>1</m:t>
-                        </m:r>
-                      </m:sub>
-                      <m:sup>
-                        <m:r>
-                          <a:rPr lang="ru-RU" sz="2400" i="1">
-                            <a:latin typeface="Cambria Math" panose="02040503050406030204" pitchFamily="18" charset="0"/>
-                          </a:rPr>
-                          <m:t>2</m:t>
-                        </m:r>
-                      </m:sup>
-                    </m:sSubSup>
-                    <m:r>
-                      <a:rPr lang="ru-RU" sz="2400" i="1">
-                        <a:latin typeface="Cambria Math" panose="02040503050406030204" pitchFamily="18" charset="0"/>
-                      </a:rPr>
-                      <m:t>=0</m:t>
-                    </m:r>
-                  </m:oMath>
-                </a14:m>
-                <a:r>
-                  <a:rPr lang="ru-RU" sz="2400" dirty="0"/>
-                  <a:t>, </a:t>
-                </a:r>
-                <a14:m>
-                  <m:oMath xmlns:m="http://schemas.openxmlformats.org/officeDocument/2006/math">
-                    <m:sSubSup>
-                      <m:sSubSupPr>
-                        <m:ctrlPr>
-                          <a:rPr lang="ru-RU" sz="2400" i="1">
-                            <a:latin typeface="Cambria Math" panose="02040503050406030204" pitchFamily="18" charset="0"/>
-                          </a:rPr>
-                        </m:ctrlPr>
-                      </m:sSubSupPr>
-                      <m:e>
-                        <m:r>
-                          <a:rPr lang="ru-RU" sz="2400" i="1">
-                            <a:latin typeface="Cambria Math" panose="02040503050406030204" pitchFamily="18" charset="0"/>
-                          </a:rPr>
-                          <m:t>𝑎</m:t>
-                        </m:r>
-                      </m:e>
-                      <m:sub>
-                        <m:r>
-                          <a:rPr lang="ru-RU" sz="2400" i="1">
-                            <a:latin typeface="Cambria Math" panose="02040503050406030204" pitchFamily="18" charset="0"/>
-                          </a:rPr>
-                          <m:t>2</m:t>
-                        </m:r>
-                      </m:sub>
-                      <m:sup>
-                        <m:r>
-                          <a:rPr lang="ru-RU" sz="2400" i="1">
-                            <a:latin typeface="Cambria Math" panose="02040503050406030204" pitchFamily="18" charset="0"/>
-                          </a:rPr>
-                          <m:t>2</m:t>
-                        </m:r>
-                      </m:sup>
-                    </m:sSubSup>
-                    <m:r>
-                      <a:rPr lang="ru-RU" sz="2400" i="1">
-                        <a:latin typeface="Cambria Math" panose="02040503050406030204" pitchFamily="18" charset="0"/>
-                      </a:rPr>
-                      <m:t>≠0</m:t>
-                    </m:r>
-                  </m:oMath>
-                </a14:m>
-                <a:endParaRPr lang="ru-RU" sz="2400" dirty="0" smtClean="0"/>
-              </a:p>
-              <a:p>
-                <a:pPr lvl="1"/>
-                <a14:m>
-                  <m:oMathPara xmlns:m="http://schemas.openxmlformats.org/officeDocument/2006/math">
-                    <m:oMathParaPr>
-                      <m:jc m:val="centerGroup"/>
-                    </m:oMathParaPr>
-                    <m:oMath xmlns:m="http://schemas.openxmlformats.org/officeDocument/2006/math">
-                      <m:sSup>
-                        <m:sSupPr>
-                          <m:ctrlPr>
-                            <a:rPr lang="ru-RU" sz="2400" i="1">
-                              <a:latin typeface="Cambria Math" panose="02040503050406030204" pitchFamily="18" charset="0"/>
-                            </a:rPr>
-                          </m:ctrlPr>
-                        </m:sSupPr>
-                        <m:e>
-                          <m:d>
-                            <m:dPr>
-                              <m:begChr m:val="|"/>
-                              <m:endChr m:val="|"/>
-                              <m:ctrlPr>
-                                <a:rPr lang="ru-RU" sz="2400" i="1">
-                                  <a:latin typeface="Cambria Math" panose="02040503050406030204" pitchFamily="18" charset="0"/>
-                                </a:rPr>
-                              </m:ctrlPr>
-                            </m:dPr>
-                            <m:e>
-                              <m:sSubSup>
-                                <m:sSubSupPr>
-                                  <m:ctrlPr>
-                                    <a:rPr lang="ru-RU" sz="2400" i="1">
-                                      <a:latin typeface="Cambria Math" panose="02040503050406030204" pitchFamily="18" charset="0"/>
-                                    </a:rPr>
-                                  </m:ctrlPr>
-                                </m:sSubSupPr>
-                                <m:e>
-                                  <m:r>
-                                    <a:rPr lang="en-US" sz="2400" i="1">
-                                      <a:latin typeface="Cambria Math" panose="02040503050406030204" pitchFamily="18" charset="0"/>
-                                    </a:rPr>
-                                    <m:t>ℳ</m:t>
-                                  </m:r>
-                                </m:e>
-                                <m:sub>
-                                  <m:r>
-                                    <a:rPr lang="en-US" sz="2400" i="1">
-                                      <a:latin typeface="Cambria Math" panose="02040503050406030204" pitchFamily="18" charset="0"/>
-                                    </a:rPr>
-                                    <m:t>0</m:t>
-                                  </m:r>
-                                </m:sub>
-                                <m:sup>
-                                  <m:r>
-                                    <a:rPr lang="en-US" sz="2400" i="1">
-                                      <a:latin typeface="Cambria Math" panose="02040503050406030204" pitchFamily="18" charset="0"/>
-                                    </a:rPr>
-                                    <m:t>𝑠𝑐𝑎𝑙</m:t>
-                                  </m:r>
-                                </m:sup>
-                              </m:sSubSup>
-                            </m:e>
-                          </m:d>
-                        </m:e>
-                        <m:sup>
-                          <m:r>
-                            <a:rPr lang="en-US" sz="2400" i="1">
-                              <a:latin typeface="Cambria Math" panose="02040503050406030204" pitchFamily="18" charset="0"/>
-                            </a:rPr>
-                            <m:t>2</m:t>
-                          </m:r>
-                        </m:sup>
-                      </m:sSup>
-                      <m:r>
-                        <a:rPr lang="en-US" sz="2400" i="1">
-                          <a:latin typeface="Cambria Math" panose="02040503050406030204" pitchFamily="18" charset="0"/>
-                        </a:rPr>
-                        <m:t>=8</m:t>
-                      </m:r>
-                      <m:sSubSup>
-                        <m:sSubSupPr>
-                          <m:ctrlPr>
-                            <a:rPr lang="ru-RU" sz="2400" i="1">
-                              <a:latin typeface="Cambria Math" panose="02040503050406030204" pitchFamily="18" charset="0"/>
-                            </a:rPr>
-                          </m:ctrlPr>
-                        </m:sSubSupPr>
-                        <m:e>
-                          <m:r>
-                            <a:rPr lang="ru-RU" sz="2400" i="1">
-                              <a:latin typeface="Cambria Math" panose="02040503050406030204" pitchFamily="18" charset="0"/>
-                            </a:rPr>
-                            <m:t>𝑏</m:t>
-                          </m:r>
-                        </m:e>
-                        <m:sub>
-                          <m:r>
-                            <a:rPr lang="ru-RU" sz="2400" i="1">
-                              <a:latin typeface="Cambria Math" panose="02040503050406030204" pitchFamily="18" charset="0"/>
-                            </a:rPr>
-                            <m:t>1</m:t>
-                          </m:r>
-                        </m:sub>
-                        <m:sup>
-                          <m:r>
-                            <a:rPr lang="ru-RU" sz="2400" i="1">
-                              <a:latin typeface="Cambria Math" panose="02040503050406030204" pitchFamily="18" charset="0"/>
-                            </a:rPr>
-                            <m:t>2</m:t>
-                          </m:r>
-                        </m:sup>
-                      </m:sSubSup>
-                      <m:sSubSup>
-                        <m:sSubSupPr>
-                          <m:ctrlPr>
-                            <a:rPr lang="ru-RU" sz="2400" i="1">
-                              <a:latin typeface="Cambria Math" panose="02040503050406030204" pitchFamily="18" charset="0"/>
-                            </a:rPr>
-                          </m:ctrlPr>
-                        </m:sSubSupPr>
-                        <m:e>
-                          <m:r>
-                            <a:rPr lang="ru-RU" sz="2400" i="1">
-                              <a:latin typeface="Cambria Math" panose="02040503050406030204" pitchFamily="18" charset="0"/>
-                            </a:rPr>
-                            <m:t>𝑎</m:t>
-                          </m:r>
-                        </m:e>
-                        <m:sub>
-                          <m:r>
-                            <a:rPr lang="ru-RU" sz="2400" i="1">
-                              <a:latin typeface="Cambria Math" panose="02040503050406030204" pitchFamily="18" charset="0"/>
-                            </a:rPr>
-                            <m:t>2</m:t>
-                          </m:r>
-                        </m:sub>
-                        <m:sup>
-                          <m:r>
-                            <a:rPr lang="ru-RU" sz="2400" i="1">
-                              <a:latin typeface="Cambria Math" panose="02040503050406030204" pitchFamily="18" charset="0"/>
-                            </a:rPr>
-                            <m:t>2</m:t>
-                          </m:r>
-                        </m:sup>
-                      </m:sSubSup>
-                      <m:sSubSup>
-                        <m:sSubSupPr>
-                          <m:ctrlPr>
-                            <a:rPr lang="ru-RU" sz="2400" i="1">
-                              <a:latin typeface="Cambria Math" panose="02040503050406030204" pitchFamily="18" charset="0"/>
-                            </a:rPr>
-                          </m:ctrlPr>
-                        </m:sSubSupPr>
-                        <m:e>
-                          <m:r>
-                            <a:rPr lang="en-US" sz="2400" i="1">
-                              <a:latin typeface="Cambria Math" panose="02040503050406030204" pitchFamily="18" charset="0"/>
-                            </a:rPr>
-                            <m:t>𝑚</m:t>
-                          </m:r>
-                        </m:e>
-                        <m:sub>
-                          <m:r>
-                            <a:rPr lang="en-US" sz="2400" i="1">
-                              <a:latin typeface="Cambria Math" panose="02040503050406030204" pitchFamily="18" charset="0"/>
-                            </a:rPr>
-                            <m:t>𝑁</m:t>
-                          </m:r>
-                        </m:sub>
-                        <m:sup>
-                          <m:r>
-                            <a:rPr lang="en-US" sz="2400" i="1">
-                              <a:latin typeface="Cambria Math" panose="02040503050406030204" pitchFamily="18" charset="0"/>
-                            </a:rPr>
-                            <m:t>2</m:t>
-                          </m:r>
-                        </m:sup>
-                      </m:sSubSup>
-                      <m:d>
-                        <m:dPr>
-                          <m:ctrlPr>
-                            <a:rPr lang="ru-RU" sz="2400" i="1">
-                              <a:latin typeface="Cambria Math" panose="02040503050406030204" pitchFamily="18" charset="0"/>
-                            </a:rPr>
-                          </m:ctrlPr>
-                        </m:dPr>
-                        <m:e>
-                          <m:r>
-                            <a:rPr lang="en-US" sz="2400" i="1">
-                              <a:latin typeface="Cambria Math" panose="02040503050406030204" pitchFamily="18" charset="0"/>
-                            </a:rPr>
-                            <m:t>−</m:t>
-                          </m:r>
-                          <m:sSup>
-                            <m:sSupPr>
-                              <m:ctrlPr>
-                                <a:rPr lang="ru-RU" sz="2400" i="1">
-                                  <a:latin typeface="Cambria Math" panose="02040503050406030204" pitchFamily="18" charset="0"/>
-                                </a:rPr>
-                              </m:ctrlPr>
-                            </m:sSupPr>
-                            <m:e>
-                              <m:d>
-                                <m:dPr>
-                                  <m:ctrlPr>
-                                    <a:rPr lang="ru-RU" sz="2400" i="1">
-                                      <a:latin typeface="Cambria Math" panose="02040503050406030204" pitchFamily="18" charset="0"/>
-                                    </a:rPr>
-                                  </m:ctrlPr>
-                                </m:dPr>
-                                <m:e>
-                                  <m:sSup>
-                                    <m:sSupPr>
-                                      <m:ctrlPr>
-                                        <a:rPr lang="ru-RU" sz="2400" i="1">
-                                          <a:latin typeface="Cambria Math" panose="02040503050406030204" pitchFamily="18" charset="0"/>
-                                        </a:rPr>
-                                      </m:ctrlPr>
-                                    </m:sSupPr>
-                                    <m:e>
-                                      <m:r>
-                                        <a:rPr lang="en-US" sz="2400" i="1">
-                                          <a:latin typeface="Cambria Math" panose="02040503050406030204" pitchFamily="18" charset="0"/>
-                                        </a:rPr>
-                                        <m:t>𝑘</m:t>
-                                      </m:r>
-                                    </m:e>
-                                    <m:sup>
-                                      <m:r>
-                                        <a:rPr lang="en-US" sz="2400" i="1">
-                                          <a:latin typeface="Cambria Math" panose="02040503050406030204" pitchFamily="18" charset="0"/>
-                                        </a:rPr>
-                                        <m:t>′</m:t>
-                                      </m:r>
-                                    </m:sup>
-                                  </m:sSup>
-                                  <m:r>
-                                    <a:rPr lang="en-US" sz="2400" i="1">
-                                      <a:latin typeface="Cambria Math" panose="02040503050406030204" pitchFamily="18" charset="0"/>
-                                    </a:rPr>
-                                    <m:t>−</m:t>
-                                  </m:r>
-                                  <m:r>
-                                    <a:rPr lang="en-US" sz="2400" i="1">
-                                      <a:latin typeface="Cambria Math" panose="02040503050406030204" pitchFamily="18" charset="0"/>
-                                    </a:rPr>
-                                    <m:t>𝑘</m:t>
-                                  </m:r>
-                                </m:e>
-                              </m:d>
-                            </m:e>
-                            <m:sup>
-                              <m:r>
-                                <a:rPr lang="en-US" sz="2400" i="1">
-                                  <a:latin typeface="Cambria Math" panose="02040503050406030204" pitchFamily="18" charset="0"/>
-                                </a:rPr>
-                                <m:t>2</m:t>
-                              </m:r>
-                            </m:sup>
-                          </m:sSup>
-                        </m:e>
-                      </m:d>
-                      <m:r>
-                        <a:rPr lang="ru-RU" sz="2400" b="0" i="1" smtClean="0">
-                          <a:latin typeface="Cambria Math" panose="02040503050406030204" pitchFamily="18" charset="0"/>
-                        </a:rPr>
-                        <m:t>,  </m:t>
-                      </m:r>
-                      <m:f>
-                        <m:fPr>
-                          <m:ctrlPr>
-                            <a:rPr lang="ru-RU" sz="2400" i="1">
-                              <a:latin typeface="Cambria Math" panose="02040503050406030204" pitchFamily="18" charset="0"/>
-                            </a:rPr>
-                          </m:ctrlPr>
-                        </m:fPr>
-                        <m:num>
-                          <m:r>
-                            <a:rPr lang="en-US" sz="2400" i="1">
-                              <a:latin typeface="Cambria Math" panose="02040503050406030204" pitchFamily="18" charset="0"/>
-                            </a:rPr>
-                            <m:t>𝑑</m:t>
-                          </m:r>
-                          <m:r>
-                            <a:rPr lang="en-US" sz="2400" i="1">
-                              <a:latin typeface="Cambria Math" panose="02040503050406030204" pitchFamily="18" charset="0"/>
-                            </a:rPr>
-                            <m:t>𝜎</m:t>
-                          </m:r>
-                        </m:num>
-                        <m:den>
-                          <m:r>
-                            <a:rPr lang="en-US" sz="2400" i="1">
-                              <a:latin typeface="Cambria Math" panose="02040503050406030204" pitchFamily="18" charset="0"/>
-                            </a:rPr>
-                            <m:t>𝑑</m:t>
-                          </m:r>
-                          <m:r>
-                            <m:rPr>
-                              <m:sty m:val="p"/>
-                            </m:rPr>
-                            <a:rPr lang="en-US" sz="2400">
-                              <a:latin typeface="Cambria Math" panose="02040503050406030204" pitchFamily="18" charset="0"/>
-                            </a:rPr>
-                            <m:t>Ω</m:t>
-                          </m:r>
-                        </m:den>
-                      </m:f>
-                      <m:r>
-                        <a:rPr lang="en-US" sz="2400" i="1">
-                          <a:latin typeface="Cambria Math" panose="02040503050406030204" pitchFamily="18" charset="0"/>
-                        </a:rPr>
-                        <m:t>=</m:t>
-                      </m:r>
-                      <m:f>
-                        <m:fPr>
-                          <m:ctrlPr>
-                            <a:rPr lang="ru-RU" sz="2400" i="1">
-                              <a:latin typeface="Cambria Math" panose="02040503050406030204" pitchFamily="18" charset="0"/>
-                            </a:rPr>
-                          </m:ctrlPr>
-                        </m:fPr>
-                        <m:num>
-                          <m:sSub>
-                            <m:sSubPr>
-                              <m:ctrlPr>
-                                <a:rPr lang="ru-RU" sz="2400" i="1">
-                                  <a:latin typeface="Cambria Math" panose="02040503050406030204" pitchFamily="18" charset="0"/>
-                                </a:rPr>
-                              </m:ctrlPr>
-                            </m:sSubPr>
-                            <m:e>
-                              <m:r>
-                                <a:rPr lang="en-US" sz="2400" i="1">
-                                  <a:latin typeface="Cambria Math" panose="02040503050406030204" pitchFamily="18" charset="0"/>
-                                </a:rPr>
-                                <m:t>𝜎</m:t>
-                              </m:r>
-                            </m:e>
-                            <m:sub>
-                              <m:r>
-                                <a:rPr lang="ru-RU" sz="2400" i="1">
-                                  <a:latin typeface="Cambria Math" panose="02040503050406030204" pitchFamily="18" charset="0"/>
-                                </a:rPr>
-                                <m:t>0</m:t>
-                              </m:r>
-                              <m:r>
-                                <a:rPr lang="en-US" sz="2400" i="1">
-                                  <a:latin typeface="Cambria Math" panose="02040503050406030204" pitchFamily="18" charset="0"/>
-                                </a:rPr>
-                                <m:t>𝑁</m:t>
-                              </m:r>
-                            </m:sub>
-                          </m:sSub>
-                        </m:num>
-                        <m:den>
-                          <m:r>
-                            <a:rPr lang="ru-RU" sz="2400" i="1">
-                              <a:latin typeface="Cambria Math" panose="02040503050406030204" pitchFamily="18" charset="0"/>
-                            </a:rPr>
-                            <m:t>4</m:t>
-                          </m:r>
-                          <m:r>
-                            <a:rPr lang="ru-RU" sz="2400" i="1">
-                              <a:latin typeface="Cambria Math" panose="02040503050406030204" pitchFamily="18" charset="0"/>
-                            </a:rPr>
-                            <m:t>𝜋</m:t>
-                          </m:r>
-                        </m:den>
-                      </m:f>
-                      <m:r>
-                        <a:rPr lang="en-US" sz="2400" i="1">
-                          <a:latin typeface="Cambria Math" panose="02040503050406030204" pitchFamily="18" charset="0"/>
-                        </a:rPr>
-                        <m:t>⋅</m:t>
-                      </m:r>
-                      <m:f>
-                        <m:fPr>
-                          <m:ctrlPr>
-                            <a:rPr lang="ru-RU" sz="2400" i="1">
-                              <a:latin typeface="Cambria Math" panose="02040503050406030204" pitchFamily="18" charset="0"/>
-                            </a:rPr>
-                          </m:ctrlPr>
-                        </m:fPr>
-                        <m:num>
-                          <m:sSup>
-                            <m:sSupPr>
-                              <m:ctrlPr>
-                                <a:rPr lang="ru-RU" sz="2400" i="1">
-                                  <a:latin typeface="Cambria Math" panose="02040503050406030204" pitchFamily="18" charset="0"/>
-                                </a:rPr>
-                              </m:ctrlPr>
-                            </m:sSupPr>
-                            <m:e>
-                              <m:d>
-                                <m:dPr>
-                                  <m:ctrlPr>
-                                    <a:rPr lang="ru-RU" sz="2400" i="1">
-                                      <a:latin typeface="Cambria Math" panose="02040503050406030204" pitchFamily="18" charset="0"/>
-                                    </a:rPr>
-                                  </m:ctrlPr>
-                                </m:dPr>
-                                <m:e>
-                                  <m:sSup>
-                                    <m:sSupPr>
-                                      <m:ctrlPr>
-                                        <a:rPr lang="ru-RU" sz="2400" i="1">
-                                          <a:latin typeface="Cambria Math" panose="02040503050406030204" pitchFamily="18" charset="0"/>
-                                        </a:rPr>
-                                      </m:ctrlPr>
-                                    </m:sSupPr>
-                                    <m:e>
-                                      <m:acc>
-                                        <m:accPr>
-                                          <m:chr m:val="⃗"/>
-                                          <m:ctrlPr>
-                                            <a:rPr lang="ru-RU" sz="2400" i="1">
-                                              <a:latin typeface="Cambria Math" panose="02040503050406030204" pitchFamily="18" charset="0"/>
-                                            </a:rPr>
-                                          </m:ctrlPr>
-                                        </m:accPr>
-                                        <m:e>
-                                          <m:r>
-                                            <m:rPr>
-                                              <m:sty m:val="p"/>
-                                            </m:rPr>
-                                            <a:rPr lang="ru-RU" sz="2400">
-                                              <a:latin typeface="Cambria Math" panose="02040503050406030204" pitchFamily="18" charset="0"/>
-                                            </a:rPr>
-                                            <m:t>k</m:t>
-                                          </m:r>
-                                        </m:e>
-                                      </m:acc>
-                                    </m:e>
-                                    <m:sup>
-                                      <m:r>
-                                        <a:rPr lang="en-US" sz="2400" i="1">
-                                          <a:latin typeface="Cambria Math" panose="02040503050406030204" pitchFamily="18" charset="0"/>
-                                        </a:rPr>
-                                        <m:t>′</m:t>
-                                      </m:r>
-                                    </m:sup>
-                                  </m:sSup>
-                                  <m:r>
-                                    <a:rPr lang="en-US" sz="2400" i="1">
-                                      <a:latin typeface="Cambria Math" panose="02040503050406030204" pitchFamily="18" charset="0"/>
-                                    </a:rPr>
-                                    <m:t>−</m:t>
-                                  </m:r>
-                                  <m:acc>
-                                    <m:accPr>
-                                      <m:chr m:val="⃗"/>
-                                      <m:ctrlPr>
-                                        <a:rPr lang="ru-RU" sz="2400" i="1">
-                                          <a:latin typeface="Cambria Math" panose="02040503050406030204" pitchFamily="18" charset="0"/>
-                                        </a:rPr>
-                                      </m:ctrlPr>
-                                    </m:accPr>
-                                    <m:e>
-                                      <m:r>
-                                        <m:rPr>
-                                          <m:sty m:val="p"/>
-                                        </m:rPr>
-                                        <a:rPr lang="ru-RU" sz="2400">
-                                          <a:latin typeface="Cambria Math" panose="02040503050406030204" pitchFamily="18" charset="0"/>
-                                        </a:rPr>
-                                        <m:t>k</m:t>
-                                      </m:r>
-                                    </m:e>
-                                  </m:acc>
-                                </m:e>
-                              </m:d>
-                            </m:e>
-                            <m:sup>
-                              <m:r>
-                                <a:rPr lang="en-US" sz="2400" i="1">
-                                  <a:latin typeface="Cambria Math" panose="02040503050406030204" pitchFamily="18" charset="0"/>
-                                </a:rPr>
-                                <m:t>2</m:t>
-                              </m:r>
-                            </m:sup>
-                          </m:sSup>
-                        </m:num>
-                        <m:den>
-                          <m:r>
-                            <a:rPr lang="en-US" sz="2400" i="1">
-                              <a:latin typeface="Cambria Math" panose="02040503050406030204" pitchFamily="18" charset="0"/>
-                            </a:rPr>
-                            <m:t>2</m:t>
-                          </m:r>
-                          <m:sSubSup>
-                            <m:sSubSupPr>
-                              <m:ctrlPr>
-                                <a:rPr lang="ru-RU" sz="2400" i="1">
-                                  <a:latin typeface="Cambria Math" panose="02040503050406030204" pitchFamily="18" charset="0"/>
-                                </a:rPr>
-                              </m:ctrlPr>
-                            </m:sSubSupPr>
-                            <m:e>
-                              <m:acc>
-                                <m:accPr>
-                                  <m:chr m:val="⃗"/>
-                                  <m:ctrlPr>
-                                    <a:rPr lang="ru-RU" sz="2400" i="1">
-                                      <a:latin typeface="Cambria Math" panose="02040503050406030204" pitchFamily="18" charset="0"/>
-                                    </a:rPr>
-                                  </m:ctrlPr>
-                                </m:accPr>
-                                <m:e>
-                                  <m:r>
-                                    <m:rPr>
-                                      <m:sty m:val="p"/>
-                                    </m:rPr>
-                                    <a:rPr lang="ru-RU" sz="2400">
-                                      <a:latin typeface="Cambria Math" panose="02040503050406030204" pitchFamily="18" charset="0"/>
-                                    </a:rPr>
-                                    <m:t>k</m:t>
-                                  </m:r>
-                                </m:e>
-                              </m:acc>
-                            </m:e>
-                            <m:sub>
-                              <m:r>
-                                <a:rPr lang="ru-RU" sz="2400" i="1">
-                                  <a:latin typeface="Cambria Math" panose="02040503050406030204" pitchFamily="18" charset="0"/>
-                                </a:rPr>
-                                <m:t>0</m:t>
-                              </m:r>
-                            </m:sub>
-                            <m:sup>
-                              <m:r>
-                                <a:rPr lang="ru-RU" sz="2400" i="1">
-                                  <a:latin typeface="Cambria Math" panose="02040503050406030204" pitchFamily="18" charset="0"/>
-                                </a:rPr>
-                                <m:t>2</m:t>
-                              </m:r>
-                            </m:sup>
-                          </m:sSubSup>
-                        </m:den>
-                      </m:f>
-                    </m:oMath>
-                  </m:oMathPara>
-                </a14:m>
-                <a:endParaRPr lang="ru-RU" sz="2400" dirty="0"/>
-              </a:p>
-              <a:p>
-                <a:pPr marL="742950" lvl="1" indent="-285750">
-                  <a:buFont typeface="Wingdings" panose="05000000000000000000" pitchFamily="2" charset="2"/>
-                  <a:buChar char=""/>
-                </a:pPr>
-                <a14:m>
-                  <m:oMath xmlns:m="http://schemas.openxmlformats.org/officeDocument/2006/math">
-                    <m:sSubSup>
-                      <m:sSubSupPr>
-                        <m:ctrlPr>
-                          <a:rPr lang="ru-RU" sz="2400" i="1">
-                            <a:latin typeface="Cambria Math" panose="02040503050406030204" pitchFamily="18" charset="0"/>
-                          </a:rPr>
-                        </m:ctrlPr>
-                      </m:sSubSupPr>
-                      <m:e>
-                        <m:r>
-                          <a:rPr lang="ru-RU" sz="2400" i="1">
-                            <a:latin typeface="Cambria Math" panose="02040503050406030204" pitchFamily="18" charset="0"/>
-                          </a:rPr>
-                          <m:t>𝑎</m:t>
-                        </m:r>
-                      </m:e>
-                      <m:sub>
-                        <m:r>
-                          <a:rPr lang="ru-RU" sz="2400" i="1">
-                            <a:latin typeface="Cambria Math" panose="02040503050406030204" pitchFamily="18" charset="0"/>
-                          </a:rPr>
-                          <m:t>1</m:t>
-                        </m:r>
-                      </m:sub>
-                      <m:sup>
-                        <m:r>
-                          <a:rPr lang="ru-RU" sz="2400" i="1">
-                            <a:latin typeface="Cambria Math" panose="02040503050406030204" pitchFamily="18" charset="0"/>
-                          </a:rPr>
-                          <m:t>2</m:t>
-                        </m:r>
-                      </m:sup>
-                    </m:sSubSup>
-                    <m:r>
-                      <a:rPr lang="ru-RU" sz="2400" i="1">
-                        <a:latin typeface="Cambria Math" panose="02040503050406030204" pitchFamily="18" charset="0"/>
-                      </a:rPr>
-                      <m:t>=0</m:t>
-                    </m:r>
-                  </m:oMath>
-                </a14:m>
-                <a:r>
-                  <a:rPr lang="en-US" sz="2400" dirty="0"/>
-                  <a:t>, </a:t>
-                </a:r>
-                <a14:m>
-                  <m:oMath xmlns:m="http://schemas.openxmlformats.org/officeDocument/2006/math">
-                    <m:sSubSup>
-                      <m:sSubSupPr>
-                        <m:ctrlPr>
-                          <a:rPr lang="ru-RU" sz="2400" i="1">
-                            <a:latin typeface="Cambria Math" panose="02040503050406030204" pitchFamily="18" charset="0"/>
-                          </a:rPr>
-                        </m:ctrlPr>
-                      </m:sSubSupPr>
-                      <m:e>
-                        <m:r>
-                          <a:rPr lang="ru-RU" sz="2400" i="1">
-                            <a:latin typeface="Cambria Math" panose="02040503050406030204" pitchFamily="18" charset="0"/>
-                          </a:rPr>
-                          <m:t>𝑎</m:t>
-                        </m:r>
-                      </m:e>
-                      <m:sub>
-                        <m:r>
-                          <a:rPr lang="ru-RU" sz="2400" i="1">
-                            <a:latin typeface="Cambria Math" panose="02040503050406030204" pitchFamily="18" charset="0"/>
-                          </a:rPr>
-                          <m:t>2</m:t>
-                        </m:r>
-                      </m:sub>
-                      <m:sup>
-                        <m:r>
-                          <a:rPr lang="ru-RU" sz="2400" i="1">
-                            <a:latin typeface="Cambria Math" panose="02040503050406030204" pitchFamily="18" charset="0"/>
-                          </a:rPr>
-                          <m:t>2</m:t>
-                        </m:r>
-                      </m:sup>
-                    </m:sSubSup>
-                    <m:r>
-                      <a:rPr lang="ru-RU" sz="2400" i="1">
-                        <a:latin typeface="Cambria Math" panose="02040503050406030204" pitchFamily="18" charset="0"/>
-                      </a:rPr>
-                      <m:t>=0</m:t>
-                    </m:r>
-                  </m:oMath>
-                </a14:m>
-                <a:endParaRPr lang="ru-RU" sz="2400" dirty="0"/>
-              </a:p>
-              <a:p>
-                <a:pPr lvl="1">
+                <a:pPr lvl="0">
                   <a:spcAft>
                     <a:spcPts val="0"/>
                   </a:spcAft>
@@ -5495,283 +7811,6 @@
                       <m:jc m:val="centerGroup"/>
                     </m:oMathParaPr>
                     <m:oMath xmlns:m="http://schemas.openxmlformats.org/officeDocument/2006/math">
-                      <m:sSup>
-                        <m:sSupPr>
-                          <m:ctrlPr>
-                            <a:rPr lang="ru-RU" sz="2400" i="1">
-                              <a:latin typeface="Cambria Math" panose="02040503050406030204" pitchFamily="18" charset="0"/>
-                            </a:rPr>
-                          </m:ctrlPr>
-                        </m:sSupPr>
-                        <m:e>
-                          <m:d>
-                            <m:dPr>
-                              <m:begChr m:val="|"/>
-                              <m:endChr m:val="|"/>
-                              <m:ctrlPr>
-                                <a:rPr lang="ru-RU" sz="2400" i="1">
-                                  <a:latin typeface="Cambria Math" panose="02040503050406030204" pitchFamily="18" charset="0"/>
-                                </a:rPr>
-                              </m:ctrlPr>
-                            </m:dPr>
-                            <m:e>
-                              <m:sSubSup>
-                                <m:sSubSupPr>
-                                  <m:ctrlPr>
-                                    <a:rPr lang="ru-RU" sz="2400" i="1">
-                                      <a:latin typeface="Cambria Math" panose="02040503050406030204" pitchFamily="18" charset="0"/>
-                                    </a:rPr>
-                                  </m:ctrlPr>
-                                </m:sSubSupPr>
-                                <m:e>
-                                  <m:r>
-                                    <a:rPr lang="en-US" sz="2400" i="1">
-                                      <a:latin typeface="Cambria Math" panose="02040503050406030204" pitchFamily="18" charset="0"/>
-                                    </a:rPr>
-                                    <m:t>ℳ</m:t>
-                                  </m:r>
-                                </m:e>
-                                <m:sub>
-                                  <m:r>
-                                    <a:rPr lang="en-US" sz="2400" i="1">
-                                      <a:latin typeface="Cambria Math" panose="02040503050406030204" pitchFamily="18" charset="0"/>
-                                    </a:rPr>
-                                    <m:t>0</m:t>
-                                  </m:r>
-                                </m:sub>
-                                <m:sup>
-                                  <m:r>
-                                    <a:rPr lang="en-US" sz="2400" i="1">
-                                      <a:latin typeface="Cambria Math" panose="02040503050406030204" pitchFamily="18" charset="0"/>
-                                    </a:rPr>
-                                    <m:t>𝑠𝑐𝑎𝑙</m:t>
-                                  </m:r>
-                                </m:sup>
-                              </m:sSubSup>
-                            </m:e>
-                          </m:d>
-                        </m:e>
-                        <m:sup>
-                          <m:r>
-                            <a:rPr lang="en-US" sz="2400" i="1">
-                              <a:latin typeface="Cambria Math" panose="02040503050406030204" pitchFamily="18" charset="0"/>
-                            </a:rPr>
-                            <m:t>2</m:t>
-                          </m:r>
-                        </m:sup>
-                      </m:sSup>
-                      <m:r>
-                        <a:rPr lang="en-US" sz="2400" i="1">
-                          <a:latin typeface="Cambria Math" panose="02040503050406030204" pitchFamily="18" charset="0"/>
-                        </a:rPr>
-                        <m:t>=4</m:t>
-                      </m:r>
-                      <m:sSubSup>
-                        <m:sSubSupPr>
-                          <m:ctrlPr>
-                            <a:rPr lang="ru-RU" sz="2400" i="1">
-                              <a:latin typeface="Cambria Math" panose="02040503050406030204" pitchFamily="18" charset="0"/>
-                            </a:rPr>
-                          </m:ctrlPr>
-                        </m:sSubSupPr>
-                        <m:e>
-                          <m:r>
-                            <a:rPr lang="ru-RU" sz="2400" i="1">
-                              <a:latin typeface="Cambria Math" panose="02040503050406030204" pitchFamily="18" charset="0"/>
-                            </a:rPr>
-                            <m:t>𝑏</m:t>
-                          </m:r>
-                        </m:e>
-                        <m:sub>
-                          <m:r>
-                            <a:rPr lang="ru-RU" sz="2400" i="1">
-                              <a:latin typeface="Cambria Math" panose="02040503050406030204" pitchFamily="18" charset="0"/>
-                            </a:rPr>
-                            <m:t>1</m:t>
-                          </m:r>
-                        </m:sub>
-                        <m:sup>
-                          <m:r>
-                            <a:rPr lang="ru-RU" sz="2400" i="1">
-                              <a:latin typeface="Cambria Math" panose="02040503050406030204" pitchFamily="18" charset="0"/>
-                            </a:rPr>
-                            <m:t>2</m:t>
-                          </m:r>
-                        </m:sup>
-                      </m:sSubSup>
-                      <m:sSubSup>
-                        <m:sSubSupPr>
-                          <m:ctrlPr>
-                            <a:rPr lang="ru-RU" sz="2400" i="1">
-                              <a:latin typeface="Cambria Math" panose="02040503050406030204" pitchFamily="18" charset="0"/>
-                            </a:rPr>
-                          </m:ctrlPr>
-                        </m:sSubSupPr>
-                        <m:e>
-                          <m:r>
-                            <a:rPr lang="ru-RU" sz="2400" i="1">
-                              <a:latin typeface="Cambria Math" panose="02040503050406030204" pitchFamily="18" charset="0"/>
-                            </a:rPr>
-                            <m:t>𝑏</m:t>
-                          </m:r>
-                        </m:e>
-                        <m:sub>
-                          <m:r>
-                            <a:rPr lang="ru-RU" sz="2400" i="1">
-                              <a:latin typeface="Cambria Math" panose="02040503050406030204" pitchFamily="18" charset="0"/>
-                            </a:rPr>
-                            <m:t>2</m:t>
-                          </m:r>
-                        </m:sub>
-                        <m:sup>
-                          <m:r>
-                            <a:rPr lang="ru-RU" sz="2400" i="1">
-                              <a:latin typeface="Cambria Math" panose="02040503050406030204" pitchFamily="18" charset="0"/>
-                            </a:rPr>
-                            <m:t>2</m:t>
-                          </m:r>
-                        </m:sup>
-                      </m:sSubSup>
-                      <m:sSup>
-                        <m:sSupPr>
-                          <m:ctrlPr>
-                            <a:rPr lang="ru-RU" sz="2400" i="1">
-                              <a:latin typeface="Cambria Math" panose="02040503050406030204" pitchFamily="18" charset="0"/>
-                            </a:rPr>
-                          </m:ctrlPr>
-                        </m:sSupPr>
-                        <m:e>
-                          <m:d>
-                            <m:dPr>
-                              <m:ctrlPr>
-                                <a:rPr lang="ru-RU" sz="2400" i="1">
-                                  <a:latin typeface="Cambria Math" panose="02040503050406030204" pitchFamily="18" charset="0"/>
-                                </a:rPr>
-                              </m:ctrlPr>
-                            </m:dPr>
-                            <m:e>
-                              <m:sSup>
-                                <m:sSupPr>
-                                  <m:ctrlPr>
-                                    <a:rPr lang="ru-RU" sz="2400" i="1">
-                                      <a:latin typeface="Cambria Math" panose="02040503050406030204" pitchFamily="18" charset="0"/>
-                                    </a:rPr>
-                                  </m:ctrlPr>
-                                </m:sSupPr>
-                                <m:e>
-                                  <m:r>
-                                    <a:rPr lang="en-US" sz="2400" i="1">
-                                      <a:latin typeface="Cambria Math" panose="02040503050406030204" pitchFamily="18" charset="0"/>
-                                    </a:rPr>
-                                    <m:t>𝑝</m:t>
-                                  </m:r>
-                                </m:e>
-                                <m:sup>
-                                  <m:r>
-                                    <a:rPr lang="en-US" sz="2400" i="1">
-                                      <a:latin typeface="Cambria Math" panose="02040503050406030204" pitchFamily="18" charset="0"/>
-                                    </a:rPr>
-                                    <m:t>′</m:t>
-                                  </m:r>
-                                </m:sup>
-                              </m:sSup>
-                              <m:r>
-                                <a:rPr lang="en-US" sz="2400" i="1">
-                                  <a:latin typeface="Cambria Math" panose="02040503050406030204" pitchFamily="18" charset="0"/>
-                                </a:rPr>
-                                <m:t>−</m:t>
-                              </m:r>
-                              <m:r>
-                                <a:rPr lang="en-US" sz="2400" i="1">
-                                  <a:latin typeface="Cambria Math" panose="02040503050406030204" pitchFamily="18" charset="0"/>
-                                </a:rPr>
-                                <m:t>𝑝</m:t>
-                              </m:r>
-                            </m:e>
-                          </m:d>
-                        </m:e>
-                        <m:sup>
-                          <m:r>
-                            <a:rPr lang="en-US" sz="2400" i="1">
-                              <a:latin typeface="Cambria Math" panose="02040503050406030204" pitchFamily="18" charset="0"/>
-                            </a:rPr>
-                            <m:t>2</m:t>
-                          </m:r>
-                        </m:sup>
-                      </m:sSup>
-                      <m:sSup>
-                        <m:sSupPr>
-                          <m:ctrlPr>
-                            <a:rPr lang="ru-RU" sz="2400" i="1">
-                              <a:latin typeface="Cambria Math" panose="02040503050406030204" pitchFamily="18" charset="0"/>
-                            </a:rPr>
-                          </m:ctrlPr>
-                        </m:sSupPr>
-                        <m:e>
-                          <m:d>
-                            <m:dPr>
-                              <m:ctrlPr>
-                                <a:rPr lang="ru-RU" sz="2400" i="1">
-                                  <a:latin typeface="Cambria Math" panose="02040503050406030204" pitchFamily="18" charset="0"/>
-                                </a:rPr>
-                              </m:ctrlPr>
-                            </m:dPr>
-                            <m:e>
-                              <m:sSup>
-                                <m:sSupPr>
-                                  <m:ctrlPr>
-                                    <a:rPr lang="ru-RU" sz="2400" i="1">
-                                      <a:latin typeface="Cambria Math" panose="02040503050406030204" pitchFamily="18" charset="0"/>
-                                    </a:rPr>
-                                  </m:ctrlPr>
-                                </m:sSupPr>
-                                <m:e>
-                                  <m:r>
-                                    <a:rPr lang="en-US" sz="2400" i="1">
-                                      <a:latin typeface="Cambria Math" panose="02040503050406030204" pitchFamily="18" charset="0"/>
-                                    </a:rPr>
-                                    <m:t>𝑘</m:t>
-                                  </m:r>
-                                </m:e>
-                                <m:sup>
-                                  <m:r>
-                                    <a:rPr lang="en-US" sz="2400" i="1">
-                                      <a:latin typeface="Cambria Math" panose="02040503050406030204" pitchFamily="18" charset="0"/>
-                                    </a:rPr>
-                                    <m:t>′</m:t>
-                                  </m:r>
-                                </m:sup>
-                              </m:sSup>
-                              <m:r>
-                                <a:rPr lang="en-US" sz="2400" i="1">
-                                  <a:latin typeface="Cambria Math" panose="02040503050406030204" pitchFamily="18" charset="0"/>
-                                </a:rPr>
-                                <m:t>−</m:t>
-                              </m:r>
-                              <m:r>
-                                <a:rPr lang="en-US" sz="2400" i="1">
-                                  <a:latin typeface="Cambria Math" panose="02040503050406030204" pitchFamily="18" charset="0"/>
-                                </a:rPr>
-                                <m:t>𝑘</m:t>
-                              </m:r>
-                            </m:e>
-                          </m:d>
-                        </m:e>
-                        <m:sup>
-                          <m:r>
-                            <a:rPr lang="en-US" sz="2400" i="1">
-                              <a:latin typeface="Cambria Math" panose="02040503050406030204" pitchFamily="18" charset="0"/>
-                            </a:rPr>
-                            <m:t>2</m:t>
-                          </m:r>
-                        </m:sup>
-                      </m:sSup>
-                      <m:r>
-                        <a:rPr lang="ru-RU" sz="2400" b="0" i="1" smtClean="0">
-                          <a:latin typeface="Cambria Math" panose="02040503050406030204" pitchFamily="18" charset="0"/>
-                        </a:rPr>
-                        <m:t>,  </m:t>
-                      </m:r>
                       <m:f>
                         <m:fPr>
                           <m:ctrlPr>
@@ -5815,246 +7854,122 @@
                       <m:r>
                         <a:rPr lang="en-US" sz="2400" i="1">
                           <a:latin typeface="Cambria Math" panose="02040503050406030204" pitchFamily="18" charset="0"/>
+                          <a:ea typeface="Cambria Math" panose="02040503050406030204" pitchFamily="18" charset="0"/>
                         </a:rPr>
-                        <m:t>=</m:t>
+                        <m:t>∝</m:t>
                       </m:r>
-                      <m:f>
-                        <m:fPr>
+                      <m:sSup>
+                        <m:sSupPr>
                           <m:ctrlPr>
-                            <a:rPr lang="ru-RU" sz="2400" i="1">
-                              <a:latin typeface="Cambria Math" panose="02040503050406030204" pitchFamily="18" charset="0"/>
+                            <a:rPr lang="en-US" sz="2400" b="0" i="1" smtClean="0">
+                              <a:latin typeface="Cambria Math" panose="02040503050406030204" pitchFamily="18" charset="0"/>
+                              <a:ea typeface="Cambria Math" panose="02040503050406030204" pitchFamily="18" charset="0"/>
                             </a:rPr>
                           </m:ctrlPr>
-                        </m:fPr>
-                        <m:num>
-                          <m:sSub>
-                            <m:sSubPr>
+                        </m:sSupPr>
+                        <m:e>
+                          <m:d>
+                            <m:dPr>
                               <m:ctrlPr>
-                                <a:rPr lang="ru-RU" sz="2400" i="1">
-                                  <a:latin typeface="Cambria Math" panose="02040503050406030204" pitchFamily="18" charset="0"/>
+                                <a:rPr lang="en-US" sz="2400" b="0" i="1" smtClean="0">
+                                  <a:latin typeface="Cambria Math" panose="02040503050406030204" pitchFamily="18" charset="0"/>
+                                  <a:ea typeface="Cambria Math" panose="02040503050406030204" pitchFamily="18" charset="0"/>
                                 </a:rPr>
                               </m:ctrlPr>
-                            </m:sSubPr>
+                            </m:dPr>
                             <m:e>
-                              <m:r>
-                                <a:rPr lang="en-US" sz="2400" i="1">
-                                  <a:latin typeface="Cambria Math" panose="02040503050406030204" pitchFamily="18" charset="0"/>
-                                </a:rPr>
-                                <m:t>𝜎</m:t>
-                              </m:r>
-                            </m:e>
-                            <m:sub>
-                              <m:r>
-                                <a:rPr lang="ru-RU" sz="2400" i="1">
-                                  <a:latin typeface="Cambria Math" panose="02040503050406030204" pitchFamily="18" charset="0"/>
-                                </a:rPr>
-                                <m:t>0</m:t>
-                              </m:r>
-                              <m:r>
-                                <a:rPr lang="en-US" sz="2400" i="1">
-                                  <a:latin typeface="Cambria Math" panose="02040503050406030204" pitchFamily="18" charset="0"/>
-                                </a:rPr>
-                                <m:t>𝑁</m:t>
-                              </m:r>
-                            </m:sub>
-                          </m:sSub>
-                        </m:num>
-                        <m:den>
-                          <m:r>
-                            <a:rPr lang="ru-RU" sz="2400" i="1">
-                              <a:latin typeface="Cambria Math" panose="02040503050406030204" pitchFamily="18" charset="0"/>
-                            </a:rPr>
-                            <m:t>4</m:t>
-                          </m:r>
-                          <m:r>
-                            <a:rPr lang="ru-RU" sz="2400" i="1">
-                              <a:latin typeface="Cambria Math" panose="02040503050406030204" pitchFamily="18" charset="0"/>
-                            </a:rPr>
-                            <m:t>𝜋</m:t>
-                          </m:r>
-                        </m:den>
-                      </m:f>
-                      <m:r>
-                        <a:rPr lang="en-US" sz="2400" i="1">
-                          <a:latin typeface="Cambria Math" panose="02040503050406030204" pitchFamily="18" charset="0"/>
-                        </a:rPr>
-                        <m:t>⋅</m:t>
-                      </m:r>
-                      <m:f>
-                        <m:fPr>
-                          <m:ctrlPr>
-                            <a:rPr lang="ru-RU" sz="2400" i="1">
-                              <a:latin typeface="Cambria Math" panose="02040503050406030204" pitchFamily="18" charset="0"/>
-                            </a:rPr>
-                          </m:ctrlPr>
-                        </m:fPr>
-                        <m:num>
-                          <m:r>
-                            <a:rPr lang="en-US" sz="2400" i="1">
-                              <a:latin typeface="Cambria Math" panose="02040503050406030204" pitchFamily="18" charset="0"/>
-                            </a:rPr>
-                            <m:t>3</m:t>
-                          </m:r>
-                          <m:sSup>
-                            <m:sSupPr>
-                              <m:ctrlPr>
-                                <a:rPr lang="ru-RU" sz="2400" i="1">
-                                  <a:latin typeface="Cambria Math" panose="02040503050406030204" pitchFamily="18" charset="0"/>
-                                </a:rPr>
-                              </m:ctrlPr>
-                            </m:sSupPr>
-                            <m:e>
-                              <m:d>
-                                <m:dPr>
+                              <m:sSup>
+                                <m:sSupPr>
                                   <m:ctrlPr>
-                                    <a:rPr lang="ru-RU" sz="2400" i="1">
+                                    <a:rPr lang="en-US" sz="2400" b="0" i="1" smtClean="0">
                                       <a:latin typeface="Cambria Math" panose="02040503050406030204" pitchFamily="18" charset="0"/>
+                                      <a:ea typeface="Cambria Math" panose="02040503050406030204" pitchFamily="18" charset="0"/>
                                     </a:rPr>
                                   </m:ctrlPr>
-                                </m:dPr>
+                                </m:sSupPr>
                                 <m:e>
-                                  <m:sSup>
-                                    <m:sSupPr>
-                                      <m:ctrlPr>
-                                        <a:rPr lang="ru-RU" sz="2400" i="1">
-                                          <a:latin typeface="Cambria Math" panose="02040503050406030204" pitchFamily="18" charset="0"/>
-                                        </a:rPr>
-                                      </m:ctrlPr>
-                                    </m:sSupPr>
-                                    <m:e>
-                                      <m:acc>
-                                        <m:accPr>
-                                          <m:chr m:val="⃗"/>
-                                          <m:ctrlPr>
-                                            <a:rPr lang="ru-RU" sz="2400" i="1">
-                                              <a:latin typeface="Cambria Math" panose="02040503050406030204" pitchFamily="18" charset="0"/>
-                                            </a:rPr>
-                                          </m:ctrlPr>
-                                        </m:accPr>
-                                        <m:e>
-                                          <m:r>
-                                            <m:rPr>
-                                              <m:sty m:val="p"/>
-                                            </m:rPr>
-                                            <a:rPr lang="ru-RU" sz="2400">
-                                              <a:latin typeface="Cambria Math" panose="02040503050406030204" pitchFamily="18" charset="0"/>
-                                            </a:rPr>
-                                            <m:t>k</m:t>
-                                          </m:r>
-                                        </m:e>
-                                      </m:acc>
-                                    </m:e>
-                                    <m:sup>
-                                      <m:r>
-                                        <a:rPr lang="en-US" sz="2400" i="1">
-                                          <a:latin typeface="Cambria Math" panose="02040503050406030204" pitchFamily="18" charset="0"/>
-                                        </a:rPr>
-                                        <m:t>′</m:t>
-                                      </m:r>
-                                    </m:sup>
-                                  </m:sSup>
-                                  <m:r>
-                                    <a:rPr lang="en-US" sz="2400" i="1">
-                                      <a:latin typeface="Cambria Math" panose="02040503050406030204" pitchFamily="18" charset="0"/>
-                                    </a:rPr>
-                                    <m:t>−</m:t>
-                                  </m:r>
                                   <m:acc>
                                     <m:accPr>
                                       <m:chr m:val="⃗"/>
                                       <m:ctrlPr>
-                                        <a:rPr lang="ru-RU" sz="2400" i="1">
+                                        <a:rPr lang="en-US" sz="2400" b="0" i="1" smtClean="0">
                                           <a:latin typeface="Cambria Math" panose="02040503050406030204" pitchFamily="18" charset="0"/>
+                                          <a:ea typeface="Cambria Math" panose="02040503050406030204" pitchFamily="18" charset="0"/>
                                         </a:rPr>
                                       </m:ctrlPr>
                                     </m:accPr>
                                     <m:e>
                                       <m:r>
-                                        <m:rPr>
-                                          <m:sty m:val="p"/>
-                                        </m:rPr>
-                                        <a:rPr lang="ru-RU" sz="2400">
+                                        <a:rPr lang="en-US" sz="2400" b="0" i="1" smtClean="0">
                                           <a:latin typeface="Cambria Math" panose="02040503050406030204" pitchFamily="18" charset="0"/>
+                                          <a:ea typeface="Cambria Math" panose="02040503050406030204" pitchFamily="18" charset="0"/>
                                         </a:rPr>
-                                        <m:t>k</m:t>
+                                        <m:t>𝑝</m:t>
                                       </m:r>
                                     </m:e>
                                   </m:acc>
                                 </m:e>
-                              </m:d>
-                            </m:e>
-                            <m:sup>
+                                <m:sup>
+                                  <m:r>
+                                    <a:rPr lang="en-US" sz="2400" b="0" i="1" smtClean="0">
+                                      <a:latin typeface="Cambria Math" panose="02040503050406030204" pitchFamily="18" charset="0"/>
+                                      <a:ea typeface="Cambria Math" panose="02040503050406030204" pitchFamily="18" charset="0"/>
+                                    </a:rPr>
+                                    <m:t>′</m:t>
+                                  </m:r>
+                                </m:sup>
+                              </m:sSup>
                               <m:r>
-                                <a:rPr lang="en-US" sz="2400" i="1">
-                                  <a:latin typeface="Cambria Math" panose="02040503050406030204" pitchFamily="18" charset="0"/>
-                                </a:rPr>
-                                <m:t>4</m:t>
+                                <a:rPr lang="en-US" sz="2400" b="0" i="1" smtClean="0">
+                                  <a:latin typeface="Cambria Math" panose="02040503050406030204" pitchFamily="18" charset="0"/>
+                                  <a:ea typeface="Cambria Math" panose="02040503050406030204" pitchFamily="18" charset="0"/>
+                                </a:rPr>
+                                <m:t>−</m:t>
                               </m:r>
-                            </m:sup>
-                          </m:sSup>
-                        </m:num>
-                        <m:den>
-                          <m:r>
-                            <a:rPr lang="en-US" sz="2400" i="1">
-                              <a:latin typeface="Cambria Math" panose="02040503050406030204" pitchFamily="18" charset="0"/>
-                            </a:rPr>
-                            <m:t>16</m:t>
-                          </m:r>
-                          <m:sSubSup>
-                            <m:sSubSupPr>
-                              <m:ctrlPr>
-                                <a:rPr lang="ru-RU" sz="2400" i="1">
-                                  <a:latin typeface="Cambria Math" panose="02040503050406030204" pitchFamily="18" charset="0"/>
-                                </a:rPr>
-                              </m:ctrlPr>
-                            </m:sSubSupPr>
-                            <m:e>
                               <m:acc>
                                 <m:accPr>
                                   <m:chr m:val="⃗"/>
                                   <m:ctrlPr>
-                                    <a:rPr lang="ru-RU" sz="2400" i="1">
+                                    <a:rPr lang="en-US" sz="2400" b="0" i="1" smtClean="0">
                                       <a:latin typeface="Cambria Math" panose="02040503050406030204" pitchFamily="18" charset="0"/>
+                                      <a:ea typeface="Cambria Math" panose="02040503050406030204" pitchFamily="18" charset="0"/>
                                     </a:rPr>
                                   </m:ctrlPr>
                                 </m:accPr>
                                 <m:e>
                                   <m:r>
-                                    <m:rPr>
-                                      <m:sty m:val="p"/>
-                                    </m:rPr>
-                                    <a:rPr lang="ru-RU" sz="2400">
+                                    <a:rPr lang="en-US" sz="2400" b="0" i="1" smtClean="0">
                                       <a:latin typeface="Cambria Math" panose="02040503050406030204" pitchFamily="18" charset="0"/>
+                                      <a:ea typeface="Cambria Math" panose="02040503050406030204" pitchFamily="18" charset="0"/>
                                     </a:rPr>
-                                    <m:t>k</m:t>
+                                    <m:t>𝑝</m:t>
                                   </m:r>
                                 </m:e>
                               </m:acc>
                             </m:e>
-                            <m:sub>
-                              <m:r>
-                                <a:rPr lang="ru-RU" sz="2400" i="1">
-                                  <a:latin typeface="Cambria Math" panose="02040503050406030204" pitchFamily="18" charset="0"/>
-                                </a:rPr>
-                                <m:t>0</m:t>
-                              </m:r>
-                            </m:sub>
-                            <m:sup>
-                              <m:r>
-                                <a:rPr lang="ru-RU" sz="2400" i="1">
-                                  <a:latin typeface="Cambria Math" panose="02040503050406030204" pitchFamily="18" charset="0"/>
-                                </a:rPr>
-                                <m:t>4</m:t>
-                              </m:r>
-                            </m:sup>
-                          </m:sSubSup>
-                        </m:den>
-                      </m:f>
+                          </m:d>
+                        </m:e>
+                        <m:sup>
+                          <m:r>
+                            <a:rPr lang="en-US" sz="2400" b="0" i="1" smtClean="0">
+                              <a:latin typeface="Cambria Math" panose="02040503050406030204" pitchFamily="18" charset="0"/>
+                              <a:ea typeface="Cambria Math" panose="02040503050406030204" pitchFamily="18" charset="0"/>
+                            </a:rPr>
+                            <m:t>2</m:t>
+                          </m:r>
+                          <m:r>
+                            <a:rPr lang="en-US" sz="2400" b="0" i="1" smtClean="0">
+                              <a:latin typeface="Cambria Math" panose="02040503050406030204" pitchFamily="18" charset="0"/>
+                              <a:ea typeface="Cambria Math" panose="02040503050406030204" pitchFamily="18" charset="0"/>
+                            </a:rPr>
+                            <m:t>𝑛</m:t>
+                          </m:r>
+                        </m:sup>
+                      </m:sSup>
                     </m:oMath>
                   </m:oMathPara>
                 </a14:m>
-                <a:endParaRPr lang="ru-RU" sz="2400" kern="1400" dirty="0" smtClean="0">
-                  <a:effectLst/>
+                <a:endParaRPr lang="en-US" sz="2400" kern="1400" dirty="0">
                   <a:latin typeface="Times New Roman" panose="02020603050405020304" pitchFamily="18" charset="0"/>
                   <a:ea typeface="Cambria" panose="02040503050406030204" pitchFamily="18" charset="0"/>
                 </a:endParaRPr>
@@ -6062,7 +7977,7 @@
             </p:txBody>
           </p:sp>
         </mc:Choice>
-        <mc:Fallback xmlns="">
+        <mc:Fallback>
           <p:sp>
             <p:nvSpPr>
               <p:cNvPr id="10" name="Прямоугольник 9"/>
@@ -6074,7 +7989,7 @@
             <p:spPr>
               <a:xfrm>
                 <a:off x="336000" y="837000"/>
-                <a:ext cx="10224000" cy="6067238"/>
+                <a:ext cx="11736000" cy="3846246"/>
               </a:xfrm>
               <a:prstGeom prst="rect">
                 <a:avLst/>
@@ -6082,7 +7997,7 @@
               <a:blipFill>
                 <a:blip r:embed="rId2"/>
                 <a:stretch>
-                  <a:fillRect l="-954" t="-1004"/>
+                  <a:fillRect l="-831"/>
                 </a:stretch>
               </a:blipFill>
             </p:spPr>
@@ -6101,6 +8016,30 @@
           </p:sp>
         </mc:Fallback>
       </mc:AlternateContent>
+      <p:pic>
+        <p:nvPicPr>
+          <p:cNvPr id="5" name="Рисунок 4"/>
+          <p:cNvPicPr>
+            <a:picLocks noChangeAspect="1"/>
+          </p:cNvPicPr>
+          <p:nvPr/>
+        </p:nvPicPr>
+        <p:blipFill>
+          <a:blip r:embed="rId3"/>
+          <a:stretch>
+            <a:fillRect/>
+          </a:stretch>
+        </p:blipFill>
+        <p:spPr>
+          <a:xfrm>
+            <a:off x="768000" y="4468692"/>
+            <a:ext cx="2520000" cy="2150270"/>
+          </a:xfrm>
+          <a:prstGeom prst="rect">
+            <a:avLst/>
+          </a:prstGeom>
+        </p:spPr>
+      </p:pic>
     </p:spTree>
     <p:extLst>
       <p:ext uri="{BB962C8B-B14F-4D97-AF65-F5344CB8AC3E}">
@@ -6149,7 +8088,7 @@
         <p:spPr>
           <a:xfrm>
             <a:off x="336001" y="261000"/>
-            <a:ext cx="3671999" cy="628072"/>
+            <a:ext cx="5615999" cy="628072"/>
           </a:xfrm>
           <a:prstGeom prst="rect">
             <a:avLst/>
@@ -6184,7 +8123,21 @@
                 <a:latin typeface="Times New Roman" panose="02020603050405020304" pitchFamily="18" charset="0"/>
                 <a:cs typeface="Times New Roman" panose="02020603050405020304" pitchFamily="18" charset="0"/>
               </a:rPr>
-              <a:t>Сечение процесса</a:t>
+              <a:t>Сечение </a:t>
+            </a:r>
+            <a:r>
+              <a:rPr lang="ru-RU" sz="3200" b="1" dirty="0" smtClean="0">
+                <a:latin typeface="Times New Roman" panose="02020603050405020304" pitchFamily="18" charset="0"/>
+                <a:cs typeface="Times New Roman" panose="02020603050405020304" pitchFamily="18" charset="0"/>
+              </a:rPr>
+              <a:t>упругого </a:t>
+            </a:r>
+            <a:r>
+              <a:rPr lang="ru-RU" sz="3200" b="1" dirty="0" smtClean="0">
+                <a:latin typeface="Times New Roman" panose="02020603050405020304" pitchFamily="18" charset="0"/>
+                <a:cs typeface="Times New Roman" panose="02020603050405020304" pitchFamily="18" charset="0"/>
+              </a:rPr>
+              <a:t>процесса</a:t>
             </a:r>
             <a:endParaRPr lang="ru-RU" sz="3200" b="1" dirty="0">
               <a:latin typeface="Times New Roman" panose="02020603050405020304" pitchFamily="18" charset="0"/>
@@ -6193,8 +8146,8 @@
           </a:p>
         </p:txBody>
       </p:sp>
-      <mc:AlternateContent xmlns:mc="http://schemas.openxmlformats.org/markup-compatibility/2006" xmlns:a14="http://schemas.microsoft.com/office/drawing/2010/main">
-        <mc:Choice Requires="a14">
+      <mc:AlternateContent xmlns:mc="http://schemas.openxmlformats.org/markup-compatibility/2006">
+        <mc:Choice xmlns:a14="http://schemas.microsoft.com/office/drawing/2010/main" Requires="a14">
           <p:graphicFrame>
             <p:nvGraphicFramePr>
               <p:cNvPr id="5" name="Таблица 4"/>
@@ -6204,14 +8157,14 @@
               <p:nvPr>
                 <p:extLst>
                   <p:ext uri="{D42A27DB-BD31-4B8C-83A1-F6EECF244321}">
-                    <p14:modId xmlns:p14="http://schemas.microsoft.com/office/powerpoint/2010/main" val="924061694"/>
+                    <p14:modId xmlns:p14="http://schemas.microsoft.com/office/powerpoint/2010/main" val="952046021"/>
                   </p:ext>
                 </p:extLst>
               </p:nvPr>
             </p:nvGraphicFramePr>
             <p:xfrm>
               <a:off x="336000" y="1269000"/>
-              <a:ext cx="7632000" cy="3959999"/>
+              <a:ext cx="7704000" cy="3959999"/>
             </p:xfrm>
             <a:graphic>
               <a:graphicData uri="http://schemas.openxmlformats.org/drawingml/2006/table">
@@ -6220,14 +8173,14 @@
                     <a:tableStyleId>{2D5ABB26-0587-4C30-8999-92F81FD0307C}</a:tableStyleId>
                   </a:tblPr>
                   <a:tblGrid>
-                    <a:gridCol w="3843899">
+                    <a:gridCol w="3960000">
                       <a:extLst>
                         <a:ext uri="{9D8B030D-6E8A-4147-A177-3AD203B41FA5}">
                           <a16:colId xmlns:a16="http://schemas.microsoft.com/office/drawing/2014/main" val="3563515494"/>
                         </a:ext>
                       </a:extLst>
                     </a:gridCol>
-                    <a:gridCol w="3788101">
+                    <a:gridCol w="3744000">
                       <a:extLst>
                         <a:ext uri="{9D8B030D-6E8A-4147-A177-3AD203B41FA5}">
                           <a16:colId xmlns:a16="http://schemas.microsoft.com/office/drawing/2014/main" val="3304395450"/>
@@ -7995,14 +9948,11 @@
                                       </m:e>
                                       <m:sub>
                                         <m:r>
-                                          <m:rPr>
-                                            <m:sty m:val="p"/>
-                                          </m:rPr>
-                                          <a:rPr lang="en-US" sz="2400" b="0" i="0" kern="0" smtClean="0">
+                                          <a:rPr lang="en-US" sz="2400" b="0" i="1" kern="0" smtClean="0">
                                             <a:effectLst/>
                                             <a:latin typeface="Cambria Math" panose="02040503050406030204" pitchFamily="18" charset="0"/>
                                           </a:rPr>
-                                          <m:t>k</m:t>
+                                          <m:t>𝑁</m:t>
                                         </m:r>
                                       </m:sub>
                                     </m:sSub>
@@ -8568,14 +10518,11 @@
                                       </m:e>
                                       <m:sub>
                                         <m:r>
-                                          <m:rPr>
-                                            <m:sty m:val="p"/>
-                                          </m:rPr>
-                                          <a:rPr lang="en-US" sz="2400" b="0" i="0" kern="0" smtClean="0">
+                                          <a:rPr lang="en-US" sz="2400" b="0" i="1" kern="0" smtClean="0">
                                             <a:effectLst/>
                                             <a:latin typeface="Cambria Math" panose="02040503050406030204" pitchFamily="18" charset="0"/>
                                           </a:rPr>
-                                          <m:t>k</m:t>
+                                          <m:t>𝑁</m:t>
                                         </m:r>
                                       </m:sub>
                                     </m:sSub>
@@ -8766,7 +10713,7 @@
             </a:graphic>
           </p:graphicFrame>
         </mc:Choice>
-        <mc:Fallback xmlns="">
+        <mc:Fallback>
           <p:graphicFrame>
             <p:nvGraphicFramePr>
               <p:cNvPr id="5" name="Таблица 4"/>
@@ -8776,14 +10723,14 @@
               <p:nvPr>
                 <p:extLst>
                   <p:ext uri="{D42A27DB-BD31-4B8C-83A1-F6EECF244321}">
-                    <p14:modId xmlns:p14="http://schemas.microsoft.com/office/powerpoint/2010/main" val="924061694"/>
+                    <p14:modId xmlns:p14="http://schemas.microsoft.com/office/powerpoint/2010/main" val="952046021"/>
                   </p:ext>
                 </p:extLst>
               </p:nvPr>
             </p:nvGraphicFramePr>
             <p:xfrm>
               <a:off x="336000" y="1269000"/>
-              <a:ext cx="7632000" cy="3959999"/>
+              <a:ext cx="7704000" cy="3959999"/>
             </p:xfrm>
             <a:graphic>
               <a:graphicData uri="http://schemas.openxmlformats.org/drawingml/2006/table">
@@ -8792,14 +10739,14 @@
                     <a:tableStyleId>{2D5ABB26-0587-4C30-8999-92F81FD0307C}</a:tableStyleId>
                   </a:tblPr>
                   <a:tblGrid>
-                    <a:gridCol w="3843899">
+                    <a:gridCol w="3960000">
                       <a:extLst>
                         <a:ext uri="{9D8B030D-6E8A-4147-A177-3AD203B41FA5}">
                           <a16:colId xmlns:a16="http://schemas.microsoft.com/office/drawing/2014/main" val="3563515494"/>
                         </a:ext>
                       </a:extLst>
                     </a:gridCol>
-                    <a:gridCol w="3788101">
+                    <a:gridCol w="3744000">
                       <a:extLst>
                         <a:ext uri="{9D8B030D-6E8A-4147-A177-3AD203B41FA5}">
                           <a16:colId xmlns:a16="http://schemas.microsoft.com/office/drawing/2014/main" val="3304395450"/>
@@ -8937,7 +10884,7 @@
                         <a:blipFill>
                           <a:blip r:embed="rId2"/>
                           <a:stretch>
-                            <a:fillRect l="-101608" t="-885" r="-322" b="-476991"/>
+                            <a:fillRect l="-106026" t="-885" r="-326" b="-476991"/>
                           </a:stretch>
                         </a:blipFill>
                       </a:tcPr>
@@ -9005,7 +10952,7 @@
                         <a:blipFill>
                           <a:blip r:embed="rId2"/>
                           <a:stretch>
-                            <a:fillRect l="-158" t="-95798" r="-98891" b="-352941"/>
+                            <a:fillRect l="-154" t="-95798" r="-94769" b="-352941"/>
                           </a:stretch>
                         </a:blipFill>
                       </a:tcPr>
@@ -9066,7 +11013,7 @@
                         <a:blipFill>
                           <a:blip r:embed="rId2"/>
                           <a:stretch>
-                            <a:fillRect l="-101608" t="-95798" r="-322" b="-352941"/>
+                            <a:fillRect l="-106026" t="-95798" r="-326" b="-352941"/>
                           </a:stretch>
                         </a:blipFill>
                       </a:tcPr>
@@ -9134,7 +11081,7 @@
                         <a:blipFill>
                           <a:blip r:embed="rId2"/>
                           <a:stretch>
-                            <a:fillRect l="-158" t="-167626" r="-98891" b="-202158"/>
+                            <a:fillRect l="-154" t="-167626" r="-94769" b="-202158"/>
                           </a:stretch>
                         </a:blipFill>
                       </a:tcPr>
@@ -9195,7 +11142,7 @@
                         <a:blipFill>
                           <a:blip r:embed="rId2"/>
                           <a:stretch>
-                            <a:fillRect l="-101608" t="-167626" r="-322" b="-202158"/>
+                            <a:fillRect l="-106026" t="-167626" r="-326" b="-202158"/>
                           </a:stretch>
                         </a:blipFill>
                       </a:tcPr>
@@ -9263,7 +11210,7 @@
                         <a:blipFill>
                           <a:blip r:embed="rId2"/>
                           <a:stretch>
-                            <a:fillRect l="-158" t="-267626" r="-98891" b="-102158"/>
+                            <a:fillRect l="-154" t="-267626" r="-94769" b="-102158"/>
                           </a:stretch>
                         </a:blipFill>
                       </a:tcPr>
@@ -9324,7 +11271,7 @@
                         <a:blipFill>
                           <a:blip r:embed="rId2"/>
                           <a:stretch>
-                            <a:fillRect l="-101608" t="-267626" r="-322" b="-102158"/>
+                            <a:fillRect l="-106026" t="-267626" r="-326" b="-102158"/>
                           </a:stretch>
                         </a:blipFill>
                       </a:tcPr>
@@ -9392,7 +11339,7 @@
                         <a:blipFill>
                           <a:blip r:embed="rId2"/>
                           <a:stretch>
-                            <a:fillRect l="-158" t="-365000" r="-98891" b="-1429"/>
+                            <a:fillRect l="-154" t="-365000" r="-94769" b="-1429"/>
                           </a:stretch>
                         </a:blipFill>
                       </a:tcPr>
@@ -9453,7 +11400,7 @@
                         <a:blipFill>
                           <a:blip r:embed="rId2"/>
                           <a:stretch>
-                            <a:fillRect l="-101608" t="-365000" r="-322" b="-1429"/>
+                            <a:fillRect l="-106026" t="-365000" r="-326" b="-1429"/>
                           </a:stretch>
                         </a:blipFill>
                       </a:tcPr>
@@ -9470,8 +11417,8 @@
           </p:graphicFrame>
         </mc:Fallback>
       </mc:AlternateContent>
-      <mc:AlternateContent xmlns:mc="http://schemas.openxmlformats.org/markup-compatibility/2006" xmlns:a14="http://schemas.microsoft.com/office/drawing/2010/main">
-        <mc:Choice Requires="a14">
+      <mc:AlternateContent xmlns:mc="http://schemas.openxmlformats.org/markup-compatibility/2006">
+        <mc:Choice xmlns:a14="http://schemas.microsoft.com/office/drawing/2010/main" Requires="a14">
           <p:sp>
             <p:nvSpPr>
               <p:cNvPr id="6" name="Прямоугольник 5"/>
@@ -9480,8 +11427,8 @@
             </p:nvSpPr>
             <p:spPr>
               <a:xfrm>
-                <a:off x="8976000" y="1989000"/>
-                <a:ext cx="2493118" cy="483274"/>
+                <a:off x="7891163" y="1629000"/>
+                <a:ext cx="4329262" cy="1034579"/>
               </a:xfrm>
               <a:prstGeom prst="rect">
                 <a:avLst/>
@@ -9545,13 +11492,56 @@
                             </m:accPr>
                             <m:e>
                               <m:r>
-                                <a:rPr lang="en-US" sz="2400" i="1">
-                                  <a:latin typeface="Cambria Math" panose="02040503050406030204" pitchFamily="18" charset="0"/>
-                                </a:rPr>
-                                <m:t>𝑞</m:t>
+                                <a:rPr lang="en-US" sz="2400" b="0" i="1" smtClean="0">
+                                  <a:latin typeface="Cambria Math" panose="02040503050406030204" pitchFamily="18" charset="0"/>
+                                </a:rPr>
+                                <m:t>𝑥</m:t>
                               </m:r>
                             </m:e>
                           </m:acc>
+                          <m:r>
+                            <a:rPr lang="en-US" sz="2400" b="0" i="1" smtClean="0">
+                              <a:latin typeface="Cambria Math" panose="02040503050406030204" pitchFamily="18" charset="0"/>
+                            </a:rPr>
+                            <m:t>−</m:t>
+                          </m:r>
+                          <m:sSub>
+                            <m:sSubPr>
+                              <m:ctrlPr>
+                                <a:rPr lang="en-US" sz="2400" b="0" i="1" smtClean="0">
+                                  <a:latin typeface="Cambria Math" panose="02040503050406030204" pitchFamily="18" charset="0"/>
+                                </a:rPr>
+                              </m:ctrlPr>
+                            </m:sSubPr>
+                            <m:e>
+                              <m:acc>
+                                <m:accPr>
+                                  <m:chr m:val="⃗"/>
+                                  <m:ctrlPr>
+                                    <a:rPr lang="en-US" sz="2400" i="1">
+                                      <a:latin typeface="Cambria Math" panose="02040503050406030204" pitchFamily="18" charset="0"/>
+                                    </a:rPr>
+                                  </m:ctrlPr>
+                                </m:accPr>
+                                <m:e>
+                                  <m:r>
+                                    <a:rPr lang="en-US" sz="2400" i="1">
+                                      <a:latin typeface="Cambria Math" panose="02040503050406030204" pitchFamily="18" charset="0"/>
+                                    </a:rPr>
+                                    <m:t>𝑥</m:t>
+                                  </m:r>
+                                </m:e>
+                              </m:acc>
+                            </m:e>
+                            <m:sub>
+                              <m:r>
+                                <a:rPr lang="ru-RU" sz="2400" b="0" i="1" smtClean="0">
+                                  <a:latin typeface="Cambria Math" panose="02040503050406030204" pitchFamily="18" charset="0"/>
+                                </a:rPr>
+                                <m:t>яд</m:t>
+                              </m:r>
+                            </m:sub>
+                          </m:sSub>
                         </m:e>
                       </m:d>
                       <m:r>
@@ -9560,66 +11550,128 @@
                         </a:rPr>
                         <m:t>=</m:t>
                       </m:r>
-                      <m:r>
-                        <a:rPr lang="en-US" sz="2400" b="0" i="1" smtClean="0">
-                          <a:latin typeface="Cambria Math" panose="02040503050406030204" pitchFamily="18" charset="0"/>
-                        </a:rPr>
-                        <m:t>𝑁</m:t>
-                      </m:r>
-                      <m:sSub>
-                        <m:sSubPr>
+                      <m:nary>
+                        <m:naryPr>
+                          <m:chr m:val="∑"/>
+                          <m:supHide m:val="on"/>
                           <m:ctrlPr>
-                            <a:rPr lang="ru-RU" sz="2400" i="1" smtClean="0">
+                            <a:rPr lang="en-US" sz="2400" b="0" i="1" smtClean="0">
                               <a:latin typeface="Cambria Math" panose="02040503050406030204" pitchFamily="18" charset="0"/>
                             </a:rPr>
                           </m:ctrlPr>
-                        </m:sSubPr>
-                        <m:e>
-                          <m:r>
-                            <a:rPr lang="ru-RU" sz="2400" i="1">
-                              <a:latin typeface="Cambria Math" panose="02040503050406030204" pitchFamily="18" charset="0"/>
-                            </a:rPr>
-                            <m:t>𝑉</m:t>
-                          </m:r>
-                        </m:e>
+                        </m:naryPr>
                         <m:sub>
                           <m:r>
-                            <a:rPr lang="en-US" sz="2400" b="0" i="1" smtClean="0">
-                              <a:latin typeface="Cambria Math" panose="02040503050406030204" pitchFamily="18" charset="0"/>
-                            </a:rPr>
-                            <m:t>𝑁</m:t>
+                            <m:rPr>
+                              <m:brk m:alnAt="7"/>
+                            </m:rPr>
+                            <a:rPr lang="ru-RU" sz="2400" b="0" i="1" smtClean="0">
+                              <a:latin typeface="Cambria Math" panose="02040503050406030204" pitchFamily="18" charset="0"/>
+                            </a:rPr>
+                            <m:t>нук</m:t>
                           </m:r>
                         </m:sub>
-                      </m:sSub>
-                      <m:d>
-                        <m:dPr>
-                          <m:ctrlPr>
-                            <a:rPr lang="ru-RU" sz="2400" i="1">
-                              <a:latin typeface="Cambria Math" panose="02040503050406030204" pitchFamily="18" charset="0"/>
-                            </a:rPr>
-                          </m:ctrlPr>
-                        </m:dPr>
+                        <m:sup/>
                         <m:e>
-                          <m:acc>
-                            <m:accPr>
-                              <m:chr m:val="⃗"/>
+                          <m:sSub>
+                            <m:sSubPr>
                               <m:ctrlPr>
-                                <a:rPr lang="en-US" sz="2400" i="1">
+                                <a:rPr lang="ru-RU" sz="2400" i="1">
                                   <a:latin typeface="Cambria Math" panose="02040503050406030204" pitchFamily="18" charset="0"/>
                                 </a:rPr>
                               </m:ctrlPr>
-                            </m:accPr>
+                            </m:sSubPr>
                             <m:e>
                               <m:r>
-                                <a:rPr lang="en-US" sz="2400" i="1">
-                                  <a:latin typeface="Cambria Math" panose="02040503050406030204" pitchFamily="18" charset="0"/>
-                                </a:rPr>
-                                <m:t>𝑞</m:t>
+                                <a:rPr lang="ru-RU" sz="2400" i="1">
+                                  <a:latin typeface="Cambria Math" panose="02040503050406030204" pitchFamily="18" charset="0"/>
+                                </a:rPr>
+                                <m:t>𝑉</m:t>
                               </m:r>
                             </m:e>
-                          </m:acc>
+                            <m:sub>
+                              <m:r>
+                                <a:rPr lang="en-US" sz="2400" b="0" i="1" smtClean="0">
+                                  <a:latin typeface="Cambria Math" panose="02040503050406030204" pitchFamily="18" charset="0"/>
+                                </a:rPr>
+                                <m:t>𝑁</m:t>
+                              </m:r>
+                            </m:sub>
+                          </m:sSub>
+                          <m:d>
+                            <m:dPr>
+                              <m:ctrlPr>
+                                <a:rPr lang="ru-RU" sz="2400" i="1">
+                                  <a:latin typeface="Cambria Math" panose="02040503050406030204" pitchFamily="18" charset="0"/>
+                                </a:rPr>
+                              </m:ctrlPr>
+                            </m:dPr>
+                            <m:e>
+                              <m:acc>
+                                <m:accPr>
+                                  <m:chr m:val="⃗"/>
+                                  <m:ctrlPr>
+                                    <a:rPr lang="en-US" sz="2400" i="1">
+                                      <a:latin typeface="Cambria Math" panose="02040503050406030204" pitchFamily="18" charset="0"/>
+                                    </a:rPr>
+                                  </m:ctrlPr>
+                                </m:accPr>
+                                <m:e>
+                                  <m:r>
+                                    <a:rPr lang="en-US" sz="2400" i="1">
+                                      <a:latin typeface="Cambria Math" panose="02040503050406030204" pitchFamily="18" charset="0"/>
+                                    </a:rPr>
+                                    <m:t>𝑥</m:t>
+                                  </m:r>
+                                </m:e>
+                              </m:acc>
+                              <m:r>
+                                <a:rPr lang="en-US" sz="2400" i="1">
+                                  <a:latin typeface="Cambria Math" panose="02040503050406030204" pitchFamily="18" charset="0"/>
+                                </a:rPr>
+                                <m:t>−</m:t>
+                              </m:r>
+                              <m:sSub>
+                                <m:sSubPr>
+                                  <m:ctrlPr>
+                                    <a:rPr lang="en-US" sz="2400" i="1">
+                                      <a:latin typeface="Cambria Math" panose="02040503050406030204" pitchFamily="18" charset="0"/>
+                                    </a:rPr>
+                                  </m:ctrlPr>
+                                </m:sSubPr>
+                                <m:e>
+                                  <m:acc>
+                                    <m:accPr>
+                                      <m:chr m:val="⃗"/>
+                                      <m:ctrlPr>
+                                        <a:rPr lang="en-US" sz="2400" i="1">
+                                          <a:latin typeface="Cambria Math" panose="02040503050406030204" pitchFamily="18" charset="0"/>
+                                        </a:rPr>
+                                      </m:ctrlPr>
+                                    </m:accPr>
+                                    <m:e>
+                                      <m:r>
+                                        <a:rPr lang="en-US" sz="2400" i="1">
+                                          <a:latin typeface="Cambria Math" panose="02040503050406030204" pitchFamily="18" charset="0"/>
+                                        </a:rPr>
+                                        <m:t>𝑥</m:t>
+                                      </m:r>
+                                    </m:e>
+                                  </m:acc>
+                                </m:e>
+                                <m:sub>
+                                  <m:r>
+                                    <a:rPr lang="en-US" sz="2400" b="0" i="1" smtClean="0">
+                                      <a:latin typeface="Cambria Math" panose="02040503050406030204" pitchFamily="18" charset="0"/>
+                                    </a:rPr>
+                                    <m:t>𝑁</m:t>
+                                  </m:r>
+                                </m:sub>
+                              </m:sSub>
+                            </m:e>
+                          </m:d>
                         </m:e>
-                      </m:d>
+                      </m:nary>
                     </m:oMath>
                   </m:oMathPara>
                 </a14:m>
@@ -9630,7 +11682,7 @@
             </p:txBody>
           </p:sp>
         </mc:Choice>
-        <mc:Fallback xmlns="">
+        <mc:Fallback>
           <p:sp>
             <p:nvSpPr>
               <p:cNvPr id="6" name="Прямоугольник 5"/>
@@ -9641,8 +11693,8 @@
             </p:nvSpPr>
             <p:spPr>
               <a:xfrm>
-                <a:off x="8976000" y="1989000"/>
-                <a:ext cx="2493118" cy="483274"/>
+                <a:off x="7891163" y="1629000"/>
+                <a:ext cx="4329262" cy="1034579"/>
               </a:xfrm>
               <a:prstGeom prst="rect">
                 <a:avLst/>
@@ -9650,7 +11702,7 @@
               <a:blipFill>
                 <a:blip r:embed="rId3"/>
                 <a:stretch>
-                  <a:fillRect t="-17500" r="-8557" b="-6250"/>
+                  <a:fillRect/>
                 </a:stretch>
               </a:blipFill>
             </p:spPr>
@@ -9980,8 +12032,8 @@
           </p:sp>
         </mc:Fallback>
       </mc:AlternateContent>
-      <mc:AlternateContent xmlns:mc="http://schemas.openxmlformats.org/markup-compatibility/2006" xmlns:a14="http://schemas.microsoft.com/office/drawing/2010/main">
-        <mc:Choice Requires="a14">
+      <mc:AlternateContent xmlns:mc="http://schemas.openxmlformats.org/markup-compatibility/2006">
+        <mc:Choice xmlns:a14="http://schemas.microsoft.com/office/drawing/2010/main" Requires="a14">
           <p:sp>
             <p:nvSpPr>
               <p:cNvPr id="7" name="Прямоугольник 6"/>
@@ -9990,7 +12042,7 @@
             </p:nvSpPr>
             <p:spPr>
               <a:xfrm>
-                <a:off x="8976000" y="2853000"/>
+                <a:off x="8904000" y="4509000"/>
                 <a:ext cx="2808000" cy="582147"/>
               </a:xfrm>
               <a:prstGeom prst="rect">
@@ -10181,7 +12233,7 @@
             </p:txBody>
           </p:sp>
         </mc:Choice>
-        <mc:Fallback xmlns="">
+        <mc:Fallback>
           <p:sp>
             <p:nvSpPr>
               <p:cNvPr id="7" name="Прямоугольник 6"/>
@@ -10192,7 +12244,7 @@
             </p:nvSpPr>
             <p:spPr>
               <a:xfrm>
-                <a:off x="8976000" y="2853000"/>
+                <a:off x="8904000" y="4509000"/>
                 <a:ext cx="2808000" cy="582147"/>
               </a:xfrm>
               <a:prstGeom prst="rect">
@@ -10202,6 +12254,490 @@
                 <a:blip r:embed="rId5"/>
                 <a:stretch>
                   <a:fillRect/>
+                </a:stretch>
+              </a:blipFill>
+            </p:spPr>
+            <p:txBody>
+              <a:bodyPr/>
+              <a:lstStyle/>
+              <a:p>
+                <a:r>
+                  <a:rPr lang="ru-RU">
+                    <a:noFill/>
+                  </a:rPr>
+                  <a:t> </a:t>
+                </a:r>
+              </a:p>
+            </p:txBody>
+          </p:sp>
+        </mc:Fallback>
+      </mc:AlternateContent>
+      <mc:AlternateContent xmlns:mc="http://schemas.openxmlformats.org/markup-compatibility/2006">
+        <mc:Choice xmlns:a14="http://schemas.microsoft.com/office/drawing/2010/main" Requires="a14">
+          <p:sp>
+            <p:nvSpPr>
+              <p:cNvPr id="9" name="Прямоугольник 8"/>
+              <p:cNvSpPr/>
+              <p:nvPr/>
+            </p:nvSpPr>
+            <p:spPr>
+              <a:xfrm>
+                <a:off x="8099219" y="2853000"/>
+                <a:ext cx="4066306" cy="509691"/>
+              </a:xfrm>
+              <a:prstGeom prst="rect">
+                <a:avLst/>
+              </a:prstGeom>
+            </p:spPr>
+            <p:txBody>
+              <a:bodyPr wrap="none">
+                <a:spAutoFit/>
+              </a:bodyPr>
+              <a:lstStyle/>
+              <a:p>
+                <a:pPr/>
+                <a14:m>
+                  <m:oMathPara xmlns:m="http://schemas.openxmlformats.org/officeDocument/2006/math">
+                    <m:oMathParaPr>
+                      <m:jc m:val="centerGroup"/>
+                    </m:oMathParaPr>
+                    <m:oMath xmlns:m="http://schemas.openxmlformats.org/officeDocument/2006/math">
+                      <m:sSub>
+                        <m:sSubPr>
+                          <m:ctrlPr>
+                            <a:rPr lang="ru-RU" sz="2400" i="1" smtClean="0">
+                              <a:latin typeface="Cambria Math" panose="02040503050406030204" pitchFamily="18" charset="0"/>
+                            </a:rPr>
+                          </m:ctrlPr>
+                        </m:sSubPr>
+                        <m:e>
+                          <m:r>
+                            <a:rPr lang="ru-RU" sz="2400" i="1">
+                              <a:latin typeface="Cambria Math" panose="02040503050406030204" pitchFamily="18" charset="0"/>
+                            </a:rPr>
+                            <m:t>𝑉</m:t>
+                          </m:r>
+                        </m:e>
+                        <m:sub>
+                          <m:r>
+                            <a:rPr lang="ru-RU" sz="2400" i="1">
+                              <a:latin typeface="Cambria Math" panose="02040503050406030204" pitchFamily="18" charset="0"/>
+                            </a:rPr>
+                            <m:t>яд</m:t>
+                          </m:r>
+                        </m:sub>
+                      </m:sSub>
+                      <m:d>
+                        <m:dPr>
+                          <m:ctrlPr>
+                            <a:rPr lang="ru-RU" sz="2400" i="1">
+                              <a:latin typeface="Cambria Math" panose="02040503050406030204" pitchFamily="18" charset="0"/>
+                            </a:rPr>
+                          </m:ctrlPr>
+                        </m:dPr>
+                        <m:e>
+                          <m:acc>
+                            <m:accPr>
+                              <m:chr m:val="⃗"/>
+                              <m:ctrlPr>
+                                <a:rPr lang="en-US" sz="2400" i="1">
+                                  <a:latin typeface="Cambria Math" panose="02040503050406030204" pitchFamily="18" charset="0"/>
+                                </a:rPr>
+                              </m:ctrlPr>
+                            </m:accPr>
+                            <m:e>
+                              <m:r>
+                                <a:rPr lang="en-US" sz="2400" b="0" i="1" smtClean="0">
+                                  <a:latin typeface="Cambria Math" panose="02040503050406030204" pitchFamily="18" charset="0"/>
+                                </a:rPr>
+                                <m:t>𝑥</m:t>
+                              </m:r>
+                            </m:e>
+                          </m:acc>
+                          <m:r>
+                            <a:rPr lang="en-US" sz="2400" b="0" i="1" smtClean="0">
+                              <a:latin typeface="Cambria Math" panose="02040503050406030204" pitchFamily="18" charset="0"/>
+                            </a:rPr>
+                            <m:t>−</m:t>
+                          </m:r>
+                          <m:sSub>
+                            <m:sSubPr>
+                              <m:ctrlPr>
+                                <a:rPr lang="en-US" sz="2400" b="0" i="1" smtClean="0">
+                                  <a:latin typeface="Cambria Math" panose="02040503050406030204" pitchFamily="18" charset="0"/>
+                                </a:rPr>
+                              </m:ctrlPr>
+                            </m:sSubPr>
+                            <m:e>
+                              <m:acc>
+                                <m:accPr>
+                                  <m:chr m:val="⃗"/>
+                                  <m:ctrlPr>
+                                    <a:rPr lang="en-US" sz="2400" i="1">
+                                      <a:latin typeface="Cambria Math" panose="02040503050406030204" pitchFamily="18" charset="0"/>
+                                    </a:rPr>
+                                  </m:ctrlPr>
+                                </m:accPr>
+                                <m:e>
+                                  <m:r>
+                                    <a:rPr lang="en-US" sz="2400" i="1">
+                                      <a:latin typeface="Cambria Math" panose="02040503050406030204" pitchFamily="18" charset="0"/>
+                                    </a:rPr>
+                                    <m:t>𝑥</m:t>
+                                  </m:r>
+                                </m:e>
+                              </m:acc>
+                            </m:e>
+                            <m:sub>
+                              <m:r>
+                                <a:rPr lang="ru-RU" sz="2400" b="0" i="1" smtClean="0">
+                                  <a:latin typeface="Cambria Math" panose="02040503050406030204" pitchFamily="18" charset="0"/>
+                                </a:rPr>
+                                <m:t>яд</m:t>
+                              </m:r>
+                            </m:sub>
+                          </m:sSub>
+                        </m:e>
+                      </m:d>
+                      <m:r>
+                        <a:rPr lang="ru-RU" sz="2400" i="0">
+                          <a:latin typeface="Cambria Math" panose="02040503050406030204" pitchFamily="18" charset="0"/>
+                        </a:rPr>
+                        <m:t>=</m:t>
+                      </m:r>
+                      <m:r>
+                        <a:rPr lang="en-US" sz="2400" b="0" i="1" smtClean="0">
+                          <a:latin typeface="Cambria Math" panose="02040503050406030204" pitchFamily="18" charset="0"/>
+                        </a:rPr>
+                        <m:t>𝑁</m:t>
+                      </m:r>
+                      <m:sSub>
+                        <m:sSubPr>
+                          <m:ctrlPr>
+                            <a:rPr lang="ru-RU" sz="2400" i="1">
+                              <a:latin typeface="Cambria Math" panose="02040503050406030204" pitchFamily="18" charset="0"/>
+                            </a:rPr>
+                          </m:ctrlPr>
+                        </m:sSubPr>
+                        <m:e>
+                          <m:r>
+                            <a:rPr lang="ru-RU" sz="2400" i="1">
+                              <a:latin typeface="Cambria Math" panose="02040503050406030204" pitchFamily="18" charset="0"/>
+                            </a:rPr>
+                            <m:t>𝑉</m:t>
+                          </m:r>
+                        </m:e>
+                        <m:sub>
+                          <m:r>
+                            <a:rPr lang="en-US" sz="2400" i="1">
+                              <a:latin typeface="Cambria Math" panose="02040503050406030204" pitchFamily="18" charset="0"/>
+                            </a:rPr>
+                            <m:t>𝑁</m:t>
+                          </m:r>
+                        </m:sub>
+                      </m:sSub>
+                      <m:d>
+                        <m:dPr>
+                          <m:ctrlPr>
+                            <a:rPr lang="ru-RU" sz="2400" i="1">
+                              <a:latin typeface="Cambria Math" panose="02040503050406030204" pitchFamily="18" charset="0"/>
+                            </a:rPr>
+                          </m:ctrlPr>
+                        </m:dPr>
+                        <m:e>
+                          <m:acc>
+                            <m:accPr>
+                              <m:chr m:val="⃗"/>
+                              <m:ctrlPr>
+                                <a:rPr lang="en-US" sz="2400" i="1">
+                                  <a:latin typeface="Cambria Math" panose="02040503050406030204" pitchFamily="18" charset="0"/>
+                                </a:rPr>
+                              </m:ctrlPr>
+                            </m:accPr>
+                            <m:e>
+                              <m:r>
+                                <a:rPr lang="en-US" sz="2400" i="1">
+                                  <a:latin typeface="Cambria Math" panose="02040503050406030204" pitchFamily="18" charset="0"/>
+                                </a:rPr>
+                                <m:t>𝑥</m:t>
+                              </m:r>
+                            </m:e>
+                          </m:acc>
+                          <m:r>
+                            <a:rPr lang="en-US" sz="2400" i="1">
+                              <a:latin typeface="Cambria Math" panose="02040503050406030204" pitchFamily="18" charset="0"/>
+                            </a:rPr>
+                            <m:t>−</m:t>
+                          </m:r>
+                          <m:sSub>
+                            <m:sSubPr>
+                              <m:ctrlPr>
+                                <a:rPr lang="en-US" sz="2400" i="1">
+                                  <a:latin typeface="Cambria Math" panose="02040503050406030204" pitchFamily="18" charset="0"/>
+                                </a:rPr>
+                              </m:ctrlPr>
+                            </m:sSubPr>
+                            <m:e>
+                              <m:acc>
+                                <m:accPr>
+                                  <m:chr m:val="⃗"/>
+                                  <m:ctrlPr>
+                                    <a:rPr lang="en-US" sz="2400" i="1">
+                                      <a:latin typeface="Cambria Math" panose="02040503050406030204" pitchFamily="18" charset="0"/>
+                                    </a:rPr>
+                                  </m:ctrlPr>
+                                </m:accPr>
+                                <m:e>
+                                  <m:r>
+                                    <a:rPr lang="en-US" sz="2400" i="1">
+                                      <a:latin typeface="Cambria Math" panose="02040503050406030204" pitchFamily="18" charset="0"/>
+                                    </a:rPr>
+                                    <m:t>𝑥</m:t>
+                                  </m:r>
+                                </m:e>
+                              </m:acc>
+                            </m:e>
+                            <m:sub>
+                              <m:r>
+                                <a:rPr lang="ru-RU" sz="2400" i="1">
+                                  <a:latin typeface="Cambria Math" panose="02040503050406030204" pitchFamily="18" charset="0"/>
+                                </a:rPr>
+                                <m:t>яд</m:t>
+                              </m:r>
+                            </m:sub>
+                          </m:sSub>
+                        </m:e>
+                      </m:d>
+                    </m:oMath>
+                  </m:oMathPara>
+                </a14:m>
+                <a:endParaRPr lang="ru-RU" sz="2400" i="1" dirty="0" smtClean="0">
+                  <a:latin typeface="Cambria Math" panose="02040503050406030204" pitchFamily="18" charset="0"/>
+                </a:endParaRPr>
+              </a:p>
+            </p:txBody>
+          </p:sp>
+        </mc:Choice>
+        <mc:Fallback>
+          <p:sp>
+            <p:nvSpPr>
+              <p:cNvPr id="9" name="Прямоугольник 8"/>
+              <p:cNvSpPr>
+                <a:spLocks noRot="1" noChangeAspect="1" noMove="1" noResize="1" noEditPoints="1" noAdjustHandles="1" noChangeArrowheads="1" noChangeShapeType="1" noTextEdit="1"/>
+              </p:cNvSpPr>
+              <p:nvPr/>
+            </p:nvSpPr>
+            <p:spPr>
+              <a:xfrm>
+                <a:off x="8099219" y="2853000"/>
+                <a:ext cx="4066306" cy="509691"/>
+              </a:xfrm>
+              <a:prstGeom prst="rect">
+                <a:avLst/>
+              </a:prstGeom>
+              <a:blipFill>
+                <a:blip r:embed="rId6"/>
+                <a:stretch>
+                  <a:fillRect/>
+                </a:stretch>
+              </a:blipFill>
+            </p:spPr>
+            <p:txBody>
+              <a:bodyPr/>
+              <a:lstStyle/>
+              <a:p>
+                <a:r>
+                  <a:rPr lang="ru-RU">
+                    <a:noFill/>
+                  </a:rPr>
+                  <a:t> </a:t>
+                </a:r>
+              </a:p>
+            </p:txBody>
+          </p:sp>
+        </mc:Fallback>
+      </mc:AlternateContent>
+      <mc:AlternateContent xmlns:mc="http://schemas.openxmlformats.org/markup-compatibility/2006">
+        <mc:Choice xmlns:a14="http://schemas.microsoft.com/office/drawing/2010/main" Requires="a14">
+          <p:sp>
+            <p:nvSpPr>
+              <p:cNvPr id="10" name="Прямоугольник 9"/>
+              <p:cNvSpPr/>
+              <p:nvPr/>
+            </p:nvSpPr>
+            <p:spPr>
+              <a:xfrm>
+                <a:off x="9120000" y="3717000"/>
+                <a:ext cx="2461508" cy="483274"/>
+              </a:xfrm>
+              <a:prstGeom prst="rect">
+                <a:avLst/>
+              </a:prstGeom>
+            </p:spPr>
+            <p:txBody>
+              <a:bodyPr wrap="none">
+                <a:spAutoFit/>
+              </a:bodyPr>
+              <a:lstStyle/>
+              <a:p>
+                <a:pPr/>
+                <a14:m>
+                  <m:oMathPara xmlns:m="http://schemas.openxmlformats.org/officeDocument/2006/math">
+                    <m:oMathParaPr>
+                      <m:jc m:val="centerGroup"/>
+                    </m:oMathParaPr>
+                    <m:oMath xmlns:m="http://schemas.openxmlformats.org/officeDocument/2006/math">
+                      <m:sSub>
+                        <m:sSubPr>
+                          <m:ctrlPr>
+                            <a:rPr lang="ru-RU" sz="2400" i="1" smtClean="0">
+                              <a:latin typeface="Cambria Math" panose="02040503050406030204" pitchFamily="18" charset="0"/>
+                            </a:rPr>
+                          </m:ctrlPr>
+                        </m:sSubPr>
+                        <m:e>
+                          <m:r>
+                            <a:rPr lang="ru-RU" sz="2400" i="1">
+                              <a:latin typeface="Cambria Math" panose="02040503050406030204" pitchFamily="18" charset="0"/>
+                            </a:rPr>
+                            <m:t>𝑉</m:t>
+                          </m:r>
+                        </m:e>
+                        <m:sub>
+                          <m:r>
+                            <a:rPr lang="ru-RU" sz="2400" i="1">
+                              <a:latin typeface="Cambria Math" panose="02040503050406030204" pitchFamily="18" charset="0"/>
+                            </a:rPr>
+                            <m:t>яд</m:t>
+                          </m:r>
+                        </m:sub>
+                      </m:sSub>
+                      <m:d>
+                        <m:dPr>
+                          <m:ctrlPr>
+                            <a:rPr lang="ru-RU" sz="2400" i="1">
+                              <a:latin typeface="Cambria Math" panose="02040503050406030204" pitchFamily="18" charset="0"/>
+                            </a:rPr>
+                          </m:ctrlPr>
+                        </m:dPr>
+                        <m:e>
+                          <m:acc>
+                            <m:accPr>
+                              <m:chr m:val="⃗"/>
+                              <m:ctrlPr>
+                                <a:rPr lang="en-US" sz="2400" b="0" i="1" smtClean="0">
+                                  <a:latin typeface="Cambria Math" panose="02040503050406030204" pitchFamily="18" charset="0"/>
+                                </a:rPr>
+                              </m:ctrlPr>
+                            </m:accPr>
+                            <m:e>
+                              <m:r>
+                                <a:rPr lang="en-US" sz="2400" i="1" smtClean="0">
+                                  <a:latin typeface="Cambria Math" panose="02040503050406030204" pitchFamily="18" charset="0"/>
+                                </a:rPr>
+                                <m:t>𝑞</m:t>
+                              </m:r>
+                            </m:e>
+                          </m:acc>
+                        </m:e>
+                      </m:d>
+                      <m:r>
+                        <a:rPr lang="ru-RU" sz="2400" i="0">
+                          <a:latin typeface="Cambria Math" panose="02040503050406030204" pitchFamily="18" charset="0"/>
+                        </a:rPr>
+                        <m:t>=</m:t>
+                      </m:r>
+                      <m:r>
+                        <a:rPr lang="en-US" sz="2400" b="0" i="1" smtClean="0">
+                          <a:latin typeface="Cambria Math" panose="02040503050406030204" pitchFamily="18" charset="0"/>
+                        </a:rPr>
+                        <m:t>𝑁</m:t>
+                      </m:r>
+                      <m:sSub>
+                        <m:sSubPr>
+                          <m:ctrlPr>
+                            <a:rPr lang="ru-RU" sz="2400" i="1">
+                              <a:latin typeface="Cambria Math" panose="02040503050406030204" pitchFamily="18" charset="0"/>
+                            </a:rPr>
+                          </m:ctrlPr>
+                        </m:sSubPr>
+                        <m:e>
+                          <m:r>
+                            <a:rPr lang="ru-RU" sz="2400" i="1">
+                              <a:latin typeface="Cambria Math" panose="02040503050406030204" pitchFamily="18" charset="0"/>
+                            </a:rPr>
+                            <m:t>𝑉</m:t>
+                          </m:r>
+                        </m:e>
+                        <m:sub>
+                          <m:r>
+                            <a:rPr lang="en-US" sz="2400" i="1">
+                              <a:latin typeface="Cambria Math" panose="02040503050406030204" pitchFamily="18" charset="0"/>
+                            </a:rPr>
+                            <m:t>𝑁</m:t>
+                          </m:r>
+                        </m:sub>
+                      </m:sSub>
+                      <m:d>
+                        <m:dPr>
+                          <m:ctrlPr>
+                            <a:rPr lang="ru-RU" sz="2400" i="1">
+                              <a:latin typeface="Cambria Math" panose="02040503050406030204" pitchFamily="18" charset="0"/>
+                            </a:rPr>
+                          </m:ctrlPr>
+                        </m:dPr>
+                        <m:e>
+                          <m:acc>
+                            <m:accPr>
+                              <m:chr m:val="⃗"/>
+                              <m:ctrlPr>
+                                <a:rPr lang="en-US" sz="2400" i="1">
+                                  <a:latin typeface="Cambria Math" panose="02040503050406030204" pitchFamily="18" charset="0"/>
+                                </a:rPr>
+                              </m:ctrlPr>
+                            </m:accPr>
+                            <m:e>
+                              <m:r>
+                                <a:rPr lang="en-US" sz="2400" i="1">
+                                  <a:latin typeface="Cambria Math" panose="02040503050406030204" pitchFamily="18" charset="0"/>
+                                </a:rPr>
+                                <m:t>𝑞</m:t>
+                              </m:r>
+                            </m:e>
+                          </m:acc>
+                        </m:e>
+                      </m:d>
+                    </m:oMath>
+                  </m:oMathPara>
+                </a14:m>
+                <a:endParaRPr lang="ru-RU" sz="2400" i="1" dirty="0" smtClean="0">
+                  <a:latin typeface="Cambria Math" panose="02040503050406030204" pitchFamily="18" charset="0"/>
+                </a:endParaRPr>
+              </a:p>
+            </p:txBody>
+          </p:sp>
+        </mc:Choice>
+        <mc:Fallback>
+          <p:sp>
+            <p:nvSpPr>
+              <p:cNvPr id="10" name="Прямоугольник 9"/>
+              <p:cNvSpPr>
+                <a:spLocks noRot="1" noChangeAspect="1" noMove="1" noResize="1" noEditPoints="1" noAdjustHandles="1" noChangeArrowheads="1" noChangeShapeType="1" noTextEdit="1"/>
+              </p:cNvSpPr>
+              <p:nvPr/>
+            </p:nvSpPr>
+            <p:spPr>
+              <a:xfrm>
+                <a:off x="9120000" y="3717000"/>
+                <a:ext cx="2461508" cy="483274"/>
+              </a:xfrm>
+              <a:prstGeom prst="rect">
+                <a:avLst/>
+              </a:prstGeom>
+              <a:blipFill>
+                <a:blip r:embed="rId7"/>
+                <a:stretch>
+                  <a:fillRect t="-17722" r="-9158" b="-6329"/>
                 </a:stretch>
               </a:blipFill>
             </p:spPr>
@@ -10268,7 +12804,7 @@
         <p:spPr>
           <a:xfrm>
             <a:off x="336001" y="261000"/>
-            <a:ext cx="3671999" cy="628072"/>
+            <a:ext cx="6119999" cy="628072"/>
           </a:xfrm>
           <a:prstGeom prst="rect">
             <a:avLst/>
@@ -10276,7 +12812,7 @@
         </p:spPr>
         <p:txBody>
           <a:bodyPr vert="horz" lIns="91440" tIns="45720" rIns="91440" bIns="45720" rtlCol="0" anchor="ctr">
-            <a:normAutofit/>
+            <a:noAutofit/>
           </a:bodyPr>
           <a:lstStyle>
             <a:lvl1pPr algn="l" defTabSz="914400" rtl="0" eaLnBrk="1" latinLnBrk="0" hangingPunct="1">
@@ -10303,7 +12839,14 @@
                 <a:latin typeface="Times New Roman" panose="02020603050405020304" pitchFamily="18" charset="0"/>
                 <a:cs typeface="Times New Roman" panose="02020603050405020304" pitchFamily="18" charset="0"/>
               </a:rPr>
-              <a:t>Сечение процесса</a:t>
+              <a:t>Сечение </a:t>
+            </a:r>
+            <a:r>
+              <a:rPr lang="ru-RU" sz="3200" b="1" dirty="0" smtClean="0">
+                <a:latin typeface="Times New Roman" panose="02020603050405020304" pitchFamily="18" charset="0"/>
+                <a:cs typeface="Times New Roman" panose="02020603050405020304" pitchFamily="18" charset="0"/>
+              </a:rPr>
+              <a:t>неупругого процесса</a:t>
             </a:r>
             <a:endParaRPr lang="ru-RU" sz="3200" b="1" dirty="0">
               <a:latin typeface="Times New Roman" panose="02020603050405020304" pitchFamily="18" charset="0"/>
@@ -10328,7 +12871,7 @@
         </p:blipFill>
         <p:spPr>
           <a:xfrm>
-            <a:off x="336000" y="1845000"/>
+            <a:off x="480000" y="3429000"/>
             <a:ext cx="4609838" cy="2726716"/>
           </a:xfrm>
           <a:prstGeom prst="rect">
@@ -10336,8 +12879,8 @@
           </a:prstGeom>
         </p:spPr>
       </p:pic>
-      <mc:AlternateContent xmlns:mc="http://schemas.openxmlformats.org/markup-compatibility/2006" xmlns:a14="http://schemas.microsoft.com/office/drawing/2010/main">
-        <mc:Choice Requires="a14">
+      <mc:AlternateContent xmlns:mc="http://schemas.openxmlformats.org/markup-compatibility/2006">
+        <mc:Choice xmlns:a14="http://schemas.microsoft.com/office/drawing/2010/main" Requires="a14">
           <p:sp>
             <p:nvSpPr>
               <p:cNvPr id="86" name="Прямоугольник 85"/>
@@ -10346,7 +12889,7 @@
             </p:nvSpPr>
             <p:spPr>
               <a:xfrm>
-                <a:off x="6096000" y="1989000"/>
+                <a:off x="5952000" y="1629000"/>
                 <a:ext cx="5423216" cy="914353"/>
               </a:xfrm>
               <a:prstGeom prst="rect">
@@ -10766,7 +13309,7 @@
             </p:txBody>
           </p:sp>
         </mc:Choice>
-        <mc:Fallback xmlns="">
+        <mc:Fallback>
           <p:sp>
             <p:nvSpPr>
               <p:cNvPr id="86" name="Прямоугольник 85"/>
@@ -10777,7 +13320,7 @@
             </p:nvSpPr>
             <p:spPr>
               <a:xfrm>
-                <a:off x="6096000" y="1989000"/>
+                <a:off x="5952000" y="1629000"/>
                 <a:ext cx="5423216" cy="914353"/>
               </a:xfrm>
               <a:prstGeom prst="rect">
@@ -10805,8 +13348,8 @@
           </p:sp>
         </mc:Fallback>
       </mc:AlternateContent>
-      <mc:AlternateContent xmlns:mc="http://schemas.openxmlformats.org/markup-compatibility/2006" xmlns:a14="http://schemas.microsoft.com/office/drawing/2010/main">
-        <mc:Choice Requires="a14">
+      <mc:AlternateContent xmlns:mc="http://schemas.openxmlformats.org/markup-compatibility/2006">
+        <mc:Choice xmlns:a14="http://schemas.microsoft.com/office/drawing/2010/main" Requires="a14">
           <p:sp>
             <p:nvSpPr>
               <p:cNvPr id="88" name="Прямоугольник 87"/>
@@ -10815,8 +13358,8 @@
             </p:nvSpPr>
             <p:spPr>
               <a:xfrm>
-                <a:off x="6096000" y="4869000"/>
-                <a:ext cx="4887300" cy="929293"/>
+                <a:off x="6024000" y="4149000"/>
+                <a:ext cx="4913909" cy="1123577"/>
               </a:xfrm>
               <a:prstGeom prst="rect">
                 <a:avLst/>
@@ -11123,29 +13666,122 @@
                             </a:rPr>
                             <m:t>𝛼</m:t>
                           </m:r>
-                          <m:r>
-                            <a:rPr lang="ru-RU" sz="2400" i="1">
-                              <a:latin typeface="Cambria Math" panose="02040503050406030204" pitchFamily="18" charset="0"/>
-                            </a:rPr>
-                            <m:t>𝑊</m:t>
-                          </m:r>
-                          <m:d>
-                            <m:dPr>
+                          <m:f>
+                            <m:fPr>
                               <m:ctrlPr>
-                                <a:rPr lang="ru-RU" sz="2400" i="1">
+                                <a:rPr lang="en-US" sz="2400" b="0" i="1" smtClean="0">
                                   <a:latin typeface="Cambria Math" panose="02040503050406030204" pitchFamily="18" charset="0"/>
                                 </a:rPr>
                               </m:ctrlPr>
-                            </m:dPr>
+                            </m:fPr>
+                            <m:num>
+                              <m:r>
+                                <a:rPr lang="en-US" sz="2400" b="0" i="1" smtClean="0">
+                                  <a:latin typeface="Cambria Math" panose="02040503050406030204" pitchFamily="18" charset="0"/>
+                                </a:rPr>
+                                <m:t>2</m:t>
+                              </m:r>
+                            </m:num>
+                            <m:den>
+                              <m:r>
+                                <a:rPr lang="en-US" sz="2400" b="0" i="1" smtClean="0">
+                                  <a:latin typeface="Cambria Math" panose="02040503050406030204" pitchFamily="18" charset="0"/>
+                                </a:rPr>
+                                <m:t>3</m:t>
+                              </m:r>
+                            </m:den>
+                          </m:f>
+                          <m:sSup>
+                            <m:sSupPr>
+                              <m:ctrlPr>
+                                <a:rPr lang="en-US" sz="2400" i="1">
+                                  <a:latin typeface="Cambria Math" panose="02040503050406030204" pitchFamily="18" charset="0"/>
+                                </a:rPr>
+                              </m:ctrlPr>
+                            </m:sSupPr>
                             <m:e>
+                              <m:d>
+                                <m:dPr>
+                                  <m:ctrlPr>
+                                    <a:rPr lang="ru-RU" sz="2400" i="1">
+                                      <a:latin typeface="Cambria Math" panose="02040503050406030204" pitchFamily="18" charset="0"/>
+                                    </a:rPr>
+                                  </m:ctrlPr>
+                                </m:dPr>
+                                <m:e>
+                                  <m:sSup>
+                                    <m:sSupPr>
+                                      <m:ctrlPr>
+                                        <a:rPr lang="ru-RU" sz="2400" i="1">
+                                          <a:latin typeface="Cambria Math" panose="02040503050406030204" pitchFamily="18" charset="0"/>
+                                        </a:rPr>
+                                      </m:ctrlPr>
+                                    </m:sSupPr>
+                                    <m:e>
+                                      <m:acc>
+                                        <m:accPr>
+                                          <m:chr m:val="⃗"/>
+                                          <m:ctrlPr>
+                                            <a:rPr lang="ru-RU" sz="2400" i="1">
+                                              <a:latin typeface="Cambria Math" panose="02040503050406030204" pitchFamily="18" charset="0"/>
+                                            </a:rPr>
+                                          </m:ctrlPr>
+                                        </m:accPr>
+                                        <m:e>
+                                          <m:r>
+                                            <a:rPr lang="en-US" sz="2400" i="1">
+                                              <a:latin typeface="Cambria Math" panose="02040503050406030204" pitchFamily="18" charset="0"/>
+                                            </a:rPr>
+                                            <m:t>𝑣</m:t>
+                                          </m:r>
+                                        </m:e>
+                                      </m:acc>
+                                    </m:e>
+                                    <m:sup>
+                                      <m:r>
+                                        <a:rPr lang="en-US" sz="2400" i="1">
+                                          <a:latin typeface="Cambria Math" panose="02040503050406030204" pitchFamily="18" charset="0"/>
+                                        </a:rPr>
+                                        <m:t>′</m:t>
+                                      </m:r>
+                                    </m:sup>
+                                  </m:sSup>
+                                  <m:r>
+                                    <a:rPr lang="en-US" sz="2400" i="1">
+                                      <a:latin typeface="Cambria Math" panose="02040503050406030204" pitchFamily="18" charset="0"/>
+                                    </a:rPr>
+                                    <m:t>−</m:t>
+                                  </m:r>
+                                  <m:acc>
+                                    <m:accPr>
+                                      <m:chr m:val="⃗"/>
+                                      <m:ctrlPr>
+                                        <a:rPr lang="ru-RU" sz="2400" i="1">
+                                          <a:latin typeface="Cambria Math" panose="02040503050406030204" pitchFamily="18" charset="0"/>
+                                        </a:rPr>
+                                      </m:ctrlPr>
+                                    </m:accPr>
+                                    <m:e>
+                                      <m:r>
+                                        <a:rPr lang="en-US" sz="2400" i="1">
+                                          <a:latin typeface="Cambria Math" panose="02040503050406030204" pitchFamily="18" charset="0"/>
+                                        </a:rPr>
+                                        <m:t>𝑣</m:t>
+                                      </m:r>
+                                    </m:e>
+                                  </m:acc>
+                                </m:e>
+                              </m:d>
+                            </m:e>
+                            <m:sup>
                               <m:r>
-                                <a:rPr lang="ru-RU" sz="2400" i="1">
-                                  <a:latin typeface="Cambria Math" panose="02040503050406030204" pitchFamily="18" charset="0"/>
-                                </a:rPr>
-                                <m:t>𝑥</m:t>
+                                <a:rPr lang="en-US" sz="2400" i="1">
+                                  <a:latin typeface="Cambria Math" panose="02040503050406030204" pitchFamily="18" charset="0"/>
+                                </a:rPr>
+                                <m:t>2</m:t>
                               </m:r>
-                            </m:e>
-                          </m:d>
+                            </m:sup>
+                          </m:sSup>
                         </m:num>
                         <m:den>
                           <m:r>
@@ -11297,7 +13933,7 @@
             </p:txBody>
           </p:sp>
         </mc:Choice>
-        <mc:Fallback xmlns="">
+        <mc:Fallback>
           <p:sp>
             <p:nvSpPr>
               <p:cNvPr id="88" name="Прямоугольник 87"/>
@@ -11308,8 +13944,8 @@
             </p:nvSpPr>
             <p:spPr>
               <a:xfrm>
-                <a:off x="6096000" y="4869000"/>
-                <a:ext cx="4887300" cy="929293"/>
+                <a:off x="6024000" y="4149000"/>
+                <a:ext cx="4913909" cy="1123577"/>
               </a:xfrm>
               <a:prstGeom prst="rect">
                 <a:avLst/>
@@ -11336,8 +13972,8 @@
           </p:sp>
         </mc:Fallback>
       </mc:AlternateContent>
-      <mc:AlternateContent xmlns:mc="http://schemas.openxmlformats.org/markup-compatibility/2006" xmlns:a14="http://schemas.microsoft.com/office/drawing/2010/main">
-        <mc:Choice Requires="a14">
+      <mc:AlternateContent xmlns:mc="http://schemas.openxmlformats.org/markup-compatibility/2006">
+        <mc:Choice xmlns:a14="http://schemas.microsoft.com/office/drawing/2010/main" Requires="a14">
           <p:sp>
             <p:nvSpPr>
               <p:cNvPr id="89" name="Прямоугольник 88"/>
@@ -11346,8 +13982,8 @@
             </p:nvSpPr>
             <p:spPr>
               <a:xfrm>
-                <a:off x="6096000" y="3429000"/>
-                <a:ext cx="5184000" cy="1054904"/>
+                <a:off x="6024000" y="2781000"/>
+                <a:ext cx="5256000" cy="1022909"/>
               </a:xfrm>
               <a:prstGeom prst="rect">
                 <a:avLst/>
@@ -11444,6 +14080,31 @@
                             </a:rPr>
                             <m:t>−</m:t>
                           </m:r>
+                          <m:sSup>
+                            <m:sSupPr>
+                              <m:ctrlPr>
+                                <a:rPr lang="en-US" sz="2400" b="0" i="1" smtClean="0">
+                                  <a:latin typeface="Cambria Math" panose="02040503050406030204" pitchFamily="18" charset="0"/>
+                                </a:rPr>
+                              </m:ctrlPr>
+                            </m:sSupPr>
+                            <m:e>
+                              <m:r>
+                                <a:rPr lang="en-US" sz="2400" b="0" i="1" smtClean="0">
+                                  <a:latin typeface="Cambria Math" panose="02040503050406030204" pitchFamily="18" charset="0"/>
+                                </a:rPr>
+                                <m:t>𝑍</m:t>
+                              </m:r>
+                            </m:e>
+                            <m:sup>
+                              <m:r>
+                                <a:rPr lang="en-US" sz="2400" b="0" i="1" smtClean="0">
+                                  <a:latin typeface="Cambria Math" panose="02040503050406030204" pitchFamily="18" charset="0"/>
+                                </a:rPr>
+                                <m:t>2</m:t>
+                              </m:r>
+                            </m:sup>
+                          </m:sSup>
                           <m:sSup>
                             <m:sSupPr>
                               <m:ctrlPr>
@@ -11593,14 +14254,14 @@
                                       </m:ctrlPr>
                                     </m:fPr>
                                     <m:num>
-                                      <m:sSub>
-                                        <m:sSubPr>
+                                      <m:sSubSup>
+                                        <m:sSubSupPr>
                                           <m:ctrlPr>
                                             <a:rPr lang="en-US" sz="2400" b="0" i="1" smtClean="0">
                                               <a:latin typeface="Cambria Math" panose="02040503050406030204" pitchFamily="18" charset="0"/>
                                             </a:rPr>
                                           </m:ctrlPr>
-                                        </m:sSubPr>
+                                        </m:sSubSupPr>
                                         <m:e>
                                           <m:r>
                                             <a:rPr lang="en-US" sz="2400" b="0" i="1" smtClean="0">
@@ -11617,7 +14278,15 @@
                                             <m:t>𝑁</m:t>
                                           </m:r>
                                         </m:sub>
-                                      </m:sSub>
+                                        <m:sup>
+                                          <m:r>
+                                            <a:rPr lang="en-US" sz="2400" i="1">
+                                              <a:latin typeface="Cambria Math" panose="02040503050406030204" pitchFamily="18" charset="0"/>
+                                            </a:rPr>
+                                            <m:t>𝜇</m:t>
+                                          </m:r>
+                                        </m:sup>
+                                      </m:sSubSup>
                                     </m:num>
                                     <m:den>
                                       <m:sSub>
@@ -11727,7 +14396,7 @@
             </p:txBody>
           </p:sp>
         </mc:Choice>
-        <mc:Fallback xmlns="">
+        <mc:Fallback>
           <p:sp>
             <p:nvSpPr>
               <p:cNvPr id="89" name="Прямоугольник 88"/>
@@ -11738,8 +14407,8 @@
             </p:nvSpPr>
             <p:spPr>
               <a:xfrm>
-                <a:off x="6096000" y="3429000"/>
-                <a:ext cx="5184000" cy="1054904"/>
+                <a:off x="6024000" y="2781000"/>
+                <a:ext cx="5256000" cy="1022909"/>
               </a:xfrm>
               <a:prstGeom prst="rect">
                 <a:avLst/>
@@ -11807,6 +14476,30 @@
           </a:p>
         </p:txBody>
       </p:sp>
+      <p:pic>
+        <p:nvPicPr>
+          <p:cNvPr id="8" name="Рисунок 7"/>
+          <p:cNvPicPr>
+            <a:picLocks noChangeAspect="1"/>
+          </p:cNvPicPr>
+          <p:nvPr/>
+        </p:nvPicPr>
+        <p:blipFill>
+          <a:blip r:embed="rId6"/>
+          <a:stretch>
+            <a:fillRect/>
+          </a:stretch>
+        </p:blipFill>
+        <p:spPr>
+          <a:xfrm>
+            <a:off x="480000" y="1773000"/>
+            <a:ext cx="3600000" cy="1542360"/>
+          </a:xfrm>
+          <a:prstGeom prst="rect">
+            <a:avLst/>
+          </a:prstGeom>
+        </p:spPr>
+      </p:pic>
     </p:spTree>
     <p:extLst>
       <p:ext uri="{BB962C8B-B14F-4D97-AF65-F5344CB8AC3E}">
@@ -11899,32 +14592,8 @@
           </a:p>
         </p:txBody>
       </p:sp>
-      <p:pic>
-        <p:nvPicPr>
-          <p:cNvPr id="6" name="Рисунок 5"/>
-          <p:cNvPicPr>
-            <a:picLocks noChangeAspect="1"/>
-          </p:cNvPicPr>
-          <p:nvPr/>
-        </p:nvPicPr>
-        <p:blipFill>
-          <a:blip r:embed="rId2"/>
-          <a:stretch>
-            <a:fillRect/>
-          </a:stretch>
-        </p:blipFill>
-        <p:spPr>
-          <a:xfrm>
-            <a:off x="2928000" y="981000"/>
-            <a:ext cx="6280766" cy="2448000"/>
-          </a:xfrm>
-          <a:prstGeom prst="rect">
-            <a:avLst/>
-          </a:prstGeom>
-        </p:spPr>
-      </p:pic>
-      <mc:AlternateContent xmlns:mc="http://schemas.openxmlformats.org/markup-compatibility/2006" xmlns:a14="http://schemas.microsoft.com/office/drawing/2010/main">
-        <mc:Choice Requires="a14">
+      <mc:AlternateContent xmlns:mc="http://schemas.openxmlformats.org/markup-compatibility/2006">
+        <mc:Choice xmlns:a14="http://schemas.microsoft.com/office/drawing/2010/main" Requires="a14">
           <p:sp>
             <p:nvSpPr>
               <p:cNvPr id="7" name="Прямоугольник 6"/>
@@ -11933,7 +14602,7 @@
             </p:nvSpPr>
             <p:spPr>
               <a:xfrm>
-                <a:off x="2928000" y="3501000"/>
+                <a:off x="1992000" y="3501000"/>
                 <a:ext cx="2402388" cy="837280"/>
               </a:xfrm>
               <a:prstGeom prst="rect">
@@ -12092,7 +14761,7 @@
             </p:txBody>
           </p:sp>
         </mc:Choice>
-        <mc:Fallback xmlns="">
+        <mc:Fallback>
           <p:sp>
             <p:nvSpPr>
               <p:cNvPr id="7" name="Прямоугольник 6"/>
@@ -12103,14 +14772,14 @@
             </p:nvSpPr>
             <p:spPr>
               <a:xfrm>
-                <a:off x="2928000" y="3501000"/>
+                <a:off x="1992000" y="3501000"/>
                 <a:ext cx="2402388" cy="837280"/>
               </a:xfrm>
               <a:prstGeom prst="rect">
                 <a:avLst/>
               </a:prstGeom>
               <a:blipFill>
-                <a:blip r:embed="rId3"/>
+                <a:blip r:embed="rId2"/>
                 <a:stretch>
                   <a:fillRect/>
                 </a:stretch>
@@ -12131,8 +14800,8 @@
           </p:sp>
         </mc:Fallback>
       </mc:AlternateContent>
-      <mc:AlternateContent xmlns:mc="http://schemas.openxmlformats.org/markup-compatibility/2006" xmlns:a14="http://schemas.microsoft.com/office/drawing/2010/main">
-        <mc:Choice Requires="a14">
+      <mc:AlternateContent xmlns:mc="http://schemas.openxmlformats.org/markup-compatibility/2006">
+        <mc:Choice xmlns:a14="http://schemas.microsoft.com/office/drawing/2010/main" Requires="a14">
           <p:sp>
             <p:nvSpPr>
               <p:cNvPr id="8" name="Прямоугольник 7"/>
@@ -12141,7 +14810,7 @@
             </p:nvSpPr>
             <p:spPr>
               <a:xfrm>
-                <a:off x="5592000" y="3501000"/>
+                <a:off x="6384000" y="3501000"/>
                 <a:ext cx="3600000" cy="827855"/>
               </a:xfrm>
               <a:prstGeom prst="rect">
@@ -12343,7 +15012,7 @@
             </p:txBody>
           </p:sp>
         </mc:Choice>
-        <mc:Fallback xmlns="">
+        <mc:Fallback>
           <p:sp>
             <p:nvSpPr>
               <p:cNvPr id="8" name="Прямоугольник 7"/>
@@ -12354,14 +15023,14 @@
             </p:nvSpPr>
             <p:spPr>
               <a:xfrm>
-                <a:off x="5592000" y="3501000"/>
+                <a:off x="6384000" y="3501000"/>
                 <a:ext cx="3600000" cy="827855"/>
               </a:xfrm>
               <a:prstGeom prst="rect">
                 <a:avLst/>
               </a:prstGeom>
               <a:blipFill>
-                <a:blip r:embed="rId4"/>
+                <a:blip r:embed="rId3"/>
                 <a:stretch>
                   <a:fillRect/>
                 </a:stretch>
@@ -12935,6 +15604,30 @@
           </p:sp>
         </mc:Fallback>
       </mc:AlternateContent>
+      <p:pic>
+        <p:nvPicPr>
+          <p:cNvPr id="3" name="Рисунок 2"/>
+          <p:cNvPicPr>
+            <a:picLocks noChangeAspect="1"/>
+          </p:cNvPicPr>
+          <p:nvPr/>
+        </p:nvPicPr>
+        <p:blipFill>
+          <a:blip r:embed="rId6"/>
+          <a:stretch>
+            <a:fillRect/>
+          </a:stretch>
+        </p:blipFill>
+        <p:spPr>
+          <a:xfrm>
+            <a:off x="2064000" y="981000"/>
+            <a:ext cx="7920000" cy="2416417"/>
+          </a:xfrm>
+          <a:prstGeom prst="rect">
+            <a:avLst/>
+          </a:prstGeom>
+        </p:spPr>
+      </p:pic>
     </p:spTree>
     <p:extLst>
       <p:ext uri="{BB962C8B-B14F-4D97-AF65-F5344CB8AC3E}">
@@ -13027,18 +15720,18 @@
           </a:p>
         </p:txBody>
       </p:sp>
-      <mc:AlternateContent xmlns:mc="http://schemas.openxmlformats.org/markup-compatibility/2006" xmlns:a14="http://schemas.microsoft.com/office/drawing/2010/main">
-        <mc:Choice Requires="a14">
+      <mc:AlternateContent xmlns:mc="http://schemas.openxmlformats.org/markup-compatibility/2006">
+        <mc:Choice xmlns:a14="http://schemas.microsoft.com/office/drawing/2010/main" Requires="a14">
           <p:sp>
             <p:nvSpPr>
-              <p:cNvPr id="6" name="Прямоугольник 5"/>
+              <p:cNvPr id="7" name="Прямоугольник 6"/>
               <p:cNvSpPr/>
               <p:nvPr/>
             </p:nvSpPr>
             <p:spPr>
               <a:xfrm>
-                <a:off x="2640000" y="1845000"/>
-                <a:ext cx="5112000" cy="924933"/>
+                <a:off x="336000" y="1053000"/>
+                <a:ext cx="9936000" cy="5158528"/>
               </a:xfrm>
               <a:prstGeom prst="rect">
                 <a:avLst/>
@@ -13050,7 +15743,44 @@
               </a:bodyPr>
               <a:lstStyle/>
               <a:p>
-                <a:pPr/>
+                <a:pPr marL="342900" lvl="0" indent="-342900">
+                  <a:spcAft>
+                    <a:spcPts val="0"/>
+                  </a:spcAft>
+                  <a:buFont typeface="Symbol" panose="05050102010706020507" pitchFamily="18" charset="2"/>
+                  <a:buChar char=""/>
+                </a:pPr>
+                <a:r>
+                  <a:rPr lang="ru-RU" sz="2400" kern="1400" dirty="0" smtClean="0">
+                    <a:latin typeface="Times New Roman" panose="02020603050405020304" pitchFamily="18" charset="0"/>
+                    <a:ea typeface="Cambria" panose="02040503050406030204" pitchFamily="18" charset="0"/>
+                  </a:rPr>
+                  <a:t>Условие неупругости </a:t>
+                </a:r>
+                <a:r>
+                  <a:rPr lang="ru-RU" sz="2400" kern="1400" dirty="0" smtClean="0">
+                    <a:latin typeface="Times New Roman" panose="02020603050405020304" pitchFamily="18" charset="0"/>
+                    <a:ea typeface="Cambria" panose="02040503050406030204" pitchFamily="18" charset="0"/>
+                  </a:rPr>
+                  <a:t>захвата (упругий захват кинематически запрещен)</a:t>
+                </a:r>
+              </a:p>
+              <a:p>
+                <a:pPr lvl="0">
+                  <a:spcAft>
+                    <a:spcPts val="0"/>
+                  </a:spcAft>
+                </a:pPr>
+                <a:endParaRPr lang="ru-RU" sz="2400" i="1" dirty="0" smtClean="0">
+                  <a:latin typeface="Cambria Math" panose="02040503050406030204" pitchFamily="18" charset="0"/>
+                </a:endParaRPr>
+              </a:p>
+              <a:p>
+                <a:pPr lvl="0">
+                  <a:spcAft>
+                    <a:spcPts val="0"/>
+                  </a:spcAft>
+                </a:pPr>
                 <a14:m>
                   <m:oMathPara xmlns:m="http://schemas.openxmlformats.org/officeDocument/2006/math">
                     <m:oMathParaPr>
@@ -13060,7 +15790,7 @@
                       <m:f>
                         <m:fPr>
                           <m:ctrlPr>
-                            <a:rPr lang="ru-RU" sz="2400" i="1" smtClean="0">
+                            <a:rPr lang="ru-RU" sz="2400" i="1">
                               <a:latin typeface="Cambria Math" panose="02040503050406030204" pitchFamily="18" charset="0"/>
                             </a:rPr>
                           </m:ctrlPr>
@@ -13111,7 +15841,7 @@
                             </m:e>
                             <m:sub>
                               <m:r>
-                                <a:rPr lang="ru-RU" sz="2400" i="0">
+                                <a:rPr lang="ru-RU" sz="2400">
                                   <a:latin typeface="Cambria Math" panose="02040503050406030204" pitchFamily="18" charset="0"/>
                                 </a:rPr>
                                 <m:t>ЛСО</m:t>
@@ -13121,7 +15851,7 @@
                         </m:den>
                       </m:f>
                       <m:r>
-                        <a:rPr lang="ru-RU" sz="2400" i="0">
+                        <a:rPr lang="ru-RU" sz="2400">
                           <a:latin typeface="Cambria Math" panose="02040503050406030204" pitchFamily="18" charset="0"/>
                         </a:rPr>
                         <m:t>≲</m:t>
@@ -13172,7 +15902,7 @@
                                 </m:sub>
                               </m:sSub>
                               <m:r>
-                                <a:rPr lang="ru-RU" sz="2400" i="0">
+                                <a:rPr lang="ru-RU" sz="2400">
                                   <a:latin typeface="Cambria Math" panose="02040503050406030204" pitchFamily="18" charset="0"/>
                                 </a:rPr>
                                 <m:t>−</m:t>
@@ -13230,7 +15960,7 @@
                                 </m:sub>
                               </m:sSub>
                               <m:r>
-                                <a:rPr lang="ru-RU" sz="2400" i="0">
+                                <a:rPr lang="ru-RU" sz="2400">
                                   <a:latin typeface="Cambria Math" panose="02040503050406030204" pitchFamily="18" charset="0"/>
                                 </a:rPr>
                                 <m:t>+</m:t>
@@ -13264,303 +15994,64 @@
                           </m:f>
                         </m:e>
                       </m:d>
-                      <m:r>
-                        <a:rPr lang="ru-RU" sz="2400" i="0">
-                          <a:latin typeface="Cambria Math" panose="02040503050406030204" pitchFamily="18" charset="0"/>
-                        </a:rPr>
-                        <m:t>−2</m:t>
-                      </m:r>
-                      <m:f>
-                        <m:fPr>
-                          <m:ctrlPr>
-                            <a:rPr lang="ru-RU" sz="2400" i="1">
-                              <a:latin typeface="Cambria Math" panose="02040503050406030204" pitchFamily="18" charset="0"/>
-                            </a:rPr>
-                          </m:ctrlPr>
-                        </m:fPr>
-                        <m:num>
-                          <m:sSub>
-                            <m:sSubPr>
-                              <m:ctrlPr>
-                                <a:rPr lang="ru-RU" sz="2400" i="1">
-                                  <a:latin typeface="Cambria Math" panose="02040503050406030204" pitchFamily="18" charset="0"/>
-                                </a:rPr>
-                              </m:ctrlPr>
-                            </m:sSubPr>
-                            <m:e>
-                              <m:r>
-                                <a:rPr lang="ru-RU" sz="2400" i="1">
-                                  <a:latin typeface="Cambria Math" panose="02040503050406030204" pitchFamily="18" charset="0"/>
-                                </a:rPr>
-                                <m:t>𝑚</m:t>
-                              </m:r>
-                            </m:e>
-                            <m:sub>
-                              <m:r>
-                                <a:rPr lang="ru-RU" sz="2400" i="1">
-                                  <a:latin typeface="Cambria Math" panose="02040503050406030204" pitchFamily="18" charset="0"/>
-                                </a:rPr>
-                                <m:t>𝑝</m:t>
-                              </m:r>
-                            </m:sub>
-                          </m:sSub>
-                        </m:num>
-                        <m:den>
-                          <m:sSub>
-                            <m:sSubPr>
-                              <m:ctrlPr>
-                                <a:rPr lang="ru-RU" sz="2400" i="1">
-                                  <a:latin typeface="Cambria Math" panose="02040503050406030204" pitchFamily="18" charset="0"/>
-                                </a:rPr>
-                              </m:ctrlPr>
-                            </m:sSubPr>
-                            <m:e>
-                              <m:r>
-                                <a:rPr lang="ru-RU" sz="2400" i="1">
-                                  <a:latin typeface="Cambria Math" panose="02040503050406030204" pitchFamily="18" charset="0"/>
-                                </a:rPr>
-                                <m:t>𝑚</m:t>
-                              </m:r>
-                            </m:e>
-                            <m:sub>
-                              <m:r>
-                                <a:rPr lang="ru-RU" sz="2400" i="1">
-                                  <a:latin typeface="Cambria Math" panose="02040503050406030204" pitchFamily="18" charset="0"/>
-                                </a:rPr>
-                                <m:t>𝑝</m:t>
-                              </m:r>
-                            </m:sub>
-                          </m:sSub>
-                          <m:r>
-                            <a:rPr lang="ru-RU" sz="2400" i="0">
-                              <a:latin typeface="Cambria Math" panose="02040503050406030204" pitchFamily="18" charset="0"/>
-                            </a:rPr>
-                            <m:t>+</m:t>
-                          </m:r>
-                          <m:sSub>
-                            <m:sSubPr>
-                              <m:ctrlPr>
-                                <a:rPr lang="ru-RU" sz="2400" i="1">
-                                  <a:latin typeface="Cambria Math" panose="02040503050406030204" pitchFamily="18" charset="0"/>
-                                </a:rPr>
-                              </m:ctrlPr>
-                            </m:sSubPr>
-                            <m:e>
-                              <m:r>
-                                <a:rPr lang="ru-RU" sz="2400" i="1">
-                                  <a:latin typeface="Cambria Math" panose="02040503050406030204" pitchFamily="18" charset="0"/>
-                                </a:rPr>
-                                <m:t>𝑚</m:t>
-                              </m:r>
-                            </m:e>
-                            <m:sub>
-                              <m:r>
-                                <a:rPr lang="ru-RU" sz="2400" i="1">
-                                  <a:latin typeface="Cambria Math" panose="02040503050406030204" pitchFamily="18" charset="0"/>
-                                </a:rPr>
-                                <m:t>𝑘</m:t>
-                              </m:r>
-                            </m:sub>
-                          </m:sSub>
-                        </m:den>
-                      </m:f>
-                      <m:f>
-                        <m:fPr>
-                          <m:ctrlPr>
-                            <a:rPr lang="ru-RU" sz="2400" i="1">
-                              <a:latin typeface="Cambria Math" panose="02040503050406030204" pitchFamily="18" charset="0"/>
-                            </a:rPr>
-                          </m:ctrlPr>
-                        </m:fPr>
-                        <m:num>
-                          <m:r>
-                            <a:rPr lang="ru-RU" sz="2400" i="1">
-                              <a:latin typeface="Cambria Math" panose="02040503050406030204" pitchFamily="18" charset="0"/>
-                            </a:rPr>
-                            <m:t>𝑤</m:t>
-                          </m:r>
-                        </m:num>
-                        <m:den>
-                          <m:sSub>
-                            <m:sSubPr>
-                              <m:ctrlPr>
-                                <a:rPr lang="ru-RU" sz="2400" i="1">
-                                  <a:latin typeface="Cambria Math" panose="02040503050406030204" pitchFamily="18" charset="0"/>
-                                </a:rPr>
-                              </m:ctrlPr>
-                            </m:sSubPr>
-                            <m:e>
-                              <m:r>
-                                <a:rPr lang="ru-RU" sz="2400" i="1">
-                                  <a:latin typeface="Cambria Math" panose="02040503050406030204" pitchFamily="18" charset="0"/>
-                                </a:rPr>
-                                <m:t>𝑣</m:t>
-                              </m:r>
-                            </m:e>
-                            <m:sub>
-                              <m:r>
-                                <a:rPr lang="ru-RU" sz="2400" i="0">
-                                  <a:latin typeface="Cambria Math" panose="02040503050406030204" pitchFamily="18" charset="0"/>
-                                </a:rPr>
-                                <m:t>ЛСО</m:t>
-                              </m:r>
-                            </m:sub>
-                          </m:sSub>
-                        </m:den>
-                      </m:f>
                     </m:oMath>
                   </m:oMathPara>
                 </a14:m>
-                <a:endParaRPr lang="ru-RU" sz="2400" dirty="0"/>
+                <a:endParaRPr lang="ru-RU" sz="2400" i="1" kern="1400" dirty="0" smtClean="0">
+                  <a:latin typeface="Times New Roman" panose="02020603050405020304" pitchFamily="18" charset="0"/>
+                  <a:ea typeface="Cambria" panose="02040503050406030204" pitchFamily="18" charset="0"/>
+                </a:endParaRPr>
               </a:p>
-            </p:txBody>
-          </p:sp>
-        </mc:Choice>
-        <mc:Fallback xmlns="">
-          <p:sp>
-            <p:nvSpPr>
-              <p:cNvPr id="6" name="Прямоугольник 5"/>
-              <p:cNvSpPr>
-                <a:spLocks noRot="1" noChangeAspect="1" noMove="1" noResize="1" noEditPoints="1" noAdjustHandles="1" noChangeArrowheads="1" noChangeShapeType="1" noTextEdit="1"/>
-              </p:cNvSpPr>
-              <p:nvPr/>
-            </p:nvSpPr>
-            <p:spPr>
-              <a:xfrm>
-                <a:off x="2640000" y="1845000"/>
-                <a:ext cx="5112000" cy="924933"/>
-              </a:xfrm>
-              <a:prstGeom prst="rect">
-                <a:avLst/>
-              </a:prstGeom>
-              <a:blipFill>
-                <a:blip r:embed="rId2"/>
-                <a:stretch>
-                  <a:fillRect/>
-                </a:stretch>
-              </a:blipFill>
-            </p:spPr>
-            <p:txBody>
-              <a:bodyPr/>
-              <a:lstStyle/>
               <a:p>
+                <a:pPr lvl="0">
+                  <a:spcAft>
+                    <a:spcPts val="0"/>
+                  </a:spcAft>
+                </a:pPr>
+                <a:endParaRPr lang="ru-RU" sz="2400" i="1" kern="1400" dirty="0" smtClean="0">
+                  <a:latin typeface="Times New Roman" panose="02020603050405020304" pitchFamily="18" charset="0"/>
+                  <a:ea typeface="Cambria" panose="02040503050406030204" pitchFamily="18" charset="0"/>
+                </a:endParaRPr>
+              </a:p>
+              <a:p>
+                <a:pPr marL="342900" lvl="0" indent="-342900">
+                  <a:spcAft>
+                    <a:spcPts val="0"/>
+                  </a:spcAft>
+                  <a:buFont typeface="Symbol" panose="05050102010706020507" pitchFamily="18" charset="2"/>
+                  <a:buChar char=""/>
+                </a:pPr>
                 <a:r>
-                  <a:rPr lang="ru-RU">
-                    <a:noFill/>
+                  <a:rPr lang="ru-RU" sz="2400" kern="1400" dirty="0">
+                    <a:latin typeface="Times New Roman" panose="02020603050405020304" pitchFamily="18" charset="0"/>
+                    <a:ea typeface="Cambria" panose="02040503050406030204" pitchFamily="18" charset="0"/>
                   </a:rPr>
-                  <a:t> </a:t>
+                  <a:t>Для Солнца не </a:t>
+                </a:r>
+                <a:r>
+                  <a:rPr lang="ru-RU" sz="2400" kern="1400" dirty="0" smtClean="0">
+                    <a:latin typeface="Times New Roman" panose="02020603050405020304" pitchFamily="18" charset="0"/>
+                    <a:ea typeface="Cambria" panose="02040503050406030204" pitchFamily="18" charset="0"/>
+                  </a:rPr>
+                  <a:t>выполняется</a:t>
                 </a:r>
               </a:p>
-            </p:txBody>
-          </p:sp>
-        </mc:Fallback>
-      </mc:AlternateContent>
-      <p:sp>
-        <p:nvSpPr>
-          <p:cNvPr id="7" name="Прямоугольник 6"/>
-          <p:cNvSpPr/>
-          <p:nvPr/>
-        </p:nvSpPr>
-        <p:spPr>
-          <a:xfrm>
-            <a:off x="336000" y="1053000"/>
-            <a:ext cx="5472000" cy="461665"/>
-          </a:xfrm>
-          <a:prstGeom prst="rect">
-            <a:avLst/>
-          </a:prstGeom>
-        </p:spPr>
-        <p:txBody>
-          <a:bodyPr wrap="square">
-            <a:spAutoFit/>
-          </a:bodyPr>
-          <a:lstStyle/>
-          <a:p>
-            <a:pPr marL="342900" lvl="0" indent="-342900">
-              <a:spcAft>
-                <a:spcPts val="0"/>
-              </a:spcAft>
-              <a:buFont typeface="Symbol" panose="05050102010706020507" pitchFamily="18" charset="2"/>
-              <a:buChar char=""/>
-            </a:pPr>
-            <a:r>
-              <a:rPr lang="ru-RU" sz="2400" kern="1400" dirty="0" smtClean="0">
-                <a:latin typeface="Times New Roman" panose="02020603050405020304" pitchFamily="18" charset="0"/>
-                <a:ea typeface="Cambria" panose="02040503050406030204" pitchFamily="18" charset="0"/>
-              </a:rPr>
-              <a:t>Условие неупругости захвата</a:t>
-            </a:r>
-            <a:endParaRPr lang="ru-RU" sz="2400" i="1" dirty="0">
-              <a:latin typeface="Cambria Math" panose="02040503050406030204" pitchFamily="18" charset="0"/>
-            </a:endParaRPr>
-          </a:p>
-        </p:txBody>
-      </p:sp>
-      <p:sp>
-        <p:nvSpPr>
-          <p:cNvPr id="8" name="Прямоугольник 7"/>
-          <p:cNvSpPr/>
-          <p:nvPr/>
-        </p:nvSpPr>
-        <p:spPr>
-          <a:xfrm>
-            <a:off x="336000" y="3141000"/>
-            <a:ext cx="5472000" cy="461665"/>
-          </a:xfrm>
-          <a:prstGeom prst="rect">
-            <a:avLst/>
-          </a:prstGeom>
-        </p:spPr>
-        <p:txBody>
-          <a:bodyPr wrap="square">
-            <a:spAutoFit/>
-          </a:bodyPr>
-          <a:lstStyle/>
-          <a:p>
-            <a:pPr marL="342900" lvl="0" indent="-342900">
-              <a:spcAft>
-                <a:spcPts val="0"/>
-              </a:spcAft>
-              <a:buFont typeface="Symbol" panose="05050102010706020507" pitchFamily="18" charset="2"/>
-              <a:buChar char=""/>
-            </a:pPr>
-            <a:r>
-              <a:rPr lang="ru-RU" sz="2400" kern="1400" dirty="0" smtClean="0">
-                <a:latin typeface="Times New Roman" panose="02020603050405020304" pitchFamily="18" charset="0"/>
-                <a:ea typeface="Cambria" panose="02040503050406030204" pitchFamily="18" charset="0"/>
-              </a:rPr>
-              <a:t>Для Солнца не выполняется</a:t>
-            </a:r>
-            <a:endParaRPr lang="ru-RU" sz="2400" i="1" dirty="0">
-              <a:latin typeface="Cambria Math" panose="02040503050406030204" pitchFamily="18" charset="0"/>
-            </a:endParaRPr>
-          </a:p>
-        </p:txBody>
-      </p:sp>
-      <mc:AlternateContent xmlns:mc="http://schemas.openxmlformats.org/markup-compatibility/2006" xmlns:a14="http://schemas.microsoft.com/office/drawing/2010/main">
-        <mc:Choice Requires="a14">
-          <p:sp>
-            <p:nvSpPr>
-              <p:cNvPr id="9" name="Прямоугольник 8"/>
-              <p:cNvSpPr/>
-              <p:nvPr/>
-            </p:nvSpPr>
-            <p:spPr>
-              <a:xfrm>
-                <a:off x="1056000" y="3861000"/>
-                <a:ext cx="10409516" cy="1001941"/>
-              </a:xfrm>
-              <a:prstGeom prst="rect">
-                <a:avLst/>
-              </a:prstGeom>
-            </p:spPr>
-            <p:txBody>
-              <a:bodyPr wrap="none">
-                <a:spAutoFit/>
-              </a:bodyPr>
-              <a:lstStyle/>
               <a:p>
-                <a:pPr/>
+                <a:pPr lvl="0">
+                  <a:spcAft>
+                    <a:spcPts val="0"/>
+                  </a:spcAft>
+                </a:pPr>
+                <a:endParaRPr lang="ru-RU" sz="2400" i="1" dirty="0" smtClean="0">
+                  <a:latin typeface="Cambria Math" panose="02040503050406030204" pitchFamily="18" charset="0"/>
+                </a:endParaRPr>
+              </a:p>
+              <a:p>
+                <a:pPr lvl="0">
+                  <a:spcAft>
+                    <a:spcPts val="0"/>
+                  </a:spcAft>
+                </a:pPr>
                 <a14:m>
                   <m:oMathPara xmlns:m="http://schemas.openxmlformats.org/officeDocument/2006/math">
                     <m:oMathParaPr>
@@ -13570,7 +16061,7 @@
                       <m:sSup>
                         <m:sSupPr>
                           <m:ctrlPr>
-                            <a:rPr lang="ru-RU" sz="2400" i="1" smtClean="0">
+                            <a:rPr lang="ru-RU" sz="2400" i="1">
                               <a:latin typeface="Cambria Math" panose="02040503050406030204" pitchFamily="18" charset="0"/>
                             </a:rPr>
                           </m:ctrlPr>
@@ -13612,7 +16103,7 @@
                                     </m:e>
                                     <m:sub>
                                       <m:r>
-                                        <a:rPr lang="ru-RU" sz="2400" i="0">
+                                        <a:rPr lang="ru-RU" sz="2400">
                                           <a:latin typeface="Cambria Math" panose="02040503050406030204" pitchFamily="18" charset="0"/>
                                         </a:rPr>
                                         <m:t>0</m:t>
@@ -13653,7 +16144,7 @@
                         </m:e>
                         <m:sup>
                           <m:r>
-                            <a:rPr lang="ru-RU" sz="2400" i="0">
+                            <a:rPr lang="ru-RU" sz="2400">
                               <a:latin typeface="Cambria Math" panose="02040503050406030204" pitchFamily="18" charset="0"/>
                             </a:rPr>
                             <m:t>2</m:t>
@@ -13661,277 +16152,10 @@
                         </m:sup>
                       </m:sSup>
                       <m:r>
-                        <a:rPr lang="ru-RU" sz="2400" i="0">
+                        <a:rPr lang="ru-RU" sz="2400">
                           <a:latin typeface="Cambria Math" panose="02040503050406030204" pitchFamily="18" charset="0"/>
                         </a:rPr>
                         <m:t>≥4</m:t>
-                      </m:r>
-                      <m:d>
-                        <m:dPr>
-                          <m:ctrlPr>
-                            <a:rPr lang="ru-RU" sz="2400" i="1">
-                              <a:latin typeface="Cambria Math" panose="02040503050406030204" pitchFamily="18" charset="0"/>
-                            </a:rPr>
-                          </m:ctrlPr>
-                        </m:dPr>
-                        <m:e>
-                          <m:f>
-                            <m:fPr>
-                              <m:ctrlPr>
-                                <a:rPr lang="ru-RU" sz="2400" i="1">
-                                  <a:latin typeface="Cambria Math" panose="02040503050406030204" pitchFamily="18" charset="0"/>
-                                </a:rPr>
-                              </m:ctrlPr>
-                            </m:fPr>
-                            <m:num>
-                              <m:sSub>
-                                <m:sSubPr>
-                                  <m:ctrlPr>
-                                    <a:rPr lang="ru-RU" sz="2400" i="1">
-                                      <a:latin typeface="Cambria Math" panose="02040503050406030204" pitchFamily="18" charset="0"/>
-                                    </a:rPr>
-                                  </m:ctrlPr>
-                                </m:sSubPr>
-                                <m:e>
-                                  <m:r>
-                                    <a:rPr lang="ru-RU" sz="2400" i="1">
-                                      <a:latin typeface="Cambria Math" panose="02040503050406030204" pitchFamily="18" charset="0"/>
-                                    </a:rPr>
-                                    <m:t>𝑚</m:t>
-                                  </m:r>
-                                </m:e>
-                                <m:sub>
-                                  <m:r>
-                                    <a:rPr lang="ru-RU" sz="2400" i="1">
-                                      <a:latin typeface="Cambria Math" panose="02040503050406030204" pitchFamily="18" charset="0"/>
-                                    </a:rPr>
-                                    <m:t>𝑘</m:t>
-                                  </m:r>
-                                </m:sub>
-                              </m:sSub>
-                            </m:num>
-                            <m:den>
-                              <m:sSub>
-                                <m:sSubPr>
-                                  <m:ctrlPr>
-                                    <a:rPr lang="ru-RU" sz="2400" i="1">
-                                      <a:latin typeface="Cambria Math" panose="02040503050406030204" pitchFamily="18" charset="0"/>
-                                    </a:rPr>
-                                  </m:ctrlPr>
-                                </m:sSubPr>
-                                <m:e>
-                                  <m:r>
-                                    <a:rPr lang="ru-RU" sz="2400" i="1">
-                                      <a:latin typeface="Cambria Math" panose="02040503050406030204" pitchFamily="18" charset="0"/>
-                                    </a:rPr>
-                                    <m:t>𝑚</m:t>
-                                  </m:r>
-                                </m:e>
-                                <m:sub>
-                                  <m:r>
-                                    <a:rPr lang="ru-RU" sz="2400" i="1">
-                                      <a:latin typeface="Cambria Math" panose="02040503050406030204" pitchFamily="18" charset="0"/>
-                                    </a:rPr>
-                                    <m:t>𝑝</m:t>
-                                  </m:r>
-                                </m:sub>
-                              </m:sSub>
-                              <m:r>
-                                <a:rPr lang="ru-RU" sz="2400" i="0">
-                                  <a:latin typeface="Cambria Math" panose="02040503050406030204" pitchFamily="18" charset="0"/>
-                                </a:rPr>
-                                <m:t>+</m:t>
-                              </m:r>
-                              <m:sSub>
-                                <m:sSubPr>
-                                  <m:ctrlPr>
-                                    <a:rPr lang="ru-RU" sz="2400" i="1">
-                                      <a:latin typeface="Cambria Math" panose="02040503050406030204" pitchFamily="18" charset="0"/>
-                                    </a:rPr>
-                                  </m:ctrlPr>
-                                </m:sSubPr>
-                                <m:e>
-                                  <m:r>
-                                    <a:rPr lang="ru-RU" sz="2400" i="1">
-                                      <a:latin typeface="Cambria Math" panose="02040503050406030204" pitchFamily="18" charset="0"/>
-                                    </a:rPr>
-                                    <m:t>𝑚</m:t>
-                                  </m:r>
-                                </m:e>
-                                <m:sub>
-                                  <m:r>
-                                    <a:rPr lang="ru-RU" sz="2400" i="1">
-                                      <a:latin typeface="Cambria Math" panose="02040503050406030204" pitchFamily="18" charset="0"/>
-                                    </a:rPr>
-                                    <m:t>𝑘</m:t>
-                                  </m:r>
-                                </m:sub>
-                              </m:sSub>
-                            </m:den>
-                          </m:f>
-                          <m:r>
-                            <a:rPr lang="ru-RU" sz="2400" i="0">
-                              <a:latin typeface="Cambria Math" panose="02040503050406030204" pitchFamily="18" charset="0"/>
-                            </a:rPr>
-                            <m:t>+</m:t>
-                          </m:r>
-                          <m:f>
-                            <m:fPr>
-                              <m:ctrlPr>
-                                <a:rPr lang="ru-RU" sz="2400" i="1">
-                                  <a:latin typeface="Cambria Math" panose="02040503050406030204" pitchFamily="18" charset="0"/>
-                                </a:rPr>
-                              </m:ctrlPr>
-                            </m:fPr>
-                            <m:num>
-                              <m:sSub>
-                                <m:sSubPr>
-                                  <m:ctrlPr>
-                                    <a:rPr lang="ru-RU" sz="2400" i="1">
-                                      <a:latin typeface="Cambria Math" panose="02040503050406030204" pitchFamily="18" charset="0"/>
-                                    </a:rPr>
-                                  </m:ctrlPr>
-                                </m:sSubPr>
-                                <m:e>
-                                  <m:r>
-                                    <a:rPr lang="ru-RU" sz="2400" i="1">
-                                      <a:latin typeface="Cambria Math" panose="02040503050406030204" pitchFamily="18" charset="0"/>
-                                    </a:rPr>
-                                    <m:t>𝑚</m:t>
-                                  </m:r>
-                                </m:e>
-                                <m:sub>
-                                  <m:r>
-                                    <a:rPr lang="ru-RU" sz="2400" i="1">
-                                      <a:latin typeface="Cambria Math" panose="02040503050406030204" pitchFamily="18" charset="0"/>
-                                    </a:rPr>
-                                    <m:t>𝑝</m:t>
-                                  </m:r>
-                                </m:sub>
-                              </m:sSub>
-                            </m:num>
-                            <m:den>
-                              <m:sSub>
-                                <m:sSubPr>
-                                  <m:ctrlPr>
-                                    <a:rPr lang="ru-RU" sz="2400" i="1">
-                                      <a:latin typeface="Cambria Math" panose="02040503050406030204" pitchFamily="18" charset="0"/>
-                                    </a:rPr>
-                                  </m:ctrlPr>
-                                </m:sSubPr>
-                                <m:e>
-                                  <m:r>
-                                    <a:rPr lang="ru-RU" sz="2400" i="1">
-                                      <a:latin typeface="Cambria Math" panose="02040503050406030204" pitchFamily="18" charset="0"/>
-                                    </a:rPr>
-                                    <m:t>𝑚</m:t>
-                                  </m:r>
-                                </m:e>
-                                <m:sub>
-                                  <m:r>
-                                    <a:rPr lang="ru-RU" sz="2400" i="1">
-                                      <a:latin typeface="Cambria Math" panose="02040503050406030204" pitchFamily="18" charset="0"/>
-                                    </a:rPr>
-                                    <m:t>𝑝</m:t>
-                                  </m:r>
-                                </m:sub>
-                              </m:sSub>
-                              <m:r>
-                                <a:rPr lang="ru-RU" sz="2400" i="0">
-                                  <a:latin typeface="Cambria Math" panose="02040503050406030204" pitchFamily="18" charset="0"/>
-                                </a:rPr>
-                                <m:t>+</m:t>
-                              </m:r>
-                              <m:sSub>
-                                <m:sSubPr>
-                                  <m:ctrlPr>
-                                    <a:rPr lang="ru-RU" sz="2400" i="1">
-                                      <a:latin typeface="Cambria Math" panose="02040503050406030204" pitchFamily="18" charset="0"/>
-                                    </a:rPr>
-                                  </m:ctrlPr>
-                                </m:sSubPr>
-                                <m:e>
-                                  <m:r>
-                                    <a:rPr lang="ru-RU" sz="2400" i="1">
-                                      <a:latin typeface="Cambria Math" panose="02040503050406030204" pitchFamily="18" charset="0"/>
-                                    </a:rPr>
-                                    <m:t>𝑚</m:t>
-                                  </m:r>
-                                </m:e>
-                                <m:sub>
-                                  <m:r>
-                                    <a:rPr lang="ru-RU" sz="2400" i="1">
-                                      <a:latin typeface="Cambria Math" panose="02040503050406030204" pitchFamily="18" charset="0"/>
-                                    </a:rPr>
-                                    <m:t>𝑘</m:t>
-                                  </m:r>
-                                </m:sub>
-                              </m:sSub>
-                            </m:den>
-                          </m:f>
-                          <m:f>
-                            <m:fPr>
-                              <m:ctrlPr>
-                                <a:rPr lang="ru-RU" sz="2400" i="1">
-                                  <a:latin typeface="Cambria Math" panose="02040503050406030204" pitchFamily="18" charset="0"/>
-                                </a:rPr>
-                              </m:ctrlPr>
-                            </m:fPr>
-                            <m:num>
-                              <m:r>
-                                <a:rPr lang="ru-RU" sz="2400" i="1">
-                                  <a:latin typeface="Cambria Math" panose="02040503050406030204" pitchFamily="18" charset="0"/>
-                                </a:rPr>
-                                <m:t>𝑤</m:t>
-                              </m:r>
-                            </m:num>
-                            <m:den>
-                              <m:sSub>
-                                <m:sSubPr>
-                                  <m:ctrlPr>
-                                    <a:rPr lang="ru-RU" sz="2400" i="1">
-                                      <a:latin typeface="Cambria Math" panose="02040503050406030204" pitchFamily="18" charset="0"/>
-                                    </a:rPr>
-                                  </m:ctrlPr>
-                                </m:sSubPr>
-                                <m:e>
-                                  <m:r>
-                                    <a:rPr lang="ru-RU" sz="2400" i="1">
-                                      <a:latin typeface="Cambria Math" panose="02040503050406030204" pitchFamily="18" charset="0"/>
-                                    </a:rPr>
-                                    <m:t>𝑣</m:t>
-                                  </m:r>
-                                </m:e>
-                                <m:sub>
-                                  <m:r>
-                                    <a:rPr lang="ru-RU" sz="2400" i="1">
-                                      <a:latin typeface="Cambria Math" panose="02040503050406030204" pitchFamily="18" charset="0"/>
-                                    </a:rPr>
-                                    <m:t>𝑒𝑠𝑐</m:t>
-                                  </m:r>
-                                </m:sub>
-                              </m:sSub>
-                            </m:den>
-                          </m:f>
-                        </m:e>
-                      </m:d>
-                      <m:r>
-                        <a:rPr lang="ru-RU" sz="2400" b="0" i="0" smtClean="0">
-                          <a:latin typeface="Cambria Math" panose="02040503050406030204" pitchFamily="18" charset="0"/>
-                        </a:rPr>
-                        <m:t>,  </m:t>
-                      </m:r>
-                      <m:r>
-                        <a:rPr lang="ru-RU" sz="2400" smtClean="0">
-                          <a:latin typeface="Cambria Math" panose="02040503050406030204" pitchFamily="18" charset="0"/>
-                        </a:rPr>
-                        <m:t>0.1</m:t>
-                      </m:r>
-                      <m:r>
-                        <a:rPr lang="ru-RU" sz="2400" i="0">
-                          <a:latin typeface="Cambria Math" panose="02040503050406030204" pitchFamily="18" charset="0"/>
-                        </a:rPr>
-                        <m:t>≳</m:t>
                       </m:r>
                       <m:f>
                         <m:fPr>
@@ -13995,7 +16219,7 @@
                             </m:sub>
                           </m:sSub>
                           <m:r>
-                            <a:rPr lang="ru-RU" sz="2400" i="0">
+                            <a:rPr lang="ru-RU" sz="2400">
                               <a:latin typeface="Cambria Math" panose="02040503050406030204" pitchFamily="18" charset="0"/>
                             </a:rPr>
                             <m:t>+</m:t>
@@ -14028,10 +16252,16 @@
                         </m:den>
                       </m:f>
                       <m:r>
-                        <a:rPr lang="ru-RU" sz="2400" i="0">
+                        <a:rPr lang="ru-RU" sz="2400">
                           <a:latin typeface="Cambria Math" panose="02040503050406030204" pitchFamily="18" charset="0"/>
                         </a:rPr>
-                        <m:t>+</m:t>
+                        <m:t>,  0.1</m:t>
+                      </m:r>
+                      <m:r>
+                        <a:rPr lang="ru-RU" sz="2400">
+                          <a:latin typeface="Cambria Math" panose="02040503050406030204" pitchFamily="18" charset="0"/>
+                        </a:rPr>
+                        <m:t>≳</m:t>
                       </m:r>
                       <m:f>
                         <m:fPr>
@@ -14063,7 +16293,7 @@
                                 <a:rPr lang="ru-RU" sz="2400" i="1">
                                   <a:latin typeface="Cambria Math" panose="02040503050406030204" pitchFamily="18" charset="0"/>
                                 </a:rPr>
-                                <m:t>𝑝</m:t>
+                                <m:t>𝑘</m:t>
                               </m:r>
                             </m:sub>
                           </m:sSub>
@@ -14095,7 +16325,7 @@
                             </m:sub>
                           </m:sSub>
                           <m:r>
-                            <a:rPr lang="ru-RU" sz="2400" i="0">
+                            <a:rPr lang="ru-RU" sz="2400">
                               <a:latin typeface="Cambria Math" panose="02040503050406030204" pitchFamily="18" charset="0"/>
                             </a:rPr>
                             <m:t>+</m:t>
@@ -14122,50 +16352,6 @@
                                   <a:latin typeface="Cambria Math" panose="02040503050406030204" pitchFamily="18" charset="0"/>
                                 </a:rPr>
                                 <m:t>𝑘</m:t>
-                              </m:r>
-                            </m:sub>
-                          </m:sSub>
-                        </m:den>
-                      </m:f>
-                      <m:f>
-                        <m:fPr>
-                          <m:ctrlPr>
-                            <a:rPr lang="ru-RU" sz="2400" i="1">
-                              <a:latin typeface="Cambria Math" panose="02040503050406030204" pitchFamily="18" charset="0"/>
-                            </a:rPr>
-                          </m:ctrlPr>
-                        </m:fPr>
-                        <m:num>
-                          <m:r>
-                            <a:rPr lang="ru-RU" sz="2400" i="1">
-                              <a:latin typeface="Cambria Math" panose="02040503050406030204" pitchFamily="18" charset="0"/>
-                            </a:rPr>
-                            <m:t>𝑤</m:t>
-                          </m:r>
-                        </m:num>
-                        <m:den>
-                          <m:sSub>
-                            <m:sSubPr>
-                              <m:ctrlPr>
-                                <a:rPr lang="ru-RU" sz="2400" i="1">
-                                  <a:latin typeface="Cambria Math" panose="02040503050406030204" pitchFamily="18" charset="0"/>
-                                </a:rPr>
-                              </m:ctrlPr>
-                            </m:sSubPr>
-                            <m:e>
-                              <m:r>
-                                <a:rPr lang="ru-RU" sz="2400" i="1">
-                                  <a:latin typeface="Cambria Math" panose="02040503050406030204" pitchFamily="18" charset="0"/>
-                                </a:rPr>
-                                <m:t>𝑣</m:t>
-                              </m:r>
-                            </m:e>
-                            <m:sub>
-                              <m:r>
-                                <a:rPr lang="ru-RU" sz="2400" i="1">
-                                  <a:latin typeface="Cambria Math" panose="02040503050406030204" pitchFamily="18" charset="0"/>
-                                </a:rPr>
-                                <m:t>𝑒𝑠𝑐</m:t>
                               </m:r>
                             </m:sub>
                           </m:sSub>
@@ -14174,72 +16360,20 @@
                     </m:oMath>
                   </m:oMathPara>
                 </a14:m>
-                <a:endParaRPr lang="ru-RU" sz="2400" dirty="0"/>
+                <a:endParaRPr lang="ru-RU" sz="2400" i="1" dirty="0" smtClean="0">
+                  <a:latin typeface="Cambria Math" panose="02040503050406030204" pitchFamily="18" charset="0"/>
+                </a:endParaRPr>
               </a:p>
-            </p:txBody>
-          </p:sp>
-        </mc:Choice>
-        <mc:Fallback xmlns="">
-          <p:sp>
-            <p:nvSpPr>
-              <p:cNvPr id="9" name="Прямоугольник 8"/>
-              <p:cNvSpPr>
-                <a:spLocks noRot="1" noChangeAspect="1" noMove="1" noResize="1" noEditPoints="1" noAdjustHandles="1" noChangeArrowheads="1" noChangeShapeType="1" noTextEdit="1"/>
-              </p:cNvSpPr>
-              <p:nvPr/>
-            </p:nvSpPr>
-            <p:spPr>
-              <a:xfrm>
-                <a:off x="1056000" y="3861000"/>
-                <a:ext cx="10409516" cy="1001941"/>
-              </a:xfrm>
-              <a:prstGeom prst="rect">
-                <a:avLst/>
-              </a:prstGeom>
-              <a:blipFill>
-                <a:blip r:embed="rId3"/>
-                <a:stretch>
-                  <a:fillRect/>
-                </a:stretch>
-              </a:blipFill>
-            </p:spPr>
-            <p:txBody>
-              <a:bodyPr/>
-              <a:lstStyle/>
               <a:p>
-                <a:r>
-                  <a:rPr lang="ru-RU">
-                    <a:noFill/>
-                  </a:rPr>
-                  <a:t> </a:t>
-                </a:r>
+                <a:pPr lvl="0">
+                  <a:spcAft>
+                    <a:spcPts val="0"/>
+                  </a:spcAft>
+                </a:pPr>
+                <a:endParaRPr lang="ru-RU" sz="2400" i="1" dirty="0">
+                  <a:latin typeface="Cambria Math" panose="02040503050406030204" pitchFamily="18" charset="0"/>
+                </a:endParaRPr>
               </a:p>
-            </p:txBody>
-          </p:sp>
-        </mc:Fallback>
-      </mc:AlternateContent>
-      <mc:AlternateContent xmlns:mc="http://schemas.openxmlformats.org/markup-compatibility/2006" xmlns:a14="http://schemas.microsoft.com/office/drawing/2010/main">
-        <mc:Choice Requires="a14">
-          <p:sp>
-            <p:nvSpPr>
-              <p:cNvPr id="11" name="Прямоугольник 10"/>
-              <p:cNvSpPr/>
-              <p:nvPr/>
-            </p:nvSpPr>
-            <p:spPr>
-              <a:xfrm>
-                <a:off x="336000" y="5301000"/>
-                <a:ext cx="10008000" cy="830997"/>
-              </a:xfrm>
-              <a:prstGeom prst="rect">
-                <a:avLst/>
-              </a:prstGeom>
-            </p:spPr>
-            <p:txBody>
-              <a:bodyPr wrap="square">
-                <a:spAutoFit/>
-              </a:bodyPr>
-              <a:lstStyle/>
               <a:p>
                 <a:pPr marL="342900" lvl="0" indent="-342900">
                   <a:spcAft>
@@ -14249,18 +16383,18 @@
                   <a:buChar char=""/>
                 </a:pPr>
                 <a:r>
-                  <a:rPr lang="ru-RU" sz="2400" kern="1400" dirty="0" smtClean="0">
+                  <a:rPr lang="ru-RU" sz="2400" kern="1400" dirty="0">
                     <a:latin typeface="Times New Roman" panose="02020603050405020304" pitchFamily="18" charset="0"/>
                     <a:ea typeface="Cambria" panose="02040503050406030204" pitchFamily="18" charset="0"/>
                   </a:rPr>
-                  <a:t>Для земли </a:t>
+                  <a:t>Для Земли </a:t>
                 </a:r>
                 <a14:m>
                   <m:oMath xmlns:m="http://schemas.openxmlformats.org/officeDocument/2006/math">
                     <m:sSub>
                       <m:sSubPr>
                         <m:ctrlPr>
-                          <a:rPr lang="ru-RU" sz="2400" i="1" smtClean="0">
+                          <a:rPr lang="ru-RU" sz="2400" i="1">
                             <a:latin typeface="Cambria Math" panose="02040503050406030204" pitchFamily="18" charset="0"/>
                           </a:rPr>
                         </m:ctrlPr>
@@ -14283,7 +16417,7 @@
                       </m:sub>
                     </m:sSub>
                     <m:r>
-                      <a:rPr lang="en-US" sz="2400" b="0" i="1" smtClean="0">
+                      <a:rPr lang="en-US" sz="2400" i="1">
                         <a:latin typeface="Cambria Math" panose="02040503050406030204" pitchFamily="18" charset="0"/>
                       </a:rPr>
                       <m:t>≪</m:t>
@@ -14291,7 +16425,7 @@
                     <m:sSub>
                       <m:sSubPr>
                         <m:ctrlPr>
-                          <a:rPr lang="ru-RU" sz="2400" i="1" smtClean="0">
+                          <a:rPr lang="ru-RU" sz="2400" i="1">
                             <a:latin typeface="Cambria Math" panose="02040503050406030204" pitchFamily="18" charset="0"/>
                           </a:rPr>
                         </m:ctrlPr>
@@ -14306,7 +16440,7 @@
                       </m:e>
                       <m:sub>
                         <m:r>
-                          <a:rPr lang="ru-RU" sz="2400" i="0">
+                          <a:rPr lang="ru-RU" sz="2400">
                             <a:latin typeface="Cambria Math" panose="02040503050406030204" pitchFamily="18" charset="0"/>
                           </a:rPr>
                           <m:t>ЛСО</m:t>
@@ -14316,23 +16450,23 @@
                   </m:oMath>
                 </a14:m>
                 <a:r>
-                  <a:rPr lang="ru-RU" sz="2400" i="1" dirty="0" smtClean="0">
+                  <a:rPr lang="ru-RU" sz="2400" i="1" dirty="0">
                     <a:latin typeface="Cambria Math" panose="02040503050406030204" pitchFamily="18" charset="0"/>
                   </a:rPr>
                   <a:t> </a:t>
                 </a:r>
                 <a:r>
-                  <a:rPr lang="ru-RU" dirty="0"/>
+                  <a:rPr lang="ru-RU" sz="2400" dirty="0"/>
                   <a:t>–</a:t>
                 </a:r>
                 <a:r>
-                  <a:rPr lang="en-US" sz="2400" i="1" dirty="0" smtClean="0">
+                  <a:rPr lang="en-US" sz="2400" i="1" dirty="0">
                     <a:latin typeface="Cambria Math" panose="02040503050406030204" pitchFamily="18" charset="0"/>
                   </a:rPr>
                   <a:t> </a:t>
                 </a:r>
                 <a:r>
-                  <a:rPr lang="ru-RU" sz="2400" dirty="0" smtClean="0">
+                  <a:rPr lang="ru-RU" sz="2400" dirty="0">
                     <a:latin typeface="Cambria Math" panose="02040503050406030204" pitchFamily="18" charset="0"/>
                   </a:rPr>
                   <a:t>выполняется, если массы различаются значительно</a:t>
@@ -14341,13 +16475,25 @@
                   <a:latin typeface="Cambria Math" panose="02040503050406030204" pitchFamily="18" charset="0"/>
                 </a:endParaRPr>
               </a:p>
+              <a:p>
+                <a:pPr marL="342900" lvl="0" indent="-342900">
+                  <a:spcAft>
+                    <a:spcPts val="0"/>
+                  </a:spcAft>
+                  <a:buFont typeface="Symbol" panose="05050102010706020507" pitchFamily="18" charset="2"/>
+                  <a:buChar char=""/>
+                </a:pPr>
+                <a:endParaRPr lang="ru-RU" sz="2400" i="1" dirty="0">
+                  <a:latin typeface="Cambria Math" panose="02040503050406030204" pitchFamily="18" charset="0"/>
+                </a:endParaRPr>
+              </a:p>
             </p:txBody>
           </p:sp>
         </mc:Choice>
-        <mc:Fallback xmlns="">
+        <mc:Fallback>
           <p:sp>
             <p:nvSpPr>
-              <p:cNvPr id="11" name="Прямоугольник 10"/>
+              <p:cNvPr id="7" name="Прямоугольник 6"/>
               <p:cNvSpPr>
                 <a:spLocks noRot="1" noChangeAspect="1" noMove="1" noResize="1" noEditPoints="1" noAdjustHandles="1" noChangeArrowheads="1" noChangeShapeType="1" noTextEdit="1"/>
               </p:cNvSpPr>
@@ -14355,16 +16501,16 @@
             </p:nvSpPr>
             <p:spPr>
               <a:xfrm>
-                <a:off x="336000" y="5301000"/>
-                <a:ext cx="10008000" cy="830997"/>
+                <a:off x="336000" y="1053000"/>
+                <a:ext cx="9936000" cy="5158528"/>
               </a:xfrm>
               <a:prstGeom prst="rect">
                 <a:avLst/>
               </a:prstGeom>
               <a:blipFill>
-                <a:blip r:embed="rId4"/>
+                <a:blip r:embed="rId2"/>
                 <a:stretch>
-                  <a:fillRect l="-974" t="-8088" b="-16176"/>
+                  <a:fillRect l="-982" t="-1300" r="-552"/>
                 </a:stretch>
               </a:blipFill>
             </p:spPr>
@@ -14475,8 +16621,8 @@
           </a:p>
         </p:txBody>
       </p:sp>
-      <mc:AlternateContent xmlns:mc="http://schemas.openxmlformats.org/markup-compatibility/2006" xmlns:a14="http://schemas.microsoft.com/office/drawing/2010/main">
-        <mc:Choice Requires="a14">
+      <mc:AlternateContent xmlns:mc="http://schemas.openxmlformats.org/markup-compatibility/2006">
+        <mc:Choice xmlns:a14="http://schemas.microsoft.com/office/drawing/2010/main" Requires="a14">
           <p:sp>
             <p:nvSpPr>
               <p:cNvPr id="9" name="Прямоугольник 8"/>
@@ -14485,8 +16631,8 @@
             </p:nvSpPr>
             <p:spPr>
               <a:xfrm>
-                <a:off x="336000" y="1053000"/>
-                <a:ext cx="7992000" cy="6869573"/>
+                <a:off x="336000" y="909000"/>
+                <a:ext cx="8136000" cy="6869573"/>
               </a:xfrm>
               <a:prstGeom prst="rect">
                 <a:avLst/>
@@ -15395,7 +17541,14 @@
                     <a:latin typeface="Times New Roman" panose="02020603050405020304" pitchFamily="18" charset="0"/>
                     <a:ea typeface="Cambria" panose="02040503050406030204" pitchFamily="18" charset="0"/>
                   </a:rPr>
-                  <a:t> и фактор </a:t>
+                  <a:t> и </a:t>
+                </a:r>
+                <a:r>
+                  <a:rPr lang="ru-RU" sz="2400" kern="1400" dirty="0" smtClean="0">
+                    <a:latin typeface="Times New Roman" panose="02020603050405020304" pitchFamily="18" charset="0"/>
+                    <a:ea typeface="Cambria" panose="02040503050406030204" pitchFamily="18" charset="0"/>
+                  </a:rPr>
+                  <a:t>безразмерный фактор </a:t>
                 </a:r>
                 <a14:m>
                   <m:oMath xmlns:m="http://schemas.openxmlformats.org/officeDocument/2006/math">
@@ -15646,7 +17799,7 @@
             </p:txBody>
           </p:sp>
         </mc:Choice>
-        <mc:Fallback xmlns="">
+        <mc:Fallback>
           <p:sp>
             <p:nvSpPr>
               <p:cNvPr id="9" name="Прямоугольник 8"/>
@@ -15657,8 +17810,8 @@
             </p:nvSpPr>
             <p:spPr>
               <a:xfrm>
-                <a:off x="336000" y="1053000"/>
-                <a:ext cx="7992000" cy="6869573"/>
+                <a:off x="336000" y="909000"/>
+                <a:ext cx="8136000" cy="6869573"/>
               </a:xfrm>
               <a:prstGeom prst="rect">
                 <a:avLst/>
@@ -15666,7 +17819,7 @@
               <a:blipFill>
                 <a:blip r:embed="rId2"/>
                 <a:stretch>
-                  <a:fillRect l="-1220" t="-976" r="-4958"/>
+                  <a:fillRect l="-1199" t="-887" r="-3071"/>
                 </a:stretch>
               </a:blipFill>
             </p:spPr>
@@ -15822,7 +17975,7 @@
         </p:blipFill>
         <p:spPr bwMode="auto">
           <a:xfrm>
-            <a:off x="6456000" y="837000"/>
+            <a:off x="6456000" y="1557000"/>
             <a:ext cx="5472000" cy="3967384"/>
           </a:xfrm>
           <a:prstGeom prst="rect">
@@ -15834,8 +17987,8 @@
           </a:ln>
         </p:spPr>
       </p:pic>
-      <mc:AlternateContent xmlns:mc="http://schemas.openxmlformats.org/markup-compatibility/2006">
-        <mc:Choice xmlns:a14="http://schemas.microsoft.com/office/drawing/2010/main" Requires="a14">
+      <mc:AlternateContent xmlns:mc="http://schemas.openxmlformats.org/markup-compatibility/2006" xmlns:a14="http://schemas.microsoft.com/office/drawing/2010/main">
+        <mc:Choice Requires="a14">
           <p:sp>
             <p:nvSpPr>
               <p:cNvPr id="2" name="Прямоугольник 1"/>
@@ -16141,99 +18294,133 @@
                     </m:oMathParaPr>
                     <m:oMath xmlns:m="http://schemas.openxmlformats.org/officeDocument/2006/math">
                       <m:r>
-                        <a:rPr lang="en-US" sz="2000" i="1"/>
+                        <a:rPr lang="en-US" sz="2000" i="1">
+                          <a:latin typeface="Cambria Math" panose="02040503050406030204" pitchFamily="18" charset="0"/>
+                        </a:rPr>
                         <m:t>𝑑</m:t>
                       </m:r>
                       <m:sSubSup>
                         <m:sSubSupPr>
                           <m:ctrlPr>
-                            <a:rPr lang="ru-RU" sz="2000" i="1"/>
+                            <a:rPr lang="ru-RU" sz="2000" i="1">
+                              <a:latin typeface="Cambria Math" panose="02040503050406030204" pitchFamily="18" charset="0"/>
+                            </a:rPr>
                           </m:ctrlPr>
                         </m:sSubSupPr>
                         <m:e>
                           <m:r>
-                            <a:rPr lang="en-US" sz="2000" i="1"/>
+                            <a:rPr lang="en-US" sz="2000" i="1">
+                              <a:latin typeface="Cambria Math" panose="02040503050406030204" pitchFamily="18" charset="0"/>
+                            </a:rPr>
                             <m:t>𝜎</m:t>
                           </m:r>
                         </m:e>
                         <m:sub>
                           <m:r>
-                            <a:rPr lang="en-US" sz="2000" i="1"/>
+                            <a:rPr lang="en-US" sz="2000" i="1">
+                              <a:latin typeface="Cambria Math" panose="02040503050406030204" pitchFamily="18" charset="0"/>
+                            </a:rPr>
                             <m:t>𝛾</m:t>
                           </m:r>
                         </m:sub>
                         <m:sup>
                           <m:r>
-                            <a:rPr lang="ru-RU" sz="2000" i="1"/>
+                            <a:rPr lang="ru-RU" sz="2000" i="1">
+                              <a:latin typeface="Cambria Math" panose="02040503050406030204" pitchFamily="18" charset="0"/>
+                            </a:rPr>
                             <m:t>неупругое</m:t>
                           </m:r>
                         </m:sup>
                       </m:sSubSup>
                       <m:r>
-                        <a:rPr lang="en-US" sz="2000" i="1"/>
+                        <a:rPr lang="en-US" sz="2000" i="1">
+                          <a:latin typeface="Cambria Math" panose="02040503050406030204" pitchFamily="18" charset="0"/>
+                        </a:rPr>
                         <m:t>=</m:t>
                       </m:r>
                       <m:r>
-                        <a:rPr lang="en-US" sz="2000" i="1"/>
+                        <a:rPr lang="en-US" sz="2000" i="1">
+                          <a:latin typeface="Cambria Math" panose="02040503050406030204" pitchFamily="18" charset="0"/>
+                        </a:rPr>
                         <m:t>𝑑</m:t>
                       </m:r>
                       <m:sSub>
                         <m:sSubPr>
                           <m:ctrlPr>
-                            <a:rPr lang="ru-RU" sz="2000" i="1"/>
+                            <a:rPr lang="ru-RU" sz="2000" i="1">
+                              <a:latin typeface="Cambria Math" panose="02040503050406030204" pitchFamily="18" charset="0"/>
+                            </a:rPr>
                           </m:ctrlPr>
                         </m:sSubPr>
                         <m:e>
                           <m:r>
-                            <a:rPr lang="en-US" sz="2000" i="1"/>
+                            <a:rPr lang="en-US" sz="2000" i="1">
+                              <a:latin typeface="Cambria Math" panose="02040503050406030204" pitchFamily="18" charset="0"/>
+                            </a:rPr>
                             <m:t>𝜎</m:t>
                           </m:r>
                         </m:e>
                         <m:sub>
                           <m:r>
-                            <a:rPr lang="en-US" sz="2000" i="1"/>
+                            <a:rPr lang="en-US" sz="2000" i="1">
+                              <a:latin typeface="Cambria Math" panose="02040503050406030204" pitchFamily="18" charset="0"/>
+                            </a:rPr>
                             <m:t>0</m:t>
                           </m:r>
                         </m:sub>
                       </m:sSub>
                       <m:r>
-                        <a:rPr lang="en-US" sz="2000" i="1"/>
+                        <a:rPr lang="en-US" sz="2000" i="1">
+                          <a:latin typeface="Cambria Math" panose="02040503050406030204" pitchFamily="18" charset="0"/>
+                        </a:rPr>
                         <m:t>⋅</m:t>
                       </m:r>
                       <m:f>
                         <m:fPr>
                           <m:ctrlPr>
-                            <a:rPr lang="ru-RU" sz="2000" i="1"/>
+                            <a:rPr lang="ru-RU" sz="2000" i="1">
+                              <a:latin typeface="Cambria Math" panose="02040503050406030204" pitchFamily="18" charset="0"/>
+                            </a:rPr>
                           </m:ctrlPr>
                         </m:fPr>
                         <m:num>
                           <m:sSup>
                             <m:sSupPr>
                               <m:ctrlPr>
-                                <a:rPr lang="ru-RU" sz="2000" i="1"/>
+                                <a:rPr lang="ru-RU" sz="2000" i="1">
+                                  <a:latin typeface="Cambria Math" panose="02040503050406030204" pitchFamily="18" charset="0"/>
+                                </a:rPr>
                               </m:ctrlPr>
                             </m:sSupPr>
                             <m:e>
                               <m:r>
-                                <a:rPr lang="en-US" sz="2000" i="1"/>
+                                <a:rPr lang="en-US" sz="2000" i="1">
+                                  <a:latin typeface="Cambria Math" panose="02040503050406030204" pitchFamily="18" charset="0"/>
+                                </a:rPr>
                                 <m:t>𝑍</m:t>
                               </m:r>
                             </m:e>
                             <m:sup>
                               <m:r>
-                                <a:rPr lang="en-US" sz="2000" i="1"/>
+                                <a:rPr lang="en-US" sz="2000" i="1">
+                                  <a:latin typeface="Cambria Math" panose="02040503050406030204" pitchFamily="18" charset="0"/>
+                                </a:rPr>
                                 <m:t>2</m:t>
                               </m:r>
                             </m:sup>
                           </m:sSup>
                           <m:r>
-                            <a:rPr lang="en-US" sz="2000" i="1"/>
+                            <a:rPr lang="en-US" sz="2000" i="1">
+                              <a:latin typeface="Cambria Math" panose="02040503050406030204" pitchFamily="18" charset="0"/>
+                            </a:rPr>
                             <m:t>𝛼</m:t>
                           </m:r>
                         </m:num>
                         <m:den>
                           <m:r>
-                            <a:rPr lang="en-US" sz="2000" i="1"/>
+                            <a:rPr lang="en-US" sz="2000" i="1">
+                              <a:latin typeface="Cambria Math" panose="02040503050406030204" pitchFamily="18" charset="0"/>
+                            </a:rPr>
                             <m:t>𝜋</m:t>
                           </m:r>
                         </m:den>
@@ -16241,7 +18428,9 @@
                       <m:func>
                         <m:funcPr>
                           <m:ctrlPr>
-                            <a:rPr lang="ru-RU" sz="2000" i="1"/>
+                            <a:rPr lang="ru-RU" sz="2000" i="1">
+                              <a:latin typeface="Cambria Math" panose="02040503050406030204" pitchFamily="18" charset="0"/>
+                            </a:rPr>
                           </m:ctrlPr>
                         </m:funcPr>
                         <m:fName>
@@ -16249,7 +18438,9 @@
                             <m:rPr>
                               <m:sty m:val="p"/>
                             </m:rPr>
-                            <a:rPr lang="ru-RU" sz="2000"/>
+                            <a:rPr lang="ru-RU" sz="2000">
+                              <a:latin typeface="Cambria Math" panose="02040503050406030204" pitchFamily="18" charset="0"/>
+                            </a:rPr>
                             <m:t>ln</m:t>
                           </m:r>
                         </m:fName>
@@ -16257,25 +18448,33 @@
                           <m:d>
                             <m:dPr>
                               <m:ctrlPr>
-                                <a:rPr lang="ru-RU" sz="2000" i="1"/>
+                                <a:rPr lang="ru-RU" sz="2000" i="1">
+                                  <a:latin typeface="Cambria Math" panose="02040503050406030204" pitchFamily="18" charset="0"/>
+                                </a:rPr>
                               </m:ctrlPr>
                             </m:dPr>
                             <m:e>
                               <m:f>
                                 <m:fPr>
                                   <m:ctrlPr>
-                                    <a:rPr lang="ru-RU" sz="2000" i="1"/>
+                                    <a:rPr lang="ru-RU" sz="2000" i="1">
+                                      <a:latin typeface="Cambria Math" panose="02040503050406030204" pitchFamily="18" charset="0"/>
+                                    </a:rPr>
                                   </m:ctrlPr>
                                 </m:fPr>
                                 <m:num>
                                   <m:r>
-                                    <a:rPr lang="ru-RU" sz="2000" i="1"/>
+                                    <a:rPr lang="ru-RU" sz="2000" i="1">
+                                      <a:latin typeface="Cambria Math" panose="02040503050406030204" pitchFamily="18" charset="0"/>
+                                    </a:rPr>
                                     <m:t>𝜖</m:t>
                                   </m:r>
                                 </m:num>
                                 <m:den>
                                   <m:r>
-                                    <a:rPr lang="ru-RU" sz="2000" i="1"/>
+                                    <a:rPr lang="ru-RU" sz="2000" i="1">
+                                      <a:latin typeface="Cambria Math" panose="02040503050406030204" pitchFamily="18" charset="0"/>
+                                    </a:rPr>
                                     <m:t>𝜇</m:t>
                                   </m:r>
                                 </m:den>
@@ -16285,22 +18484,30 @@
                         </m:e>
                       </m:func>
                       <m:r>
-                        <a:rPr lang="ru-RU" sz="2000" i="1"/>
+                        <a:rPr lang="ru-RU" sz="2000" i="1">
+                          <a:latin typeface="Cambria Math" panose="02040503050406030204" pitchFamily="18" charset="0"/>
+                        </a:rPr>
                         <m:t>⋅</m:t>
                       </m:r>
                       <m:r>
-                        <a:rPr lang="ru-RU" sz="2000" i="1"/>
+                        <a:rPr lang="ru-RU" sz="2000" i="1">
+                          <a:latin typeface="Cambria Math" panose="02040503050406030204" pitchFamily="18" charset="0"/>
+                        </a:rPr>
                         <m:t>𝑊</m:t>
                       </m:r>
                       <m:d>
                         <m:dPr>
                           <m:ctrlPr>
-                            <a:rPr lang="ru-RU" sz="2000" i="1"/>
+                            <a:rPr lang="ru-RU" sz="2000" i="1">
+                              <a:latin typeface="Cambria Math" panose="02040503050406030204" pitchFamily="18" charset="0"/>
+                            </a:rPr>
                           </m:ctrlPr>
                         </m:dPr>
                         <m:e>
                           <m:r>
-                            <a:rPr lang="ru-RU" sz="2000" i="1"/>
+                            <a:rPr lang="ru-RU" sz="2000" i="1">
+                              <a:latin typeface="Cambria Math" panose="02040503050406030204" pitchFamily="18" charset="0"/>
+                            </a:rPr>
                             <m:t>𝑥</m:t>
                           </m:r>
                         </m:e>
@@ -16359,7 +18566,7 @@
             </p:txBody>
           </p:sp>
         </mc:Choice>
-        <mc:Fallback>
+        <mc:Fallback xmlns="">
           <p:sp>
             <p:nvSpPr>
               <p:cNvPr id="2" name="Прямоугольник 1"/>
@@ -16398,6 +18605,42 @@
           </p:sp>
         </mc:Fallback>
       </mc:AlternateContent>
+      <p:sp>
+        <p:nvSpPr>
+          <p:cNvPr id="5" name="TextBox 4"/>
+          <p:cNvSpPr txBox="1"/>
+          <p:nvPr/>
+        </p:nvSpPr>
+        <p:spPr>
+          <a:xfrm>
+            <a:off x="7536000" y="1197000"/>
+            <a:ext cx="4320000" cy="400110"/>
+          </a:xfrm>
+          <a:prstGeom prst="rect">
+            <a:avLst/>
+          </a:prstGeom>
+          <a:noFill/>
+        </p:spPr>
+        <p:txBody>
+          <a:bodyPr wrap="square" rtlCol="0">
+            <a:spAutoFit/>
+          </a:bodyPr>
+          <a:lstStyle/>
+          <a:p>
+            <a:r>
+              <a:rPr lang="ru-RU" sz="2000" dirty="0" smtClean="0">
+                <a:latin typeface="Times New Roman" panose="02020603050405020304" pitchFamily="18" charset="0"/>
+                <a:cs typeface="Times New Roman" panose="02020603050405020304" pitchFamily="18" charset="0"/>
+              </a:rPr>
+              <a:t>обезразмеренное сечение захвата</a:t>
+            </a:r>
+            <a:endParaRPr lang="ru-RU" sz="2000" dirty="0">
+              <a:latin typeface="Times New Roman" panose="02020603050405020304" pitchFamily="18" charset="0"/>
+              <a:cs typeface="Times New Roman" panose="02020603050405020304" pitchFamily="18" charset="0"/>
+            </a:endParaRPr>
+          </a:p>
+        </p:txBody>
+      </p:sp>
     </p:spTree>
     <p:extLst>
       <p:ext uri="{BB962C8B-B14F-4D97-AF65-F5344CB8AC3E}">
@@ -16408,6 +18651,13 @@
   <p:clrMapOvr>
     <a:masterClrMapping/>
   </p:clrMapOvr>
+  <p:timing>
+    <p:tnLst>
+      <p:par>
+        <p:cTn id="1" dur="indefinite" restart="never" nodeType="tmRoot"/>
+      </p:par>
+    </p:tnLst>
+  </p:timing>
 </p:sld>
 </file>
 
